--- a/3D Reconstruction/Documentation/TSBB15prez.pptx
+++ b/3D Reconstruction/Documentation/TSBB15prez.pptx
@@ -5,28 +5,22 @@
     <p:sldMasterId id="2147483684" r:id="rId1"/>
   </p:sldMasterIdLst>
   <p:handoutMasterIdLst>
-    <p:handoutMasterId r:id="rId21"/>
+    <p:handoutMasterId r:id="rId15"/>
   </p:handoutMasterIdLst>
   <p:sldIdLst>
     <p:sldId id="256" r:id="rId2"/>
     <p:sldId id="271" r:id="rId3"/>
     <p:sldId id="262" r:id="rId4"/>
     <p:sldId id="260" r:id="rId5"/>
-    <p:sldId id="270" r:id="rId6"/>
-    <p:sldId id="272" r:id="rId7"/>
-    <p:sldId id="264" r:id="rId8"/>
-    <p:sldId id="269" r:id="rId9"/>
-    <p:sldId id="294" r:id="rId10"/>
-    <p:sldId id="296" r:id="rId11"/>
-    <p:sldId id="297" r:id="rId12"/>
-    <p:sldId id="298" r:id="rId13"/>
-    <p:sldId id="299" r:id="rId14"/>
-    <p:sldId id="300" r:id="rId15"/>
-    <p:sldId id="277" r:id="rId16"/>
-    <p:sldId id="293" r:id="rId17"/>
-    <p:sldId id="278" r:id="rId18"/>
-    <p:sldId id="295" r:id="rId19"/>
-    <p:sldId id="279" r:id="rId20"/>
+    <p:sldId id="296" r:id="rId6"/>
+    <p:sldId id="270" r:id="rId7"/>
+    <p:sldId id="272" r:id="rId8"/>
+    <p:sldId id="264" r:id="rId9"/>
+    <p:sldId id="269" r:id="rId10"/>
+    <p:sldId id="294" r:id="rId11"/>
+    <p:sldId id="293" r:id="rId12"/>
+    <p:sldId id="278" r:id="rId13"/>
+    <p:sldId id="279" r:id="rId14"/>
   </p:sldIdLst>
   <p:sldSz cx="9144000" cy="6858000" type="screen4x3"/>
   <p:notesSz cx="6858000" cy="9144000"/>
@@ -134,20 +128,14 @@
             <p14:sldId id="271"/>
             <p14:sldId id="262"/>
             <p14:sldId id="260"/>
+            <p14:sldId id="296"/>
             <p14:sldId id="270"/>
             <p14:sldId id="272"/>
             <p14:sldId id="264"/>
             <p14:sldId id="269"/>
             <p14:sldId id="294"/>
-            <p14:sldId id="296"/>
-            <p14:sldId id="297"/>
-            <p14:sldId id="298"/>
-            <p14:sldId id="299"/>
-            <p14:sldId id="300"/>
-            <p14:sldId id="277"/>
             <p14:sldId id="293"/>
             <p14:sldId id="278"/>
-            <p14:sldId id="295"/>
             <p14:sldId id="279"/>
           </p14:sldIdLst>
         </p14:section>
@@ -4068,26 +4056,14 @@
             <a:pPr algn="ctr"/>
             <a:r>
               <a:rPr lang="en-US" dirty="0" smtClean="0"/>
-              <a:t>TSBB15 </a:t>
-            </a:r>
-            <a:r>
-              <a:rPr lang="en-US" dirty="0" smtClean="0"/>
-              <a:t>3D Reconstruction </a:t>
-            </a:r>
-            <a:r>
-              <a:rPr lang="en-US" dirty="0" smtClean="0"/>
-              <a:t/>
+              <a:t>TSBB15 3D Reconstruction </a:t>
             </a:r>
             <a:br>
               <a:rPr lang="en-US" dirty="0" smtClean="0"/>
             </a:br>
             <a:r>
               <a:rPr lang="en-US" sz="3600" dirty="0" smtClean="0"/>
-              <a:t>Group </a:t>
-            </a:r>
-            <a:r>
-              <a:rPr lang="en-US" sz="3600" dirty="0" smtClean="0"/>
-              <a:t>2 “</a:t>
+              <a:t>Group 2 “</a:t>
             </a:r>
             <a:r>
               <a:rPr lang="en-US" sz="3600" dirty="0" err="1" smtClean="0"/>
@@ -4096,10 +4072,6 @@
             <a:r>
               <a:rPr lang="en-US" sz="3600" dirty="0" smtClean="0"/>
               <a:t>”</a:t>
-            </a:r>
-            <a:r>
-              <a:rPr lang="en-US" sz="3600" dirty="0" smtClean="0"/>
-              <a:t/>
             </a:r>
             <a:br>
               <a:rPr lang="en-US" sz="3600" dirty="0" smtClean="0"/>
@@ -4204,8 +4176,12 @@
           <a:lstStyle/>
           <a:p>
             <a:r>
+              <a:rPr lang="en-US" smtClean="0"/>
+              <a:t>Solving the </a:t>
+            </a:r>
+            <a:r>
               <a:rPr lang="en-US" dirty="0" smtClean="0"/>
-              <a:t>Identification</a:t>
+              <a:t>PnP</a:t>
             </a:r>
             <a:endParaRPr lang="en-US" dirty="0"/>
           </a:p>
@@ -4213,7 +4189,7 @@
       </p:sp>
       <p:sp>
         <p:nvSpPr>
-          <p:cNvPr id="5" name="Content Placeholder 2"/>
+          <p:cNvPr id="3" name="Content Placeholder 2"/>
           <p:cNvSpPr>
             <a:spLocks noGrp="1"/>
           </p:cNvSpPr>
@@ -4221,12 +4197,7 @@
             <p:ph idx="1"/>
           </p:nvPr>
         </p:nvSpPr>
-        <p:spPr>
-          <a:xfrm>
-            <a:off x="457200" y="1775191"/>
-            <a:ext cx="8229600" cy="4625609"/>
-          </a:xfrm>
-        </p:spPr>
+        <p:spPr/>
         <p:txBody>
           <a:bodyPr>
             <a:normAutofit/>
@@ -4234,75 +4205,42 @@
           <a:lstStyle/>
           <a:p>
             <a:r>
+              <a:rPr lang="en-US" i="1" dirty="0" smtClean="0"/>
+              <a:t>Object</a:t>
+            </a:r>
+            <a:r>
               <a:rPr lang="en-US" dirty="0" smtClean="0"/>
-              <a:t>Objectives</a:t>
-            </a:r>
+              <a:t> creation</a:t>
+            </a:r>
+            <a:endParaRPr lang="en-US" i="1" dirty="0"/>
           </a:p>
           <a:p>
             <a:pPr lvl="1"/>
             <a:r>
-              <a:rPr lang="en-US" dirty="0"/>
-              <a:t>Correlate previous objects with current </a:t>
-            </a:r>
-            <a:r>
               <a:rPr lang="en-US" dirty="0" smtClean="0"/>
-              <a:t>objects</a:t>
+              <a:t>Find remaining contours</a:t>
             </a:r>
           </a:p>
           <a:p>
             <a:pPr lvl="1"/>
             <a:r>
-              <a:rPr lang="en-US" dirty="0"/>
-              <a:t>Handle occlusion</a:t>
-            </a:r>
-          </a:p>
-          <a:p>
-            <a:pPr lvl="2"/>
-            <a:r>
-              <a:rPr lang="en-US" dirty="0"/>
-              <a:t>Objects &lt;-&gt; Objects</a:t>
-            </a:r>
-          </a:p>
-          <a:p>
-            <a:pPr lvl="2"/>
-            <a:r>
-              <a:rPr lang="en-US" dirty="0"/>
-              <a:t>Objects &lt;-&gt; </a:t>
-            </a:r>
-            <a:r>
               <a:rPr lang="en-US" dirty="0" smtClean="0"/>
-              <a:t>Background</a:t>
-            </a:r>
-            <a:endParaRPr lang="en-US" dirty="0"/>
+              <a:t>Create bounding boxes</a:t>
+            </a:r>
           </a:p>
           <a:p>
             <a:pPr lvl="1"/>
             <a:r>
               <a:rPr lang="en-US" dirty="0" smtClean="0"/>
-              <a:t>Assign unique ID’s to new objects</a:t>
-            </a:r>
-            <a:endParaRPr lang="en-US" dirty="0"/>
-          </a:p>
-          <a:p>
-            <a:pPr lvl="1"/>
-            <a:r>
-              <a:rPr lang="en-US" dirty="0"/>
-              <a:t>Forget objects that leave the </a:t>
-            </a:r>
-            <a:r>
-              <a:rPr lang="en-US" dirty="0" smtClean="0"/>
-              <a:t>screen</a:t>
-            </a:r>
-          </a:p>
-          <a:p>
-            <a:endParaRPr lang="en-US" dirty="0"/>
+              <a:t>Calculate positions</a:t>
+            </a:r>
           </a:p>
         </p:txBody>
       </p:sp>
     </p:spTree>
     <p:extLst>
       <p:ext uri="{BB962C8B-B14F-4D97-AF65-F5344CB8AC3E}">
-        <p14:creationId xmlns:p14="http://schemas.microsoft.com/office/powerpoint/2010/main" val="2851670682"/>
+        <p14:creationId xmlns:p14="http://schemas.microsoft.com/office/powerpoint/2010/main" val="3075658481"/>
       </p:ext>
     </p:extLst>
   </p:cSld>
@@ -4352,586 +4290,64 @@
           <a:lstStyle/>
           <a:p>
             <a:r>
-              <a:rPr lang="sv-SE" dirty="0" smtClean="0"/>
-              <a:t>Identification – Error measure</a:t>
-            </a:r>
-            <a:endParaRPr lang="sv-SE" dirty="0"/>
-          </a:p>
-        </p:txBody>
-      </p:sp>
-      <mc:AlternateContent xmlns:mc="http://schemas.openxmlformats.org/markup-compatibility/2006" xmlns:a14="http://schemas.microsoft.com/office/drawing/2010/main">
-        <mc:Choice Requires="a14">
-          <p:sp>
-            <p:nvSpPr>
-              <p:cNvPr id="3" name="Content Placeholder 2"/>
-              <p:cNvSpPr>
-                <a:spLocks noGrp="1"/>
-              </p:cNvSpPr>
-              <p:nvPr>
-                <p:ph idx="1"/>
-              </p:nvPr>
-            </p:nvSpPr>
-            <p:spPr/>
-            <p:txBody>
-              <a:bodyPr/>
-              <a:lstStyle/>
-              <a:p>
-                <a:r>
-                  <a:rPr lang="sv-SE" dirty="0" smtClean="0"/>
-                  <a:t>A measure of how similar two objects are.</a:t>
-                </a:r>
-              </a:p>
-              <a:p>
-                <a:r>
-                  <a:rPr lang="sv-SE" dirty="0" smtClean="0"/>
-                  <a:t>A measure of how probable it is that two objects are the same.</a:t>
-                </a:r>
-              </a:p>
-              <a:p>
-                <a:endParaRPr lang="sv-SE" dirty="0"/>
-              </a:p>
-              <a:p>
-                <a14:m>
-                  <m:oMath xmlns:m="http://schemas.openxmlformats.org/officeDocument/2006/math">
-                    <m:sSup>
-                      <m:sSupPr>
-                        <m:ctrlPr>
-                          <a:rPr lang="sv-SE" sz="1500" b="0" i="1" smtClean="0">
-                            <a:latin typeface="Cambria Math"/>
-                          </a:rPr>
-                        </m:ctrlPr>
-                      </m:sSupPr>
-                      <m:e>
-                        <m:r>
-                          <a:rPr lang="sv-SE" sz="1500" b="0" i="1" smtClean="0">
-                            <a:latin typeface="Cambria Math"/>
-                          </a:rPr>
-                          <m:t>𝜖</m:t>
-                        </m:r>
-                        <m:r>
-                          <a:rPr lang="sv-SE" sz="1500" b="0" i="1" smtClean="0">
-                            <a:latin typeface="Cambria Math"/>
-                          </a:rPr>
-                          <m:t>=</m:t>
-                        </m:r>
-                        <m:d>
-                          <m:dPr>
-                            <m:ctrlPr>
-                              <a:rPr lang="sv-SE" sz="1500" i="1" smtClean="0">
-                                <a:latin typeface="Cambria Math"/>
-                              </a:rPr>
-                            </m:ctrlPr>
-                          </m:dPr>
-                          <m:e>
-                            <m:sSub>
-                              <m:sSubPr>
-                                <m:ctrlPr>
-                                  <a:rPr lang="sv-SE" sz="1500" b="0" i="1" smtClean="0">
-                                    <a:latin typeface="Cambria Math"/>
-                                  </a:rPr>
-                                </m:ctrlPr>
-                              </m:sSubPr>
-                              <m:e>
-                                <m:r>
-                                  <a:rPr lang="sv-SE" sz="1500" b="0" i="1" smtClean="0">
-                                    <a:latin typeface="Cambria Math"/>
-                                  </a:rPr>
-                                  <m:t>𝑥</m:t>
-                                </m:r>
-                              </m:e>
-                              <m:sub>
-                                <m:r>
-                                  <a:rPr lang="sv-SE" sz="1500" b="0" i="1" smtClean="0">
-                                    <a:latin typeface="Cambria Math"/>
-                                  </a:rPr>
-                                  <m:t>1</m:t>
-                                </m:r>
-                              </m:sub>
-                            </m:sSub>
-                            <m:r>
-                              <a:rPr lang="sv-SE" sz="1500" b="0" i="1" smtClean="0">
-                                <a:latin typeface="Cambria Math"/>
-                              </a:rPr>
-                              <m:t>−</m:t>
-                            </m:r>
-                            <m:sSub>
-                              <m:sSubPr>
-                                <m:ctrlPr>
-                                  <a:rPr lang="sv-SE" sz="1500" b="0" i="1" smtClean="0">
-                                    <a:latin typeface="Cambria Math"/>
-                                  </a:rPr>
-                                </m:ctrlPr>
-                              </m:sSubPr>
-                              <m:e>
-                                <m:r>
-                                  <a:rPr lang="sv-SE" sz="1500" b="0" i="1" smtClean="0">
-                                    <a:latin typeface="Cambria Math"/>
-                                  </a:rPr>
-                                  <m:t>𝑥</m:t>
-                                </m:r>
-                              </m:e>
-                              <m:sub>
-                                <m:r>
-                                  <a:rPr lang="sv-SE" sz="1500" b="0" i="1" smtClean="0">
-                                    <a:latin typeface="Cambria Math"/>
-                                  </a:rPr>
-                                  <m:t>2</m:t>
-                                </m:r>
-                              </m:sub>
-                            </m:sSub>
-                            <m:r>
-                              <a:rPr lang="sv-SE" sz="1500" b="0" i="1" smtClean="0">
-                                <a:latin typeface="Cambria Math"/>
-                              </a:rPr>
-                              <m:t>−</m:t>
-                            </m:r>
-                            <m:r>
-                              <a:rPr lang="sv-SE" sz="1500" b="0" i="1" smtClean="0">
-                                <a:latin typeface="Cambria Math"/>
-                                <a:ea typeface="Cambria Math"/>
-                              </a:rPr>
-                              <m:t>𝜕</m:t>
-                            </m:r>
-                            <m:sSub>
-                              <m:sSubPr>
-                                <m:ctrlPr>
-                                  <a:rPr lang="sv-SE" sz="1500" b="0" i="1" smtClean="0">
-                                    <a:latin typeface="Cambria Math"/>
-                                    <a:ea typeface="Cambria Math"/>
-                                  </a:rPr>
-                                </m:ctrlPr>
-                              </m:sSubPr>
-                              <m:e>
-                                <m:r>
-                                  <a:rPr lang="sv-SE" sz="1500" b="0" i="1" smtClean="0">
-                                    <a:latin typeface="Cambria Math"/>
-                                    <a:ea typeface="Cambria Math"/>
-                                  </a:rPr>
-                                  <m:t>𝑥</m:t>
-                                </m:r>
-                              </m:e>
-                              <m:sub>
-                                <m:r>
-                                  <a:rPr lang="sv-SE" sz="1500" b="0" i="1" smtClean="0">
-                                    <a:latin typeface="Cambria Math"/>
-                                    <a:ea typeface="Cambria Math"/>
-                                  </a:rPr>
-                                  <m:t>2</m:t>
-                                </m:r>
-                              </m:sub>
-                            </m:sSub>
-                          </m:e>
-                        </m:d>
-                      </m:e>
-                      <m:sup>
-                        <m:r>
-                          <a:rPr lang="sv-SE" sz="1500" b="0" i="1" smtClean="0">
-                            <a:latin typeface="Cambria Math"/>
-                          </a:rPr>
-                          <m:t>2</m:t>
-                        </m:r>
-                      </m:sup>
-                    </m:sSup>
-                    <m:r>
-                      <a:rPr lang="sv-SE" sz="1500" b="0" i="1" smtClean="0">
-                        <a:latin typeface="Cambria Math"/>
-                      </a:rPr>
-                      <m:t>+</m:t>
-                    </m:r>
-                    <m:sSup>
-                      <m:sSupPr>
-                        <m:ctrlPr>
-                          <a:rPr lang="sv-SE" sz="1500" i="1">
-                            <a:latin typeface="Cambria Math"/>
-                          </a:rPr>
-                        </m:ctrlPr>
-                      </m:sSupPr>
-                      <m:e>
-                        <m:d>
-                          <m:dPr>
-                            <m:ctrlPr>
-                              <a:rPr lang="sv-SE" sz="1500" i="1">
-                                <a:latin typeface="Cambria Math"/>
-                              </a:rPr>
-                            </m:ctrlPr>
-                          </m:dPr>
-                          <m:e>
-                            <m:sSub>
-                              <m:sSubPr>
-                                <m:ctrlPr>
-                                  <a:rPr lang="sv-SE" sz="1500" i="1">
-                                    <a:latin typeface="Cambria Math"/>
-                                  </a:rPr>
-                                </m:ctrlPr>
-                              </m:sSubPr>
-                              <m:e>
-                                <m:r>
-                                  <a:rPr lang="sv-SE" sz="1500" b="0" i="1" smtClean="0">
-                                    <a:latin typeface="Cambria Math"/>
-                                  </a:rPr>
-                                  <m:t>𝑦</m:t>
-                                </m:r>
-                              </m:e>
-                              <m:sub>
-                                <m:r>
-                                  <a:rPr lang="sv-SE" sz="1500" i="1">
-                                    <a:latin typeface="Cambria Math"/>
-                                  </a:rPr>
-                                  <m:t>1</m:t>
-                                </m:r>
-                              </m:sub>
-                            </m:sSub>
-                            <m:r>
-                              <a:rPr lang="sv-SE" sz="1500" i="1">
-                                <a:latin typeface="Cambria Math"/>
-                              </a:rPr>
-                              <m:t>−</m:t>
-                            </m:r>
-                            <m:sSub>
-                              <m:sSubPr>
-                                <m:ctrlPr>
-                                  <a:rPr lang="sv-SE" sz="1500" i="1">
-                                    <a:latin typeface="Cambria Math"/>
-                                  </a:rPr>
-                                </m:ctrlPr>
-                              </m:sSubPr>
-                              <m:e>
-                                <m:r>
-                                  <a:rPr lang="sv-SE" sz="1500" b="0" i="1" smtClean="0">
-                                    <a:latin typeface="Cambria Math"/>
-                                  </a:rPr>
-                                  <m:t>𝑦</m:t>
-                                </m:r>
-                              </m:e>
-                              <m:sub>
-                                <m:r>
-                                  <a:rPr lang="sv-SE" sz="1500" i="1">
-                                    <a:latin typeface="Cambria Math"/>
-                                  </a:rPr>
-                                  <m:t>2</m:t>
-                                </m:r>
-                              </m:sub>
-                            </m:sSub>
-                            <m:r>
-                              <a:rPr lang="sv-SE" sz="1500" i="1">
-                                <a:latin typeface="Cambria Math"/>
-                              </a:rPr>
-                              <m:t>−</m:t>
-                            </m:r>
-                            <m:r>
-                              <a:rPr lang="sv-SE" sz="1500" i="1">
-                                <a:latin typeface="Cambria Math"/>
-                                <a:ea typeface="Cambria Math"/>
-                              </a:rPr>
-                              <m:t>𝜕</m:t>
-                            </m:r>
-                            <m:sSub>
-                              <m:sSubPr>
-                                <m:ctrlPr>
-                                  <a:rPr lang="sv-SE" sz="1500" i="1">
-                                    <a:latin typeface="Cambria Math"/>
-                                    <a:ea typeface="Cambria Math"/>
-                                  </a:rPr>
-                                </m:ctrlPr>
-                              </m:sSubPr>
-                              <m:e>
-                                <m:r>
-                                  <a:rPr lang="sv-SE" sz="1500" b="0" i="1" smtClean="0">
-                                    <a:latin typeface="Cambria Math"/>
-                                    <a:ea typeface="Cambria Math"/>
-                                  </a:rPr>
-                                  <m:t>𝑦</m:t>
-                                </m:r>
-                              </m:e>
-                              <m:sub>
-                                <m:r>
-                                  <a:rPr lang="sv-SE" sz="1500" i="1">
-                                    <a:latin typeface="Cambria Math"/>
-                                    <a:ea typeface="Cambria Math"/>
-                                  </a:rPr>
-                                  <m:t>2</m:t>
-                                </m:r>
-                              </m:sub>
-                            </m:sSub>
-                          </m:e>
-                        </m:d>
-                      </m:e>
-                      <m:sup>
-                        <m:r>
-                          <a:rPr lang="sv-SE" sz="1500" i="1">
-                            <a:latin typeface="Cambria Math"/>
-                          </a:rPr>
-                          <m:t>2</m:t>
-                        </m:r>
-                      </m:sup>
-                    </m:sSup>
-                    <m:r>
-                      <a:rPr lang="sv-SE" sz="1500" b="0" i="1" smtClean="0">
-                        <a:latin typeface="Cambria Math"/>
-                      </a:rPr>
-                      <m:t>+</m:t>
-                    </m:r>
-                    <m:sSup>
-                      <m:sSupPr>
-                        <m:ctrlPr>
-                          <a:rPr lang="sv-SE" sz="1500" b="0" i="1" smtClean="0">
-                            <a:latin typeface="Cambria Math"/>
-                          </a:rPr>
-                        </m:ctrlPr>
-                      </m:sSupPr>
-                      <m:e>
-                        <m:d>
-                          <m:dPr>
-                            <m:ctrlPr>
-                              <a:rPr lang="sv-SE" sz="1500" b="0" i="1" smtClean="0">
-                                <a:latin typeface="Cambria Math"/>
-                              </a:rPr>
-                            </m:ctrlPr>
-                          </m:dPr>
-                          <m:e>
-                            <m:d>
-                              <m:dPr>
-                                <m:begChr m:val="|"/>
-                                <m:endChr m:val="|"/>
-                                <m:ctrlPr>
-                                  <a:rPr lang="sv-SE" sz="1500" b="0" i="1" smtClean="0">
-                                    <a:latin typeface="Cambria Math"/>
-                                  </a:rPr>
-                                </m:ctrlPr>
-                              </m:dPr>
-                              <m:e>
-                                <m:r>
-                                  <a:rPr lang="sv-SE" sz="1500" b="0" i="1" smtClean="0">
-                                    <a:latin typeface="Cambria Math"/>
-                                  </a:rPr>
-                                  <m:t>𝑤𝑖𝑑𝑡</m:t>
-                                </m:r>
-                                <m:sSub>
-                                  <m:sSubPr>
-                                    <m:ctrlPr>
-                                      <a:rPr lang="sv-SE" sz="1500" b="0" i="1" smtClean="0">
-                                        <a:latin typeface="Cambria Math"/>
-                                      </a:rPr>
-                                    </m:ctrlPr>
-                                  </m:sSubPr>
-                                  <m:e>
-                                    <m:r>
-                                      <a:rPr lang="sv-SE" sz="1500" b="0" i="1" smtClean="0">
-                                        <a:latin typeface="Cambria Math"/>
-                                      </a:rPr>
-                                      <m:t>h</m:t>
-                                    </m:r>
-                                  </m:e>
-                                  <m:sub>
-                                    <m:r>
-                                      <a:rPr lang="sv-SE" sz="1500" b="0" i="1" smtClean="0">
-                                        <a:latin typeface="Cambria Math"/>
-                                      </a:rPr>
-                                      <m:t>1</m:t>
-                                    </m:r>
-                                  </m:sub>
-                                </m:sSub>
-                                <m:r>
-                                  <a:rPr lang="sv-SE" sz="1500" b="0" i="1" smtClean="0">
-                                    <a:latin typeface="Cambria Math"/>
-                                  </a:rPr>
-                                  <m:t>−</m:t>
-                                </m:r>
-                                <m:r>
-                                  <a:rPr lang="sv-SE" sz="1500" b="0" i="1" smtClean="0">
-                                    <a:latin typeface="Cambria Math"/>
-                                  </a:rPr>
-                                  <m:t>𝑤𝑖𝑑h</m:t>
-                                </m:r>
-                                <m:sSub>
-                                  <m:sSubPr>
-                                    <m:ctrlPr>
-                                      <a:rPr lang="sv-SE" sz="1500" b="0" i="1" smtClean="0">
-                                        <a:latin typeface="Cambria Math"/>
-                                      </a:rPr>
-                                    </m:ctrlPr>
-                                  </m:sSubPr>
-                                  <m:e>
-                                    <m:r>
-                                      <a:rPr lang="sv-SE" sz="1500" b="0" i="1" smtClean="0">
-                                        <a:latin typeface="Cambria Math"/>
-                                      </a:rPr>
-                                      <m:t>𝑡</m:t>
-                                    </m:r>
-                                  </m:e>
-                                  <m:sub>
-                                    <m:r>
-                                      <a:rPr lang="sv-SE" sz="1500" b="0" i="1" smtClean="0">
-                                        <a:latin typeface="Cambria Math"/>
-                                      </a:rPr>
-                                      <m:t>2</m:t>
-                                    </m:r>
-                                  </m:sub>
-                                </m:sSub>
-                              </m:e>
-                            </m:d>
-                            <m:r>
-                              <a:rPr lang="sv-SE" sz="1500" b="0" i="1" smtClean="0">
-                                <a:latin typeface="Cambria Math"/>
-                              </a:rPr>
-                              <m:t>+|</m:t>
-                            </m:r>
-                            <m:r>
-                              <a:rPr lang="sv-SE" sz="1500" b="0" i="1" smtClean="0">
-                                <a:latin typeface="Cambria Math"/>
-                              </a:rPr>
-                              <m:t>h𝑒𝑖𝑔h</m:t>
-                            </m:r>
-                            <m:sSub>
-                              <m:sSubPr>
-                                <m:ctrlPr>
-                                  <a:rPr lang="sv-SE" sz="1500" b="0" i="1" smtClean="0">
-                                    <a:latin typeface="Cambria Math"/>
-                                  </a:rPr>
-                                </m:ctrlPr>
-                              </m:sSubPr>
-                              <m:e>
-                                <m:r>
-                                  <a:rPr lang="sv-SE" sz="1500" b="0" i="1" smtClean="0">
-                                    <a:latin typeface="Cambria Math"/>
-                                  </a:rPr>
-                                  <m:t>𝑡</m:t>
-                                </m:r>
-                              </m:e>
-                              <m:sub>
-                                <m:r>
-                                  <a:rPr lang="sv-SE" sz="1500" b="0" i="1" smtClean="0">
-                                    <a:latin typeface="Cambria Math"/>
-                                  </a:rPr>
-                                  <m:t>1</m:t>
-                                </m:r>
-                              </m:sub>
-                            </m:sSub>
-                            <m:r>
-                              <a:rPr lang="sv-SE" sz="1500" b="0" i="1" smtClean="0">
-                                <a:latin typeface="Cambria Math"/>
-                              </a:rPr>
-                              <m:t>−</m:t>
-                            </m:r>
-                            <m:r>
-                              <a:rPr lang="sv-SE" sz="1500" b="0" i="1" smtClean="0">
-                                <a:latin typeface="Cambria Math"/>
-                              </a:rPr>
-                              <m:t>h𝑒𝑖𝑔h</m:t>
-                            </m:r>
-                            <m:sSub>
-                              <m:sSubPr>
-                                <m:ctrlPr>
-                                  <a:rPr lang="sv-SE" sz="1500" b="0" i="1" smtClean="0">
-                                    <a:latin typeface="Cambria Math"/>
-                                  </a:rPr>
-                                </m:ctrlPr>
-                              </m:sSubPr>
-                              <m:e>
-                                <m:r>
-                                  <a:rPr lang="sv-SE" sz="1500" b="0" i="1" smtClean="0">
-                                    <a:latin typeface="Cambria Math"/>
-                                  </a:rPr>
-                                  <m:t>𝑡</m:t>
-                                </m:r>
-                              </m:e>
-                              <m:sub>
-                                <m:r>
-                                  <a:rPr lang="sv-SE" sz="1500" b="0" i="1" smtClean="0">
-                                    <a:latin typeface="Cambria Math"/>
-                                  </a:rPr>
-                                  <m:t>2</m:t>
-                                </m:r>
-                              </m:sub>
-                            </m:sSub>
-                            <m:r>
-                              <a:rPr lang="sv-SE" sz="1500" b="0" i="1" smtClean="0">
-                                <a:latin typeface="Cambria Math"/>
-                              </a:rPr>
-                              <m:t>|</m:t>
-                            </m:r>
-                          </m:e>
-                        </m:d>
-                      </m:e>
-                      <m:sup>
-                        <m:r>
-                          <a:rPr lang="sv-SE" sz="1500" b="0" i="1" smtClean="0">
-                            <a:latin typeface="Cambria Math"/>
-                          </a:rPr>
-                          <m:t>2</m:t>
-                        </m:r>
-                      </m:sup>
-                    </m:sSup>
-                  </m:oMath>
-                </a14:m>
-                <a:endParaRPr lang="sv-SE" sz="1500" dirty="0" smtClean="0"/>
-              </a:p>
-              <a:p>
-                <a:endParaRPr lang="sv-SE" sz="1600" dirty="0"/>
-              </a:p>
-              <a:p>
-                <a:endParaRPr lang="sv-SE" sz="1500" dirty="0" smtClean="0"/>
-              </a:p>
-              <a:p>
-                <a:endParaRPr lang="sv-SE" sz="1500" dirty="0"/>
-              </a:p>
-              <a:p>
-                <a:endParaRPr lang="sv-SE" dirty="0"/>
-              </a:p>
-              <a:p>
-                <a:r>
-                  <a:rPr lang="sv-SE" dirty="0" smtClean="0"/>
-                  <a:t>Discards outliers</a:t>
-                </a:r>
-                <a:endParaRPr lang="sv-SE" dirty="0"/>
-              </a:p>
-            </p:txBody>
-          </p:sp>
-        </mc:Choice>
-        <mc:Fallback xmlns="">
-          <p:sp>
-            <p:nvSpPr>
-              <p:cNvPr id="3" name="Content Placeholder 2"/>
-              <p:cNvSpPr>
-                <a:spLocks noGrp="1" noRot="1" noChangeAspect="1" noMove="1" noResize="1" noEditPoints="1" noAdjustHandles="1" noChangeArrowheads="1" noChangeShapeType="1" noTextEdit="1"/>
-              </p:cNvSpPr>
-              <p:nvPr>
-                <p:ph idx="1"/>
-              </p:nvPr>
-            </p:nvSpPr>
-            <p:spPr>
-              <a:blipFill rotWithShape="1">
-                <a:blip r:embed="rId2"/>
-                <a:stretch>
-                  <a:fillRect t="-659"/>
-                </a:stretch>
-              </a:blipFill>
-            </p:spPr>
-            <p:txBody>
-              <a:bodyPr/>
-              <a:lstStyle/>
-              <a:p>
-                <a:r>
-                  <a:rPr lang="sv-SE">
-                    <a:noFill/>
-                  </a:rPr>
-                  <a:t> </a:t>
-                </a:r>
-              </a:p>
-            </p:txBody>
-          </p:sp>
-        </mc:Fallback>
-      </mc:AlternateContent>
-      <p:sp>
-        <p:nvSpPr>
-          <p:cNvPr id="5" name="TextBox 4"/>
+              <a:rPr lang="en-GB" dirty="0" smtClean="0"/>
+              <a:t>Visualization</a:t>
+            </a:r>
+            <a:endParaRPr lang="en-GB" dirty="0"/>
+          </a:p>
+        </p:txBody>
+      </p:sp>
+      <p:pic>
+        <p:nvPicPr>
+          <p:cNvPr id="2050" name="Picture 2" descr="C:\Documents and Settings\gusha124\Desktop\Documentation\images\dinosaur_alx_BACKSIDE.png"/>
+          <p:cNvPicPr>
+            <a:picLocks noChangeAspect="1" noChangeArrowheads="1"/>
+          </p:cNvPicPr>
+          <p:nvPr/>
+        </p:nvPicPr>
+        <p:blipFill>
+          <a:blip r:embed="rId2">
+            <a:extLst>
+              <a:ext uri="{28A0092B-C50C-407E-A947-70E740481C1C}">
+                <a14:useLocalDpi xmlns:a14="http://schemas.microsoft.com/office/drawing/2010/main" val="0"/>
+              </a:ext>
+            </a:extLst>
+          </a:blip>
+          <a:srcRect/>
+          <a:stretch>
+            <a:fillRect/>
+          </a:stretch>
+        </p:blipFill>
+        <p:spPr bwMode="auto">
+          <a:xfrm>
+            <a:off x="5791200" y="2057399"/>
+            <a:ext cx="3023088" cy="3600450"/>
+          </a:xfrm>
+          <a:prstGeom prst="rect">
+            <a:avLst/>
+          </a:prstGeom>
+          <a:noFill/>
+          <a:extLst>
+            <a:ext uri="{909E8E84-426E-40DD-AFC4-6F175D3DCCD1}">
+              <a14:hiddenFill xmlns:a14="http://schemas.microsoft.com/office/drawing/2010/main">
+                <a:solidFill>
+                  <a:srgbClr val="FFFFFF"/>
+                </a:solidFill>
+              </a14:hiddenFill>
+            </a:ext>
+          </a:extLst>
+        </p:spPr>
+      </p:pic>
+      <p:sp>
+        <p:nvSpPr>
+          <p:cNvPr id="6" name="TextBox 5"/>
           <p:cNvSpPr txBox="1"/>
           <p:nvPr/>
         </p:nvSpPr>
         <p:spPr>
           <a:xfrm>
-            <a:off x="1414629" y="4240354"/>
-            <a:ext cx="2741456" cy="369332"/>
+            <a:off x="381000" y="2057399"/>
+            <a:ext cx="5105400" cy="3046988"/>
           </a:xfrm>
           <a:prstGeom prst="rect">
             <a:avLst/>
@@ -4939,53 +4355,61 @@
           <a:noFill/>
         </p:spPr>
         <p:txBody>
-          <a:bodyPr wrap="none" rtlCol="0">
+          <a:bodyPr wrap="square" rtlCol="0">
             <a:spAutoFit/>
           </a:bodyPr>
           <a:lstStyle/>
           <a:p>
-            <a:r>
-              <a:rPr lang="sv-SE" dirty="0" smtClean="0"/>
-              <a:t>Squared euclidian distance</a:t>
-            </a:r>
-            <a:endParaRPr lang="sv-SE" dirty="0"/>
-          </a:p>
-        </p:txBody>
-      </p:sp>
-      <p:sp>
-        <p:nvSpPr>
-          <p:cNvPr id="6" name="TextBox 5"/>
-          <p:cNvSpPr txBox="1"/>
-          <p:nvPr/>
-        </p:nvSpPr>
-        <p:spPr>
-          <a:xfrm>
-            <a:off x="5181600" y="4240354"/>
-            <a:ext cx="2408032" cy="369332"/>
-          </a:xfrm>
-          <a:prstGeom prst="rect">
-            <a:avLst/>
-          </a:prstGeom>
-          <a:noFill/>
-        </p:spPr>
-        <p:txBody>
-          <a:bodyPr wrap="none" rtlCol="0">
-            <a:spAutoFit/>
-          </a:bodyPr>
-          <a:lstStyle/>
-          <a:p>
-            <a:r>
-              <a:rPr lang="sv-SE" dirty="0" smtClean="0"/>
-              <a:t>Squared size difference</a:t>
-            </a:r>
-            <a:endParaRPr lang="sv-SE" dirty="0"/>
+            <a:pPr marL="285750" indent="-285750">
+              <a:buFont typeface="Wingdings" pitchFamily="2" charset="2"/>
+              <a:buChar char="§"/>
+            </a:pPr>
+            <a:r>
+              <a:rPr lang="en-US" sz="3200" dirty="0" smtClean="0"/>
+              <a:t>Plot the estimated cameras</a:t>
+            </a:r>
+          </a:p>
+          <a:p>
+            <a:pPr marL="285750" indent="-285750">
+              <a:buFont typeface="Wingdings" pitchFamily="2" charset="2"/>
+              <a:buChar char="§"/>
+            </a:pPr>
+            <a:endParaRPr lang="en-US" sz="3200" dirty="0" smtClean="0"/>
+          </a:p>
+          <a:p>
+            <a:pPr marL="285750" indent="-285750">
+              <a:buFont typeface="Wingdings" pitchFamily="2" charset="2"/>
+              <a:buChar char="§"/>
+            </a:pPr>
+            <a:r>
+              <a:rPr lang="en-US" sz="3200" dirty="0" smtClean="0"/>
+              <a:t>Plot the 3D points</a:t>
+            </a:r>
+          </a:p>
+          <a:p>
+            <a:pPr marL="285750" indent="-285750">
+              <a:buFont typeface="Wingdings" pitchFamily="2" charset="2"/>
+              <a:buChar char="§"/>
+            </a:pPr>
+            <a:endParaRPr lang="en-US" sz="3200" dirty="0"/>
+          </a:p>
+          <a:p>
+            <a:pPr marL="285750" indent="-285750">
+              <a:buFont typeface="Wingdings" pitchFamily="2" charset="2"/>
+              <a:buChar char="§"/>
+            </a:pPr>
+            <a:r>
+              <a:rPr lang="en-US" sz="3200" dirty="0" smtClean="0"/>
+              <a:t>Points colored from original image data.</a:t>
+            </a:r>
+            <a:endParaRPr lang="en-US" sz="3200" dirty="0"/>
           </a:p>
         </p:txBody>
       </p:sp>
     </p:spTree>
     <p:extLst>
       <p:ext uri="{BB962C8B-B14F-4D97-AF65-F5344CB8AC3E}">
-        <p14:creationId xmlns:p14="http://schemas.microsoft.com/office/powerpoint/2010/main" val="386963649"/>
+        <p14:creationId xmlns:p14="http://schemas.microsoft.com/office/powerpoint/2010/main" val="1395924851"/>
       </p:ext>
     </p:extLst>
   </p:cSld>
@@ -5021,3125 +4445,123 @@
       </p:grpSpPr>
       <p:sp>
         <p:nvSpPr>
-          <p:cNvPr id="24" name="Rectangle 23"/>
-          <p:cNvSpPr/>
-          <p:nvPr/>
+          <p:cNvPr id="2" name="Title 1"/>
+          <p:cNvSpPr>
+            <a:spLocks noGrp="1"/>
+          </p:cNvSpPr>
+          <p:nvPr>
+            <p:ph type="title"/>
+          </p:nvPr>
+        </p:nvSpPr>
+        <p:spPr/>
+        <p:txBody>
+          <a:bodyPr/>
+          <a:lstStyle/>
+          <a:p>
+            <a:r>
+              <a:rPr lang="en-US" dirty="0" smtClean="0"/>
+              <a:t>Evaluation</a:t>
+            </a:r>
+            <a:endParaRPr lang="en-US" dirty="0"/>
+          </a:p>
+        </p:txBody>
+      </p:sp>
+      <p:sp>
+        <p:nvSpPr>
+          <p:cNvPr id="3" name="Content Placeholder 2"/>
+          <p:cNvSpPr>
+            <a:spLocks noGrp="1"/>
+          </p:cNvSpPr>
+          <p:nvPr>
+            <p:ph idx="1"/>
+          </p:nvPr>
         </p:nvSpPr>
         <p:spPr>
           <a:xfrm>
-            <a:off x="7514193" y="3997151"/>
-            <a:ext cx="770996" cy="818744"/>
+            <a:off x="228600" y="1752600"/>
+            <a:ext cx="4343400" cy="4625609"/>
           </a:xfrm>
-          <a:prstGeom prst="rect">
-            <a:avLst/>
-          </a:prstGeom>
-          <a:gradFill flip="none" rotWithShape="1">
-            <a:gsLst>
-              <a:gs pos="0">
-                <a:schemeClr val="accent1">
-                  <a:lumMod val="75000"/>
-                </a:schemeClr>
-              </a:gs>
-              <a:gs pos="100000">
-                <a:schemeClr val="bg2">
-                  <a:lumMod val="50000"/>
-                </a:schemeClr>
-              </a:gs>
-            </a:gsLst>
-            <a:lin ang="8100000" scaled="1"/>
-            <a:tileRect/>
-          </a:gradFill>
-          <a:ln w="19050" cmpd="sng">
-            <a:solidFill>
-              <a:schemeClr val="accent1">
-                <a:lumMod val="60000"/>
-                <a:lumOff val="40000"/>
-              </a:schemeClr>
-            </a:solidFill>
-            <a:prstDash val="solid"/>
-          </a:ln>
         </p:spPr>
-        <p:style>
-          <a:lnRef idx="2">
-            <a:schemeClr val="accent1">
-              <a:shade val="50000"/>
-            </a:schemeClr>
-          </a:lnRef>
-          <a:fillRef idx="1">
-            <a:schemeClr val="accent1"/>
-          </a:fillRef>
-          <a:effectRef idx="0">
-            <a:schemeClr val="accent1"/>
-          </a:effectRef>
-          <a:fontRef idx="minor">
-            <a:schemeClr val="lt1"/>
-          </a:fontRef>
-        </p:style>
-        <p:txBody>
-          <a:bodyPr rtlCol="0" anchor="ctr"/>
+        <p:txBody>
+          <a:bodyPr>
+            <a:normAutofit/>
+          </a:bodyPr>
           <a:lstStyle/>
           <a:p>
-            <a:pPr algn="ctr"/>
-            <a:endParaRPr lang="sv-SE"/>
-          </a:p>
-        </p:txBody>
-      </p:sp>
-      <p:sp>
-        <p:nvSpPr>
-          <p:cNvPr id="11" name="Rectangle 10"/>
-          <p:cNvSpPr/>
+            <a:pPr lvl="1"/>
+            <a:r>
+              <a:rPr lang="en-US" dirty="0" smtClean="0"/>
+              <a:t>Slow, especially bundle adjustment.</a:t>
+            </a:r>
+            <a:endParaRPr lang="en-US" dirty="0" smtClean="0"/>
+          </a:p>
+          <a:p>
+            <a:pPr lvl="1"/>
+            <a:r>
+              <a:rPr lang="en-US" dirty="0" smtClean="0"/>
+              <a:t>Very good results tough.</a:t>
+            </a:r>
+          </a:p>
+          <a:p>
+            <a:pPr lvl="1"/>
+            <a:r>
+              <a:rPr lang="en-US" dirty="0" smtClean="0"/>
+              <a:t>Still brutal divergence if to </a:t>
+            </a:r>
+            <a:r>
+              <a:rPr lang="en-US" smtClean="0"/>
+              <a:t>many outliers.</a:t>
+            </a:r>
+            <a:endParaRPr lang="en-US" dirty="0"/>
+          </a:p>
+          <a:p>
+            <a:pPr lvl="1"/>
+            <a:endParaRPr lang="en-US" dirty="0" smtClean="0"/>
+          </a:p>
+        </p:txBody>
+      </p:sp>
+      <p:pic>
+        <p:nvPicPr>
+          <p:cNvPr id="4098" name="Picture 2" descr="C:\Documents and Settings\gusha124\Desktop\Documentation\images\gotCams.png"/>
+          <p:cNvPicPr>
+            <a:picLocks noChangeAspect="1" noChangeArrowheads="1"/>
+          </p:cNvPicPr>
           <p:nvPr/>
-        </p:nvSpPr>
-        <p:spPr>
+        </p:nvPicPr>
+        <p:blipFill>
+          <a:blip r:embed="rId2">
+            <a:extLst>
+              <a:ext uri="{28A0092B-C50C-407E-A947-70E740481C1C}">
+                <a14:useLocalDpi xmlns:a14="http://schemas.microsoft.com/office/drawing/2010/main" val="0"/>
+              </a:ext>
+            </a:extLst>
+          </a:blip>
+          <a:srcRect/>
+          <a:stretch>
+            <a:fillRect/>
+          </a:stretch>
+        </p:blipFill>
+        <p:spPr bwMode="auto">
           <a:xfrm>
-            <a:off x="3250250" y="2329085"/>
-            <a:ext cx="439209" cy="687788"/>
-          </a:xfrm>
-          <a:prstGeom prst="rect">
-            <a:avLst/>
-          </a:prstGeom>
-          <a:gradFill flip="none" rotWithShape="1">
-            <a:gsLst>
-              <a:gs pos="0">
-                <a:schemeClr val="accent1">
-                  <a:lumMod val="75000"/>
-                </a:schemeClr>
-              </a:gs>
-              <a:gs pos="100000">
-                <a:schemeClr val="bg2">
-                  <a:lumMod val="50000"/>
-                </a:schemeClr>
-              </a:gs>
-            </a:gsLst>
-            <a:lin ang="8100000" scaled="1"/>
-            <a:tileRect/>
-          </a:gradFill>
-          <a:ln w="19050" cmpd="sng">
-            <a:solidFill>
-              <a:schemeClr val="accent1">
-                <a:lumMod val="60000"/>
-                <a:lumOff val="40000"/>
-              </a:schemeClr>
-            </a:solidFill>
-          </a:ln>
-        </p:spPr>
-        <p:style>
-          <a:lnRef idx="2">
-            <a:schemeClr val="accent1">
-              <a:shade val="50000"/>
-            </a:schemeClr>
-          </a:lnRef>
-          <a:fillRef idx="1">
-            <a:schemeClr val="accent1"/>
-          </a:fillRef>
-          <a:effectRef idx="0">
-            <a:schemeClr val="accent1"/>
-          </a:effectRef>
-          <a:fontRef idx="minor">
-            <a:schemeClr val="lt1"/>
-          </a:fontRef>
-        </p:style>
-        <p:txBody>
-          <a:bodyPr rtlCol="0" anchor="ctr"/>
-          <a:lstStyle/>
-          <a:p>
-            <a:pPr algn="ctr"/>
-            <a:endParaRPr lang="sv-SE"/>
-          </a:p>
-        </p:txBody>
-      </p:sp>
-      <p:sp>
-        <p:nvSpPr>
-          <p:cNvPr id="2" name="Title 1"/>
-          <p:cNvSpPr>
-            <a:spLocks noGrp="1"/>
-          </p:cNvSpPr>
-          <p:nvPr>
-            <p:ph type="title"/>
-          </p:nvPr>
-        </p:nvSpPr>
-        <p:spPr/>
-        <p:txBody>
-          <a:bodyPr/>
-          <a:lstStyle/>
-          <a:p>
-            <a:r>
-              <a:rPr lang="en-US" dirty="0" smtClean="0"/>
-              <a:t>Identification - Occlusion</a:t>
-            </a:r>
-            <a:endParaRPr lang="en-US" dirty="0"/>
-          </a:p>
-        </p:txBody>
-      </p:sp>
-      <p:sp>
-        <p:nvSpPr>
-          <p:cNvPr id="5" name="Rectangle 4"/>
-          <p:cNvSpPr/>
-          <p:nvPr/>
-        </p:nvSpPr>
-        <p:spPr>
-          <a:xfrm>
-            <a:off x="609600" y="2206699"/>
-            <a:ext cx="3429000" cy="1149331"/>
+            <a:off x="4953000" y="1600200"/>
+            <a:ext cx="3930227" cy="3251245"/>
           </a:xfrm>
           <a:prstGeom prst="rect">
             <a:avLst/>
           </a:prstGeom>
           <a:noFill/>
-          <a:ln w="25400" cmpd="sng">
-            <a:solidFill>
-              <a:schemeClr val="accent1">
-                <a:lumMod val="60000"/>
-                <a:lumOff val="40000"/>
-              </a:schemeClr>
-            </a:solidFill>
-          </a:ln>
+          <a:extLst>
+            <a:ext uri="{909E8E84-426E-40DD-AFC4-6F175D3DCCD1}">
+              <a14:hiddenFill xmlns:a14="http://schemas.microsoft.com/office/drawing/2010/main">
+                <a:solidFill>
+                  <a:srgbClr val="FFFFFF"/>
+                </a:solidFill>
+              </a14:hiddenFill>
+            </a:ext>
+          </a:extLst>
         </p:spPr>
-        <p:style>
-          <a:lnRef idx="2">
-            <a:schemeClr val="accent1">
-              <a:shade val="50000"/>
-            </a:schemeClr>
-          </a:lnRef>
-          <a:fillRef idx="1">
-            <a:schemeClr val="accent1"/>
-          </a:fillRef>
-          <a:effectRef idx="0">
-            <a:schemeClr val="accent1"/>
-          </a:effectRef>
-          <a:fontRef idx="minor">
-            <a:schemeClr val="lt1"/>
-          </a:fontRef>
-        </p:style>
-        <p:txBody>
-          <a:bodyPr rtlCol="0" anchor="ctr"/>
-          <a:lstStyle/>
-          <a:p>
-            <a:pPr algn="ctr"/>
-            <a:endParaRPr lang="sv-SE"/>
-          </a:p>
-        </p:txBody>
-      </p:sp>
-      <p:sp>
-        <p:nvSpPr>
-          <p:cNvPr id="6" name="Rectangle 5"/>
-          <p:cNvSpPr/>
-          <p:nvPr/>
-        </p:nvSpPr>
-        <p:spPr>
-          <a:xfrm>
-            <a:off x="663197" y="2257296"/>
-            <a:ext cx="1346906" cy="1053546"/>
-          </a:xfrm>
-          <a:prstGeom prst="rect">
-            <a:avLst/>
-          </a:prstGeom>
-          <a:noFill/>
-          <a:ln w="25400" cmpd="sng">
-            <a:solidFill>
-              <a:schemeClr val="accent1">
-                <a:lumMod val="60000"/>
-                <a:lumOff val="40000"/>
-              </a:schemeClr>
-            </a:solidFill>
-          </a:ln>
-        </p:spPr>
-        <p:style>
-          <a:lnRef idx="2">
-            <a:schemeClr val="accent1">
-              <a:shade val="50000"/>
-            </a:schemeClr>
-          </a:lnRef>
-          <a:fillRef idx="1">
-            <a:schemeClr val="accent1"/>
-          </a:fillRef>
-          <a:effectRef idx="0">
-            <a:schemeClr val="accent1"/>
-          </a:effectRef>
-          <a:fontRef idx="minor">
-            <a:schemeClr val="lt1"/>
-          </a:fontRef>
-        </p:style>
-        <p:txBody>
-          <a:bodyPr rtlCol="0" anchor="ctr"/>
-          <a:lstStyle/>
-          <a:p>
-            <a:pPr algn="ctr"/>
-            <a:endParaRPr lang="sv-SE"/>
-          </a:p>
-        </p:txBody>
-      </p:sp>
-      <p:sp>
-        <p:nvSpPr>
-          <p:cNvPr id="7" name="Rectangle 6"/>
-          <p:cNvSpPr/>
-          <p:nvPr/>
-        </p:nvSpPr>
-        <p:spPr>
-          <a:xfrm>
-            <a:off x="2632586" y="2257296"/>
-            <a:ext cx="1346906" cy="1053546"/>
-          </a:xfrm>
-          <a:prstGeom prst="rect">
-            <a:avLst/>
-          </a:prstGeom>
-          <a:noFill/>
-          <a:ln w="25400" cmpd="sng">
-            <a:solidFill>
-              <a:schemeClr val="accent1">
-                <a:lumMod val="60000"/>
-                <a:lumOff val="40000"/>
-              </a:schemeClr>
-            </a:solidFill>
-          </a:ln>
-        </p:spPr>
-        <p:style>
-          <a:lnRef idx="2">
-            <a:schemeClr val="accent1">
-              <a:shade val="50000"/>
-            </a:schemeClr>
-          </a:lnRef>
-          <a:fillRef idx="1">
-            <a:schemeClr val="accent1"/>
-          </a:fillRef>
-          <a:effectRef idx="0">
-            <a:schemeClr val="accent1"/>
-          </a:effectRef>
-          <a:fontRef idx="minor">
-            <a:schemeClr val="lt1"/>
-          </a:fontRef>
-        </p:style>
-        <p:txBody>
-          <a:bodyPr rtlCol="0" anchor="ctr"/>
-          <a:lstStyle/>
-          <a:p>
-            <a:pPr algn="ctr"/>
-            <a:endParaRPr lang="sv-SE"/>
-          </a:p>
-        </p:txBody>
-      </p:sp>
-      <p:sp>
-        <p:nvSpPr>
-          <p:cNvPr id="8" name="Right Arrow 7"/>
-          <p:cNvSpPr/>
-          <p:nvPr/>
-        </p:nvSpPr>
-        <p:spPr>
-          <a:xfrm>
-            <a:off x="2158823" y="2614975"/>
-            <a:ext cx="330553" cy="229032"/>
-          </a:xfrm>
-          <a:prstGeom prst="rightArrow">
-            <a:avLst/>
-          </a:prstGeom>
-          <a:solidFill>
-            <a:schemeClr val="accent1">
-              <a:lumMod val="60000"/>
-              <a:lumOff val="40000"/>
-            </a:schemeClr>
-          </a:solidFill>
-          <a:ln w="25400" cmpd="sng">
-            <a:solidFill>
-              <a:schemeClr val="accent1">
-                <a:lumMod val="60000"/>
-                <a:lumOff val="40000"/>
-              </a:schemeClr>
-            </a:solidFill>
-          </a:ln>
-        </p:spPr>
-        <p:style>
-          <a:lnRef idx="2">
-            <a:schemeClr val="accent1">
-              <a:shade val="50000"/>
-            </a:schemeClr>
-          </a:lnRef>
-          <a:fillRef idx="1">
-            <a:schemeClr val="accent1"/>
-          </a:fillRef>
-          <a:effectRef idx="0">
-            <a:schemeClr val="accent1"/>
-          </a:effectRef>
-          <a:fontRef idx="minor">
-            <a:schemeClr val="lt1"/>
-          </a:fontRef>
-        </p:style>
-        <p:txBody>
-          <a:bodyPr rtlCol="0" anchor="ctr"/>
-          <a:lstStyle/>
-          <a:p>
-            <a:pPr algn="ctr"/>
-            <a:endParaRPr lang="sv-SE"/>
-          </a:p>
-        </p:txBody>
-      </p:sp>
-      <p:sp>
-        <p:nvSpPr>
-          <p:cNvPr id="9" name="Rectangle 8"/>
-          <p:cNvSpPr/>
-          <p:nvPr/>
-        </p:nvSpPr>
-        <p:spPr>
-          <a:xfrm>
-            <a:off x="937129" y="2531401"/>
-            <a:ext cx="439209" cy="687788"/>
-          </a:xfrm>
-          <a:prstGeom prst="rect">
-            <a:avLst/>
-          </a:prstGeom>
-          <a:gradFill flip="none" rotWithShape="1">
-            <a:gsLst>
-              <a:gs pos="0">
-                <a:schemeClr val="accent1">
-                  <a:lumMod val="75000"/>
-                </a:schemeClr>
-              </a:gs>
-              <a:gs pos="100000">
-                <a:schemeClr val="bg2">
-                  <a:lumMod val="50000"/>
-                </a:schemeClr>
-              </a:gs>
-            </a:gsLst>
-            <a:lin ang="8100000" scaled="1"/>
-            <a:tileRect/>
-          </a:gradFill>
-          <a:ln w="19050" cmpd="sng">
-            <a:solidFill>
-              <a:schemeClr val="accent1">
-                <a:lumMod val="60000"/>
-                <a:lumOff val="40000"/>
-              </a:schemeClr>
-            </a:solidFill>
-          </a:ln>
-        </p:spPr>
-        <p:style>
-          <a:lnRef idx="2">
-            <a:schemeClr val="accent1">
-              <a:shade val="50000"/>
-            </a:schemeClr>
-          </a:lnRef>
-          <a:fillRef idx="1">
-            <a:schemeClr val="accent1"/>
-          </a:fillRef>
-          <a:effectRef idx="0">
-            <a:schemeClr val="accent1"/>
-          </a:effectRef>
-          <a:fontRef idx="minor">
-            <a:schemeClr val="lt1"/>
-          </a:fontRef>
-        </p:style>
-        <p:txBody>
-          <a:bodyPr rtlCol="0" anchor="ctr"/>
-          <a:lstStyle/>
-          <a:p>
-            <a:pPr algn="ctr"/>
-            <a:endParaRPr lang="sv-SE"/>
-          </a:p>
-        </p:txBody>
-      </p:sp>
-      <p:sp>
-        <p:nvSpPr>
-          <p:cNvPr id="10" name="Rectangle 9"/>
-          <p:cNvSpPr/>
-          <p:nvPr/>
-        </p:nvSpPr>
-        <p:spPr>
-          <a:xfrm>
-            <a:off x="1187601" y="2329085"/>
-            <a:ext cx="439209" cy="687788"/>
-          </a:xfrm>
-          <a:prstGeom prst="rect">
-            <a:avLst/>
-          </a:prstGeom>
-          <a:noFill/>
-          <a:ln w="19050" cmpd="sng">
-            <a:solidFill>
-              <a:schemeClr val="accent1">
-                <a:lumMod val="60000"/>
-                <a:lumOff val="40000"/>
-              </a:schemeClr>
-            </a:solidFill>
-            <a:prstDash val="sysDash"/>
-          </a:ln>
-        </p:spPr>
-        <p:style>
-          <a:lnRef idx="2">
-            <a:schemeClr val="accent1">
-              <a:shade val="50000"/>
-            </a:schemeClr>
-          </a:lnRef>
-          <a:fillRef idx="1">
-            <a:schemeClr val="accent1"/>
-          </a:fillRef>
-          <a:effectRef idx="0">
-            <a:schemeClr val="accent1"/>
-          </a:effectRef>
-          <a:fontRef idx="minor">
-            <a:schemeClr val="lt1"/>
-          </a:fontRef>
-        </p:style>
-        <p:txBody>
-          <a:bodyPr rtlCol="0" anchor="ctr"/>
-          <a:lstStyle/>
-          <a:p>
-            <a:pPr algn="ctr"/>
-            <a:endParaRPr lang="sv-SE"/>
-          </a:p>
-        </p:txBody>
-      </p:sp>
-      <p:sp>
-        <p:nvSpPr>
-          <p:cNvPr id="12" name="Rectangle 11"/>
-          <p:cNvSpPr/>
-          <p:nvPr/>
-        </p:nvSpPr>
-        <p:spPr>
-          <a:xfrm>
-            <a:off x="3030645" y="2531401"/>
-            <a:ext cx="439209" cy="687788"/>
-          </a:xfrm>
-          <a:prstGeom prst="rect">
-            <a:avLst/>
-          </a:prstGeom>
-          <a:noFill/>
-          <a:ln w="19050" cmpd="sng">
-            <a:solidFill>
-              <a:schemeClr val="accent1">
-                <a:lumMod val="60000"/>
-                <a:lumOff val="40000"/>
-              </a:schemeClr>
-            </a:solidFill>
-            <a:prstDash val="sysDash"/>
-          </a:ln>
-        </p:spPr>
-        <p:style>
-          <a:lnRef idx="2">
-            <a:schemeClr val="accent1">
-              <a:shade val="50000"/>
-            </a:schemeClr>
-          </a:lnRef>
-          <a:fillRef idx="1">
-            <a:schemeClr val="accent1"/>
-          </a:fillRef>
-          <a:effectRef idx="0">
-            <a:schemeClr val="accent1"/>
-          </a:effectRef>
-          <a:fontRef idx="minor">
-            <a:schemeClr val="lt1"/>
-          </a:fontRef>
-        </p:style>
-        <p:txBody>
-          <a:bodyPr rtlCol="0" anchor="ctr"/>
-          <a:lstStyle/>
-          <a:p>
-            <a:pPr algn="ctr"/>
-            <a:endParaRPr lang="sv-SE"/>
-          </a:p>
-        </p:txBody>
-      </p:sp>
-      <p:sp>
-        <p:nvSpPr>
-          <p:cNvPr id="14" name="Rectangle 13"/>
-          <p:cNvSpPr/>
-          <p:nvPr/>
-        </p:nvSpPr>
-        <p:spPr>
-          <a:xfrm>
-            <a:off x="5211364" y="3857641"/>
-            <a:ext cx="3429000" cy="1149331"/>
-          </a:xfrm>
-          <a:prstGeom prst="rect">
-            <a:avLst/>
-          </a:prstGeom>
-          <a:noFill/>
-          <a:ln w="25400" cmpd="sng">
-            <a:solidFill>
-              <a:schemeClr val="accent1">
-                <a:lumMod val="60000"/>
-                <a:lumOff val="40000"/>
-              </a:schemeClr>
-            </a:solidFill>
-          </a:ln>
-        </p:spPr>
-        <p:style>
-          <a:lnRef idx="2">
-            <a:schemeClr val="accent1">
-              <a:shade val="50000"/>
-            </a:schemeClr>
-          </a:lnRef>
-          <a:fillRef idx="1">
-            <a:schemeClr val="accent1"/>
-          </a:fillRef>
-          <a:effectRef idx="0">
-            <a:schemeClr val="accent1"/>
-          </a:effectRef>
-          <a:fontRef idx="minor">
-            <a:schemeClr val="lt1"/>
-          </a:fontRef>
-        </p:style>
-        <p:txBody>
-          <a:bodyPr rtlCol="0" anchor="ctr"/>
-          <a:lstStyle/>
-          <a:p>
-            <a:pPr algn="ctr"/>
-            <a:endParaRPr lang="sv-SE"/>
-          </a:p>
-        </p:txBody>
-      </p:sp>
-      <p:sp>
-        <p:nvSpPr>
-          <p:cNvPr id="15" name="Rectangle 14"/>
-          <p:cNvSpPr/>
-          <p:nvPr/>
-        </p:nvSpPr>
-        <p:spPr>
-          <a:xfrm>
-            <a:off x="5261926" y="3908238"/>
-            <a:ext cx="1346906" cy="1053546"/>
-          </a:xfrm>
-          <a:prstGeom prst="rect">
-            <a:avLst/>
-          </a:prstGeom>
-          <a:noFill/>
-          <a:ln w="25400" cmpd="sng">
-            <a:solidFill>
-              <a:schemeClr val="accent1">
-                <a:lumMod val="60000"/>
-                <a:lumOff val="40000"/>
-              </a:schemeClr>
-            </a:solidFill>
-          </a:ln>
-        </p:spPr>
-        <p:style>
-          <a:lnRef idx="2">
-            <a:schemeClr val="accent1">
-              <a:shade val="50000"/>
-            </a:schemeClr>
-          </a:lnRef>
-          <a:fillRef idx="1">
-            <a:schemeClr val="accent1"/>
-          </a:fillRef>
-          <a:effectRef idx="0">
-            <a:schemeClr val="accent1"/>
-          </a:effectRef>
-          <a:fontRef idx="minor">
-            <a:schemeClr val="lt1"/>
-          </a:fontRef>
-        </p:style>
-        <p:txBody>
-          <a:bodyPr rtlCol="0" anchor="ctr"/>
-          <a:lstStyle/>
-          <a:p>
-            <a:pPr algn="ctr"/>
-            <a:endParaRPr lang="sv-SE"/>
-          </a:p>
-        </p:txBody>
-      </p:sp>
-      <p:sp>
-        <p:nvSpPr>
-          <p:cNvPr id="16" name="Rectangle 15"/>
-          <p:cNvSpPr/>
-          <p:nvPr/>
-        </p:nvSpPr>
-        <p:spPr>
-          <a:xfrm>
-            <a:off x="7251442" y="3908238"/>
-            <a:ext cx="1346906" cy="1053546"/>
-          </a:xfrm>
-          <a:prstGeom prst="rect">
-            <a:avLst/>
-          </a:prstGeom>
-          <a:noFill/>
-          <a:ln w="25400" cmpd="sng">
-            <a:solidFill>
-              <a:schemeClr val="accent1">
-                <a:lumMod val="60000"/>
-                <a:lumOff val="40000"/>
-              </a:schemeClr>
-            </a:solidFill>
-          </a:ln>
-        </p:spPr>
-        <p:style>
-          <a:lnRef idx="2">
-            <a:schemeClr val="accent1">
-              <a:shade val="50000"/>
-            </a:schemeClr>
-          </a:lnRef>
-          <a:fillRef idx="1">
-            <a:schemeClr val="accent1"/>
-          </a:fillRef>
-          <a:effectRef idx="0">
-            <a:schemeClr val="accent1"/>
-          </a:effectRef>
-          <a:fontRef idx="minor">
-            <a:schemeClr val="lt1"/>
-          </a:fontRef>
-        </p:style>
-        <p:txBody>
-          <a:bodyPr rtlCol="0" anchor="ctr"/>
-          <a:lstStyle/>
-          <a:p>
-            <a:pPr algn="ctr"/>
-            <a:endParaRPr lang="sv-SE"/>
-          </a:p>
-        </p:txBody>
-      </p:sp>
-      <p:sp>
-        <p:nvSpPr>
-          <p:cNvPr id="17" name="Right Arrow 16"/>
-          <p:cNvSpPr/>
-          <p:nvPr/>
-        </p:nvSpPr>
-        <p:spPr>
-          <a:xfrm>
-            <a:off x="6760587" y="4265917"/>
-            <a:ext cx="330553" cy="229032"/>
-          </a:xfrm>
-          <a:prstGeom prst="rightArrow">
-            <a:avLst/>
-          </a:prstGeom>
-          <a:solidFill>
-            <a:schemeClr val="accent1">
-              <a:lumMod val="60000"/>
-              <a:lumOff val="40000"/>
-            </a:schemeClr>
-          </a:solidFill>
-          <a:ln w="25400" cmpd="sng">
-            <a:solidFill>
-              <a:schemeClr val="accent1">
-                <a:lumMod val="60000"/>
-                <a:lumOff val="40000"/>
-              </a:schemeClr>
-            </a:solidFill>
-          </a:ln>
-        </p:spPr>
-        <p:style>
-          <a:lnRef idx="2">
-            <a:schemeClr val="accent1">
-              <a:shade val="50000"/>
-            </a:schemeClr>
-          </a:lnRef>
-          <a:fillRef idx="1">
-            <a:schemeClr val="accent1"/>
-          </a:fillRef>
-          <a:effectRef idx="0">
-            <a:schemeClr val="accent1"/>
-          </a:effectRef>
-          <a:fontRef idx="minor">
-            <a:schemeClr val="lt1"/>
-          </a:fontRef>
-        </p:style>
-        <p:txBody>
-          <a:bodyPr rtlCol="0" anchor="ctr"/>
-          <a:lstStyle/>
-          <a:p>
-            <a:pPr algn="ctr"/>
-            <a:endParaRPr lang="sv-SE"/>
-          </a:p>
-        </p:txBody>
-      </p:sp>
-      <p:sp>
-        <p:nvSpPr>
-          <p:cNvPr id="18" name="Rectangle 17"/>
-          <p:cNvSpPr/>
-          <p:nvPr/>
-        </p:nvSpPr>
-        <p:spPr>
-          <a:xfrm>
-            <a:off x="5489065" y="4182343"/>
-            <a:ext cx="439209" cy="687788"/>
-          </a:xfrm>
-          <a:prstGeom prst="rect">
-            <a:avLst/>
-          </a:prstGeom>
-          <a:gradFill flip="none" rotWithShape="1">
-            <a:gsLst>
-              <a:gs pos="0">
-                <a:schemeClr val="accent1">
-                  <a:lumMod val="75000"/>
-                </a:schemeClr>
-              </a:gs>
-              <a:gs pos="100000">
-                <a:schemeClr val="bg2">
-                  <a:lumMod val="50000"/>
-                </a:schemeClr>
-              </a:gs>
-            </a:gsLst>
-            <a:lin ang="8100000" scaled="1"/>
-            <a:tileRect/>
-          </a:gradFill>
-          <a:ln w="19050" cmpd="sng">
-            <a:solidFill>
-              <a:schemeClr val="accent1">
-                <a:lumMod val="60000"/>
-                <a:lumOff val="40000"/>
-              </a:schemeClr>
-            </a:solidFill>
-          </a:ln>
-        </p:spPr>
-        <p:style>
-          <a:lnRef idx="2">
-            <a:schemeClr val="accent1">
-              <a:shade val="50000"/>
-            </a:schemeClr>
-          </a:lnRef>
-          <a:fillRef idx="1">
-            <a:schemeClr val="accent1"/>
-          </a:fillRef>
-          <a:effectRef idx="0">
-            <a:schemeClr val="accent1"/>
-          </a:effectRef>
-          <a:fontRef idx="minor">
-            <a:schemeClr val="lt1"/>
-          </a:fontRef>
-        </p:style>
-        <p:txBody>
-          <a:bodyPr rtlCol="0" anchor="ctr"/>
-          <a:lstStyle/>
-          <a:p>
-            <a:pPr algn="ctr"/>
-            <a:endParaRPr lang="sv-SE"/>
-          </a:p>
-        </p:txBody>
-      </p:sp>
-      <p:sp>
-        <p:nvSpPr>
-          <p:cNvPr id="21" name="Rectangle 20"/>
-          <p:cNvSpPr/>
-          <p:nvPr/>
-        </p:nvSpPr>
-        <p:spPr>
-          <a:xfrm>
-            <a:off x="6055936" y="3980027"/>
-            <a:ext cx="452701" cy="687788"/>
-          </a:xfrm>
-          <a:prstGeom prst="rect">
-            <a:avLst/>
-          </a:prstGeom>
-          <a:gradFill flip="none" rotWithShape="1">
-            <a:gsLst>
-              <a:gs pos="0">
-                <a:schemeClr val="accent1">
-                  <a:lumMod val="75000"/>
-                </a:schemeClr>
-              </a:gs>
-              <a:gs pos="100000">
-                <a:schemeClr val="bg2">
-                  <a:lumMod val="50000"/>
-                </a:schemeClr>
-              </a:gs>
-            </a:gsLst>
-            <a:lin ang="8100000" scaled="1"/>
-            <a:tileRect/>
-          </a:gradFill>
-          <a:ln w="19050" cmpd="sng">
-            <a:solidFill>
-              <a:schemeClr val="accent1">
-                <a:lumMod val="60000"/>
-                <a:lumOff val="40000"/>
-              </a:schemeClr>
-            </a:solidFill>
-          </a:ln>
-        </p:spPr>
-        <p:style>
-          <a:lnRef idx="2">
-            <a:schemeClr val="accent1">
-              <a:shade val="50000"/>
-            </a:schemeClr>
-          </a:lnRef>
-          <a:fillRef idx="1">
-            <a:schemeClr val="accent1"/>
-          </a:fillRef>
-          <a:effectRef idx="0">
-            <a:schemeClr val="accent1"/>
-          </a:effectRef>
-          <a:fontRef idx="minor">
-            <a:schemeClr val="lt1"/>
-          </a:fontRef>
-        </p:style>
-        <p:txBody>
-          <a:bodyPr rtlCol="0" anchor="ctr"/>
-          <a:lstStyle/>
-          <a:p>
-            <a:pPr algn="ctr"/>
-            <a:endParaRPr lang="sv-SE"/>
-          </a:p>
-        </p:txBody>
-      </p:sp>
-      <p:sp>
-        <p:nvSpPr>
-          <p:cNvPr id="23" name="Rectangle 22"/>
-          <p:cNvSpPr/>
-          <p:nvPr/>
-        </p:nvSpPr>
-        <p:spPr>
-          <a:xfrm>
-            <a:off x="7944923" y="3965653"/>
-            <a:ext cx="452701" cy="687788"/>
-          </a:xfrm>
-          <a:prstGeom prst="rect">
-            <a:avLst/>
-          </a:prstGeom>
-          <a:noFill/>
-          <a:ln w="19050" cmpd="sng">
-            <a:solidFill>
-              <a:schemeClr val="accent1">
-                <a:lumMod val="60000"/>
-                <a:lumOff val="40000"/>
-              </a:schemeClr>
-            </a:solidFill>
-            <a:prstDash val="sysDash"/>
-          </a:ln>
-        </p:spPr>
-        <p:style>
-          <a:lnRef idx="2">
-            <a:schemeClr val="accent1">
-              <a:shade val="50000"/>
-            </a:schemeClr>
-          </a:lnRef>
-          <a:fillRef idx="1">
-            <a:schemeClr val="accent1"/>
-          </a:fillRef>
-          <a:effectRef idx="0">
-            <a:schemeClr val="accent1"/>
-          </a:effectRef>
-          <a:fontRef idx="minor">
-            <a:schemeClr val="lt1"/>
-          </a:fontRef>
-        </p:style>
-        <p:txBody>
-          <a:bodyPr rtlCol="0" anchor="ctr"/>
-          <a:lstStyle/>
-          <a:p>
-            <a:pPr algn="ctr"/>
-            <a:endParaRPr lang="sv-SE"/>
-          </a:p>
-        </p:txBody>
-      </p:sp>
-      <p:sp>
-        <p:nvSpPr>
-          <p:cNvPr id="22" name="Rectangle 21"/>
-          <p:cNvSpPr/>
-          <p:nvPr/>
-        </p:nvSpPr>
-        <p:spPr>
-          <a:xfrm>
-            <a:off x="7388592" y="4182343"/>
-            <a:ext cx="439209" cy="687788"/>
-          </a:xfrm>
-          <a:prstGeom prst="rect">
-            <a:avLst/>
-          </a:prstGeom>
-          <a:noFill/>
-          <a:ln w="19050" cmpd="sng">
-            <a:solidFill>
-              <a:schemeClr val="accent1">
-                <a:lumMod val="60000"/>
-                <a:lumOff val="40000"/>
-              </a:schemeClr>
-            </a:solidFill>
-            <a:prstDash val="sysDash"/>
-          </a:ln>
-        </p:spPr>
-        <p:style>
-          <a:lnRef idx="2">
-            <a:schemeClr val="accent1">
-              <a:shade val="50000"/>
-            </a:schemeClr>
-          </a:lnRef>
-          <a:fillRef idx="1">
-            <a:schemeClr val="accent1"/>
-          </a:fillRef>
-          <a:effectRef idx="0">
-            <a:schemeClr val="accent1"/>
-          </a:effectRef>
-          <a:fontRef idx="minor">
-            <a:schemeClr val="lt1"/>
-          </a:fontRef>
-        </p:style>
-        <p:txBody>
-          <a:bodyPr rtlCol="0" anchor="ctr"/>
-          <a:lstStyle/>
-          <a:p>
-            <a:pPr algn="ctr"/>
-            <a:endParaRPr lang="sv-SE"/>
-          </a:p>
-        </p:txBody>
-      </p:sp>
-      <p:sp>
-        <p:nvSpPr>
-          <p:cNvPr id="25" name="Rectangle 24"/>
-          <p:cNvSpPr/>
-          <p:nvPr/>
-        </p:nvSpPr>
-        <p:spPr>
-          <a:xfrm>
-            <a:off x="5631306" y="4012398"/>
-            <a:ext cx="770996" cy="805706"/>
-          </a:xfrm>
-          <a:prstGeom prst="rect">
-            <a:avLst/>
-          </a:prstGeom>
-          <a:noFill/>
-          <a:ln w="19050" cmpd="sng">
-            <a:solidFill>
-              <a:schemeClr val="accent1">
-                <a:lumMod val="60000"/>
-                <a:lumOff val="40000"/>
-              </a:schemeClr>
-            </a:solidFill>
-            <a:prstDash val="sysDash"/>
-          </a:ln>
-        </p:spPr>
-        <p:style>
-          <a:lnRef idx="2">
-            <a:schemeClr val="accent1">
-              <a:shade val="50000"/>
-            </a:schemeClr>
-          </a:lnRef>
-          <a:fillRef idx="1">
-            <a:schemeClr val="accent1"/>
-          </a:fillRef>
-          <a:effectRef idx="0">
-            <a:schemeClr val="accent1"/>
-          </a:effectRef>
-          <a:fontRef idx="minor">
-            <a:schemeClr val="lt1"/>
-          </a:fontRef>
-        </p:style>
-        <p:txBody>
-          <a:bodyPr rtlCol="0" anchor="ctr"/>
-          <a:lstStyle/>
-          <a:p>
-            <a:pPr algn="ctr"/>
-            <a:endParaRPr lang="sv-SE"/>
-          </a:p>
-        </p:txBody>
-      </p:sp>
-      <p:sp>
-        <p:nvSpPr>
-          <p:cNvPr id="26" name="Rectangle 25"/>
-          <p:cNvSpPr/>
-          <p:nvPr/>
-        </p:nvSpPr>
-        <p:spPr>
-          <a:xfrm>
-            <a:off x="922913" y="4020923"/>
-            <a:ext cx="770996" cy="818744"/>
-          </a:xfrm>
-          <a:prstGeom prst="rect">
-            <a:avLst/>
-          </a:prstGeom>
-          <a:gradFill flip="none" rotWithShape="1">
-            <a:gsLst>
-              <a:gs pos="0">
-                <a:schemeClr val="accent1">
-                  <a:lumMod val="75000"/>
-                </a:schemeClr>
-              </a:gs>
-              <a:gs pos="100000">
-                <a:schemeClr val="bg2">
-                  <a:lumMod val="50000"/>
-                </a:schemeClr>
-              </a:gs>
-            </a:gsLst>
-            <a:lin ang="8100000" scaled="1"/>
-            <a:tileRect/>
-          </a:gradFill>
-          <a:ln w="19050" cmpd="sng">
-            <a:solidFill>
-              <a:schemeClr val="accent1">
-                <a:lumMod val="60000"/>
-                <a:lumOff val="40000"/>
-              </a:schemeClr>
-            </a:solidFill>
-            <a:prstDash val="solid"/>
-          </a:ln>
-        </p:spPr>
-        <p:style>
-          <a:lnRef idx="2">
-            <a:schemeClr val="accent1">
-              <a:shade val="50000"/>
-            </a:schemeClr>
-          </a:lnRef>
-          <a:fillRef idx="1">
-            <a:schemeClr val="accent1"/>
-          </a:fillRef>
-          <a:effectRef idx="0">
-            <a:schemeClr val="accent1"/>
-          </a:effectRef>
-          <a:fontRef idx="minor">
-            <a:schemeClr val="lt1"/>
-          </a:fontRef>
-        </p:style>
-        <p:txBody>
-          <a:bodyPr rtlCol="0" anchor="ctr"/>
-          <a:lstStyle/>
-          <a:p>
-            <a:pPr algn="ctr"/>
-            <a:endParaRPr lang="sv-SE"/>
-          </a:p>
-        </p:txBody>
-      </p:sp>
-      <p:sp>
-        <p:nvSpPr>
-          <p:cNvPr id="27" name="Rectangle 26"/>
-          <p:cNvSpPr/>
-          <p:nvPr/>
-        </p:nvSpPr>
-        <p:spPr>
-          <a:xfrm>
-            <a:off x="609599" y="3874808"/>
-            <a:ext cx="3429000" cy="1149331"/>
-          </a:xfrm>
-          <a:prstGeom prst="rect">
-            <a:avLst/>
-          </a:prstGeom>
-          <a:noFill/>
-          <a:ln w="25400" cmpd="sng">
-            <a:solidFill>
-              <a:schemeClr val="accent1">
-                <a:lumMod val="60000"/>
-                <a:lumOff val="40000"/>
-              </a:schemeClr>
-            </a:solidFill>
-          </a:ln>
-        </p:spPr>
-        <p:style>
-          <a:lnRef idx="2">
-            <a:schemeClr val="accent1">
-              <a:shade val="50000"/>
-            </a:schemeClr>
-          </a:lnRef>
-          <a:fillRef idx="1">
-            <a:schemeClr val="accent1"/>
-          </a:fillRef>
-          <a:effectRef idx="0">
-            <a:schemeClr val="accent1"/>
-          </a:effectRef>
-          <a:fontRef idx="minor">
-            <a:schemeClr val="lt1"/>
-          </a:fontRef>
-        </p:style>
-        <p:txBody>
-          <a:bodyPr rtlCol="0" anchor="ctr"/>
-          <a:lstStyle/>
-          <a:p>
-            <a:pPr algn="ctr"/>
-            <a:endParaRPr lang="sv-SE"/>
-          </a:p>
-        </p:txBody>
-      </p:sp>
-      <p:sp>
-        <p:nvSpPr>
-          <p:cNvPr id="28" name="Rectangle 27"/>
-          <p:cNvSpPr/>
-          <p:nvPr/>
-        </p:nvSpPr>
-        <p:spPr>
-          <a:xfrm>
-            <a:off x="2644399" y="3925405"/>
-            <a:ext cx="1346906" cy="1053546"/>
-          </a:xfrm>
-          <a:prstGeom prst="rect">
-            <a:avLst/>
-          </a:prstGeom>
-          <a:noFill/>
-          <a:ln w="25400" cmpd="sng">
-            <a:solidFill>
-              <a:schemeClr val="accent1">
-                <a:lumMod val="60000"/>
-                <a:lumOff val="40000"/>
-              </a:schemeClr>
-            </a:solidFill>
-          </a:ln>
-        </p:spPr>
-        <p:style>
-          <a:lnRef idx="2">
-            <a:schemeClr val="accent1">
-              <a:shade val="50000"/>
-            </a:schemeClr>
-          </a:lnRef>
-          <a:fillRef idx="1">
-            <a:schemeClr val="accent1"/>
-          </a:fillRef>
-          <a:effectRef idx="0">
-            <a:schemeClr val="accent1"/>
-          </a:effectRef>
-          <a:fontRef idx="minor">
-            <a:schemeClr val="lt1"/>
-          </a:fontRef>
-        </p:style>
-        <p:txBody>
-          <a:bodyPr rtlCol="0" anchor="ctr"/>
-          <a:lstStyle/>
-          <a:p>
-            <a:pPr algn="ctr"/>
-            <a:endParaRPr lang="sv-SE"/>
-          </a:p>
-        </p:txBody>
-      </p:sp>
-      <p:sp>
-        <p:nvSpPr>
-          <p:cNvPr id="29" name="Rectangle 28"/>
-          <p:cNvSpPr/>
-          <p:nvPr/>
-        </p:nvSpPr>
-        <p:spPr>
-          <a:xfrm>
-            <a:off x="660162" y="3923464"/>
-            <a:ext cx="1346906" cy="1053546"/>
-          </a:xfrm>
-          <a:prstGeom prst="rect">
-            <a:avLst/>
-          </a:prstGeom>
-          <a:noFill/>
-          <a:ln w="25400" cmpd="sng">
-            <a:solidFill>
-              <a:schemeClr val="accent1">
-                <a:lumMod val="60000"/>
-                <a:lumOff val="40000"/>
-              </a:schemeClr>
-            </a:solidFill>
-          </a:ln>
-        </p:spPr>
-        <p:style>
-          <a:lnRef idx="2">
-            <a:schemeClr val="accent1">
-              <a:shade val="50000"/>
-            </a:schemeClr>
-          </a:lnRef>
-          <a:fillRef idx="1">
-            <a:schemeClr val="accent1"/>
-          </a:fillRef>
-          <a:effectRef idx="0">
-            <a:schemeClr val="accent1"/>
-          </a:effectRef>
-          <a:fontRef idx="minor">
-            <a:schemeClr val="lt1"/>
-          </a:fontRef>
-        </p:style>
-        <p:txBody>
-          <a:bodyPr rtlCol="0" anchor="ctr"/>
-          <a:lstStyle/>
-          <a:p>
-            <a:pPr algn="ctr"/>
-            <a:endParaRPr lang="sv-SE"/>
-          </a:p>
-        </p:txBody>
-      </p:sp>
-      <p:sp>
-        <p:nvSpPr>
-          <p:cNvPr id="30" name="Right Arrow 29"/>
-          <p:cNvSpPr/>
-          <p:nvPr/>
-        </p:nvSpPr>
-        <p:spPr>
-          <a:xfrm>
-            <a:off x="2158822" y="4283084"/>
-            <a:ext cx="330553" cy="229032"/>
-          </a:xfrm>
-          <a:prstGeom prst="rightArrow">
-            <a:avLst/>
-          </a:prstGeom>
-          <a:solidFill>
-            <a:schemeClr val="accent1">
-              <a:lumMod val="60000"/>
-              <a:lumOff val="40000"/>
-            </a:schemeClr>
-          </a:solidFill>
-          <a:ln w="25400" cmpd="sng">
-            <a:solidFill>
-              <a:schemeClr val="accent1">
-                <a:lumMod val="60000"/>
-                <a:lumOff val="40000"/>
-              </a:schemeClr>
-            </a:solidFill>
-          </a:ln>
-        </p:spPr>
-        <p:style>
-          <a:lnRef idx="2">
-            <a:schemeClr val="accent1">
-              <a:shade val="50000"/>
-            </a:schemeClr>
-          </a:lnRef>
-          <a:fillRef idx="1">
-            <a:schemeClr val="accent1"/>
-          </a:fillRef>
-          <a:effectRef idx="0">
-            <a:schemeClr val="accent1"/>
-          </a:effectRef>
-          <a:fontRef idx="minor">
-            <a:schemeClr val="lt1"/>
-          </a:fontRef>
-        </p:style>
-        <p:txBody>
-          <a:bodyPr rtlCol="0" anchor="ctr"/>
-          <a:lstStyle/>
-          <a:p>
-            <a:pPr algn="ctr"/>
-            <a:endParaRPr lang="sv-SE"/>
-          </a:p>
-        </p:txBody>
-      </p:sp>
-      <p:sp>
-        <p:nvSpPr>
-          <p:cNvPr id="31" name="Rectangle 30"/>
-          <p:cNvSpPr/>
-          <p:nvPr/>
-        </p:nvSpPr>
-        <p:spPr>
-          <a:xfrm>
-            <a:off x="2871538" y="4561761"/>
-            <a:ext cx="439209" cy="345414"/>
-          </a:xfrm>
-          <a:prstGeom prst="rect">
-            <a:avLst/>
-          </a:prstGeom>
-          <a:gradFill flip="none" rotWithShape="1">
-            <a:gsLst>
-              <a:gs pos="0">
-                <a:schemeClr val="accent1">
-                  <a:lumMod val="75000"/>
-                </a:schemeClr>
-              </a:gs>
-              <a:gs pos="100000">
-                <a:schemeClr val="bg2">
-                  <a:lumMod val="50000"/>
-                </a:schemeClr>
-              </a:gs>
-            </a:gsLst>
-            <a:lin ang="8100000" scaled="1"/>
-            <a:tileRect/>
-          </a:gradFill>
-          <a:ln w="19050" cmpd="sng">
-            <a:solidFill>
-              <a:schemeClr val="accent1">
-                <a:lumMod val="60000"/>
-                <a:lumOff val="40000"/>
-              </a:schemeClr>
-            </a:solidFill>
-          </a:ln>
-        </p:spPr>
-        <p:style>
-          <a:lnRef idx="2">
-            <a:schemeClr val="accent1">
-              <a:shade val="50000"/>
-            </a:schemeClr>
-          </a:lnRef>
-          <a:fillRef idx="1">
-            <a:schemeClr val="accent1"/>
-          </a:fillRef>
-          <a:effectRef idx="0">
-            <a:schemeClr val="accent1"/>
-          </a:effectRef>
-          <a:fontRef idx="minor">
-            <a:schemeClr val="lt1"/>
-          </a:fontRef>
-        </p:style>
-        <p:txBody>
-          <a:bodyPr rtlCol="0" anchor="ctr"/>
-          <a:lstStyle/>
-          <a:p>
-            <a:pPr algn="ctr"/>
-            <a:endParaRPr lang="sv-SE"/>
-          </a:p>
-        </p:txBody>
-      </p:sp>
-      <p:sp>
-        <p:nvSpPr>
-          <p:cNvPr id="32" name="Rectangle 31"/>
-          <p:cNvSpPr/>
-          <p:nvPr/>
-        </p:nvSpPr>
-        <p:spPr>
-          <a:xfrm>
-            <a:off x="3438409" y="3997194"/>
-            <a:ext cx="452701" cy="687788"/>
-          </a:xfrm>
-          <a:prstGeom prst="rect">
-            <a:avLst/>
-          </a:prstGeom>
-          <a:gradFill flip="none" rotWithShape="1">
-            <a:gsLst>
-              <a:gs pos="0">
-                <a:schemeClr val="accent1">
-                  <a:lumMod val="75000"/>
-                </a:schemeClr>
-              </a:gs>
-              <a:gs pos="100000">
-                <a:schemeClr val="bg2">
-                  <a:lumMod val="50000"/>
-                </a:schemeClr>
-              </a:gs>
-            </a:gsLst>
-            <a:lin ang="8100000" scaled="1"/>
-            <a:tileRect/>
-          </a:gradFill>
-          <a:ln w="19050" cmpd="sng">
-            <a:solidFill>
-              <a:schemeClr val="accent1">
-                <a:lumMod val="60000"/>
-                <a:lumOff val="40000"/>
-              </a:schemeClr>
-            </a:solidFill>
-          </a:ln>
-        </p:spPr>
-        <p:style>
-          <a:lnRef idx="2">
-            <a:schemeClr val="accent1">
-              <a:shade val="50000"/>
-            </a:schemeClr>
-          </a:lnRef>
-          <a:fillRef idx="1">
-            <a:schemeClr val="accent1"/>
-          </a:fillRef>
-          <a:effectRef idx="0">
-            <a:schemeClr val="accent1"/>
-          </a:effectRef>
-          <a:fontRef idx="minor">
-            <a:schemeClr val="lt1"/>
-          </a:fontRef>
-        </p:style>
-        <p:txBody>
-          <a:bodyPr rtlCol="0" anchor="ctr"/>
-          <a:lstStyle/>
-          <a:p>
-            <a:pPr algn="ctr"/>
-            <a:endParaRPr lang="sv-SE"/>
-          </a:p>
-        </p:txBody>
-      </p:sp>
-      <p:sp>
-        <p:nvSpPr>
-          <p:cNvPr id="33" name="Rectangle 32"/>
-          <p:cNvSpPr/>
-          <p:nvPr/>
-        </p:nvSpPr>
-        <p:spPr>
-          <a:xfrm>
-            <a:off x="1353643" y="3989425"/>
-            <a:ext cx="452701" cy="687788"/>
-          </a:xfrm>
-          <a:prstGeom prst="rect">
-            <a:avLst/>
-          </a:prstGeom>
-          <a:noFill/>
-          <a:ln w="19050" cmpd="sng">
-            <a:solidFill>
-              <a:schemeClr val="accent1">
-                <a:lumMod val="60000"/>
-                <a:lumOff val="40000"/>
-              </a:schemeClr>
-            </a:solidFill>
-            <a:prstDash val="sysDash"/>
-          </a:ln>
-        </p:spPr>
-        <p:style>
-          <a:lnRef idx="2">
-            <a:schemeClr val="accent1">
-              <a:shade val="50000"/>
-            </a:schemeClr>
-          </a:lnRef>
-          <a:fillRef idx="1">
-            <a:schemeClr val="accent1"/>
-          </a:fillRef>
-          <a:effectRef idx="0">
-            <a:schemeClr val="accent1"/>
-          </a:effectRef>
-          <a:fontRef idx="minor">
-            <a:schemeClr val="lt1"/>
-          </a:fontRef>
-        </p:style>
-        <p:txBody>
-          <a:bodyPr rtlCol="0" anchor="ctr"/>
-          <a:lstStyle/>
-          <a:p>
-            <a:pPr algn="ctr"/>
-            <a:endParaRPr lang="sv-SE"/>
-          </a:p>
-        </p:txBody>
-      </p:sp>
-      <p:sp>
-        <p:nvSpPr>
-          <p:cNvPr id="34" name="Rectangle 33"/>
-          <p:cNvSpPr/>
-          <p:nvPr/>
-        </p:nvSpPr>
-        <p:spPr>
-          <a:xfrm>
-            <a:off x="797312" y="4561427"/>
-            <a:ext cx="439209" cy="343894"/>
-          </a:xfrm>
-          <a:prstGeom prst="rect">
-            <a:avLst/>
-          </a:prstGeom>
-          <a:noFill/>
-          <a:ln w="19050" cmpd="sng">
-            <a:solidFill>
-              <a:schemeClr val="accent1">
-                <a:lumMod val="60000"/>
-                <a:lumOff val="40000"/>
-              </a:schemeClr>
-            </a:solidFill>
-            <a:prstDash val="sysDash"/>
-          </a:ln>
-        </p:spPr>
-        <p:style>
-          <a:lnRef idx="2">
-            <a:schemeClr val="accent1">
-              <a:shade val="50000"/>
-            </a:schemeClr>
-          </a:lnRef>
-          <a:fillRef idx="1">
-            <a:schemeClr val="accent1"/>
-          </a:fillRef>
-          <a:effectRef idx="0">
-            <a:schemeClr val="accent1"/>
-          </a:effectRef>
-          <a:fontRef idx="minor">
-            <a:schemeClr val="lt1"/>
-          </a:fontRef>
-        </p:style>
-        <p:txBody>
-          <a:bodyPr rtlCol="0" anchor="ctr"/>
-          <a:lstStyle/>
-          <a:p>
-            <a:pPr algn="ctr"/>
-            <a:endParaRPr lang="sv-SE"/>
-          </a:p>
-        </p:txBody>
-      </p:sp>
-      <p:sp>
-        <p:nvSpPr>
-          <p:cNvPr id="35" name="Rectangle 34"/>
-          <p:cNvSpPr/>
-          <p:nvPr/>
-        </p:nvSpPr>
-        <p:spPr>
-          <a:xfrm>
-            <a:off x="3013779" y="4029565"/>
-            <a:ext cx="770996" cy="805706"/>
-          </a:xfrm>
-          <a:prstGeom prst="rect">
-            <a:avLst/>
-          </a:prstGeom>
-          <a:noFill/>
-          <a:ln w="19050" cmpd="sng">
-            <a:solidFill>
-              <a:schemeClr val="accent1">
-                <a:lumMod val="60000"/>
-                <a:lumOff val="40000"/>
-              </a:schemeClr>
-            </a:solidFill>
-            <a:prstDash val="sysDash"/>
-          </a:ln>
-        </p:spPr>
-        <p:style>
-          <a:lnRef idx="2">
-            <a:schemeClr val="accent1">
-              <a:shade val="50000"/>
-            </a:schemeClr>
-          </a:lnRef>
-          <a:fillRef idx="1">
-            <a:schemeClr val="accent1"/>
-          </a:fillRef>
-          <a:effectRef idx="0">
-            <a:schemeClr val="accent1"/>
-          </a:effectRef>
-          <a:fontRef idx="minor">
-            <a:schemeClr val="lt1"/>
-          </a:fontRef>
-        </p:style>
-        <p:txBody>
-          <a:bodyPr rtlCol="0" anchor="ctr"/>
-          <a:lstStyle/>
-          <a:p>
-            <a:pPr algn="ctr"/>
-            <a:endParaRPr lang="sv-SE"/>
-          </a:p>
-        </p:txBody>
-      </p:sp>
-      <p:sp>
-        <p:nvSpPr>
-          <p:cNvPr id="37" name="Rectangle 36"/>
-          <p:cNvSpPr/>
-          <p:nvPr/>
-        </p:nvSpPr>
-        <p:spPr>
-          <a:xfrm>
-            <a:off x="609600" y="5495296"/>
-            <a:ext cx="3429000" cy="1149331"/>
-          </a:xfrm>
-          <a:prstGeom prst="rect">
-            <a:avLst/>
-          </a:prstGeom>
-          <a:noFill/>
-          <a:ln w="25400" cmpd="sng">
-            <a:solidFill>
-              <a:schemeClr val="accent1">
-                <a:lumMod val="60000"/>
-                <a:lumOff val="40000"/>
-              </a:schemeClr>
-            </a:solidFill>
-          </a:ln>
-        </p:spPr>
-        <p:style>
-          <a:lnRef idx="2">
-            <a:schemeClr val="accent1">
-              <a:shade val="50000"/>
-            </a:schemeClr>
-          </a:lnRef>
-          <a:fillRef idx="1">
-            <a:schemeClr val="accent1"/>
-          </a:fillRef>
-          <a:effectRef idx="0">
-            <a:schemeClr val="accent1"/>
-          </a:effectRef>
-          <a:fontRef idx="minor">
-            <a:schemeClr val="lt1"/>
-          </a:fontRef>
-        </p:style>
-        <p:txBody>
-          <a:bodyPr rtlCol="0" anchor="ctr"/>
-          <a:lstStyle/>
-          <a:p>
-            <a:pPr algn="ctr"/>
-            <a:endParaRPr lang="sv-SE"/>
-          </a:p>
-        </p:txBody>
-      </p:sp>
-      <p:sp>
-        <p:nvSpPr>
-          <p:cNvPr id="38" name="Rectangle 37"/>
-          <p:cNvSpPr/>
-          <p:nvPr/>
-        </p:nvSpPr>
-        <p:spPr>
-          <a:xfrm>
-            <a:off x="660162" y="5545893"/>
-            <a:ext cx="1346906" cy="1053546"/>
-          </a:xfrm>
-          <a:prstGeom prst="rect">
-            <a:avLst/>
-          </a:prstGeom>
-          <a:noFill/>
-          <a:ln w="25400" cmpd="sng">
-            <a:solidFill>
-              <a:schemeClr val="accent1">
-                <a:lumMod val="60000"/>
-                <a:lumOff val="40000"/>
-              </a:schemeClr>
-            </a:solidFill>
-          </a:ln>
-        </p:spPr>
-        <p:style>
-          <a:lnRef idx="2">
-            <a:schemeClr val="accent1">
-              <a:shade val="50000"/>
-            </a:schemeClr>
-          </a:lnRef>
-          <a:fillRef idx="1">
-            <a:schemeClr val="accent1"/>
-          </a:fillRef>
-          <a:effectRef idx="0">
-            <a:schemeClr val="accent1"/>
-          </a:effectRef>
-          <a:fontRef idx="minor">
-            <a:schemeClr val="lt1"/>
-          </a:fontRef>
-        </p:style>
-        <p:txBody>
-          <a:bodyPr rtlCol="0" anchor="ctr"/>
-          <a:lstStyle/>
-          <a:p>
-            <a:pPr algn="ctr"/>
-            <a:endParaRPr lang="sv-SE"/>
-          </a:p>
-        </p:txBody>
-      </p:sp>
-      <p:sp>
-        <p:nvSpPr>
-          <p:cNvPr id="39" name="Rectangle 38"/>
-          <p:cNvSpPr/>
-          <p:nvPr/>
-        </p:nvSpPr>
-        <p:spPr>
-          <a:xfrm>
-            <a:off x="2649678" y="5545893"/>
-            <a:ext cx="1346906" cy="1053546"/>
-          </a:xfrm>
-          <a:prstGeom prst="rect">
-            <a:avLst/>
-          </a:prstGeom>
-          <a:noFill/>
-          <a:ln w="25400" cmpd="sng">
-            <a:solidFill>
-              <a:schemeClr val="accent1">
-                <a:lumMod val="60000"/>
-                <a:lumOff val="40000"/>
-              </a:schemeClr>
-            </a:solidFill>
-          </a:ln>
-        </p:spPr>
-        <p:style>
-          <a:lnRef idx="2">
-            <a:schemeClr val="accent1">
-              <a:shade val="50000"/>
-            </a:schemeClr>
-          </a:lnRef>
-          <a:fillRef idx="1">
-            <a:schemeClr val="accent1"/>
-          </a:fillRef>
-          <a:effectRef idx="0">
-            <a:schemeClr val="accent1"/>
-          </a:effectRef>
-          <a:fontRef idx="minor">
-            <a:schemeClr val="lt1"/>
-          </a:fontRef>
-        </p:style>
-        <p:txBody>
-          <a:bodyPr rtlCol="0" anchor="ctr"/>
-          <a:lstStyle/>
-          <a:p>
-            <a:pPr algn="ctr"/>
-            <a:endParaRPr lang="sv-SE"/>
-          </a:p>
-        </p:txBody>
-      </p:sp>
-      <p:sp>
-        <p:nvSpPr>
-          <p:cNvPr id="40" name="Right Arrow 39"/>
-          <p:cNvSpPr/>
-          <p:nvPr/>
-        </p:nvSpPr>
-        <p:spPr>
-          <a:xfrm>
-            <a:off x="2158823" y="5903572"/>
-            <a:ext cx="330553" cy="229032"/>
-          </a:xfrm>
-          <a:prstGeom prst="rightArrow">
-            <a:avLst/>
-          </a:prstGeom>
-          <a:solidFill>
-            <a:schemeClr val="accent1">
-              <a:lumMod val="60000"/>
-              <a:lumOff val="40000"/>
-            </a:schemeClr>
-          </a:solidFill>
-          <a:ln w="25400" cmpd="sng">
-            <a:solidFill>
-              <a:schemeClr val="accent1">
-                <a:lumMod val="60000"/>
-                <a:lumOff val="40000"/>
-              </a:schemeClr>
-            </a:solidFill>
-          </a:ln>
-        </p:spPr>
-        <p:style>
-          <a:lnRef idx="2">
-            <a:schemeClr val="accent1">
-              <a:shade val="50000"/>
-            </a:schemeClr>
-          </a:lnRef>
-          <a:fillRef idx="1">
-            <a:schemeClr val="accent1"/>
-          </a:fillRef>
-          <a:effectRef idx="0">
-            <a:schemeClr val="accent1"/>
-          </a:effectRef>
-          <a:fontRef idx="minor">
-            <a:schemeClr val="lt1"/>
-          </a:fontRef>
-        </p:style>
-        <p:txBody>
-          <a:bodyPr rtlCol="0" anchor="ctr"/>
-          <a:lstStyle/>
-          <a:p>
-            <a:pPr algn="ctr"/>
-            <a:endParaRPr lang="sv-SE"/>
-          </a:p>
-        </p:txBody>
-      </p:sp>
-      <p:sp>
-        <p:nvSpPr>
-          <p:cNvPr id="41" name="Rectangle 40"/>
-          <p:cNvSpPr/>
-          <p:nvPr/>
-        </p:nvSpPr>
-        <p:spPr>
-          <a:xfrm>
-            <a:off x="1114010" y="5697143"/>
-            <a:ext cx="439209" cy="687788"/>
-          </a:xfrm>
-          <a:prstGeom prst="rect">
-            <a:avLst/>
-          </a:prstGeom>
-          <a:gradFill flip="none" rotWithShape="1">
-            <a:gsLst>
-              <a:gs pos="0">
-                <a:schemeClr val="accent1">
-                  <a:lumMod val="75000"/>
-                </a:schemeClr>
-              </a:gs>
-              <a:gs pos="100000">
-                <a:schemeClr val="bg2">
-                  <a:lumMod val="50000"/>
-                </a:schemeClr>
-              </a:gs>
-            </a:gsLst>
-            <a:lin ang="8100000" scaled="1"/>
-            <a:tileRect/>
-          </a:gradFill>
-          <a:ln w="19050" cmpd="sng">
-            <a:solidFill>
-              <a:schemeClr val="accent1">
-                <a:lumMod val="60000"/>
-                <a:lumOff val="40000"/>
-              </a:schemeClr>
-            </a:solidFill>
-          </a:ln>
-        </p:spPr>
-        <p:style>
-          <a:lnRef idx="2">
-            <a:schemeClr val="accent1">
-              <a:shade val="50000"/>
-            </a:schemeClr>
-          </a:lnRef>
-          <a:fillRef idx="1">
-            <a:schemeClr val="accent1"/>
-          </a:fillRef>
-          <a:effectRef idx="0">
-            <a:schemeClr val="accent1"/>
-          </a:effectRef>
-          <a:fontRef idx="minor">
-            <a:schemeClr val="lt1"/>
-          </a:fontRef>
-        </p:style>
-        <p:txBody>
-          <a:bodyPr rtlCol="0" anchor="ctr"/>
-          <a:lstStyle/>
-          <a:p>
-            <a:pPr algn="ctr"/>
-            <a:endParaRPr lang="sv-SE"/>
-          </a:p>
-        </p:txBody>
-      </p:sp>
-      <p:sp>
-        <p:nvSpPr>
-          <p:cNvPr id="43" name="Rectangle 42"/>
-          <p:cNvSpPr/>
-          <p:nvPr/>
-        </p:nvSpPr>
-        <p:spPr>
-          <a:xfrm>
-            <a:off x="3111111" y="5697143"/>
-            <a:ext cx="439209" cy="687788"/>
-          </a:xfrm>
-          <a:prstGeom prst="rect">
-            <a:avLst/>
-          </a:prstGeom>
-          <a:noFill/>
-          <a:ln w="19050" cmpd="sng">
-            <a:solidFill>
-              <a:schemeClr val="accent1">
-                <a:lumMod val="60000"/>
-                <a:lumOff val="40000"/>
-              </a:schemeClr>
-            </a:solidFill>
-            <a:prstDash val="sysDash"/>
-          </a:ln>
-        </p:spPr>
-        <p:style>
-          <a:lnRef idx="2">
-            <a:schemeClr val="accent1">
-              <a:shade val="50000"/>
-            </a:schemeClr>
-          </a:lnRef>
-          <a:fillRef idx="1">
-            <a:schemeClr val="accent1"/>
-          </a:fillRef>
-          <a:effectRef idx="0">
-            <a:schemeClr val="accent1"/>
-          </a:effectRef>
-          <a:fontRef idx="minor">
-            <a:schemeClr val="lt1"/>
-          </a:fontRef>
-        </p:style>
-        <p:txBody>
-          <a:bodyPr rtlCol="0" anchor="ctr"/>
-          <a:lstStyle/>
-          <a:p>
-            <a:pPr algn="ctr"/>
-            <a:endParaRPr lang="sv-SE"/>
-          </a:p>
-        </p:txBody>
-      </p:sp>
-      <p:sp>
-        <p:nvSpPr>
-          <p:cNvPr id="44" name="Rectangle 43"/>
-          <p:cNvSpPr/>
-          <p:nvPr/>
-        </p:nvSpPr>
-        <p:spPr>
-          <a:xfrm>
-            <a:off x="8031478" y="2329893"/>
-            <a:ext cx="439209" cy="687788"/>
-          </a:xfrm>
-          <a:prstGeom prst="rect">
-            <a:avLst/>
-          </a:prstGeom>
-          <a:gradFill flip="none" rotWithShape="1">
-            <a:gsLst>
-              <a:gs pos="0">
-                <a:schemeClr val="accent1">
-                  <a:lumMod val="75000"/>
-                </a:schemeClr>
-              </a:gs>
-              <a:gs pos="100000">
-                <a:schemeClr val="bg2">
-                  <a:lumMod val="50000"/>
-                </a:schemeClr>
-              </a:gs>
-            </a:gsLst>
-            <a:lin ang="8100000" scaled="1"/>
-            <a:tileRect/>
-          </a:gradFill>
-          <a:ln w="19050" cmpd="sng">
-            <a:solidFill>
-              <a:schemeClr val="accent1">
-                <a:lumMod val="60000"/>
-                <a:lumOff val="40000"/>
-              </a:schemeClr>
-            </a:solidFill>
-          </a:ln>
-        </p:spPr>
-        <p:style>
-          <a:lnRef idx="2">
-            <a:schemeClr val="accent1">
-              <a:shade val="50000"/>
-            </a:schemeClr>
-          </a:lnRef>
-          <a:fillRef idx="1">
-            <a:schemeClr val="accent1"/>
-          </a:fillRef>
-          <a:effectRef idx="0">
-            <a:schemeClr val="accent1"/>
-          </a:effectRef>
-          <a:fontRef idx="minor">
-            <a:schemeClr val="lt1"/>
-          </a:fontRef>
-        </p:style>
-        <p:txBody>
-          <a:bodyPr rtlCol="0" anchor="ctr"/>
-          <a:lstStyle/>
-          <a:p>
-            <a:pPr algn="ctr"/>
-            <a:endParaRPr lang="sv-SE"/>
-          </a:p>
-        </p:txBody>
-      </p:sp>
-      <p:sp>
-        <p:nvSpPr>
-          <p:cNvPr id="45" name="Rectangle 44"/>
-          <p:cNvSpPr/>
-          <p:nvPr/>
-        </p:nvSpPr>
-        <p:spPr>
-          <a:xfrm>
-            <a:off x="5211363" y="2207507"/>
-            <a:ext cx="3429000" cy="1149331"/>
-          </a:xfrm>
-          <a:prstGeom prst="rect">
-            <a:avLst/>
-          </a:prstGeom>
-          <a:noFill/>
-          <a:ln w="25400" cmpd="sng">
-            <a:solidFill>
-              <a:schemeClr val="accent1">
-                <a:lumMod val="60000"/>
-                <a:lumOff val="40000"/>
-              </a:schemeClr>
-            </a:solidFill>
-          </a:ln>
-        </p:spPr>
-        <p:style>
-          <a:lnRef idx="2">
-            <a:schemeClr val="accent1">
-              <a:shade val="50000"/>
-            </a:schemeClr>
-          </a:lnRef>
-          <a:fillRef idx="1">
-            <a:schemeClr val="accent1"/>
-          </a:fillRef>
-          <a:effectRef idx="0">
-            <a:schemeClr val="accent1"/>
-          </a:effectRef>
-          <a:fontRef idx="minor">
-            <a:schemeClr val="lt1"/>
-          </a:fontRef>
-        </p:style>
-        <p:txBody>
-          <a:bodyPr rtlCol="0" anchor="ctr"/>
-          <a:lstStyle/>
-          <a:p>
-            <a:pPr algn="ctr"/>
-            <a:endParaRPr lang="sv-SE"/>
-          </a:p>
-        </p:txBody>
-      </p:sp>
-      <p:sp>
-        <p:nvSpPr>
-          <p:cNvPr id="46" name="Rectangle 45"/>
-          <p:cNvSpPr/>
-          <p:nvPr/>
-        </p:nvSpPr>
-        <p:spPr>
-          <a:xfrm>
-            <a:off x="5261925" y="2258104"/>
-            <a:ext cx="1346906" cy="1053546"/>
-          </a:xfrm>
-          <a:prstGeom prst="rect">
-            <a:avLst/>
-          </a:prstGeom>
-          <a:noFill/>
-          <a:ln w="25400" cmpd="sng">
-            <a:solidFill>
-              <a:schemeClr val="accent1">
-                <a:lumMod val="60000"/>
-                <a:lumOff val="40000"/>
-              </a:schemeClr>
-            </a:solidFill>
-          </a:ln>
-        </p:spPr>
-        <p:style>
-          <a:lnRef idx="2">
-            <a:schemeClr val="accent1">
-              <a:shade val="50000"/>
-            </a:schemeClr>
-          </a:lnRef>
-          <a:fillRef idx="1">
-            <a:schemeClr val="accent1"/>
-          </a:fillRef>
-          <a:effectRef idx="0">
-            <a:schemeClr val="accent1"/>
-          </a:effectRef>
-          <a:fontRef idx="minor">
-            <a:schemeClr val="lt1"/>
-          </a:fontRef>
-        </p:style>
-        <p:txBody>
-          <a:bodyPr rtlCol="0" anchor="ctr"/>
-          <a:lstStyle/>
-          <a:p>
-            <a:pPr algn="ctr"/>
-            <a:endParaRPr lang="sv-SE"/>
-          </a:p>
-        </p:txBody>
-      </p:sp>
-      <p:sp>
-        <p:nvSpPr>
-          <p:cNvPr id="47" name="Rectangle 46"/>
-          <p:cNvSpPr/>
-          <p:nvPr/>
-        </p:nvSpPr>
-        <p:spPr>
-          <a:xfrm>
-            <a:off x="7251441" y="2258104"/>
-            <a:ext cx="1346906" cy="1053546"/>
-          </a:xfrm>
-          <a:prstGeom prst="rect">
-            <a:avLst/>
-          </a:prstGeom>
-          <a:noFill/>
-          <a:ln w="25400" cmpd="sng">
-            <a:solidFill>
-              <a:schemeClr val="accent1">
-                <a:lumMod val="60000"/>
-                <a:lumOff val="40000"/>
-              </a:schemeClr>
-            </a:solidFill>
-          </a:ln>
-        </p:spPr>
-        <p:style>
-          <a:lnRef idx="2">
-            <a:schemeClr val="accent1">
-              <a:shade val="50000"/>
-            </a:schemeClr>
-          </a:lnRef>
-          <a:fillRef idx="1">
-            <a:schemeClr val="accent1"/>
-          </a:fillRef>
-          <a:effectRef idx="0">
-            <a:schemeClr val="accent1"/>
-          </a:effectRef>
-          <a:fontRef idx="minor">
-            <a:schemeClr val="lt1"/>
-          </a:fontRef>
-        </p:style>
-        <p:txBody>
-          <a:bodyPr rtlCol="0" anchor="ctr"/>
-          <a:lstStyle/>
-          <a:p>
-            <a:pPr algn="ctr"/>
-            <a:endParaRPr lang="sv-SE"/>
-          </a:p>
-        </p:txBody>
-      </p:sp>
-      <p:sp>
-        <p:nvSpPr>
-          <p:cNvPr id="48" name="Right Arrow 47"/>
-          <p:cNvSpPr/>
-          <p:nvPr/>
-        </p:nvSpPr>
-        <p:spPr>
-          <a:xfrm>
-            <a:off x="6760586" y="2615783"/>
-            <a:ext cx="330553" cy="229032"/>
-          </a:xfrm>
-          <a:prstGeom prst="rightArrow">
-            <a:avLst/>
-          </a:prstGeom>
-          <a:solidFill>
-            <a:schemeClr val="accent1">
-              <a:lumMod val="60000"/>
-              <a:lumOff val="40000"/>
-            </a:schemeClr>
-          </a:solidFill>
-          <a:ln w="25400" cmpd="sng">
-            <a:solidFill>
-              <a:schemeClr val="accent1">
-                <a:lumMod val="60000"/>
-                <a:lumOff val="40000"/>
-              </a:schemeClr>
-            </a:solidFill>
-          </a:ln>
-        </p:spPr>
-        <p:style>
-          <a:lnRef idx="2">
-            <a:schemeClr val="accent1">
-              <a:shade val="50000"/>
-            </a:schemeClr>
-          </a:lnRef>
-          <a:fillRef idx="1">
-            <a:schemeClr val="accent1"/>
-          </a:fillRef>
-          <a:effectRef idx="0">
-            <a:schemeClr val="accent1"/>
-          </a:effectRef>
-          <a:fontRef idx="minor">
-            <a:schemeClr val="lt1"/>
-          </a:fontRef>
-        </p:style>
-        <p:txBody>
-          <a:bodyPr rtlCol="0" anchor="ctr"/>
-          <a:lstStyle/>
-          <a:p>
-            <a:pPr algn="ctr"/>
-            <a:endParaRPr lang="sv-SE"/>
-          </a:p>
-        </p:txBody>
-      </p:sp>
-      <p:sp>
-        <p:nvSpPr>
-          <p:cNvPr id="49" name="Rectangle 48"/>
-          <p:cNvSpPr/>
-          <p:nvPr/>
-        </p:nvSpPr>
-        <p:spPr>
-          <a:xfrm>
-            <a:off x="5411701" y="2532210"/>
-            <a:ext cx="439209" cy="687788"/>
-          </a:xfrm>
-          <a:prstGeom prst="rect">
-            <a:avLst/>
-          </a:prstGeom>
-          <a:gradFill flip="none" rotWithShape="1">
-            <a:gsLst>
-              <a:gs pos="0">
-                <a:schemeClr val="accent1">
-                  <a:lumMod val="75000"/>
-                </a:schemeClr>
-              </a:gs>
-              <a:gs pos="100000">
-                <a:schemeClr val="bg2">
-                  <a:lumMod val="50000"/>
-                </a:schemeClr>
-              </a:gs>
-            </a:gsLst>
-            <a:lin ang="8100000" scaled="1"/>
-            <a:tileRect/>
-          </a:gradFill>
-          <a:ln w="19050" cmpd="sng">
-            <a:solidFill>
-              <a:schemeClr val="accent1">
-                <a:lumMod val="60000"/>
-                <a:lumOff val="40000"/>
-              </a:schemeClr>
-            </a:solidFill>
-          </a:ln>
-        </p:spPr>
-        <p:style>
-          <a:lnRef idx="2">
-            <a:schemeClr val="accent1">
-              <a:shade val="50000"/>
-            </a:schemeClr>
-          </a:lnRef>
-          <a:fillRef idx="1">
-            <a:schemeClr val="accent1"/>
-          </a:fillRef>
-          <a:effectRef idx="0">
-            <a:schemeClr val="accent1"/>
-          </a:effectRef>
-          <a:fontRef idx="minor">
-            <a:schemeClr val="lt1"/>
-          </a:fontRef>
-        </p:style>
-        <p:txBody>
-          <a:bodyPr rtlCol="0" anchor="ctr"/>
-          <a:lstStyle/>
-          <a:p>
-            <a:pPr algn="ctr"/>
-            <a:endParaRPr lang="sv-SE"/>
-          </a:p>
-        </p:txBody>
-      </p:sp>
-      <p:sp>
-        <p:nvSpPr>
-          <p:cNvPr id="50" name="Rectangle 49"/>
-          <p:cNvSpPr/>
-          <p:nvPr/>
-        </p:nvSpPr>
-        <p:spPr>
-          <a:xfrm>
-            <a:off x="6016804" y="2330068"/>
-            <a:ext cx="439209" cy="687788"/>
-          </a:xfrm>
-          <a:prstGeom prst="rect">
-            <a:avLst/>
-          </a:prstGeom>
-          <a:noFill/>
-          <a:ln w="19050" cmpd="sng">
-            <a:solidFill>
-              <a:schemeClr val="accent1">
-                <a:lumMod val="60000"/>
-                <a:lumOff val="40000"/>
-              </a:schemeClr>
-            </a:solidFill>
-            <a:prstDash val="sysDash"/>
-          </a:ln>
-        </p:spPr>
-        <p:style>
-          <a:lnRef idx="2">
-            <a:schemeClr val="accent1">
-              <a:shade val="50000"/>
-            </a:schemeClr>
-          </a:lnRef>
-          <a:fillRef idx="1">
-            <a:schemeClr val="accent1"/>
-          </a:fillRef>
-          <a:effectRef idx="0">
-            <a:schemeClr val="accent1"/>
-          </a:effectRef>
-          <a:fontRef idx="minor">
-            <a:schemeClr val="lt1"/>
-          </a:fontRef>
-        </p:style>
-        <p:txBody>
-          <a:bodyPr rtlCol="0" anchor="ctr"/>
-          <a:lstStyle/>
-          <a:p>
-            <a:pPr algn="ctr"/>
-            <a:endParaRPr lang="sv-SE"/>
-          </a:p>
-        </p:txBody>
-      </p:sp>
-      <p:sp>
-        <p:nvSpPr>
-          <p:cNvPr id="51" name="Rectangle 50"/>
-          <p:cNvSpPr/>
-          <p:nvPr/>
-        </p:nvSpPr>
-        <p:spPr>
-          <a:xfrm>
-            <a:off x="7388591" y="2530611"/>
-            <a:ext cx="439209" cy="687788"/>
-          </a:xfrm>
-          <a:prstGeom prst="rect">
-            <a:avLst/>
-          </a:prstGeom>
-          <a:noFill/>
-          <a:ln w="19050" cmpd="sng">
-            <a:solidFill>
-              <a:schemeClr val="accent1">
-                <a:lumMod val="60000"/>
-                <a:lumOff val="40000"/>
-              </a:schemeClr>
-            </a:solidFill>
-            <a:prstDash val="sysDash"/>
-          </a:ln>
-        </p:spPr>
-        <p:style>
-          <a:lnRef idx="2">
-            <a:schemeClr val="accent1">
-              <a:shade val="50000"/>
-            </a:schemeClr>
-          </a:lnRef>
-          <a:fillRef idx="1">
-            <a:schemeClr val="accent1"/>
-          </a:fillRef>
-          <a:effectRef idx="0">
-            <a:schemeClr val="accent1"/>
-          </a:effectRef>
-          <a:fontRef idx="minor">
-            <a:schemeClr val="lt1"/>
-          </a:fontRef>
-        </p:style>
-        <p:txBody>
-          <a:bodyPr rtlCol="0" anchor="ctr"/>
-          <a:lstStyle/>
-          <a:p>
-            <a:pPr algn="ctr"/>
-            <a:endParaRPr lang="sv-SE"/>
-          </a:p>
-        </p:txBody>
-      </p:sp>
-      <p:sp>
-        <p:nvSpPr>
-          <p:cNvPr id="52" name="Rectangle 51"/>
-          <p:cNvSpPr/>
-          <p:nvPr/>
-        </p:nvSpPr>
-        <p:spPr>
-          <a:xfrm>
-            <a:off x="5211362" y="5516389"/>
-            <a:ext cx="3429000" cy="1149331"/>
-          </a:xfrm>
-          <a:prstGeom prst="rect">
-            <a:avLst/>
-          </a:prstGeom>
-          <a:noFill/>
-          <a:ln w="25400" cmpd="sng">
-            <a:solidFill>
-              <a:schemeClr val="accent1">
-                <a:lumMod val="60000"/>
-                <a:lumOff val="40000"/>
-              </a:schemeClr>
-            </a:solidFill>
-          </a:ln>
-        </p:spPr>
-        <p:style>
-          <a:lnRef idx="2">
-            <a:schemeClr val="accent1">
-              <a:shade val="50000"/>
-            </a:schemeClr>
-          </a:lnRef>
-          <a:fillRef idx="1">
-            <a:schemeClr val="accent1"/>
-          </a:fillRef>
-          <a:effectRef idx="0">
-            <a:schemeClr val="accent1"/>
-          </a:effectRef>
-          <a:fontRef idx="minor">
-            <a:schemeClr val="lt1"/>
-          </a:fontRef>
-        </p:style>
-        <p:txBody>
-          <a:bodyPr rtlCol="0" anchor="ctr"/>
-          <a:lstStyle/>
-          <a:p>
-            <a:pPr algn="ctr"/>
-            <a:endParaRPr lang="sv-SE"/>
-          </a:p>
-        </p:txBody>
-      </p:sp>
-      <p:sp>
-        <p:nvSpPr>
-          <p:cNvPr id="53" name="Rectangle 52"/>
-          <p:cNvSpPr/>
-          <p:nvPr/>
-        </p:nvSpPr>
-        <p:spPr>
-          <a:xfrm>
-            <a:off x="5261924" y="5566986"/>
-            <a:ext cx="1346906" cy="1053546"/>
-          </a:xfrm>
-          <a:prstGeom prst="rect">
-            <a:avLst/>
-          </a:prstGeom>
-          <a:noFill/>
-          <a:ln w="25400" cmpd="sng">
-            <a:solidFill>
-              <a:schemeClr val="accent1">
-                <a:lumMod val="60000"/>
-                <a:lumOff val="40000"/>
-              </a:schemeClr>
-            </a:solidFill>
-          </a:ln>
-        </p:spPr>
-        <p:style>
-          <a:lnRef idx="2">
-            <a:schemeClr val="accent1">
-              <a:shade val="50000"/>
-            </a:schemeClr>
-          </a:lnRef>
-          <a:fillRef idx="1">
-            <a:schemeClr val="accent1"/>
-          </a:fillRef>
-          <a:effectRef idx="0">
-            <a:schemeClr val="accent1"/>
-          </a:effectRef>
-          <a:fontRef idx="minor">
-            <a:schemeClr val="lt1"/>
-          </a:fontRef>
-        </p:style>
-        <p:txBody>
-          <a:bodyPr rtlCol="0" anchor="ctr"/>
-          <a:lstStyle/>
-          <a:p>
-            <a:pPr algn="ctr"/>
-            <a:endParaRPr lang="sv-SE"/>
-          </a:p>
-        </p:txBody>
-      </p:sp>
-      <p:sp>
-        <p:nvSpPr>
-          <p:cNvPr id="54" name="Rectangle 53"/>
-          <p:cNvSpPr/>
-          <p:nvPr/>
-        </p:nvSpPr>
-        <p:spPr>
-          <a:xfrm>
-            <a:off x="7251440" y="5566986"/>
-            <a:ext cx="1346906" cy="1053546"/>
-          </a:xfrm>
-          <a:prstGeom prst="rect">
-            <a:avLst/>
-          </a:prstGeom>
-          <a:noFill/>
-          <a:ln w="25400" cmpd="sng">
-            <a:solidFill>
-              <a:schemeClr val="accent1">
-                <a:lumMod val="60000"/>
-                <a:lumOff val="40000"/>
-              </a:schemeClr>
-            </a:solidFill>
-          </a:ln>
-        </p:spPr>
-        <p:style>
-          <a:lnRef idx="2">
-            <a:schemeClr val="accent1">
-              <a:shade val="50000"/>
-            </a:schemeClr>
-          </a:lnRef>
-          <a:fillRef idx="1">
-            <a:schemeClr val="accent1"/>
-          </a:fillRef>
-          <a:effectRef idx="0">
-            <a:schemeClr val="accent1"/>
-          </a:effectRef>
-          <a:fontRef idx="minor">
-            <a:schemeClr val="lt1"/>
-          </a:fontRef>
-        </p:style>
-        <p:txBody>
-          <a:bodyPr rtlCol="0" anchor="ctr"/>
-          <a:lstStyle/>
-          <a:p>
-            <a:pPr algn="ctr"/>
-            <a:endParaRPr lang="sv-SE"/>
-          </a:p>
-        </p:txBody>
-      </p:sp>
-      <p:sp>
-        <p:nvSpPr>
-          <p:cNvPr id="55" name="Right Arrow 54"/>
-          <p:cNvSpPr/>
-          <p:nvPr/>
-        </p:nvSpPr>
-        <p:spPr>
-          <a:xfrm>
-            <a:off x="6760585" y="5924665"/>
-            <a:ext cx="330553" cy="229032"/>
-          </a:xfrm>
-          <a:prstGeom prst="rightArrow">
-            <a:avLst/>
-          </a:prstGeom>
-          <a:solidFill>
-            <a:schemeClr val="accent1">
-              <a:lumMod val="60000"/>
-              <a:lumOff val="40000"/>
-            </a:schemeClr>
-          </a:solidFill>
-          <a:ln w="25400" cmpd="sng">
-            <a:solidFill>
-              <a:schemeClr val="accent1">
-                <a:lumMod val="60000"/>
-                <a:lumOff val="40000"/>
-              </a:schemeClr>
-            </a:solidFill>
-          </a:ln>
-        </p:spPr>
-        <p:style>
-          <a:lnRef idx="2">
-            <a:schemeClr val="accent1">
-              <a:shade val="50000"/>
-            </a:schemeClr>
-          </a:lnRef>
-          <a:fillRef idx="1">
-            <a:schemeClr val="accent1"/>
-          </a:fillRef>
-          <a:effectRef idx="0">
-            <a:schemeClr val="accent1"/>
-          </a:effectRef>
-          <a:fontRef idx="minor">
-            <a:schemeClr val="lt1"/>
-          </a:fontRef>
-        </p:style>
-        <p:txBody>
-          <a:bodyPr rtlCol="0" anchor="ctr"/>
-          <a:lstStyle/>
-          <a:p>
-            <a:pPr algn="ctr"/>
-            <a:endParaRPr lang="sv-SE"/>
-          </a:p>
-        </p:txBody>
-      </p:sp>
-      <p:sp>
-        <p:nvSpPr>
-          <p:cNvPr id="56" name="Rectangle 55"/>
-          <p:cNvSpPr/>
-          <p:nvPr/>
-        </p:nvSpPr>
-        <p:spPr>
-          <a:xfrm>
-            <a:off x="7732064" y="5717740"/>
-            <a:ext cx="439209" cy="687788"/>
-          </a:xfrm>
-          <a:prstGeom prst="rect">
-            <a:avLst/>
-          </a:prstGeom>
-          <a:gradFill flip="none" rotWithShape="1">
-            <a:gsLst>
-              <a:gs pos="0">
-                <a:schemeClr val="accent1">
-                  <a:lumMod val="75000"/>
-                </a:schemeClr>
-              </a:gs>
-              <a:gs pos="100000">
-                <a:schemeClr val="bg2">
-                  <a:lumMod val="50000"/>
-                </a:schemeClr>
-              </a:gs>
-            </a:gsLst>
-            <a:lin ang="8100000" scaled="1"/>
-            <a:tileRect/>
-          </a:gradFill>
-          <a:ln w="19050" cmpd="sng">
-            <a:solidFill>
-              <a:schemeClr val="accent1">
-                <a:lumMod val="60000"/>
-                <a:lumOff val="40000"/>
-              </a:schemeClr>
-            </a:solidFill>
-          </a:ln>
-        </p:spPr>
-        <p:style>
-          <a:lnRef idx="2">
-            <a:schemeClr val="accent1">
-              <a:shade val="50000"/>
-            </a:schemeClr>
-          </a:lnRef>
-          <a:fillRef idx="1">
-            <a:schemeClr val="accent1"/>
-          </a:fillRef>
-          <a:effectRef idx="0">
-            <a:schemeClr val="accent1"/>
-          </a:effectRef>
-          <a:fontRef idx="minor">
-            <a:schemeClr val="lt1"/>
-          </a:fontRef>
-        </p:style>
-        <p:txBody>
-          <a:bodyPr rtlCol="0" anchor="ctr"/>
-          <a:lstStyle/>
-          <a:p>
-            <a:pPr algn="ctr"/>
-            <a:endParaRPr lang="sv-SE"/>
-          </a:p>
-        </p:txBody>
-      </p:sp>
-      <p:sp>
-        <p:nvSpPr>
-          <p:cNvPr id="58" name="Rectangle 57"/>
-          <p:cNvSpPr/>
-          <p:nvPr/>
-        </p:nvSpPr>
-        <p:spPr>
-          <a:xfrm>
-            <a:off x="5700422" y="5720177"/>
-            <a:ext cx="439209" cy="687788"/>
-          </a:xfrm>
-          <a:prstGeom prst="rect">
-            <a:avLst/>
-          </a:prstGeom>
-          <a:noFill/>
-          <a:ln w="19050" cmpd="sng">
-            <a:solidFill>
-              <a:schemeClr val="accent1">
-                <a:lumMod val="60000"/>
-                <a:lumOff val="40000"/>
-              </a:schemeClr>
-            </a:solidFill>
-            <a:prstDash val="sysDash"/>
-          </a:ln>
-        </p:spPr>
-        <p:style>
-          <a:lnRef idx="2">
-            <a:schemeClr val="accent1">
-              <a:shade val="50000"/>
-            </a:schemeClr>
-          </a:lnRef>
-          <a:fillRef idx="1">
-            <a:schemeClr val="accent1"/>
-          </a:fillRef>
-          <a:effectRef idx="0">
-            <a:schemeClr val="accent1"/>
-          </a:effectRef>
-          <a:fontRef idx="minor">
-            <a:schemeClr val="lt1"/>
-          </a:fontRef>
-        </p:style>
-        <p:txBody>
-          <a:bodyPr rtlCol="0" anchor="ctr"/>
-          <a:lstStyle/>
-          <a:p>
-            <a:pPr algn="ctr"/>
-            <a:endParaRPr lang="sv-SE"/>
-          </a:p>
-        </p:txBody>
-      </p:sp>
-      <p:sp>
-        <p:nvSpPr>
-          <p:cNvPr id="59" name="TextBox 58"/>
-          <p:cNvSpPr txBox="1"/>
-          <p:nvPr/>
-        </p:nvSpPr>
-        <p:spPr>
-          <a:xfrm>
-            <a:off x="609600" y="1824571"/>
-            <a:ext cx="3429000" cy="369332"/>
-          </a:xfrm>
-          <a:prstGeom prst="rect">
-            <a:avLst/>
-          </a:prstGeom>
-          <a:noFill/>
-        </p:spPr>
-        <p:txBody>
-          <a:bodyPr wrap="square" rtlCol="0">
-            <a:spAutoFit/>
-          </a:bodyPr>
-          <a:lstStyle/>
-          <a:p>
-            <a:pPr algn="ctr"/>
-            <a:r>
-              <a:rPr lang="sv-SE" dirty="0" smtClean="0"/>
-              <a:t>Overlapping move</a:t>
-            </a:r>
-            <a:endParaRPr lang="sv-SE" dirty="0"/>
-          </a:p>
-        </p:txBody>
-      </p:sp>
-      <p:sp>
-        <p:nvSpPr>
-          <p:cNvPr id="60" name="TextBox 59"/>
-          <p:cNvSpPr txBox="1"/>
-          <p:nvPr/>
-        </p:nvSpPr>
-        <p:spPr>
-          <a:xfrm>
-            <a:off x="5211362" y="1821083"/>
-            <a:ext cx="3429000" cy="369332"/>
-          </a:xfrm>
-          <a:prstGeom prst="rect">
-            <a:avLst/>
-          </a:prstGeom>
-          <a:noFill/>
-        </p:spPr>
-        <p:txBody>
-          <a:bodyPr wrap="square" rtlCol="0">
-            <a:spAutoFit/>
-          </a:bodyPr>
-          <a:lstStyle/>
-          <a:p>
-            <a:pPr algn="ctr"/>
-            <a:r>
-              <a:rPr lang="sv-SE" dirty="0" smtClean="0"/>
-              <a:t>Non-overlapping move</a:t>
-            </a:r>
-            <a:endParaRPr lang="sv-SE" dirty="0"/>
-          </a:p>
-        </p:txBody>
-      </p:sp>
-      <p:sp>
-        <p:nvSpPr>
-          <p:cNvPr id="61" name="TextBox 60"/>
-          <p:cNvSpPr txBox="1"/>
-          <p:nvPr/>
-        </p:nvSpPr>
-        <p:spPr>
-          <a:xfrm>
-            <a:off x="609600" y="3491596"/>
-            <a:ext cx="3429000" cy="369332"/>
-          </a:xfrm>
-          <a:prstGeom prst="rect">
-            <a:avLst/>
-          </a:prstGeom>
-          <a:noFill/>
-        </p:spPr>
-        <p:txBody>
-          <a:bodyPr wrap="square" rtlCol="0">
-            <a:spAutoFit/>
-          </a:bodyPr>
-          <a:lstStyle/>
-          <a:p>
-            <a:pPr algn="ctr"/>
-            <a:r>
-              <a:rPr lang="sv-SE" dirty="0" smtClean="0"/>
-              <a:t>Parent split</a:t>
-            </a:r>
-            <a:endParaRPr lang="sv-SE" dirty="0"/>
-          </a:p>
-        </p:txBody>
-      </p:sp>
-      <p:sp>
-        <p:nvSpPr>
-          <p:cNvPr id="62" name="TextBox 61"/>
-          <p:cNvSpPr txBox="1"/>
-          <p:nvPr/>
-        </p:nvSpPr>
-        <p:spPr>
-          <a:xfrm>
-            <a:off x="660162" y="5094918"/>
-            <a:ext cx="3378438" cy="369332"/>
-          </a:xfrm>
-          <a:prstGeom prst="rect">
-            <a:avLst/>
-          </a:prstGeom>
-          <a:noFill/>
-        </p:spPr>
-        <p:txBody>
-          <a:bodyPr wrap="square" rtlCol="0">
-            <a:spAutoFit/>
-          </a:bodyPr>
-          <a:lstStyle/>
-          <a:p>
-            <a:pPr algn="ctr"/>
-            <a:r>
-              <a:rPr lang="sv-SE" dirty="0" smtClean="0"/>
-              <a:t>Lost</a:t>
-            </a:r>
-            <a:endParaRPr lang="sv-SE" dirty="0"/>
-          </a:p>
-        </p:txBody>
-      </p:sp>
-      <p:sp>
-        <p:nvSpPr>
-          <p:cNvPr id="63" name="TextBox 62"/>
-          <p:cNvSpPr txBox="1"/>
-          <p:nvPr/>
-        </p:nvSpPr>
-        <p:spPr>
-          <a:xfrm>
-            <a:off x="5211362" y="5131022"/>
-            <a:ext cx="3429002" cy="369332"/>
-          </a:xfrm>
-          <a:prstGeom prst="rect">
-            <a:avLst/>
-          </a:prstGeom>
-          <a:noFill/>
-        </p:spPr>
-        <p:txBody>
-          <a:bodyPr wrap="square" rtlCol="0">
-            <a:spAutoFit/>
-          </a:bodyPr>
-          <a:lstStyle/>
-          <a:p>
-            <a:pPr algn="ctr"/>
-            <a:r>
-              <a:rPr lang="sv-SE" dirty="0" smtClean="0"/>
-              <a:t>Discovered</a:t>
-            </a:r>
-            <a:endParaRPr lang="sv-SE" dirty="0"/>
-          </a:p>
-        </p:txBody>
-      </p:sp>
-      <p:sp>
-        <p:nvSpPr>
-          <p:cNvPr id="64" name="TextBox 63"/>
-          <p:cNvSpPr txBox="1"/>
-          <p:nvPr/>
-        </p:nvSpPr>
-        <p:spPr>
-          <a:xfrm>
-            <a:off x="5211362" y="3479562"/>
-            <a:ext cx="3429002" cy="369332"/>
-          </a:xfrm>
-          <a:prstGeom prst="rect">
-            <a:avLst/>
-          </a:prstGeom>
-          <a:noFill/>
-        </p:spPr>
-        <p:txBody>
-          <a:bodyPr wrap="square" rtlCol="0">
-            <a:spAutoFit/>
-          </a:bodyPr>
-          <a:lstStyle/>
-          <a:p>
-            <a:pPr algn="ctr"/>
-            <a:r>
-              <a:rPr lang="sv-SE" dirty="0" smtClean="0"/>
-              <a:t>Sibling merge</a:t>
-            </a:r>
-            <a:endParaRPr lang="sv-SE" dirty="0"/>
-          </a:p>
-        </p:txBody>
-      </p:sp>
-      <p:sp>
-        <p:nvSpPr>
-          <p:cNvPr id="65" name="Oval 64"/>
-          <p:cNvSpPr/>
-          <p:nvPr/>
-        </p:nvSpPr>
-        <p:spPr>
-          <a:xfrm>
-            <a:off x="431926" y="2016099"/>
-            <a:ext cx="319755" cy="319755"/>
-          </a:xfrm>
-          <a:prstGeom prst="ellipse">
-            <a:avLst/>
-          </a:prstGeom>
-          <a:scene3d>
-            <a:camera prst="orthographicFront"/>
-            <a:lightRig rig="threePt" dir="t"/>
-          </a:scene3d>
-          <a:sp3d>
-            <a:bevelT prst="relaxedInset"/>
-          </a:sp3d>
-        </p:spPr>
-        <p:style>
-          <a:lnRef idx="1">
-            <a:schemeClr val="accent1"/>
-          </a:lnRef>
-          <a:fillRef idx="3">
-            <a:schemeClr val="accent1"/>
-          </a:fillRef>
-          <a:effectRef idx="2">
-            <a:schemeClr val="accent1"/>
-          </a:effectRef>
-          <a:fontRef idx="minor">
-            <a:schemeClr val="lt1"/>
-          </a:fontRef>
-        </p:style>
-        <p:txBody>
-          <a:bodyPr rtlCol="0" anchor="ctr"/>
-          <a:lstStyle/>
-          <a:p>
-            <a:pPr algn="ctr"/>
-            <a:r>
-              <a:rPr lang="sv-SE" sz="2000" b="1" dirty="0" smtClean="0">
-                <a:latin typeface="Aharoni" pitchFamily="2" charset="-79"/>
-                <a:cs typeface="Aharoni" pitchFamily="2" charset="-79"/>
-              </a:rPr>
-              <a:t>1</a:t>
-            </a:r>
-            <a:endParaRPr lang="sv-SE" sz="2000" b="1" dirty="0">
-              <a:latin typeface="Aharoni" pitchFamily="2" charset="-79"/>
-              <a:cs typeface="Aharoni" pitchFamily="2" charset="-79"/>
-            </a:endParaRPr>
-          </a:p>
-        </p:txBody>
-      </p:sp>
-      <p:sp>
-        <p:nvSpPr>
-          <p:cNvPr id="66" name="Oval 65"/>
-          <p:cNvSpPr/>
-          <p:nvPr/>
-        </p:nvSpPr>
-        <p:spPr>
-          <a:xfrm>
-            <a:off x="5055459" y="1999006"/>
-            <a:ext cx="319755" cy="319755"/>
-          </a:xfrm>
-          <a:prstGeom prst="ellipse">
-            <a:avLst/>
-          </a:prstGeom>
-          <a:scene3d>
-            <a:camera prst="orthographicFront"/>
-            <a:lightRig rig="threePt" dir="t"/>
-          </a:scene3d>
-          <a:sp3d>
-            <a:bevelT prst="relaxedInset"/>
-          </a:sp3d>
-        </p:spPr>
-        <p:style>
-          <a:lnRef idx="1">
-            <a:schemeClr val="accent1"/>
-          </a:lnRef>
-          <a:fillRef idx="3">
-            <a:schemeClr val="accent1"/>
-          </a:fillRef>
-          <a:effectRef idx="2">
-            <a:schemeClr val="accent1"/>
-          </a:effectRef>
-          <a:fontRef idx="minor">
-            <a:schemeClr val="lt1"/>
-          </a:fontRef>
-        </p:style>
-        <p:txBody>
-          <a:bodyPr rtlCol="0" anchor="ctr"/>
-          <a:lstStyle/>
-          <a:p>
-            <a:pPr algn="ctr"/>
-            <a:r>
-              <a:rPr lang="sv-SE" sz="2000" b="1" dirty="0" smtClean="0">
-                <a:latin typeface="Aharoni" pitchFamily="2" charset="-79"/>
-                <a:cs typeface="Aharoni" pitchFamily="2" charset="-79"/>
-              </a:rPr>
-              <a:t>2</a:t>
-            </a:r>
-            <a:endParaRPr lang="sv-SE" sz="2000" b="1" dirty="0">
-              <a:latin typeface="Aharoni" pitchFamily="2" charset="-79"/>
-              <a:cs typeface="Aharoni" pitchFamily="2" charset="-79"/>
-            </a:endParaRPr>
-          </a:p>
-        </p:txBody>
-      </p:sp>
-      <p:sp>
-        <p:nvSpPr>
-          <p:cNvPr id="67" name="Oval 66"/>
-          <p:cNvSpPr/>
-          <p:nvPr/>
-        </p:nvSpPr>
-        <p:spPr>
-          <a:xfrm>
-            <a:off x="5025340" y="3675802"/>
-            <a:ext cx="319755" cy="319755"/>
-          </a:xfrm>
-          <a:prstGeom prst="ellipse">
-            <a:avLst/>
-          </a:prstGeom>
-          <a:scene3d>
-            <a:camera prst="orthographicFront"/>
-            <a:lightRig rig="threePt" dir="t"/>
-          </a:scene3d>
-          <a:sp3d>
-            <a:bevelT prst="relaxedInset"/>
-          </a:sp3d>
-        </p:spPr>
-        <p:style>
-          <a:lnRef idx="1">
-            <a:schemeClr val="accent1"/>
-          </a:lnRef>
-          <a:fillRef idx="3">
-            <a:schemeClr val="accent1"/>
-          </a:fillRef>
-          <a:effectRef idx="2">
-            <a:schemeClr val="accent1"/>
-          </a:effectRef>
-          <a:fontRef idx="minor">
-            <a:schemeClr val="lt1"/>
-          </a:fontRef>
-        </p:style>
-        <p:txBody>
-          <a:bodyPr rtlCol="0" anchor="ctr"/>
-          <a:lstStyle/>
-          <a:p>
-            <a:pPr algn="ctr"/>
-            <a:r>
-              <a:rPr lang="sv-SE" sz="2000" b="1" dirty="0" smtClean="0">
-                <a:latin typeface="Aharoni" pitchFamily="2" charset="-79"/>
-                <a:cs typeface="Aharoni" pitchFamily="2" charset="-79"/>
-              </a:rPr>
-              <a:t>4</a:t>
-            </a:r>
-            <a:endParaRPr lang="sv-SE" sz="2000" b="1" dirty="0">
-              <a:latin typeface="Aharoni" pitchFamily="2" charset="-79"/>
-              <a:cs typeface="Aharoni" pitchFamily="2" charset="-79"/>
-            </a:endParaRPr>
-          </a:p>
-        </p:txBody>
-      </p:sp>
-      <p:sp>
-        <p:nvSpPr>
-          <p:cNvPr id="68" name="Oval 67"/>
-          <p:cNvSpPr/>
-          <p:nvPr/>
-        </p:nvSpPr>
-        <p:spPr>
-          <a:xfrm>
-            <a:off x="5038367" y="5319045"/>
-            <a:ext cx="319755" cy="319755"/>
-          </a:xfrm>
-          <a:prstGeom prst="ellipse">
-            <a:avLst/>
-          </a:prstGeom>
-          <a:scene3d>
-            <a:camera prst="orthographicFront"/>
-            <a:lightRig rig="threePt" dir="t"/>
-          </a:scene3d>
-          <a:sp3d>
-            <a:bevelT prst="relaxedInset"/>
-          </a:sp3d>
-        </p:spPr>
-        <p:style>
-          <a:lnRef idx="1">
-            <a:schemeClr val="accent1"/>
-          </a:lnRef>
-          <a:fillRef idx="3">
-            <a:schemeClr val="accent1"/>
-          </a:fillRef>
-          <a:effectRef idx="2">
-            <a:schemeClr val="accent1"/>
-          </a:effectRef>
-          <a:fontRef idx="minor">
-            <a:schemeClr val="lt1"/>
-          </a:fontRef>
-        </p:style>
-        <p:txBody>
-          <a:bodyPr rtlCol="0" anchor="ctr"/>
-          <a:lstStyle/>
-          <a:p>
-            <a:pPr algn="ctr"/>
-            <a:r>
-              <a:rPr lang="sv-SE" sz="2000" b="1" dirty="0" smtClean="0">
-                <a:latin typeface="Aharoni" pitchFamily="2" charset="-79"/>
-                <a:cs typeface="Aharoni" pitchFamily="2" charset="-79"/>
-              </a:rPr>
-              <a:t>6</a:t>
-            </a:r>
-            <a:endParaRPr lang="sv-SE" sz="2000" b="1" dirty="0">
-              <a:latin typeface="Aharoni" pitchFamily="2" charset="-79"/>
-              <a:cs typeface="Aharoni" pitchFamily="2" charset="-79"/>
-            </a:endParaRPr>
-          </a:p>
-        </p:txBody>
-      </p:sp>
-      <p:sp>
-        <p:nvSpPr>
-          <p:cNvPr id="69" name="Oval 68"/>
-          <p:cNvSpPr/>
-          <p:nvPr/>
-        </p:nvSpPr>
-        <p:spPr>
-          <a:xfrm>
-            <a:off x="423380" y="3695203"/>
-            <a:ext cx="319755" cy="319755"/>
-          </a:xfrm>
-          <a:prstGeom prst="ellipse">
-            <a:avLst/>
-          </a:prstGeom>
-          <a:scene3d>
-            <a:camera prst="orthographicFront"/>
-            <a:lightRig rig="threePt" dir="t"/>
-          </a:scene3d>
-          <a:sp3d>
-            <a:bevelT prst="relaxedInset"/>
-          </a:sp3d>
-        </p:spPr>
-        <p:style>
-          <a:lnRef idx="1">
-            <a:schemeClr val="accent1"/>
-          </a:lnRef>
-          <a:fillRef idx="3">
-            <a:schemeClr val="accent1"/>
-          </a:fillRef>
-          <a:effectRef idx="2">
-            <a:schemeClr val="accent1"/>
-          </a:effectRef>
-          <a:fontRef idx="minor">
-            <a:schemeClr val="lt1"/>
-          </a:fontRef>
-        </p:style>
-        <p:txBody>
-          <a:bodyPr rtlCol="0" anchor="ctr"/>
-          <a:lstStyle/>
-          <a:p>
-            <a:pPr algn="ctr"/>
-            <a:r>
-              <a:rPr lang="sv-SE" sz="2000" b="1" dirty="0" smtClean="0">
-                <a:latin typeface="Aharoni" pitchFamily="2" charset="-79"/>
-                <a:cs typeface="Aharoni" pitchFamily="2" charset="-79"/>
-              </a:rPr>
-              <a:t>3</a:t>
-            </a:r>
-            <a:endParaRPr lang="sv-SE" sz="2000" b="1" dirty="0">
-              <a:latin typeface="Aharoni" pitchFamily="2" charset="-79"/>
-              <a:cs typeface="Aharoni" pitchFamily="2" charset="-79"/>
-            </a:endParaRPr>
-          </a:p>
-        </p:txBody>
-      </p:sp>
-      <p:sp>
-        <p:nvSpPr>
-          <p:cNvPr id="70" name="Oval 69"/>
-          <p:cNvSpPr/>
-          <p:nvPr/>
-        </p:nvSpPr>
-        <p:spPr>
-          <a:xfrm>
-            <a:off x="414834" y="5316607"/>
-            <a:ext cx="319755" cy="319755"/>
-          </a:xfrm>
-          <a:prstGeom prst="ellipse">
-            <a:avLst/>
-          </a:prstGeom>
-          <a:scene3d>
-            <a:camera prst="orthographicFront"/>
-            <a:lightRig rig="threePt" dir="t"/>
-          </a:scene3d>
-          <a:sp3d>
-            <a:bevelT prst="relaxedInset"/>
-          </a:sp3d>
-        </p:spPr>
-        <p:style>
-          <a:lnRef idx="1">
-            <a:schemeClr val="accent1"/>
-          </a:lnRef>
-          <a:fillRef idx="3">
-            <a:schemeClr val="accent1"/>
-          </a:fillRef>
-          <a:effectRef idx="2">
-            <a:schemeClr val="accent1"/>
-          </a:effectRef>
-          <a:fontRef idx="minor">
-            <a:schemeClr val="lt1"/>
-          </a:fontRef>
-        </p:style>
-        <p:txBody>
-          <a:bodyPr rtlCol="0" anchor="ctr"/>
-          <a:lstStyle/>
-          <a:p>
-            <a:pPr algn="ctr"/>
-            <a:r>
-              <a:rPr lang="sv-SE" sz="2000" b="1" dirty="0" smtClean="0">
-                <a:latin typeface="Aharoni" pitchFamily="2" charset="-79"/>
-                <a:cs typeface="Aharoni" pitchFamily="2" charset="-79"/>
-              </a:rPr>
-              <a:t>5</a:t>
-            </a:r>
-            <a:endParaRPr lang="sv-SE" sz="2000" b="1" dirty="0">
-              <a:latin typeface="Aharoni" pitchFamily="2" charset="-79"/>
-              <a:cs typeface="Aharoni" pitchFamily="2" charset="-79"/>
-            </a:endParaRPr>
-          </a:p>
-        </p:txBody>
-      </p:sp>
+      </p:pic>
     </p:spTree>
-    <p:extLst>
-      <p:ext uri="{BB962C8B-B14F-4D97-AF65-F5344CB8AC3E}">
-        <p14:creationId xmlns:p14="http://schemas.microsoft.com/office/powerpoint/2010/main" val="1079965555"/>
-      </p:ext>
-    </p:extLst>
   </p:cSld>
   <p:clrMapOvr>
     <a:masterClrMapping/>
@@ -8187,87 +4609,21 @@
           <a:lstStyle/>
           <a:p>
             <a:r>
-              <a:rPr lang="sv-SE" dirty="0" smtClean="0"/>
-              <a:t>Identification – Occlusion</a:t>
-            </a:r>
-            <a:endParaRPr lang="sv-SE" dirty="0"/>
-          </a:p>
-        </p:txBody>
-      </p:sp>
-      <p:pic>
-        <p:nvPicPr>
-          <p:cNvPr id="4" name="Content Placeholder 3"/>
-          <p:cNvPicPr>
-            <a:picLocks noGrp="1" noChangeAspect="1"/>
-          </p:cNvPicPr>
+              <a:rPr lang="en-US" dirty="0" smtClean="0"/>
+              <a:t>Results</a:t>
+            </a:r>
+            <a:endParaRPr lang="en-US" dirty="0"/>
+          </a:p>
+        </p:txBody>
+      </p:sp>
+      <p:sp>
+        <p:nvSpPr>
+          <p:cNvPr id="3" name="Content Placeholder 2"/>
+          <p:cNvSpPr>
+            <a:spLocks noGrp="1"/>
+          </p:cNvSpPr>
           <p:nvPr>
             <p:ph idx="1"/>
-          </p:nvPr>
-        </p:nvPicPr>
-        <p:blipFill>
-          <a:blip r:embed="rId2">
-            <a:extLst>
-              <a:ext uri="{28A0092B-C50C-407E-A947-70E740481C1C}">
-                <a14:useLocalDpi xmlns:a14="http://schemas.microsoft.com/office/drawing/2010/main" val="0"/>
-              </a:ext>
-            </a:extLst>
-          </a:blip>
-          <a:stretch>
-            <a:fillRect/>
-          </a:stretch>
-        </p:blipFill>
-        <p:spPr>
-          <a:xfrm>
-            <a:off x="457200" y="1926293"/>
-            <a:ext cx="8229600" cy="4323038"/>
-          </a:xfrm>
-        </p:spPr>
-      </p:pic>
-    </p:spTree>
-    <p:extLst>
-      <p:ext uri="{BB962C8B-B14F-4D97-AF65-F5344CB8AC3E}">
-        <p14:creationId xmlns:p14="http://schemas.microsoft.com/office/powerpoint/2010/main" val="1768340584"/>
-      </p:ext>
-    </p:extLst>
-  </p:cSld>
-  <p:clrMapOvr>
-    <a:masterClrMapping/>
-  </p:clrMapOvr>
-  <p:timing>
-    <p:tnLst>
-      <p:par>
-        <p:cTn id="1" dur="indefinite" restart="never" nodeType="tmRoot"/>
-      </p:par>
-    </p:tnLst>
-  </p:timing>
-</p:sld>
-</file>
-
-<file path=ppt/slides/slide14.xml><?xml version="1.0" encoding="utf-8"?>
-<p:sld xmlns:a="http://schemas.openxmlformats.org/drawingml/2006/main" xmlns:r="http://schemas.openxmlformats.org/officeDocument/2006/relationships" xmlns:p="http://schemas.openxmlformats.org/presentationml/2006/main">
-  <p:cSld>
-    <p:spTree>
-      <p:nvGrpSpPr>
-        <p:cNvPr id="1" name=""/>
-        <p:cNvGrpSpPr/>
-        <p:nvPr/>
-      </p:nvGrpSpPr>
-      <p:grpSpPr>
-        <a:xfrm>
-          <a:off x="0" y="0"/>
-          <a:ext cx="0" cy="0"/>
-          <a:chOff x="0" y="0"/>
-          <a:chExt cx="0" cy="0"/>
-        </a:xfrm>
-      </p:grpSpPr>
-      <p:sp>
-        <p:nvSpPr>
-          <p:cNvPr id="2" name="Title 1"/>
-          <p:cNvSpPr>
-            <a:spLocks noGrp="1"/>
-          </p:cNvSpPr>
-          <p:nvPr>
-            <p:ph type="title"/>
           </p:nvPr>
         </p:nvSpPr>
         <p:spPr/>
@@ -8275,853 +4631,88 @@
           <a:bodyPr/>
           <a:lstStyle/>
           <a:p>
+            <a:pPr marL="118872" indent="0">
+              <a:buNone/>
+            </a:pPr>
+            <a:r>
+              <a:rPr lang="sv-SE" dirty="0" err="1" smtClean="0"/>
+              <a:t>Very</a:t>
+            </a:r>
             <a:r>
               <a:rPr lang="sv-SE" dirty="0" smtClean="0"/>
-              <a:t>Identification - Improvements</a:t>
+              <a:t> </a:t>
+            </a:r>
+            <a:r>
+              <a:rPr lang="sv-SE" dirty="0" err="1" smtClean="0"/>
+              <a:t>slow</a:t>
+            </a:r>
+            <a:r>
+              <a:rPr lang="sv-SE" dirty="0"/>
+              <a:t> </a:t>
+            </a:r>
+            <a:r>
+              <a:rPr lang="sv-SE" dirty="0" smtClean="0"/>
+              <a:t>for </a:t>
+            </a:r>
+            <a:r>
+              <a:rPr lang="sv-SE" dirty="0" err="1" smtClean="0"/>
+              <a:t>many</a:t>
+            </a:r>
+            <a:r>
+              <a:rPr lang="sv-SE" dirty="0" smtClean="0"/>
+              <a:t> </a:t>
+            </a:r>
+            <a:r>
+              <a:rPr lang="sv-SE" dirty="0" err="1" smtClean="0"/>
+              <a:t>cameras</a:t>
+            </a:r>
+            <a:r>
+              <a:rPr lang="sv-SE" dirty="0" smtClean="0"/>
+              <a:t>.</a:t>
+            </a:r>
+            <a:endParaRPr lang="sv-SE" dirty="0" smtClean="0"/>
+          </a:p>
+          <a:p>
+            <a:pPr marL="118872" indent="0">
+              <a:buNone/>
+            </a:pPr>
+            <a:r>
+              <a:rPr lang="sv-SE" dirty="0" err="1" smtClean="0"/>
+              <a:t>But</a:t>
+            </a:r>
+            <a:r>
+              <a:rPr lang="sv-SE" dirty="0" smtClean="0"/>
+              <a:t> it </a:t>
+            </a:r>
+            <a:r>
+              <a:rPr lang="sv-SE" dirty="0" err="1" smtClean="0"/>
+              <a:t>works</a:t>
+            </a:r>
+            <a:r>
+              <a:rPr lang="sv-SE" dirty="0" smtClean="0"/>
+              <a:t>.</a:t>
+            </a:r>
+          </a:p>
+          <a:p>
+            <a:pPr marL="118872" indent="0">
+              <a:buNone/>
+            </a:pPr>
+            <a:r>
+              <a:rPr lang="sv-SE" dirty="0" smtClean="0"/>
+              <a:t>It is </a:t>
+            </a:r>
+            <a:r>
+              <a:rPr lang="sv-SE" dirty="0" err="1" smtClean="0"/>
+              <a:t>awsome</a:t>
+            </a:r>
+            <a:r>
+              <a:rPr lang="sv-SE" dirty="0" smtClean="0"/>
+              <a:t>.</a:t>
             </a:r>
             <a:endParaRPr lang="sv-SE" dirty="0"/>
           </a:p>
         </p:txBody>
       </p:sp>
-      <p:sp>
-        <p:nvSpPr>
-          <p:cNvPr id="3" name="Content Placeholder 2"/>
-          <p:cNvSpPr>
-            <a:spLocks noGrp="1"/>
-          </p:cNvSpPr>
-          <p:nvPr>
-            <p:ph idx="1"/>
-          </p:nvPr>
-        </p:nvSpPr>
-        <p:spPr/>
-        <p:txBody>
-          <a:bodyPr/>
-          <a:lstStyle/>
-          <a:p>
-            <a:r>
-              <a:rPr lang="sv-SE" dirty="0" smtClean="0"/>
-              <a:t>Assumes all passed objects are ”real”</a:t>
-            </a:r>
-          </a:p>
-          <a:p>
-            <a:pPr lvl="1"/>
-            <a:r>
-              <a:rPr lang="sv-SE" dirty="0" smtClean="0"/>
-              <a:t>Large objects tends to collect lost heads, feets...</a:t>
-            </a:r>
-          </a:p>
-          <a:p>
-            <a:pPr lvl="1"/>
-            <a:r>
-              <a:rPr lang="sv-SE" dirty="0" smtClean="0"/>
-              <a:t>Width and Height should not change too fast...</a:t>
-            </a:r>
-          </a:p>
-          <a:p>
-            <a:pPr lvl="1"/>
-            <a:r>
-              <a:rPr lang="sv-SE" dirty="0" smtClean="0"/>
-              <a:t>The error function isn’t tuned at all: a change in width,height should probably impact more.</a:t>
-            </a:r>
-          </a:p>
-          <a:p>
-            <a:pPr lvl="1"/>
-            <a:r>
-              <a:rPr lang="sv-SE" dirty="0" smtClean="0"/>
-              <a:t>Objects should be removed if they have been lost for too long. Use the </a:t>
-            </a:r>
-            <a:r>
-              <a:rPr lang="sv-SE" smtClean="0"/>
-              <a:t>variance estimate from </a:t>
-            </a:r>
-            <a:r>
-              <a:rPr lang="sv-SE" dirty="0" smtClean="0"/>
-              <a:t>the kalman filter?</a:t>
-            </a:r>
-          </a:p>
-          <a:p>
-            <a:endParaRPr lang="sv-SE" dirty="0" smtClean="0"/>
-          </a:p>
-          <a:p>
-            <a:endParaRPr lang="sv-SE" dirty="0"/>
-          </a:p>
-        </p:txBody>
-      </p:sp>
-    </p:spTree>
-    <p:extLst>
-      <p:ext uri="{BB962C8B-B14F-4D97-AF65-F5344CB8AC3E}">
-        <p14:creationId xmlns:p14="http://schemas.microsoft.com/office/powerpoint/2010/main" val="1142515722"/>
-      </p:ext>
-    </p:extLst>
-  </p:cSld>
-  <p:clrMapOvr>
-    <a:masterClrMapping/>
-  </p:clrMapOvr>
-  <p:timing>
-    <p:tnLst>
-      <p:par>
-        <p:cTn id="1" dur="indefinite" restart="never" nodeType="tmRoot"/>
-      </p:par>
-    </p:tnLst>
-  </p:timing>
-</p:sld>
-</file>
-
-<file path=ppt/slides/slide15.xml><?xml version="1.0" encoding="utf-8"?>
-<p:sld xmlns:a="http://schemas.openxmlformats.org/drawingml/2006/main" xmlns:r="http://schemas.openxmlformats.org/officeDocument/2006/relationships" xmlns:p="http://schemas.openxmlformats.org/presentationml/2006/main">
-  <p:cSld>
-    <p:spTree>
-      <p:nvGrpSpPr>
-        <p:cNvPr id="1" name=""/>
-        <p:cNvGrpSpPr/>
-        <p:nvPr/>
-      </p:nvGrpSpPr>
-      <p:grpSpPr>
-        <a:xfrm>
-          <a:off x="0" y="0"/>
-          <a:ext cx="0" cy="0"/>
-          <a:chOff x="0" y="0"/>
-          <a:chExt cx="0" cy="0"/>
-        </a:xfrm>
-      </p:grpSpPr>
-      <p:sp>
-        <p:nvSpPr>
-          <p:cNvPr id="2" name="Title 1"/>
-          <p:cNvSpPr>
-            <a:spLocks noGrp="1"/>
-          </p:cNvSpPr>
-          <p:nvPr>
-            <p:ph type="title"/>
-          </p:nvPr>
-        </p:nvSpPr>
-        <p:spPr/>
-        <p:txBody>
-          <a:bodyPr/>
-          <a:lstStyle/>
-          <a:p>
-            <a:r>
-              <a:rPr lang="en-US" dirty="0" smtClean="0"/>
-              <a:t>Prediction</a:t>
-            </a:r>
-            <a:endParaRPr lang="en-US" dirty="0"/>
-          </a:p>
-        </p:txBody>
-      </p:sp>
-      <p:sp>
-        <p:nvSpPr>
-          <p:cNvPr id="3" name="Content Placeholder 2"/>
-          <p:cNvSpPr>
-            <a:spLocks noGrp="1"/>
-          </p:cNvSpPr>
-          <p:nvPr>
-            <p:ph idx="1"/>
-          </p:nvPr>
-        </p:nvSpPr>
-        <p:spPr/>
-        <p:txBody>
-          <a:bodyPr/>
-          <a:lstStyle/>
-          <a:p>
-            <a:r>
-              <a:rPr lang="sv-SE" dirty="0" smtClean="0"/>
-              <a:t>Kalman: </a:t>
-            </a:r>
-            <a:r>
-              <a:rPr lang="sv-SE" dirty="0"/>
-              <a:t>T</a:t>
-            </a:r>
-            <a:r>
-              <a:rPr lang="sv-SE" dirty="0" smtClean="0"/>
-              <a:t>he optimal linear predictor</a:t>
-            </a:r>
-          </a:p>
-          <a:p>
-            <a:endParaRPr lang="sv-SE" dirty="0" smtClean="0"/>
-          </a:p>
-          <a:p>
-            <a:r>
-              <a:rPr lang="sv-SE" dirty="0" smtClean="0"/>
-              <a:t>Components</a:t>
-            </a:r>
-          </a:p>
-          <a:p>
-            <a:pPr lvl="1"/>
-            <a:r>
-              <a:rPr lang="sv-SE" dirty="0" smtClean="0"/>
-              <a:t>State-Space Model</a:t>
-            </a:r>
-          </a:p>
-          <a:p>
-            <a:pPr lvl="1"/>
-            <a:r>
-              <a:rPr lang="sv-SE" dirty="0" smtClean="0"/>
-              <a:t>Covariance Matrices</a:t>
-            </a:r>
-          </a:p>
-          <a:p>
-            <a:endParaRPr lang="sv-SE" dirty="0"/>
-          </a:p>
-          <a:p>
-            <a:r>
-              <a:rPr lang="sv-SE" dirty="0" smtClean="0"/>
-              <a:t>Difficulties</a:t>
-            </a:r>
-          </a:p>
-          <a:p>
-            <a:pPr lvl="1"/>
-            <a:r>
-              <a:rPr lang="sv-SE" dirty="0" smtClean="0"/>
-              <a:t>Smoothing</a:t>
-            </a:r>
-          </a:p>
-          <a:p>
-            <a:endParaRPr lang="sv-SE" dirty="0"/>
-          </a:p>
-        </p:txBody>
-      </p:sp>
-    </p:spTree>
-  </p:cSld>
-  <p:clrMapOvr>
-    <a:masterClrMapping/>
-  </p:clrMapOvr>
-  <p:timing>
-    <p:tnLst>
-      <p:par>
-        <p:cTn id="1" dur="indefinite" restart="never" nodeType="tmRoot"/>
-      </p:par>
-    </p:tnLst>
-  </p:timing>
-</p:sld>
-</file>
-
-<file path=ppt/slides/slide16.xml><?xml version="1.0" encoding="utf-8"?>
-<p:sld xmlns:a="http://schemas.openxmlformats.org/drawingml/2006/main" xmlns:r="http://schemas.openxmlformats.org/officeDocument/2006/relationships" xmlns:p="http://schemas.openxmlformats.org/presentationml/2006/main">
-  <p:cSld>
-    <p:spTree>
-      <p:nvGrpSpPr>
-        <p:cNvPr id="1" name=""/>
-        <p:cNvGrpSpPr/>
-        <p:nvPr/>
-      </p:nvGrpSpPr>
-      <p:grpSpPr>
-        <a:xfrm>
-          <a:off x="0" y="0"/>
-          <a:ext cx="0" cy="0"/>
-          <a:chOff x="0" y="0"/>
-          <a:chExt cx="0" cy="0"/>
-        </a:xfrm>
-      </p:grpSpPr>
-      <p:sp>
-        <p:nvSpPr>
-          <p:cNvPr id="2" name="Title 1"/>
-          <p:cNvSpPr>
-            <a:spLocks noGrp="1"/>
-          </p:cNvSpPr>
-          <p:nvPr>
-            <p:ph type="title"/>
-          </p:nvPr>
-        </p:nvSpPr>
-        <p:spPr/>
-        <p:txBody>
-          <a:bodyPr/>
-          <a:lstStyle/>
-          <a:p>
-            <a:r>
-              <a:rPr lang="sv-SE" dirty="0" smtClean="0"/>
-              <a:t>Prediction</a:t>
-            </a:r>
-            <a:endParaRPr lang="en-GB" dirty="0"/>
-          </a:p>
-        </p:txBody>
-      </p:sp>
-      <p:pic>
-        <p:nvPicPr>
-          <p:cNvPr id="1026" name="Picture 2" descr="C:\Users\Alexander\Desktop\Kalmask2.png"/>
-          <p:cNvPicPr>
-            <a:picLocks noGrp="1" noChangeAspect="1" noChangeArrowheads="1"/>
-          </p:cNvPicPr>
-          <p:nvPr>
-            <p:ph idx="1"/>
-          </p:nvPr>
-        </p:nvPicPr>
-        <p:blipFill>
-          <a:blip r:embed="rId2">
-            <a:extLst>
-              <a:ext uri="{28A0092B-C50C-407E-A947-70E740481C1C}">
-                <a14:useLocalDpi xmlns:a14="http://schemas.microsoft.com/office/drawing/2010/main" val="0"/>
-              </a:ext>
-            </a:extLst>
-          </a:blip>
-          <a:srcRect/>
-          <a:stretch>
-            <a:fillRect/>
-          </a:stretch>
-        </p:blipFill>
-        <p:spPr bwMode="auto">
-          <a:xfrm>
-            <a:off x="906462" y="2022613"/>
-            <a:ext cx="7331076" cy="4130398"/>
-          </a:xfrm>
-          <a:prstGeom prst="rect">
-            <a:avLst/>
-          </a:prstGeom>
-          <a:noFill/>
-          <a:extLst>
-            <a:ext uri="{909E8E84-426E-40DD-AFC4-6F175D3DCCD1}">
-              <a14:hiddenFill xmlns:a14="http://schemas.microsoft.com/office/drawing/2010/main">
-                <a:solidFill>
-                  <a:srgbClr val="FFFFFF"/>
-                </a:solidFill>
-              </a14:hiddenFill>
-            </a:ext>
-          </a:extLst>
-        </p:spPr>
-      </p:pic>
-    </p:spTree>
-    <p:extLst>
-      <p:ext uri="{BB962C8B-B14F-4D97-AF65-F5344CB8AC3E}">
-        <p14:creationId xmlns:p14="http://schemas.microsoft.com/office/powerpoint/2010/main" val="1395924851"/>
-      </p:ext>
-    </p:extLst>
-  </p:cSld>
-  <p:clrMapOvr>
-    <a:masterClrMapping/>
-  </p:clrMapOvr>
-  <p:timing>
-    <p:tnLst>
-      <p:par>
-        <p:cTn id="1" dur="indefinite" restart="never" nodeType="tmRoot"/>
-      </p:par>
-    </p:tnLst>
-  </p:timing>
-</p:sld>
-</file>
-
-<file path=ppt/slides/slide17.xml><?xml version="1.0" encoding="utf-8"?>
-<p:sld xmlns:a="http://schemas.openxmlformats.org/drawingml/2006/main" xmlns:r="http://schemas.openxmlformats.org/officeDocument/2006/relationships" xmlns:p="http://schemas.openxmlformats.org/presentationml/2006/main">
-  <p:cSld>
-    <p:spTree>
-      <p:nvGrpSpPr>
-        <p:cNvPr id="1" name=""/>
-        <p:cNvGrpSpPr/>
-        <p:nvPr/>
-      </p:nvGrpSpPr>
-      <p:grpSpPr>
-        <a:xfrm>
-          <a:off x="0" y="0"/>
-          <a:ext cx="0" cy="0"/>
-          <a:chOff x="0" y="0"/>
-          <a:chExt cx="0" cy="0"/>
-        </a:xfrm>
-      </p:grpSpPr>
-      <p:sp>
-        <p:nvSpPr>
-          <p:cNvPr id="2" name="Title 1"/>
-          <p:cNvSpPr>
-            <a:spLocks noGrp="1"/>
-          </p:cNvSpPr>
-          <p:nvPr>
-            <p:ph type="title"/>
-          </p:nvPr>
-        </p:nvSpPr>
-        <p:spPr/>
-        <p:txBody>
-          <a:bodyPr/>
-          <a:lstStyle/>
-          <a:p>
-            <a:r>
-              <a:rPr lang="en-US" dirty="0" smtClean="0"/>
-              <a:t>Evaluation</a:t>
-            </a:r>
-            <a:endParaRPr lang="en-US" dirty="0"/>
-          </a:p>
-        </p:txBody>
-      </p:sp>
-      <mc:AlternateContent xmlns:mc="http://schemas.openxmlformats.org/markup-compatibility/2006" xmlns:a14="http://schemas.microsoft.com/office/drawing/2010/main">
-        <mc:Choice Requires="a14">
-          <p:sp>
-            <p:nvSpPr>
-              <p:cNvPr id="3" name="Content Placeholder 2"/>
-              <p:cNvSpPr>
-                <a:spLocks noGrp="1"/>
-              </p:cNvSpPr>
-              <p:nvPr>
-                <p:ph idx="1"/>
-              </p:nvPr>
-            </p:nvSpPr>
-            <p:spPr/>
-            <p:txBody>
-              <a:bodyPr>
-                <a:normAutofit/>
-              </a:bodyPr>
-              <a:lstStyle/>
-              <a:p>
-                <a:r>
-                  <a:rPr lang="en-US" dirty="0" smtClean="0"/>
-                  <a:t>MOTA &amp; MOTP</a:t>
-                </a:r>
-              </a:p>
-              <a:p>
-                <a:pPr lvl="1"/>
-                <a:r>
-                  <a:rPr lang="en-US" dirty="0" smtClean="0"/>
-                  <a:t>Easy to understand</a:t>
-                </a:r>
-              </a:p>
-              <a:p>
-                <a:pPr marL="118872" indent="0">
-                  <a:buNone/>
-                </a:pPr>
-                <a:endParaRPr lang="en-US" dirty="0" smtClean="0"/>
-              </a:p>
-              <a:p>
-                <a:pPr lvl="1"/>
-                <a14:m>
-                  <m:oMath xmlns:m="http://schemas.openxmlformats.org/officeDocument/2006/math">
-                    <m:r>
-                      <a:rPr lang="sv-SE" b="0" i="1" smtClean="0">
-                        <a:latin typeface="Cambria Math"/>
-                      </a:rPr>
-                      <m:t>𝑀𝑂𝑇𝐴</m:t>
-                    </m:r>
-                    <m:r>
-                      <a:rPr lang="sv-SE" b="0" i="1" smtClean="0">
-                        <a:latin typeface="Cambria Math"/>
-                      </a:rPr>
-                      <m:t>=</m:t>
-                    </m:r>
-                    <m:f>
-                      <m:fPr>
-                        <m:ctrlPr>
-                          <a:rPr lang="sv-SE" b="0" i="1" smtClean="0">
-                            <a:latin typeface="Cambria Math"/>
-                          </a:rPr>
-                        </m:ctrlPr>
-                      </m:fPr>
-                      <m:num>
-                        <m:nary>
-                          <m:naryPr>
-                            <m:chr m:val="∑"/>
-                            <m:subHide m:val="on"/>
-                            <m:supHide m:val="on"/>
-                            <m:ctrlPr>
-                              <a:rPr lang="sv-SE" b="0" i="1" smtClean="0">
-                                <a:latin typeface="Cambria Math"/>
-                              </a:rPr>
-                            </m:ctrlPr>
-                          </m:naryPr>
-                          <m:sub/>
-                          <m:sup/>
-                          <m:e>
-                            <m:r>
-                              <a:rPr lang="sv-SE" b="0" i="1" smtClean="0">
-                                <a:latin typeface="Cambria Math"/>
-                              </a:rPr>
-                              <m:t>𝑚𝑖𝑠𝑠𝑒𝑠</m:t>
-                            </m:r>
-                            <m:r>
-                              <a:rPr lang="sv-SE" b="0" i="1" smtClean="0">
-                                <a:latin typeface="Cambria Math"/>
-                              </a:rPr>
-                              <m:t>+</m:t>
-                            </m:r>
-                            <m:r>
-                              <a:rPr lang="sv-SE" b="0" i="1" smtClean="0">
-                                <a:latin typeface="Cambria Math"/>
-                              </a:rPr>
-                              <m:t>𝑓𝑎𝑙𝑠𝑒𝑃𝑜𝑠𝑖𝑡𝑖𝑣𝑒</m:t>
-                            </m:r>
-                            <m:r>
-                              <a:rPr lang="sv-SE" b="0" i="1" smtClean="0">
-                                <a:latin typeface="Cambria Math"/>
-                              </a:rPr>
-                              <m:t>+</m:t>
-                            </m:r>
-                            <m:r>
-                              <a:rPr lang="sv-SE" b="0" i="1" smtClean="0">
-                                <a:latin typeface="Cambria Math"/>
-                              </a:rPr>
-                              <m:t>𝑚𝑖𝑠𝑚𝑎𝑡𝑐h𝑒𝑠</m:t>
-                            </m:r>
-                          </m:e>
-                        </m:nary>
-                      </m:num>
-                      <m:den>
-                        <m:nary>
-                          <m:naryPr>
-                            <m:chr m:val="∑"/>
-                            <m:subHide m:val="on"/>
-                            <m:supHide m:val="on"/>
-                            <m:ctrlPr>
-                              <a:rPr lang="sv-SE" b="0" i="1" smtClean="0">
-                                <a:latin typeface="Cambria Math"/>
-                              </a:rPr>
-                            </m:ctrlPr>
-                          </m:naryPr>
-                          <m:sub/>
-                          <m:sup/>
-                          <m:e>
-                            <m:r>
-                              <a:rPr lang="sv-SE" b="0" i="1" smtClean="0">
-                                <a:latin typeface="Cambria Math"/>
-                              </a:rPr>
-                              <m:t>𝑜𝑏𝑗𝑒𝑐𝑡𝑠</m:t>
-                            </m:r>
-                          </m:e>
-                        </m:nary>
-                      </m:den>
-                    </m:f>
-                  </m:oMath>
-                </a14:m>
-                <a:endParaRPr lang="en-US" dirty="0" smtClean="0"/>
-              </a:p>
-              <a:p>
-                <a:endParaRPr lang="en-US" dirty="0" smtClean="0"/>
-              </a:p>
-              <a:p>
-                <a:pPr lvl="1"/>
-                <a14:m>
-                  <m:oMath xmlns:m="http://schemas.openxmlformats.org/officeDocument/2006/math">
-                    <m:r>
-                      <a:rPr lang="sv-SE" b="0" i="1" smtClean="0">
-                        <a:latin typeface="Cambria Math"/>
-                      </a:rPr>
-                      <m:t>𝑀𝑂𝑇𝑃</m:t>
-                    </m:r>
-                    <m:r>
-                      <a:rPr lang="sv-SE" b="0" i="1" smtClean="0">
-                        <a:latin typeface="Cambria Math"/>
-                      </a:rPr>
-                      <m:t>=</m:t>
-                    </m:r>
-                    <m:f>
-                      <m:fPr>
-                        <m:ctrlPr>
-                          <a:rPr lang="sv-SE" b="0" i="1" smtClean="0">
-                            <a:latin typeface="Cambria Math"/>
-                          </a:rPr>
-                        </m:ctrlPr>
-                      </m:fPr>
-                      <m:num>
-                        <m:nary>
-                          <m:naryPr>
-                            <m:chr m:val="∑"/>
-                            <m:subHide m:val="on"/>
-                            <m:supHide m:val="on"/>
-                            <m:ctrlPr>
-                              <a:rPr lang="sv-SE" b="0" i="1" smtClean="0">
-                                <a:latin typeface="Cambria Math"/>
-                              </a:rPr>
-                            </m:ctrlPr>
-                          </m:naryPr>
-                          <m:sub/>
-                          <m:sup/>
-                          <m:e>
-                            <m:r>
-                              <a:rPr lang="sv-SE" b="0" i="1" smtClean="0">
-                                <a:latin typeface="Cambria Math"/>
-                              </a:rPr>
-                              <m:t>𝑑𝑖𝑠𝑡𝑎𝑛𝑐𝑒</m:t>
-                            </m:r>
-                          </m:e>
-                        </m:nary>
-                      </m:num>
-                      <m:den>
-                        <m:nary>
-                          <m:naryPr>
-                            <m:chr m:val="∑"/>
-                            <m:subHide m:val="on"/>
-                            <m:supHide m:val="on"/>
-                            <m:ctrlPr>
-                              <a:rPr lang="sv-SE" b="0" i="1" smtClean="0">
-                                <a:latin typeface="Cambria Math"/>
-                              </a:rPr>
-                            </m:ctrlPr>
-                          </m:naryPr>
-                          <m:sub/>
-                          <m:sup/>
-                          <m:e>
-                            <m:r>
-                              <a:rPr lang="sv-SE" b="0" i="1" smtClean="0">
-                                <a:latin typeface="Cambria Math"/>
-                              </a:rPr>
-                              <m:t>𝑚𝑎𝑡𝑐h𝑒𝑠</m:t>
-                            </m:r>
-                          </m:e>
-                        </m:nary>
-                      </m:den>
-                    </m:f>
-                  </m:oMath>
-                </a14:m>
-                <a:endParaRPr lang="en-US" dirty="0"/>
-              </a:p>
-            </p:txBody>
-          </p:sp>
-        </mc:Choice>
-        <mc:Fallback xmlns="">
-          <p:sp>
-            <p:nvSpPr>
-              <p:cNvPr id="3" name="Content Placeholder 2"/>
-              <p:cNvSpPr>
-                <a:spLocks noGrp="1" noRot="1" noChangeAspect="1" noMove="1" noResize="1" noEditPoints="1" noAdjustHandles="1" noChangeArrowheads="1" noChangeShapeType="1" noTextEdit="1"/>
-              </p:cNvSpPr>
-              <p:nvPr>
-                <p:ph idx="1"/>
-              </p:nvPr>
-            </p:nvSpPr>
-            <p:spPr>
-              <a:blipFill rotWithShape="1">
-                <a:blip r:embed="rId2"/>
-                <a:stretch>
-                  <a:fillRect t="-659"/>
-                </a:stretch>
-              </a:blipFill>
-            </p:spPr>
-            <p:txBody>
-              <a:bodyPr/>
-              <a:lstStyle/>
-              <a:p>
-                <a:r>
-                  <a:rPr lang="en-GB">
-                    <a:noFill/>
-                  </a:rPr>
-                  <a:t> </a:t>
-                </a:r>
-              </a:p>
-            </p:txBody>
-          </p:sp>
-        </mc:Fallback>
-      </mc:AlternateContent>
-    </p:spTree>
-  </p:cSld>
-  <p:clrMapOvr>
-    <a:masterClrMapping/>
-  </p:clrMapOvr>
-  <p:timing>
-    <p:tnLst>
-      <p:par>
-        <p:cTn id="1" dur="indefinite" restart="never" nodeType="tmRoot"/>
-      </p:par>
-    </p:tnLst>
-  </p:timing>
-</p:sld>
-</file>
-
-<file path=ppt/slides/slide18.xml><?xml version="1.0" encoding="utf-8"?>
-<p:sld xmlns:a="http://schemas.openxmlformats.org/drawingml/2006/main" xmlns:r="http://schemas.openxmlformats.org/officeDocument/2006/relationships" xmlns:p="http://schemas.openxmlformats.org/presentationml/2006/main">
-  <p:cSld>
-    <p:spTree>
-      <p:nvGrpSpPr>
-        <p:cNvPr id="1" name=""/>
-        <p:cNvGrpSpPr/>
-        <p:nvPr/>
-      </p:nvGrpSpPr>
-      <p:grpSpPr>
-        <a:xfrm>
-          <a:off x="0" y="0"/>
-          <a:ext cx="0" cy="0"/>
-          <a:chOff x="0" y="0"/>
-          <a:chExt cx="0" cy="0"/>
-        </a:xfrm>
-      </p:grpSpPr>
-      <p:sp>
-        <p:nvSpPr>
-          <p:cNvPr id="2" name="Title 1"/>
-          <p:cNvSpPr>
-            <a:spLocks noGrp="1"/>
-          </p:cNvSpPr>
-          <p:nvPr>
-            <p:ph type="title"/>
-          </p:nvPr>
-        </p:nvSpPr>
-        <p:spPr/>
-        <p:txBody>
-          <a:bodyPr/>
-          <a:lstStyle/>
-          <a:p>
-            <a:r>
-              <a:rPr lang="sv-SE" dirty="0" smtClean="0"/>
-              <a:t>Evaluation</a:t>
-            </a:r>
-            <a:endParaRPr lang="en-GB" dirty="0"/>
-          </a:p>
-        </p:txBody>
-      </p:sp>
-      <p:sp>
-        <p:nvSpPr>
-          <p:cNvPr id="3" name="Content Placeholder 2"/>
-          <p:cNvSpPr>
-            <a:spLocks noGrp="1"/>
-          </p:cNvSpPr>
-          <p:nvPr>
-            <p:ph idx="1"/>
-          </p:nvPr>
-        </p:nvSpPr>
-        <p:spPr/>
-        <p:txBody>
-          <a:bodyPr/>
-          <a:lstStyle/>
-          <a:p>
-            <a:endParaRPr lang="sv-SE" dirty="0" smtClean="0"/>
-          </a:p>
-          <a:p>
-            <a:r>
-              <a:rPr lang="sv-SE" dirty="0" smtClean="0"/>
-              <a:t>Improvement</a:t>
-            </a:r>
-          </a:p>
-          <a:p>
-            <a:pPr lvl="1"/>
-            <a:r>
-              <a:rPr lang="sv-SE" dirty="0" smtClean="0"/>
-              <a:t>No area evaluation</a:t>
-            </a:r>
-          </a:p>
-          <a:p>
-            <a:pPr lvl="1"/>
-            <a:r>
-              <a:rPr lang="sv-SE" dirty="0" smtClean="0"/>
-              <a:t>Get rid of the threshold</a:t>
-            </a:r>
-          </a:p>
-        </p:txBody>
-      </p:sp>
-    </p:spTree>
-    <p:extLst>
-      <p:ext uri="{BB962C8B-B14F-4D97-AF65-F5344CB8AC3E}">
-        <p14:creationId xmlns:p14="http://schemas.microsoft.com/office/powerpoint/2010/main" val="4007315878"/>
-      </p:ext>
-    </p:extLst>
-  </p:cSld>
-  <p:clrMapOvr>
-    <a:masterClrMapping/>
-  </p:clrMapOvr>
-  <p:timing>
-    <p:tnLst>
-      <p:par>
-        <p:cTn id="1" dur="indefinite" restart="never" nodeType="tmRoot"/>
-      </p:par>
-    </p:tnLst>
-  </p:timing>
-</p:sld>
-</file>
-
-<file path=ppt/slides/slide19.xml><?xml version="1.0" encoding="utf-8"?>
-<p:sld xmlns:a="http://schemas.openxmlformats.org/drawingml/2006/main" xmlns:r="http://schemas.openxmlformats.org/officeDocument/2006/relationships" xmlns:p="http://schemas.openxmlformats.org/presentationml/2006/main">
-  <p:cSld>
-    <p:spTree>
-      <p:nvGrpSpPr>
-        <p:cNvPr id="1" name=""/>
-        <p:cNvGrpSpPr/>
-        <p:nvPr/>
-      </p:nvGrpSpPr>
-      <p:grpSpPr>
-        <a:xfrm>
-          <a:off x="0" y="0"/>
-          <a:ext cx="0" cy="0"/>
-          <a:chOff x="0" y="0"/>
-          <a:chExt cx="0" cy="0"/>
-        </a:xfrm>
-      </p:grpSpPr>
-      <p:sp>
-        <p:nvSpPr>
-          <p:cNvPr id="2" name="Title 1"/>
-          <p:cNvSpPr>
-            <a:spLocks noGrp="1"/>
-          </p:cNvSpPr>
-          <p:nvPr>
-            <p:ph type="title"/>
-          </p:nvPr>
-        </p:nvSpPr>
-        <p:spPr/>
-        <p:txBody>
-          <a:bodyPr/>
-          <a:lstStyle/>
-          <a:p>
-            <a:r>
-              <a:rPr lang="en-US" dirty="0" smtClean="0"/>
-              <a:t>Results</a:t>
-            </a:r>
-            <a:endParaRPr lang="en-US" dirty="0"/>
-          </a:p>
-        </p:txBody>
-      </p:sp>
-      <p:sp>
-        <p:nvSpPr>
-          <p:cNvPr id="3" name="Content Placeholder 2"/>
-          <p:cNvSpPr>
-            <a:spLocks noGrp="1"/>
-          </p:cNvSpPr>
-          <p:nvPr>
-            <p:ph idx="1"/>
-          </p:nvPr>
-        </p:nvSpPr>
-        <p:spPr/>
-        <p:txBody>
-          <a:bodyPr/>
-          <a:lstStyle/>
-          <a:p>
-            <a:pPr marL="118872" indent="0">
-              <a:buNone/>
-            </a:pPr>
-            <a:endParaRPr lang="sv-SE" dirty="0"/>
-          </a:p>
-        </p:txBody>
-      </p:sp>
-      <p:pic>
-        <p:nvPicPr>
-          <p:cNvPr id="2050" name="Picture 2"/>
-          <p:cNvPicPr>
-            <a:picLocks noChangeAspect="1" noChangeArrowheads="1"/>
-          </p:cNvPicPr>
-          <p:nvPr/>
-        </p:nvPicPr>
-        <p:blipFill>
-          <a:blip r:embed="rId2">
-            <a:extLst>
-              <a:ext uri="{28A0092B-C50C-407E-A947-70E740481C1C}">
-                <a14:useLocalDpi xmlns:a14="http://schemas.microsoft.com/office/drawing/2010/main" val="0"/>
-              </a:ext>
-            </a:extLst>
-          </a:blip>
-          <a:srcRect/>
-          <a:stretch>
-            <a:fillRect/>
-          </a:stretch>
-        </p:blipFill>
-        <p:spPr bwMode="auto">
-          <a:xfrm>
-            <a:off x="457200" y="1828800"/>
-            <a:ext cx="8153400" cy="2967733"/>
-          </a:xfrm>
-          <a:prstGeom prst="rect">
-            <a:avLst/>
-          </a:prstGeom>
-          <a:noFill/>
-          <a:ln>
-            <a:noFill/>
-          </a:ln>
-          <a:extLst>
-            <a:ext uri="{909E8E84-426E-40DD-AFC4-6F175D3DCCD1}">
-              <a14:hiddenFill xmlns:a14="http://schemas.microsoft.com/office/drawing/2010/main">
-                <a:solidFill>
-                  <a:schemeClr val="accent1"/>
-                </a:solidFill>
-              </a14:hiddenFill>
-            </a:ext>
-            <a:ext uri="{91240B29-F687-4F45-9708-019B960494DF}">
-              <a14:hiddenLine xmlns:a14="http://schemas.microsoft.com/office/drawing/2010/main" w="9525">
-                <a:solidFill>
-                  <a:schemeClr val="tx1"/>
-                </a:solidFill>
-                <a:miter lim="800000"/>
-                <a:headEnd/>
-                <a:tailEnd/>
-              </a14:hiddenLine>
-            </a:ext>
-          </a:extLst>
-        </p:spPr>
-      </p:pic>
     </p:spTree>
   </p:cSld>
   <p:clrMapOvr>
@@ -9219,27 +4810,14 @@
           <a:p>
             <a:r>
               <a:rPr lang="en-US" dirty="0" smtClean="0"/>
-              <a:t>Non-linear optimization </a:t>
-            </a:r>
+              <a:t>Non-linear optimization – Martin</a:t>
+            </a:r>
+          </a:p>
+          <a:p>
             <a:r>
               <a:rPr lang="en-US" dirty="0" smtClean="0"/>
-              <a:t>– Martin</a:t>
-            </a:r>
-          </a:p>
-          <a:p>
-            <a:r>
-              <a:rPr lang="en-US" dirty="0" smtClean="0"/>
-              <a:t>Visualization </a:t>
-            </a:r>
-            <a:r>
-              <a:rPr lang="en-US" dirty="0" smtClean="0"/>
-              <a:t>– </a:t>
-            </a:r>
-            <a:r>
-              <a:rPr lang="en-US" dirty="0" smtClean="0"/>
-              <a:t>Gustav</a:t>
-            </a:r>
-            <a:endParaRPr lang="en-US" dirty="0" smtClean="0"/>
+              <a:t>Visualization – Gustav</a:t>
+            </a:r>
           </a:p>
         </p:txBody>
       </p:sp>
@@ -9292,15 +4870,7 @@
           <a:p>
             <a:r>
               <a:rPr lang="en-US" dirty="0" smtClean="0"/>
-              <a:t>The 3D </a:t>
-            </a:r>
-            <a:r>
-              <a:rPr lang="en-US" dirty="0" smtClean="0"/>
-              <a:t>Reconstruction </a:t>
-            </a:r>
-            <a:r>
-              <a:rPr lang="en-US" dirty="0" smtClean="0"/>
-              <a:t>pipeline</a:t>
+              <a:t>The 3D Reconstruction pipeline</a:t>
             </a:r>
             <a:endParaRPr lang="en-US" dirty="0"/>
           </a:p>
@@ -9503,31 +5073,18 @@
           </a:bodyPr>
           <a:lstStyle/>
           <a:p>
-            <a:r>
-              <a:rPr lang="sv-SE" dirty="0" smtClean="0"/>
-              <a:t>Object</a:t>
-            </a:r>
-          </a:p>
-          <a:p>
-            <a:r>
-              <a:rPr lang="sv-SE" dirty="0" smtClean="0"/>
-              <a:t>Frame</a:t>
-            </a:r>
-          </a:p>
-          <a:p>
-            <a:r>
-              <a:rPr lang="sv-SE" dirty="0" smtClean="0"/>
-              <a:t>Framelist</a:t>
-            </a:r>
-            <a:endParaRPr lang="en-US" dirty="0" smtClean="0"/>
-          </a:p>
-          <a:p>
-            <a:pPr lvl="1">
+            <a:pPr marL="118872" indent="0">
               <a:buNone/>
             </a:pPr>
             <a:endParaRPr lang="en-US" dirty="0" smtClean="0"/>
           </a:p>
           <a:p>
+            <a:pPr lvl="1">
+              <a:buNone/>
+            </a:pPr>
+            <a:endParaRPr lang="en-US" dirty="0" smtClean="0"/>
+          </a:p>
+          <a:p>
             <a:pPr>
               <a:buNone/>
             </a:pPr>
@@ -9537,7 +5094,7 @@
       </p:sp>
       <p:pic>
         <p:nvPicPr>
-          <p:cNvPr id="3074" name="Picture 2"/>
+          <p:cNvPr id="1026" name="Picture 2" descr="C:\Documents and Settings\gusha124\Desktop\Documentation\images\data_structures_uml.png"/>
           <p:cNvPicPr>
             <a:picLocks noChangeAspect="1" noChangeArrowheads="1"/>
           </p:cNvPicPr>
@@ -9558,47 +5115,92 @@
         </p:blipFill>
         <p:spPr bwMode="auto">
           <a:xfrm>
-            <a:off x="927986" y="4343400"/>
-            <a:ext cx="7298548" cy="1909762"/>
+            <a:off x="4953000" y="1676400"/>
+            <a:ext cx="4124325" cy="4905375"/>
           </a:xfrm>
           <a:prstGeom prst="rect">
             <a:avLst/>
           </a:prstGeom>
           <a:noFill/>
-          <a:ln>
-            <a:noFill/>
-          </a:ln>
-          <a:effectLst/>
           <a:extLst>
             <a:ext uri="{909E8E84-426E-40DD-AFC4-6F175D3DCCD1}">
               <a14:hiddenFill xmlns:a14="http://schemas.microsoft.com/office/drawing/2010/main">
                 <a:solidFill>
-                  <a:schemeClr val="accent1"/>
+                  <a:srgbClr val="FFFFFF"/>
                 </a:solidFill>
               </a14:hiddenFill>
-            </a:ext>
-            <a:ext uri="{91240B29-F687-4F45-9708-019B960494DF}">
-              <a14:hiddenLine xmlns:a14="http://schemas.microsoft.com/office/drawing/2010/main" w="9525">
-                <a:solidFill>
-                  <a:schemeClr val="tx1"/>
-                </a:solidFill>
-                <a:miter lim="800000"/>
-                <a:headEnd/>
-                <a:tailEnd/>
-              </a14:hiddenLine>
-            </a:ext>
-            <a:ext uri="{AF507438-7753-43E0-B8FC-AC1667EBCBE1}">
-              <a14:hiddenEffects xmlns:a14="http://schemas.microsoft.com/office/drawing/2010/main">
-                <a:effectLst>
-                  <a:outerShdw dist="35921" dir="2700000" algn="ctr" rotWithShape="0">
-                    <a:schemeClr val="bg2"/>
-                  </a:outerShdw>
-                </a:effectLst>
-              </a14:hiddenEffects>
             </a:ext>
           </a:extLst>
         </p:spPr>
       </p:pic>
+      <p:sp>
+        <p:nvSpPr>
+          <p:cNvPr id="4" name="TextBox 3"/>
+          <p:cNvSpPr txBox="1"/>
+          <p:nvPr/>
+        </p:nvSpPr>
+        <p:spPr>
+          <a:xfrm>
+            <a:off x="457200" y="1828800"/>
+            <a:ext cx="4191000" cy="4031873"/>
+          </a:xfrm>
+          <a:prstGeom prst="rect">
+            <a:avLst/>
+          </a:prstGeom>
+          <a:noFill/>
+        </p:spPr>
+        <p:txBody>
+          <a:bodyPr wrap="square" rtlCol="0">
+            <a:spAutoFit/>
+          </a:bodyPr>
+          <a:lstStyle/>
+          <a:p>
+            <a:pPr marL="457200" indent="-457200">
+              <a:buFont typeface="Wingdings" pitchFamily="2" charset="2"/>
+              <a:buChar char="§"/>
+            </a:pPr>
+            <a:r>
+              <a:rPr lang="en-US" sz="3200" dirty="0" smtClean="0"/>
+              <a:t>Data structure for cameras.</a:t>
+            </a:r>
+          </a:p>
+          <a:p>
+            <a:pPr marL="457200" indent="-457200">
+              <a:buFont typeface="Wingdings" pitchFamily="2" charset="2"/>
+              <a:buChar char="§"/>
+            </a:pPr>
+            <a:endParaRPr lang="en-US" sz="3200" dirty="0" smtClean="0"/>
+          </a:p>
+          <a:p>
+            <a:pPr marL="457200" indent="-457200">
+              <a:buFont typeface="Wingdings" pitchFamily="2" charset="2"/>
+              <a:buChar char="§"/>
+            </a:pPr>
+            <a:r>
+              <a:rPr lang="en-US" sz="3200" dirty="0" smtClean="0"/>
+              <a:t>Links original 2D points to 3D points.</a:t>
+            </a:r>
+          </a:p>
+          <a:p>
+            <a:pPr marL="457200" indent="-457200">
+              <a:buFont typeface="Wingdings" pitchFamily="2" charset="2"/>
+              <a:buChar char="§"/>
+            </a:pPr>
+            <a:endParaRPr lang="en-US" sz="3200" dirty="0" smtClean="0"/>
+          </a:p>
+          <a:p>
+            <a:pPr marL="457200" indent="-457200">
+              <a:buFont typeface="Wingdings" pitchFamily="2" charset="2"/>
+              <a:buChar char="§"/>
+            </a:pPr>
+            <a:r>
+              <a:rPr lang="en-US" sz="3200" dirty="0" smtClean="0"/>
+              <a:t>Links camera to visible points.</a:t>
+            </a:r>
+            <a:endParaRPr lang="en-US" sz="3200" dirty="0"/>
+          </a:p>
+        </p:txBody>
+      </p:sp>
     </p:spTree>
   </p:cSld>
   <p:clrMapOvr>
@@ -9648,7 +5250,7 @@
           <a:p>
             <a:r>
               <a:rPr lang="en-US" dirty="0" smtClean="0"/>
-              <a:t>Main program</a:t>
+              <a:t>File output</a:t>
             </a:r>
             <a:endParaRPr lang="en-US" dirty="0"/>
           </a:p>
@@ -9671,30 +5273,36 @@
           <a:p>
             <a:r>
               <a:rPr lang="en-US" dirty="0" smtClean="0"/>
-              <a:t>Uses a mixture of Gaussian model described by Wood.</a:t>
-            </a:r>
+              <a:t>Output each step of the reconstruction to a file.</a:t>
+            </a:r>
+          </a:p>
+          <a:p>
+            <a:endParaRPr lang="en-US" dirty="0"/>
           </a:p>
           <a:p>
             <a:r>
               <a:rPr lang="en-US" dirty="0" smtClean="0"/>
-              <a:t>Update procedure is slow... Close to 1 second per update on a larger image.</a:t>
-            </a:r>
-          </a:p>
-          <a:p>
-            <a:endParaRPr lang="en-US" dirty="0" smtClean="0"/>
-          </a:p>
-          <a:p>
-            <a:pPr marL="118872" indent="0">
-              <a:buNone/>
-            </a:pPr>
-            <a:endParaRPr lang="en-US" dirty="0" smtClean="0"/>
+              <a:t>Can be read by the visualizer for debugging/demonstration</a:t>
+            </a:r>
           </a:p>
           <a:p>
             <a:endParaRPr lang="en-US" dirty="0"/>
           </a:p>
+          <a:p>
+            <a:r>
+              <a:rPr lang="en-US" dirty="0" smtClean="0"/>
+              <a:t>Or resume reconstruction from the saved point.</a:t>
+            </a:r>
+            <a:endParaRPr lang="en-US" dirty="0"/>
+          </a:p>
         </p:txBody>
       </p:sp>
     </p:spTree>
+    <p:extLst>
+      <p:ext uri="{BB962C8B-B14F-4D97-AF65-F5344CB8AC3E}">
+        <p14:creationId xmlns:p14="http://schemas.microsoft.com/office/powerpoint/2010/main" val="1483301914"/>
+      </p:ext>
+    </p:extLst>
   </p:cSld>
   <p:clrMapOvr>
     <a:masterClrMapping/>
@@ -9743,7 +5351,7 @@
           <a:p>
             <a:r>
               <a:rPr lang="en-US" dirty="0" smtClean="0"/>
-              <a:t>2D point extraction</a:t>
+              <a:t>Main program</a:t>
             </a:r>
             <a:endParaRPr lang="en-US" dirty="0"/>
           </a:p>
@@ -9751,7 +5359,7 @@
       </p:sp>
       <p:sp>
         <p:nvSpPr>
-          <p:cNvPr id="5" name="Content Placeholder 2"/>
+          <p:cNvPr id="3" name="Content Placeholder 2"/>
           <p:cNvSpPr>
             <a:spLocks noGrp="1"/>
           </p:cNvSpPr>
@@ -9761,38 +5369,18 @@
         </p:nvSpPr>
         <p:spPr/>
         <p:txBody>
-          <a:bodyPr>
-            <a:normAutofit/>
-          </a:bodyPr>
+          <a:bodyPr/>
           <a:lstStyle/>
           <a:p>
-            <a:r>
-              <a:rPr lang="en-US" dirty="0" smtClean="0"/>
-              <a:t>Three main objectives:</a:t>
-            </a:r>
-          </a:p>
-          <a:p>
-            <a:pPr lvl="1"/>
-            <a:r>
-              <a:rPr lang="en-US" dirty="0" smtClean="0"/>
-              <a:t>Suppress shadows</a:t>
-            </a:r>
-          </a:p>
-          <a:p>
-            <a:pPr lvl="1"/>
-            <a:r>
-              <a:rPr lang="en-US" dirty="0" smtClean="0"/>
-              <a:t>Remove noise</a:t>
-            </a:r>
-          </a:p>
-          <a:p>
-            <a:pPr lvl="1"/>
-            <a:r>
-              <a:rPr lang="en-US" dirty="0" smtClean="0"/>
-              <a:t>Detect moving regions</a:t>
-            </a:r>
-          </a:p>
-          <a:p>
+            <a:pPr marL="118872" indent="0">
+              <a:buNone/>
+            </a:pPr>
+            <a:endParaRPr lang="en-US" dirty="0" smtClean="0"/>
+          </a:p>
+          <a:p>
+            <a:pPr marL="118872" indent="0">
+              <a:buNone/>
+            </a:pPr>
             <a:endParaRPr lang="en-US" dirty="0" smtClean="0"/>
           </a:p>
           <a:p>
@@ -9816,6 +5404,132 @@
 </file>
 
 <file path=ppt/slides/slide7.xml><?xml version="1.0" encoding="utf-8"?>
+<p:sld xmlns:a="http://schemas.openxmlformats.org/drawingml/2006/main" xmlns:r="http://schemas.openxmlformats.org/officeDocument/2006/relationships" xmlns:p="http://schemas.openxmlformats.org/presentationml/2006/main">
+  <p:cSld>
+    <p:spTree>
+      <p:nvGrpSpPr>
+        <p:cNvPr id="1" name=""/>
+        <p:cNvGrpSpPr/>
+        <p:nvPr/>
+      </p:nvGrpSpPr>
+      <p:grpSpPr>
+        <a:xfrm>
+          <a:off x="0" y="0"/>
+          <a:ext cx="0" cy="0"/>
+          <a:chOff x="0" y="0"/>
+          <a:chExt cx="0" cy="0"/>
+        </a:xfrm>
+      </p:grpSpPr>
+      <p:sp>
+        <p:nvSpPr>
+          <p:cNvPr id="2" name="Title 1"/>
+          <p:cNvSpPr>
+            <a:spLocks noGrp="1"/>
+          </p:cNvSpPr>
+          <p:nvPr>
+            <p:ph type="title"/>
+          </p:nvPr>
+        </p:nvSpPr>
+        <p:spPr/>
+        <p:txBody>
+          <a:bodyPr/>
+          <a:lstStyle/>
+          <a:p>
+            <a:r>
+              <a:rPr lang="en-US" dirty="0" smtClean="0"/>
+              <a:t>2D point extraction</a:t>
+            </a:r>
+            <a:endParaRPr lang="en-US" dirty="0"/>
+          </a:p>
+        </p:txBody>
+      </p:sp>
+      <p:sp>
+        <p:nvSpPr>
+          <p:cNvPr id="5" name="Content Placeholder 2"/>
+          <p:cNvSpPr>
+            <a:spLocks noGrp="1"/>
+          </p:cNvSpPr>
+          <p:nvPr>
+            <p:ph idx="1"/>
+          </p:nvPr>
+        </p:nvSpPr>
+        <p:spPr/>
+        <p:txBody>
+          <a:bodyPr>
+            <a:normAutofit/>
+          </a:bodyPr>
+          <a:lstStyle/>
+          <a:p>
+            <a:r>
+              <a:rPr lang="en-US" dirty="0" smtClean="0"/>
+              <a:t>Extract interesting points from images.</a:t>
+            </a:r>
+          </a:p>
+          <a:p>
+            <a:endParaRPr lang="en-US" dirty="0" smtClean="0"/>
+          </a:p>
+          <a:p>
+            <a:endParaRPr lang="en-US" dirty="0" smtClean="0"/>
+          </a:p>
+        </p:txBody>
+      </p:sp>
+      <p:pic>
+        <p:nvPicPr>
+          <p:cNvPr id="3074" name="Picture 2" descr="C:\Documents and Settings\gusha124\Desktop\Documentation\images\FeatureDetection.png"/>
+          <p:cNvPicPr>
+            <a:picLocks noChangeAspect="1" noChangeArrowheads="1"/>
+          </p:cNvPicPr>
+          <p:nvPr/>
+        </p:nvPicPr>
+        <p:blipFill>
+          <a:blip r:embed="rId2">
+            <a:extLst>
+              <a:ext uri="{28A0092B-C50C-407E-A947-70E740481C1C}">
+                <a14:useLocalDpi xmlns:a14="http://schemas.microsoft.com/office/drawing/2010/main" val="0"/>
+              </a:ext>
+            </a:extLst>
+          </a:blip>
+          <a:srcRect/>
+          <a:stretch>
+            <a:fillRect/>
+          </a:stretch>
+        </p:blipFill>
+        <p:spPr bwMode="auto">
+          <a:xfrm>
+            <a:off x="4648200" y="2743200"/>
+            <a:ext cx="4159005" cy="3322637"/>
+          </a:xfrm>
+          <a:prstGeom prst="rect">
+            <a:avLst/>
+          </a:prstGeom>
+          <a:noFill/>
+          <a:extLst>
+            <a:ext uri="{909E8E84-426E-40DD-AFC4-6F175D3DCCD1}">
+              <a14:hiddenFill xmlns:a14="http://schemas.microsoft.com/office/drawing/2010/main">
+                <a:solidFill>
+                  <a:srgbClr val="FFFFFF"/>
+                </a:solidFill>
+              </a14:hiddenFill>
+            </a:ext>
+          </a:extLst>
+        </p:spPr>
+      </p:pic>
+    </p:spTree>
+  </p:cSld>
+  <p:clrMapOvr>
+    <a:masterClrMapping/>
+  </p:clrMapOvr>
+  <p:timing>
+    <p:tnLst>
+      <p:par>
+        <p:cTn id="1" dur="indefinite" restart="never" nodeType="tmRoot"/>
+      </p:par>
+    </p:tnLst>
+  </p:timing>
+</p:sld>
+</file>
+
+<file path=ppt/slides/slide8.xml><?xml version="1.0" encoding="utf-8"?>
 <p:sld xmlns:a="http://schemas.openxmlformats.org/drawingml/2006/main" xmlns:r="http://schemas.openxmlformats.org/officeDocument/2006/relationships" xmlns:p="http://schemas.openxmlformats.org/presentationml/2006/main">
   <p:cSld>
     <p:spTree>
@@ -10012,145 +5726,6 @@
 </p:sld>
 </file>
 
-<file path=ppt/slides/slide8.xml><?xml version="1.0" encoding="utf-8"?>
-<p:sld xmlns:a="http://schemas.openxmlformats.org/drawingml/2006/main" xmlns:r="http://schemas.openxmlformats.org/officeDocument/2006/relationships" xmlns:p="http://schemas.openxmlformats.org/presentationml/2006/main">
-  <p:cSld>
-    <p:spTree>
-      <p:nvGrpSpPr>
-        <p:cNvPr id="1" name=""/>
-        <p:cNvGrpSpPr/>
-        <p:nvPr/>
-      </p:nvGrpSpPr>
-      <p:grpSpPr>
-        <a:xfrm>
-          <a:off x="0" y="0"/>
-          <a:ext cx="0" cy="0"/>
-          <a:chOff x="0" y="0"/>
-          <a:chExt cx="0" cy="0"/>
-        </a:xfrm>
-      </p:grpSpPr>
-      <p:sp>
-        <p:nvSpPr>
-          <p:cNvPr id="2" name="Title 1"/>
-          <p:cNvSpPr>
-            <a:spLocks noGrp="1"/>
-          </p:cNvSpPr>
-          <p:nvPr>
-            <p:ph type="title"/>
-          </p:nvPr>
-        </p:nvSpPr>
-        <p:spPr/>
-        <p:txBody>
-          <a:bodyPr/>
-          <a:lstStyle/>
-          <a:p>
-            <a:r>
-              <a:rPr lang="en-US" dirty="0" smtClean="0"/>
-              <a:t>Estimation of R and t</a:t>
-            </a:r>
-            <a:endParaRPr lang="en-US" dirty="0"/>
-          </a:p>
-        </p:txBody>
-      </p:sp>
-      <p:sp>
-        <p:nvSpPr>
-          <p:cNvPr id="3" name="Content Placeholder 2"/>
-          <p:cNvSpPr>
-            <a:spLocks noGrp="1"/>
-          </p:cNvSpPr>
-          <p:nvPr>
-            <p:ph idx="1"/>
-          </p:nvPr>
-        </p:nvSpPr>
-        <p:spPr/>
-        <p:txBody>
-          <a:bodyPr>
-            <a:normAutofit lnSpcReduction="10000"/>
-          </a:bodyPr>
-          <a:lstStyle/>
-          <a:p>
-            <a:r>
-              <a:rPr lang="en-US" dirty="0" smtClean="0"/>
-              <a:t>“Distance filtering”</a:t>
-            </a:r>
-            <a:endParaRPr lang="en-US" dirty="0"/>
-          </a:p>
-          <a:p>
-            <a:pPr lvl="1"/>
-            <a:r>
-              <a:rPr lang="en-US" dirty="0" smtClean="0"/>
-              <a:t>Throw away foreground regions not thick enough</a:t>
-            </a:r>
-          </a:p>
-          <a:p>
-            <a:pPr lvl="1"/>
-            <a:r>
-              <a:rPr lang="en-US" dirty="0" smtClean="0"/>
-              <a:t>Good performance</a:t>
-            </a:r>
-          </a:p>
-          <a:p>
-            <a:pPr lvl="1"/>
-            <a:r>
-              <a:rPr lang="en-US" dirty="0" smtClean="0"/>
-              <a:t>Slow?</a:t>
-            </a:r>
-          </a:p>
-          <a:p>
-            <a:r>
-              <a:rPr lang="sv-SE" dirty="0"/>
-              <a:t>Implementation</a:t>
-            </a:r>
-          </a:p>
-          <a:p>
-            <a:pPr lvl="1"/>
-            <a:r>
-              <a:rPr lang="sv-SE" i="1" dirty="0"/>
-              <a:t>cv::findContours, cv::pointPolygonTest</a:t>
-            </a:r>
-          </a:p>
-          <a:p>
-            <a:pPr lvl="1"/>
-            <a:r>
-              <a:rPr lang="sv-SE" dirty="0"/>
-              <a:t>Iterate over bounding rectangle</a:t>
-            </a:r>
-          </a:p>
-          <a:p>
-            <a:pPr lvl="1"/>
-            <a:r>
-              <a:rPr lang="sv-SE" dirty="0"/>
-              <a:t>Measure distance inside contour only</a:t>
-            </a:r>
-          </a:p>
-          <a:p>
-            <a:r>
-              <a:rPr lang="sv-SE" dirty="0"/>
-              <a:t>Final touch: some morphological </a:t>
-            </a:r>
-            <a:r>
-              <a:rPr lang="sv-SE" dirty="0" smtClean="0"/>
-              <a:t>dilate</a:t>
-            </a:r>
-            <a:endParaRPr lang="sv-SE" dirty="0"/>
-          </a:p>
-        </p:txBody>
-      </p:sp>
-    </p:spTree>
-  </p:cSld>
-  <p:clrMapOvr>
-    <a:masterClrMapping/>
-  </p:clrMapOvr>
-  <p:timing>
-    <p:tnLst>
-      <p:par>
-        <p:cTn id="1" dur="indefinite" restart="never" nodeType="tmRoot"/>
-      </p:par>
-    </p:tnLst>
-  </p:timing>
-</p:sld>
-</file>
-
 <file path=ppt/slides/slide9.xml><?xml version="1.0" encoding="utf-8"?>
 <p:sld xmlns:a="http://schemas.openxmlformats.org/drawingml/2006/main" xmlns:r="http://schemas.openxmlformats.org/officeDocument/2006/relationships" xmlns:p="http://schemas.openxmlformats.org/presentationml/2006/main">
   <p:cSld>
@@ -10184,12 +5759,8 @@
           <a:lstStyle/>
           <a:p>
             <a:r>
-              <a:rPr lang="en-US" smtClean="0"/>
-              <a:t>Solving the </a:t>
-            </a:r>
-            <a:r>
               <a:rPr lang="en-US" dirty="0" smtClean="0"/>
-              <a:t>PnP</a:t>
+              <a:t>Estimation of R and t</a:t>
             </a:r>
             <a:endParaRPr lang="en-US" dirty="0"/>
           </a:p>
@@ -10208,49 +5779,78 @@
         <p:spPr/>
         <p:txBody>
           <a:bodyPr>
-            <a:normAutofit/>
+            <a:normAutofit lnSpcReduction="10000"/>
           </a:bodyPr>
           <a:lstStyle/>
           <a:p>
             <a:r>
-              <a:rPr lang="en-US" i="1" dirty="0" smtClean="0"/>
-              <a:t>Object</a:t>
-            </a:r>
-            <a:r>
               <a:rPr lang="en-US" dirty="0" smtClean="0"/>
-              <a:t> creation</a:t>
-            </a:r>
-            <a:endParaRPr lang="en-US" i="1" dirty="0"/>
+              <a:t>“Distance filtering”</a:t>
+            </a:r>
+            <a:endParaRPr lang="en-US" dirty="0"/>
           </a:p>
           <a:p>
             <a:pPr lvl="1"/>
             <a:r>
               <a:rPr lang="en-US" dirty="0" smtClean="0"/>
-              <a:t>Find remaining contours</a:t>
+              <a:t>Throw away foreground regions not thick enough</a:t>
             </a:r>
           </a:p>
           <a:p>
             <a:pPr lvl="1"/>
             <a:r>
               <a:rPr lang="en-US" dirty="0" smtClean="0"/>
-              <a:t>Create bounding boxes</a:t>
+              <a:t>Good performance</a:t>
             </a:r>
           </a:p>
           <a:p>
             <a:pPr lvl="1"/>
             <a:r>
               <a:rPr lang="en-US" dirty="0" smtClean="0"/>
-              <a:t>Calculate positions</a:t>
-            </a:r>
+              <a:t>Slow?</a:t>
+            </a:r>
+          </a:p>
+          <a:p>
+            <a:r>
+              <a:rPr lang="sv-SE" dirty="0"/>
+              <a:t>Implementation</a:t>
+            </a:r>
+          </a:p>
+          <a:p>
+            <a:pPr lvl="1"/>
+            <a:r>
+              <a:rPr lang="sv-SE" i="1" dirty="0"/>
+              <a:t>cv::findContours, cv::pointPolygonTest</a:t>
+            </a:r>
+          </a:p>
+          <a:p>
+            <a:pPr lvl="1"/>
+            <a:r>
+              <a:rPr lang="sv-SE" dirty="0"/>
+              <a:t>Iterate over bounding rectangle</a:t>
+            </a:r>
+          </a:p>
+          <a:p>
+            <a:pPr lvl="1"/>
+            <a:r>
+              <a:rPr lang="sv-SE" dirty="0"/>
+              <a:t>Measure distance inside contour only</a:t>
+            </a:r>
+          </a:p>
+          <a:p>
+            <a:r>
+              <a:rPr lang="sv-SE" dirty="0"/>
+              <a:t>Final touch: some morphological </a:t>
+            </a:r>
+            <a:r>
+              <a:rPr lang="sv-SE" dirty="0" smtClean="0"/>
+              <a:t>dilate</a:t>
+            </a:r>
+            <a:endParaRPr lang="sv-SE" dirty="0"/>
           </a:p>
         </p:txBody>
       </p:sp>
     </p:spTree>
-    <p:extLst>
-      <p:ext uri="{BB962C8B-B14F-4D97-AF65-F5344CB8AC3E}">
-        <p14:creationId xmlns:p14="http://schemas.microsoft.com/office/powerpoint/2010/main" val="3075658481"/>
-      </p:ext>
-    </p:extLst>
   </p:cSld>
   <p:clrMapOvr>
     <a:masterClrMapping/>

--- a/3D Reconstruction/Documentation/TSBB15prez.pptx
+++ b/3D Reconstruction/Documentation/TSBB15prez.pptx
@@ -5,7 +5,7 @@
     <p:sldMasterId id="2147483684" r:id="rId1"/>
   </p:sldMasterIdLst>
   <p:handoutMasterIdLst>
-    <p:handoutMasterId r:id="rId15"/>
+    <p:handoutMasterId r:id="rId14"/>
   </p:handoutMasterIdLst>
   <p:sldIdLst>
     <p:sldId id="256" r:id="rId2"/>
@@ -13,14 +13,13 @@
     <p:sldId id="262" r:id="rId4"/>
     <p:sldId id="260" r:id="rId5"/>
     <p:sldId id="296" r:id="rId6"/>
-    <p:sldId id="270" r:id="rId7"/>
-    <p:sldId id="272" r:id="rId8"/>
-    <p:sldId id="264" r:id="rId9"/>
-    <p:sldId id="269" r:id="rId10"/>
-    <p:sldId id="294" r:id="rId11"/>
-    <p:sldId id="293" r:id="rId12"/>
-    <p:sldId id="278" r:id="rId13"/>
-    <p:sldId id="279" r:id="rId14"/>
+    <p:sldId id="272" r:id="rId7"/>
+    <p:sldId id="264" r:id="rId8"/>
+    <p:sldId id="269" r:id="rId9"/>
+    <p:sldId id="294" r:id="rId10"/>
+    <p:sldId id="293" r:id="rId11"/>
+    <p:sldId id="278" r:id="rId12"/>
+    <p:sldId id="279" r:id="rId13"/>
   </p:sldIdLst>
   <p:sldSz cx="9144000" cy="6858000" type="screen4x3"/>
   <p:notesSz cx="6858000" cy="9144000"/>
@@ -129,7 +128,6 @@
             <p14:sldId id="262"/>
             <p14:sldId id="260"/>
             <p14:sldId id="296"/>
-            <p14:sldId id="270"/>
             <p14:sldId id="272"/>
             <p14:sldId id="264"/>
             <p14:sldId id="269"/>
@@ -4176,120 +4174,6 @@
           <a:lstStyle/>
           <a:p>
             <a:r>
-              <a:rPr lang="en-US" smtClean="0"/>
-              <a:t>Solving the </a:t>
-            </a:r>
-            <a:r>
-              <a:rPr lang="en-US" dirty="0" smtClean="0"/>
-              <a:t>PnP</a:t>
-            </a:r>
-            <a:endParaRPr lang="en-US" dirty="0"/>
-          </a:p>
-        </p:txBody>
-      </p:sp>
-      <p:sp>
-        <p:nvSpPr>
-          <p:cNvPr id="3" name="Content Placeholder 2"/>
-          <p:cNvSpPr>
-            <a:spLocks noGrp="1"/>
-          </p:cNvSpPr>
-          <p:nvPr>
-            <p:ph idx="1"/>
-          </p:nvPr>
-        </p:nvSpPr>
-        <p:spPr/>
-        <p:txBody>
-          <a:bodyPr>
-            <a:normAutofit/>
-          </a:bodyPr>
-          <a:lstStyle/>
-          <a:p>
-            <a:r>
-              <a:rPr lang="en-US" i="1" dirty="0" smtClean="0"/>
-              <a:t>Object</a:t>
-            </a:r>
-            <a:r>
-              <a:rPr lang="en-US" dirty="0" smtClean="0"/>
-              <a:t> creation</a:t>
-            </a:r>
-            <a:endParaRPr lang="en-US" i="1" dirty="0"/>
-          </a:p>
-          <a:p>
-            <a:pPr lvl="1"/>
-            <a:r>
-              <a:rPr lang="en-US" dirty="0" smtClean="0"/>
-              <a:t>Find remaining contours</a:t>
-            </a:r>
-          </a:p>
-          <a:p>
-            <a:pPr lvl="1"/>
-            <a:r>
-              <a:rPr lang="en-US" dirty="0" smtClean="0"/>
-              <a:t>Create bounding boxes</a:t>
-            </a:r>
-          </a:p>
-          <a:p>
-            <a:pPr lvl="1"/>
-            <a:r>
-              <a:rPr lang="en-US" dirty="0" smtClean="0"/>
-              <a:t>Calculate positions</a:t>
-            </a:r>
-          </a:p>
-        </p:txBody>
-      </p:sp>
-    </p:spTree>
-    <p:extLst>
-      <p:ext uri="{BB962C8B-B14F-4D97-AF65-F5344CB8AC3E}">
-        <p14:creationId xmlns:p14="http://schemas.microsoft.com/office/powerpoint/2010/main" val="3075658481"/>
-      </p:ext>
-    </p:extLst>
-  </p:cSld>
-  <p:clrMapOvr>
-    <a:masterClrMapping/>
-  </p:clrMapOvr>
-  <p:timing>
-    <p:tnLst>
-      <p:par>
-        <p:cTn id="1" dur="indefinite" restart="never" nodeType="tmRoot"/>
-      </p:par>
-    </p:tnLst>
-  </p:timing>
-</p:sld>
-</file>
-
-<file path=ppt/slides/slide11.xml><?xml version="1.0" encoding="utf-8"?>
-<p:sld xmlns:a="http://schemas.openxmlformats.org/drawingml/2006/main" xmlns:r="http://schemas.openxmlformats.org/officeDocument/2006/relationships" xmlns:p="http://schemas.openxmlformats.org/presentationml/2006/main">
-  <p:cSld>
-    <p:spTree>
-      <p:nvGrpSpPr>
-        <p:cNvPr id="1" name=""/>
-        <p:cNvGrpSpPr/>
-        <p:nvPr/>
-      </p:nvGrpSpPr>
-      <p:grpSpPr>
-        <a:xfrm>
-          <a:off x="0" y="0"/>
-          <a:ext cx="0" cy="0"/>
-          <a:chOff x="0" y="0"/>
-          <a:chExt cx="0" cy="0"/>
-        </a:xfrm>
-      </p:grpSpPr>
-      <p:sp>
-        <p:nvSpPr>
-          <p:cNvPr id="2" name="Title 1"/>
-          <p:cNvSpPr>
-            <a:spLocks noGrp="1"/>
-          </p:cNvSpPr>
-          <p:nvPr>
-            <p:ph type="title"/>
-          </p:nvPr>
-        </p:nvSpPr>
-        <p:spPr/>
-        <p:txBody>
-          <a:bodyPr/>
-          <a:lstStyle/>
-          <a:p>
-            <a:r>
               <a:rPr lang="en-GB" dirty="0" smtClean="0"/>
               <a:t>Visualization</a:t>
             </a:r>
@@ -4366,8 +4250,13 @@
             </a:pPr>
             <a:r>
               <a:rPr lang="en-US" sz="3200" dirty="0" smtClean="0"/>
-              <a:t>Plot the estimated cameras</a:t>
-            </a:r>
+              <a:t>Plot the estimated </a:t>
+            </a:r>
+            <a:r>
+              <a:rPr lang="en-US" sz="3200" dirty="0" smtClean="0"/>
+              <a:t>cameras</a:t>
+            </a:r>
+            <a:endParaRPr lang="en-US" sz="3200" dirty="0" smtClean="0"/>
           </a:p>
           <a:p>
             <a:pPr marL="285750" indent="-285750">
@@ -4383,8 +4272,13 @@
             </a:pPr>
             <a:r>
               <a:rPr lang="en-US" sz="3200" dirty="0" smtClean="0"/>
-              <a:t>Plot the 3D points</a:t>
-            </a:r>
+              <a:t>Plot the 3D </a:t>
+            </a:r>
+            <a:r>
+              <a:rPr lang="en-US" sz="3200" dirty="0" smtClean="0"/>
+              <a:t>points.</a:t>
+            </a:r>
+            <a:endParaRPr lang="en-US" sz="3200" dirty="0" smtClean="0"/>
           </a:p>
           <a:p>
             <a:pPr marL="285750" indent="-285750">
@@ -4412,6 +4306,200 @@
         <p14:creationId xmlns:p14="http://schemas.microsoft.com/office/powerpoint/2010/main" val="1395924851"/>
       </p:ext>
     </p:extLst>
+  </p:cSld>
+  <p:clrMapOvr>
+    <a:masterClrMapping/>
+  </p:clrMapOvr>
+  <p:timing>
+    <p:tnLst>
+      <p:par>
+        <p:cTn id="1" dur="indefinite" restart="never" nodeType="tmRoot"/>
+      </p:par>
+    </p:tnLst>
+  </p:timing>
+</p:sld>
+</file>
+
+<file path=ppt/slides/slide11.xml><?xml version="1.0" encoding="utf-8"?>
+<p:sld xmlns:a="http://schemas.openxmlformats.org/drawingml/2006/main" xmlns:r="http://schemas.openxmlformats.org/officeDocument/2006/relationships" xmlns:p="http://schemas.openxmlformats.org/presentationml/2006/main">
+  <p:cSld>
+    <p:spTree>
+      <p:nvGrpSpPr>
+        <p:cNvPr id="1" name=""/>
+        <p:cNvGrpSpPr/>
+        <p:nvPr/>
+      </p:nvGrpSpPr>
+      <p:grpSpPr>
+        <a:xfrm>
+          <a:off x="0" y="0"/>
+          <a:ext cx="0" cy="0"/>
+          <a:chOff x="0" y="0"/>
+          <a:chExt cx="0" cy="0"/>
+        </a:xfrm>
+      </p:grpSpPr>
+      <p:sp>
+        <p:nvSpPr>
+          <p:cNvPr id="2" name="Title 1"/>
+          <p:cNvSpPr>
+            <a:spLocks noGrp="1"/>
+          </p:cNvSpPr>
+          <p:nvPr>
+            <p:ph type="title"/>
+          </p:nvPr>
+        </p:nvSpPr>
+        <p:spPr/>
+        <p:txBody>
+          <a:bodyPr/>
+          <a:lstStyle/>
+          <a:p>
+            <a:r>
+              <a:rPr lang="en-US" dirty="0" smtClean="0"/>
+              <a:t>Evaluation</a:t>
+            </a:r>
+            <a:endParaRPr lang="en-US" dirty="0"/>
+          </a:p>
+        </p:txBody>
+      </p:sp>
+      <p:sp>
+        <p:nvSpPr>
+          <p:cNvPr id="3" name="Content Placeholder 2"/>
+          <p:cNvSpPr>
+            <a:spLocks noGrp="1"/>
+          </p:cNvSpPr>
+          <p:nvPr>
+            <p:ph idx="1"/>
+          </p:nvPr>
+        </p:nvSpPr>
+        <p:spPr>
+          <a:xfrm>
+            <a:off x="228600" y="1752601"/>
+            <a:ext cx="8763000" cy="1981199"/>
+          </a:xfrm>
+        </p:spPr>
+        <p:txBody>
+          <a:bodyPr>
+            <a:normAutofit/>
+          </a:bodyPr>
+          <a:lstStyle/>
+          <a:p>
+            <a:pPr lvl="1"/>
+            <a:r>
+              <a:rPr lang="en-US" dirty="0" smtClean="0"/>
+              <a:t>Slow, especially bundle </a:t>
+            </a:r>
+            <a:r>
+              <a:rPr lang="en-US" dirty="0" smtClean="0"/>
+              <a:t>adjustment step.</a:t>
+            </a:r>
+            <a:endParaRPr lang="en-US" dirty="0" smtClean="0"/>
+          </a:p>
+          <a:p>
+            <a:pPr lvl="1"/>
+            <a:r>
+              <a:rPr lang="en-US" dirty="0" smtClean="0"/>
+              <a:t>Very good results tough.</a:t>
+            </a:r>
+          </a:p>
+          <a:p>
+            <a:pPr lvl="1"/>
+            <a:r>
+              <a:rPr lang="en-US" dirty="0" smtClean="0"/>
+              <a:t>Sensitive to outliers.</a:t>
+            </a:r>
+          </a:p>
+          <a:p>
+            <a:pPr lvl="1"/>
+            <a:endParaRPr lang="en-US" dirty="0"/>
+          </a:p>
+          <a:p>
+            <a:pPr lvl="1"/>
+            <a:endParaRPr lang="en-US" dirty="0" smtClean="0"/>
+          </a:p>
+        </p:txBody>
+      </p:sp>
+      <p:pic>
+        <p:nvPicPr>
+          <p:cNvPr id="4098" name="Picture 2" descr="C:\Documents and Settings\gusha124\Desktop\Documentation\images\gotCams.png"/>
+          <p:cNvPicPr>
+            <a:picLocks noChangeAspect="1" noChangeArrowheads="1"/>
+          </p:cNvPicPr>
+          <p:nvPr/>
+        </p:nvPicPr>
+        <p:blipFill>
+          <a:blip r:embed="rId2" cstate="print">
+            <a:extLst>
+              <a:ext uri="{28A0092B-C50C-407E-A947-70E740481C1C}">
+                <a14:useLocalDpi xmlns:a14="http://schemas.microsoft.com/office/drawing/2010/main" val="0"/>
+              </a:ext>
+            </a:extLst>
+          </a:blip>
+          <a:srcRect/>
+          <a:stretch>
+            <a:fillRect/>
+          </a:stretch>
+        </p:blipFill>
+        <p:spPr bwMode="auto">
+          <a:xfrm>
+            <a:off x="5486400" y="3850473"/>
+            <a:ext cx="3168227" cy="2491050"/>
+          </a:xfrm>
+          <a:prstGeom prst="rect">
+            <a:avLst/>
+          </a:prstGeom>
+          <a:noFill/>
+          <a:extLst>
+            <a:ext uri="{909E8E84-426E-40DD-AFC4-6F175D3DCCD1}">
+              <a14:hiddenFill xmlns:a14="http://schemas.microsoft.com/office/drawing/2010/main">
+                <a:solidFill>
+                  <a:srgbClr val="FFFFFF"/>
+                </a:solidFill>
+              </a14:hiddenFill>
+            </a:ext>
+          </a:extLst>
+        </p:spPr>
+      </p:pic>
+      <p:pic>
+        <p:nvPicPr>
+          <p:cNvPr id="1026" name="Picture 2" descr="C:\Documents and Settings\gusha124\Desktop\Documentation\images\protein.png"/>
+          <p:cNvPicPr>
+            <a:picLocks noChangeAspect="1" noChangeArrowheads="1"/>
+          </p:cNvPicPr>
+          <p:nvPr/>
+        </p:nvPicPr>
+        <p:blipFill>
+          <a:blip r:embed="rId3" cstate="print">
+            <a:extLst>
+              <a:ext uri="{28A0092B-C50C-407E-A947-70E740481C1C}">
+                <a14:useLocalDpi xmlns:a14="http://schemas.microsoft.com/office/drawing/2010/main" val="0"/>
+              </a:ext>
+            </a:extLst>
+          </a:blip>
+          <a:srcRect/>
+          <a:stretch>
+            <a:fillRect/>
+          </a:stretch>
+        </p:blipFill>
+        <p:spPr bwMode="auto">
+          <a:xfrm>
+            <a:off x="457200" y="3850473"/>
+            <a:ext cx="4428534" cy="2491050"/>
+          </a:xfrm>
+          <a:prstGeom prst="rect">
+            <a:avLst/>
+          </a:prstGeom>
+          <a:noFill/>
+          <a:extLst>
+            <a:ext uri="{909E8E84-426E-40DD-AFC4-6F175D3DCCD1}">
+              <a14:hiddenFill xmlns:a14="http://schemas.microsoft.com/office/drawing/2010/main">
+                <a:solidFill>
+                  <a:srgbClr val="FFFFFF"/>
+                </a:solidFill>
+              </a14:hiddenFill>
+            </a:ext>
+          </a:extLst>
+        </p:spPr>
+      </p:pic>
+    </p:spTree>
   </p:cSld>
   <p:clrMapOvr>
     <a:masterClrMapping/>
@@ -4460,7 +4548,7 @@
           <a:p>
             <a:r>
               <a:rPr lang="en-US" dirty="0" smtClean="0"/>
-              <a:t>Evaluation</a:t>
+              <a:t>Results</a:t>
             </a:r>
             <a:endParaRPr lang="en-US" dirty="0"/>
           </a:p>
@@ -4474,133 +4562,6 @@
           </p:cNvSpPr>
           <p:nvPr>
             <p:ph idx="1"/>
-          </p:nvPr>
-        </p:nvSpPr>
-        <p:spPr>
-          <a:xfrm>
-            <a:off x="228600" y="1752600"/>
-            <a:ext cx="4343400" cy="4625609"/>
-          </a:xfrm>
-        </p:spPr>
-        <p:txBody>
-          <a:bodyPr>
-            <a:normAutofit/>
-          </a:bodyPr>
-          <a:lstStyle/>
-          <a:p>
-            <a:pPr lvl="1"/>
-            <a:r>
-              <a:rPr lang="en-US" dirty="0" smtClean="0"/>
-              <a:t>Slow, especially bundle adjustment.</a:t>
-            </a:r>
-            <a:endParaRPr lang="en-US" dirty="0" smtClean="0"/>
-          </a:p>
-          <a:p>
-            <a:pPr lvl="1"/>
-            <a:r>
-              <a:rPr lang="en-US" dirty="0" smtClean="0"/>
-              <a:t>Very good results tough.</a:t>
-            </a:r>
-          </a:p>
-          <a:p>
-            <a:pPr lvl="1"/>
-            <a:r>
-              <a:rPr lang="en-US" dirty="0" smtClean="0"/>
-              <a:t>Still brutal divergence if to </a:t>
-            </a:r>
-            <a:r>
-              <a:rPr lang="en-US" smtClean="0"/>
-              <a:t>many outliers.</a:t>
-            </a:r>
-            <a:endParaRPr lang="en-US" dirty="0"/>
-          </a:p>
-          <a:p>
-            <a:pPr lvl="1"/>
-            <a:endParaRPr lang="en-US" dirty="0" smtClean="0"/>
-          </a:p>
-        </p:txBody>
-      </p:sp>
-      <p:pic>
-        <p:nvPicPr>
-          <p:cNvPr id="4098" name="Picture 2" descr="C:\Documents and Settings\gusha124\Desktop\Documentation\images\gotCams.png"/>
-          <p:cNvPicPr>
-            <a:picLocks noChangeAspect="1" noChangeArrowheads="1"/>
-          </p:cNvPicPr>
-          <p:nvPr/>
-        </p:nvPicPr>
-        <p:blipFill>
-          <a:blip r:embed="rId2">
-            <a:extLst>
-              <a:ext uri="{28A0092B-C50C-407E-A947-70E740481C1C}">
-                <a14:useLocalDpi xmlns:a14="http://schemas.microsoft.com/office/drawing/2010/main" val="0"/>
-              </a:ext>
-            </a:extLst>
-          </a:blip>
-          <a:srcRect/>
-          <a:stretch>
-            <a:fillRect/>
-          </a:stretch>
-        </p:blipFill>
-        <p:spPr bwMode="auto">
-          <a:xfrm>
-            <a:off x="4953000" y="1600200"/>
-            <a:ext cx="3930227" cy="3251245"/>
-          </a:xfrm>
-          <a:prstGeom prst="rect">
-            <a:avLst/>
-          </a:prstGeom>
-          <a:noFill/>
-          <a:extLst>
-            <a:ext uri="{909E8E84-426E-40DD-AFC4-6F175D3DCCD1}">
-              <a14:hiddenFill xmlns:a14="http://schemas.microsoft.com/office/drawing/2010/main">
-                <a:solidFill>
-                  <a:srgbClr val="FFFFFF"/>
-                </a:solidFill>
-              </a14:hiddenFill>
-            </a:ext>
-          </a:extLst>
-        </p:spPr>
-      </p:pic>
-    </p:spTree>
-  </p:cSld>
-  <p:clrMapOvr>
-    <a:masterClrMapping/>
-  </p:clrMapOvr>
-  <p:timing>
-    <p:tnLst>
-      <p:par>
-        <p:cTn id="1" dur="indefinite" restart="never" nodeType="tmRoot"/>
-      </p:par>
-    </p:tnLst>
-  </p:timing>
-</p:sld>
-</file>
-
-<file path=ppt/slides/slide13.xml><?xml version="1.0" encoding="utf-8"?>
-<p:sld xmlns:a="http://schemas.openxmlformats.org/drawingml/2006/main" xmlns:r="http://schemas.openxmlformats.org/officeDocument/2006/relationships" xmlns:p="http://schemas.openxmlformats.org/presentationml/2006/main">
-  <p:cSld>
-    <p:spTree>
-      <p:nvGrpSpPr>
-        <p:cNvPr id="1" name=""/>
-        <p:cNvGrpSpPr/>
-        <p:nvPr/>
-      </p:nvGrpSpPr>
-      <p:grpSpPr>
-        <a:xfrm>
-          <a:off x="0" y="0"/>
-          <a:ext cx="0" cy="0"/>
-          <a:chOff x="0" y="0"/>
-          <a:chExt cx="0" cy="0"/>
-        </a:xfrm>
-      </p:grpSpPr>
-      <p:sp>
-        <p:nvSpPr>
-          <p:cNvPr id="2" name="Title 1"/>
-          <p:cNvSpPr>
-            <a:spLocks noGrp="1"/>
-          </p:cNvSpPr>
-          <p:nvPr>
-            <p:ph type="title"/>
           </p:nvPr>
         </p:nvSpPr>
         <p:spPr/>
@@ -4608,29 +4569,6 @@
           <a:bodyPr/>
           <a:lstStyle/>
           <a:p>
-            <a:r>
-              <a:rPr lang="en-US" dirty="0" smtClean="0"/>
-              <a:t>Results</a:t>
-            </a:r>
-            <a:endParaRPr lang="en-US" dirty="0"/>
-          </a:p>
-        </p:txBody>
-      </p:sp>
-      <p:sp>
-        <p:nvSpPr>
-          <p:cNvPr id="3" name="Content Placeholder 2"/>
-          <p:cNvSpPr>
-            <a:spLocks noGrp="1"/>
-          </p:cNvSpPr>
-          <p:nvPr>
-            <p:ph idx="1"/>
-          </p:nvPr>
-        </p:nvSpPr>
-        <p:spPr/>
-        <p:txBody>
-          <a:bodyPr/>
-          <a:lstStyle/>
-          <a:p>
             <a:pPr marL="118872" indent="0">
               <a:buNone/>
             </a:pPr>
@@ -4670,7 +4608,6 @@
               <a:rPr lang="sv-SE" dirty="0" smtClean="0"/>
               <a:t>.</a:t>
             </a:r>
-            <a:endParaRPr lang="sv-SE" dirty="0" smtClean="0"/>
           </a:p>
           <a:p>
             <a:pPr marL="118872" indent="0">
@@ -5195,9 +5132,17 @@
             </a:pPr>
             <a:r>
               <a:rPr lang="en-US" sz="3200" dirty="0" smtClean="0"/>
-              <a:t>Links camera to visible points.</a:t>
-            </a:r>
-            <a:endParaRPr lang="en-US" sz="3200" dirty="0"/>
+              <a:t>Links camera to visible </a:t>
+            </a:r>
+            <a:r>
+              <a:rPr lang="en-US" sz="3200" smtClean="0"/>
+              <a:t>points</a:t>
+            </a:r>
+            <a:r>
+              <a:rPr lang="en-US" sz="3200" smtClean="0"/>
+              <a:t>.</a:t>
+            </a:r>
+            <a:endParaRPr lang="en-US" sz="3200" dirty="0" smtClean="0"/>
           </a:p>
         </p:txBody>
       </p:sp>
@@ -5282,8 +5227,13 @@
           <a:p>
             <a:r>
               <a:rPr lang="en-US" dirty="0" smtClean="0"/>
-              <a:t>Can be read by the visualizer for debugging/demonstration</a:t>
-            </a:r>
+              <a:t>Can be read by the visualizer for </a:t>
+            </a:r>
+            <a:r>
+              <a:rPr lang="en-US" dirty="0" smtClean="0"/>
+              <a:t>debugging/demonstration.</a:t>
+            </a:r>
+            <a:endParaRPr lang="en-US" dirty="0" smtClean="0"/>
           </a:p>
           <a:p>
             <a:endParaRPr lang="en-US" dirty="0"/>
@@ -5291,7 +5241,7 @@
           <a:p>
             <a:r>
               <a:rPr lang="en-US" dirty="0" smtClean="0"/>
-              <a:t>Or resume reconstruction from the saved point.</a:t>
+              <a:t>Or resume the reconstruction from a previous step.</a:t>
             </a:r>
             <a:endParaRPr lang="en-US" dirty="0"/>
           </a:p>
@@ -5351,7 +5301,7 @@
           <a:p>
             <a:r>
               <a:rPr lang="en-US" dirty="0" smtClean="0"/>
-              <a:t>Main program</a:t>
+              <a:t>2D point extraction</a:t>
             </a:r>
             <a:endParaRPr lang="en-US" dirty="0"/>
           </a:p>
@@ -5359,7 +5309,7 @@
       </p:sp>
       <p:sp>
         <p:nvSpPr>
-          <p:cNvPr id="3" name="Content Placeholder 2"/>
+          <p:cNvPr id="5" name="Content Placeholder 2"/>
           <p:cNvSpPr>
             <a:spLocks noGrp="1"/>
           </p:cNvSpPr>
@@ -5369,25 +5319,69 @@
         </p:nvSpPr>
         <p:spPr/>
         <p:txBody>
-          <a:bodyPr/>
+          <a:bodyPr>
+            <a:normAutofit/>
+          </a:bodyPr>
           <a:lstStyle/>
           <a:p>
-            <a:pPr marL="118872" indent="0">
-              <a:buNone/>
-            </a:pPr>
+            <a:r>
+              <a:rPr lang="en-US" dirty="0" smtClean="0"/>
+              <a:t>Extract interesting points from images.</a:t>
+            </a:r>
+          </a:p>
+          <a:p>
+            <a:r>
+              <a:rPr lang="en-US" dirty="0" smtClean="0"/>
+              <a:t>Some outliers present.</a:t>
+            </a:r>
             <a:endParaRPr lang="en-US" dirty="0" smtClean="0"/>
           </a:p>
           <a:p>
-            <a:pPr marL="118872" indent="0">
-              <a:buNone/>
-            </a:pPr>
             <a:endParaRPr lang="en-US" dirty="0" smtClean="0"/>
           </a:p>
-          <a:p>
-            <a:endParaRPr lang="en-US" dirty="0"/>
-          </a:p>
-        </p:txBody>
-      </p:sp>
+        </p:txBody>
+      </p:sp>
+      <p:pic>
+        <p:nvPicPr>
+          <p:cNvPr id="3074" name="Picture 2" descr="C:\Documents and Settings\gusha124\Desktop\Documentation\images\FeatureDetection.png"/>
+          <p:cNvPicPr>
+            <a:picLocks noChangeAspect="1" noChangeArrowheads="1"/>
+          </p:cNvPicPr>
+          <p:nvPr/>
+        </p:nvPicPr>
+        <p:blipFill>
+          <a:blip r:embed="rId2">
+            <a:extLst>
+              <a:ext uri="{28A0092B-C50C-407E-A947-70E740481C1C}">
+                <a14:useLocalDpi xmlns:a14="http://schemas.microsoft.com/office/drawing/2010/main" val="0"/>
+              </a:ext>
+            </a:extLst>
+          </a:blip>
+          <a:srcRect/>
+          <a:stretch>
+            <a:fillRect/>
+          </a:stretch>
+        </p:blipFill>
+        <p:spPr bwMode="auto">
+          <a:xfrm>
+            <a:off x="4876800" y="2514600"/>
+            <a:ext cx="4159005" cy="3322637"/>
+          </a:xfrm>
+          <a:prstGeom prst="rect">
+            <a:avLst/>
+          </a:prstGeom>
+          <a:noFill/>
+          <a:extLst>
+            <a:ext uri="{909E8E84-426E-40DD-AFC4-6F175D3DCCD1}">
+              <a14:hiddenFill xmlns:a14="http://schemas.microsoft.com/office/drawing/2010/main">
+                <a:solidFill>
+                  <a:srgbClr val="FFFFFF"/>
+                </a:solidFill>
+              </a14:hiddenFill>
+            </a:ext>
+          </a:extLst>
+        </p:spPr>
+      </p:pic>
     </p:spTree>
   </p:cSld>
   <p:clrMapOvr>
@@ -5437,7 +5431,7 @@
           <a:p>
             <a:r>
               <a:rPr lang="en-US" dirty="0" smtClean="0"/>
-              <a:t>2D point extraction</a:t>
+              <a:t>Estimation of F</a:t>
             </a:r>
             <a:endParaRPr lang="en-US" dirty="0"/>
           </a:p>
@@ -5445,7 +5439,7 @@
       </p:sp>
       <p:sp>
         <p:nvSpPr>
-          <p:cNvPr id="5" name="Content Placeholder 2"/>
+          <p:cNvPr id="3" name="Content Placeholder 2"/>
           <p:cNvSpPr>
             <a:spLocks noGrp="1"/>
           </p:cNvSpPr>
@@ -5460,60 +5454,10 @@
           </a:bodyPr>
           <a:lstStyle/>
           <a:p>
-            <a:r>
-              <a:rPr lang="en-US" dirty="0" smtClean="0"/>
-              <a:t>Extract interesting points from images.</a:t>
-            </a:r>
-          </a:p>
-          <a:p>
             <a:endParaRPr lang="en-US" dirty="0" smtClean="0"/>
           </a:p>
-          <a:p>
-            <a:endParaRPr lang="en-US" dirty="0" smtClean="0"/>
-          </a:p>
-        </p:txBody>
-      </p:sp>
-      <p:pic>
-        <p:nvPicPr>
-          <p:cNvPr id="3074" name="Picture 2" descr="C:\Documents and Settings\gusha124\Desktop\Documentation\images\FeatureDetection.png"/>
-          <p:cNvPicPr>
-            <a:picLocks noChangeAspect="1" noChangeArrowheads="1"/>
-          </p:cNvPicPr>
-          <p:nvPr/>
-        </p:nvPicPr>
-        <p:blipFill>
-          <a:blip r:embed="rId2">
-            <a:extLst>
-              <a:ext uri="{28A0092B-C50C-407E-A947-70E740481C1C}">
-                <a14:useLocalDpi xmlns:a14="http://schemas.microsoft.com/office/drawing/2010/main" val="0"/>
-              </a:ext>
-            </a:extLst>
-          </a:blip>
-          <a:srcRect/>
-          <a:stretch>
-            <a:fillRect/>
-          </a:stretch>
-        </p:blipFill>
-        <p:spPr bwMode="auto">
-          <a:xfrm>
-            <a:off x="4648200" y="2743200"/>
-            <a:ext cx="4159005" cy="3322637"/>
-          </a:xfrm>
-          <a:prstGeom prst="rect">
-            <a:avLst/>
-          </a:prstGeom>
-          <a:noFill/>
-          <a:extLst>
-            <a:ext uri="{909E8E84-426E-40DD-AFC4-6F175D3DCCD1}">
-              <a14:hiddenFill xmlns:a14="http://schemas.microsoft.com/office/drawing/2010/main">
-                <a:solidFill>
-                  <a:srgbClr val="FFFFFF"/>
-                </a:solidFill>
-              </a14:hiddenFill>
-            </a:ext>
-          </a:extLst>
-        </p:spPr>
-      </p:pic>
+        </p:txBody>
+      </p:sp>
     </p:spTree>
   </p:cSld>
   <p:clrMapOvr>
@@ -5563,7 +5507,7 @@
           <a:p>
             <a:r>
               <a:rPr lang="en-US" dirty="0" smtClean="0"/>
-              <a:t>Estimation of F</a:t>
+              <a:t>Estimation of R and t</a:t>
             </a:r>
             <a:endParaRPr lang="en-US" dirty="0"/>
           </a:p>
@@ -5586,131 +5530,10 @@
           </a:bodyPr>
           <a:lstStyle/>
           <a:p>
-            <a:r>
-              <a:rPr lang="en-US" dirty="0" smtClean="0"/>
-              <a:t>Algorithm implemented as described in the master thesis by John Wood.</a:t>
-            </a:r>
-          </a:p>
-          <a:p>
-            <a:r>
-              <a:rPr lang="en-US" dirty="0" smtClean="0"/>
-              <a:t>HSV mapping:</a:t>
-            </a:r>
-            <a:endParaRPr lang="en-US" dirty="0"/>
-          </a:p>
-          <a:p>
-            <a:pPr lvl="1"/>
-            <a:r>
-              <a:rPr lang="en-US" dirty="0" smtClean="0"/>
-              <a:t>Easy to implement</a:t>
-            </a:r>
-          </a:p>
-          <a:p>
-            <a:pPr lvl="1"/>
-            <a:r>
-              <a:rPr lang="en-US" dirty="0" smtClean="0"/>
-              <a:t>Good performance</a:t>
-            </a:r>
-          </a:p>
-          <a:p>
-            <a:pPr lvl="1"/>
-            <a:r>
-              <a:rPr lang="en-US" dirty="0" smtClean="0"/>
-              <a:t>Few false positives</a:t>
-            </a:r>
-            <a:endParaRPr lang="en-US" dirty="0"/>
-          </a:p>
-          <a:p>
-            <a:pPr lvl="1"/>
-            <a:r>
-              <a:rPr lang="en-US" dirty="0" smtClean="0"/>
-              <a:t>Problems with gray areas</a:t>
-            </a:r>
-          </a:p>
-        </p:txBody>
-      </p:sp>
-      <p:pic>
-        <p:nvPicPr>
-          <p:cNvPr id="2050" name="Picture 2" descr="C:\Users\Marsve\Desktop\Kurser\TSBB15\Projekt\Sven\Powerpoint\HSV.png"/>
-          <p:cNvPicPr>
-            <a:picLocks noChangeAspect="1" noChangeArrowheads="1"/>
-          </p:cNvPicPr>
-          <p:nvPr/>
-        </p:nvPicPr>
-        <p:blipFill>
-          <a:blip r:embed="rId2">
-            <a:extLst>
-              <a:ext uri="{28A0092B-C50C-407E-A947-70E740481C1C}">
-                <a14:useLocalDpi xmlns:a14="http://schemas.microsoft.com/office/drawing/2010/main" val="0"/>
-              </a:ext>
-            </a:extLst>
-          </a:blip>
-          <a:srcRect/>
-          <a:stretch>
-            <a:fillRect/>
-          </a:stretch>
-        </p:blipFill>
-        <p:spPr bwMode="auto">
-          <a:xfrm>
-            <a:off x="5853820" y="2971800"/>
-            <a:ext cx="2761116" cy="2778125"/>
-          </a:xfrm>
-          <a:prstGeom prst="rect">
-            <a:avLst/>
-          </a:prstGeom>
-          <a:noFill/>
-          <a:extLst>
-            <a:ext uri="{909E8E84-426E-40DD-AFC4-6F175D3DCCD1}">
-              <a14:hiddenFill xmlns:a14="http://schemas.microsoft.com/office/drawing/2010/main">
-                <a:solidFill>
-                  <a:srgbClr val="FFFFFF"/>
-                </a:solidFill>
-              </a14:hiddenFill>
-            </a:ext>
-          </a:extLst>
-        </p:spPr>
-      </p:pic>
-      <p:pic>
-        <p:nvPicPr>
-          <p:cNvPr id="1026" name="Picture 2" descr="C:\Users\Alexander\Desktop\Imgsource.png"/>
-          <p:cNvPicPr>
-            <a:picLocks noChangeAspect="1" noChangeArrowheads="1"/>
-          </p:cNvPicPr>
-          <p:nvPr/>
-        </p:nvPicPr>
-        <p:blipFill>
-          <a:blip r:embed="rId3">
-            <a:extLst>
-              <a:ext uri="{28A0092B-C50C-407E-A947-70E740481C1C}">
-                <a14:useLocalDpi xmlns:a14="http://schemas.microsoft.com/office/drawing/2010/main" val="0"/>
-              </a:ext>
-            </a:extLst>
-          </a:blip>
-          <a:srcRect/>
-          <a:stretch>
-            <a:fillRect/>
-          </a:stretch>
-        </p:blipFill>
-        <p:spPr bwMode="auto">
-          <a:xfrm>
-            <a:off x="5863628" y="5867400"/>
-            <a:ext cx="2786767" cy="403430"/>
-          </a:xfrm>
-          <a:prstGeom prst="rect">
-            <a:avLst/>
-          </a:prstGeom>
-          <a:noFill/>
-          <a:extLst>
-            <a:ext uri="{909E8E84-426E-40DD-AFC4-6F175D3DCCD1}">
-              <a14:hiddenFill xmlns:a14="http://schemas.microsoft.com/office/drawing/2010/main">
-                <a:solidFill>
-                  <a:srgbClr val="FFFFFF"/>
-                </a:solidFill>
-              </a14:hiddenFill>
-            </a:ext>
-          </a:extLst>
-        </p:spPr>
-      </p:pic>
+            <a:endParaRPr lang="sv-SE" dirty="0"/>
+          </a:p>
+        </p:txBody>
+      </p:sp>
     </p:spTree>
   </p:cSld>
   <p:clrMapOvr>
@@ -5759,8 +5582,12 @@
           <a:lstStyle/>
           <a:p>
             <a:r>
+              <a:rPr lang="en-US" smtClean="0"/>
+              <a:t>Solving the </a:t>
+            </a:r>
+            <a:r>
               <a:rPr lang="en-US" dirty="0" smtClean="0"/>
-              <a:t>Estimation of R and t</a:t>
+              <a:t>PnP</a:t>
             </a:r>
             <a:endParaRPr lang="en-US" dirty="0"/>
           </a:p>
@@ -5779,78 +5606,49 @@
         <p:spPr/>
         <p:txBody>
           <a:bodyPr>
-            <a:normAutofit lnSpcReduction="10000"/>
+            <a:normAutofit/>
           </a:bodyPr>
           <a:lstStyle/>
           <a:p>
             <a:r>
+              <a:rPr lang="en-US" i="1" dirty="0" smtClean="0"/>
+              <a:t>Object</a:t>
+            </a:r>
+            <a:r>
               <a:rPr lang="en-US" dirty="0" smtClean="0"/>
-              <a:t>“Distance filtering”</a:t>
-            </a:r>
-            <a:endParaRPr lang="en-US" dirty="0"/>
+              <a:t> creation</a:t>
+            </a:r>
+            <a:endParaRPr lang="en-US" i="1" dirty="0"/>
           </a:p>
           <a:p>
             <a:pPr lvl="1"/>
             <a:r>
               <a:rPr lang="en-US" dirty="0" smtClean="0"/>
-              <a:t>Throw away foreground regions not thick enough</a:t>
+              <a:t>Find remaining contours</a:t>
             </a:r>
           </a:p>
           <a:p>
             <a:pPr lvl="1"/>
             <a:r>
               <a:rPr lang="en-US" dirty="0" smtClean="0"/>
-              <a:t>Good performance</a:t>
+              <a:t>Create bounding boxes</a:t>
             </a:r>
           </a:p>
           <a:p>
             <a:pPr lvl="1"/>
             <a:r>
               <a:rPr lang="en-US" dirty="0" smtClean="0"/>
-              <a:t>Slow?</a:t>
-            </a:r>
-          </a:p>
-          <a:p>
-            <a:r>
-              <a:rPr lang="sv-SE" dirty="0"/>
-              <a:t>Implementation</a:t>
-            </a:r>
-          </a:p>
-          <a:p>
-            <a:pPr lvl="1"/>
-            <a:r>
-              <a:rPr lang="sv-SE" i="1" dirty="0"/>
-              <a:t>cv::findContours, cv::pointPolygonTest</a:t>
-            </a:r>
-          </a:p>
-          <a:p>
-            <a:pPr lvl="1"/>
-            <a:r>
-              <a:rPr lang="sv-SE" dirty="0"/>
-              <a:t>Iterate over bounding rectangle</a:t>
-            </a:r>
-          </a:p>
-          <a:p>
-            <a:pPr lvl="1"/>
-            <a:r>
-              <a:rPr lang="sv-SE" dirty="0"/>
-              <a:t>Measure distance inside contour only</a:t>
-            </a:r>
-          </a:p>
-          <a:p>
-            <a:r>
-              <a:rPr lang="sv-SE" dirty="0"/>
-              <a:t>Final touch: some morphological </a:t>
-            </a:r>
-            <a:r>
-              <a:rPr lang="sv-SE" dirty="0" smtClean="0"/>
-              <a:t>dilate</a:t>
-            </a:r>
-            <a:endParaRPr lang="sv-SE" dirty="0"/>
+              <a:t>Calculate positions</a:t>
+            </a:r>
           </a:p>
         </p:txBody>
       </p:sp>
     </p:spTree>
+    <p:extLst>
+      <p:ext uri="{BB962C8B-B14F-4D97-AF65-F5344CB8AC3E}">
+        <p14:creationId xmlns:p14="http://schemas.microsoft.com/office/powerpoint/2010/main" val="3075658481"/>
+      </p:ext>
+    </p:extLst>
   </p:cSld>
   <p:clrMapOvr>
     <a:masterClrMapping/>

--- a/3D Reconstruction/Documentation/TSBB15prez.pptx
+++ b/3D Reconstruction/Documentation/TSBB15prez.pptx
@@ -5,7 +5,7 @@
     <p:sldMasterId id="2147483684" r:id="rId1"/>
   </p:sldMasterIdLst>
   <p:handoutMasterIdLst>
-    <p:handoutMasterId r:id="rId14"/>
+    <p:handoutMasterId r:id="rId16"/>
   </p:handoutMasterIdLst>
   <p:sldIdLst>
     <p:sldId id="256" r:id="rId2"/>
@@ -14,12 +14,14 @@
     <p:sldId id="260" r:id="rId5"/>
     <p:sldId id="296" r:id="rId6"/>
     <p:sldId id="272" r:id="rId7"/>
-    <p:sldId id="264" r:id="rId8"/>
-    <p:sldId id="269" r:id="rId9"/>
+    <p:sldId id="269" r:id="rId8"/>
+    <p:sldId id="297" r:id="rId9"/>
     <p:sldId id="294" r:id="rId10"/>
-    <p:sldId id="293" r:id="rId11"/>
-    <p:sldId id="278" r:id="rId12"/>
-    <p:sldId id="279" r:id="rId13"/>
+    <p:sldId id="298" r:id="rId11"/>
+    <p:sldId id="299" r:id="rId12"/>
+    <p:sldId id="293" r:id="rId13"/>
+    <p:sldId id="278" r:id="rId14"/>
+    <p:sldId id="279" r:id="rId15"/>
   </p:sldIdLst>
   <p:sldSz cx="9144000" cy="6858000" type="screen4x3"/>
   <p:notesSz cx="6858000" cy="9144000"/>
@@ -129,9 +131,11 @@
             <p14:sldId id="260"/>
             <p14:sldId id="296"/>
             <p14:sldId id="272"/>
-            <p14:sldId id="264"/>
             <p14:sldId id="269"/>
+            <p14:sldId id="297"/>
             <p14:sldId id="294"/>
+            <p14:sldId id="298"/>
+            <p14:sldId id="299"/>
             <p14:sldId id="293"/>
             <p14:sldId id="278"/>
             <p14:sldId id="279"/>
@@ -4174,6 +4178,217 @@
           <a:lstStyle/>
           <a:p>
             <a:r>
+              <a:rPr lang="en-US" dirty="0" smtClean="0"/>
+              <a:t>Solving the PnP</a:t>
+            </a:r>
+            <a:endParaRPr lang="en-US" dirty="0"/>
+          </a:p>
+        </p:txBody>
+      </p:sp>
+      <p:sp>
+        <p:nvSpPr>
+          <p:cNvPr id="3" name="Content Placeholder 2"/>
+          <p:cNvSpPr>
+            <a:spLocks noGrp="1"/>
+          </p:cNvSpPr>
+          <p:nvPr>
+            <p:ph idx="1"/>
+          </p:nvPr>
+        </p:nvSpPr>
+        <p:spPr/>
+        <p:txBody>
+          <a:bodyPr/>
+          <a:lstStyle/>
+          <a:p>
+            <a:r>
+              <a:rPr lang="en-US" dirty="0" smtClean="0"/>
+              <a:t>PnP</a:t>
+            </a:r>
+            <a:endParaRPr lang="en-US" dirty="0"/>
+          </a:p>
+        </p:txBody>
+      </p:sp>
+    </p:spTree>
+    <p:extLst>
+      <p:ext uri="{BB962C8B-B14F-4D97-AF65-F5344CB8AC3E}">
+        <p14:creationId xmlns:p14="http://schemas.microsoft.com/office/powerpoint/2010/main" val="3570874050"/>
+      </p:ext>
+    </p:extLst>
+  </p:cSld>
+  <p:clrMapOvr>
+    <a:masterClrMapping/>
+  </p:clrMapOvr>
+</p:sld>
+</file>
+
+<file path=ppt/slides/slide11.xml><?xml version="1.0" encoding="utf-8"?>
+<p:sld xmlns:a="http://schemas.openxmlformats.org/drawingml/2006/main" xmlns:r="http://schemas.openxmlformats.org/officeDocument/2006/relationships" xmlns:p="http://schemas.openxmlformats.org/presentationml/2006/main">
+  <p:cSld>
+    <p:spTree>
+      <p:nvGrpSpPr>
+        <p:cNvPr id="1" name=""/>
+        <p:cNvGrpSpPr/>
+        <p:nvPr/>
+      </p:nvGrpSpPr>
+      <p:grpSpPr>
+        <a:xfrm>
+          <a:off x="0" y="0"/>
+          <a:ext cx="0" cy="0"/>
+          <a:chOff x="0" y="0"/>
+          <a:chExt cx="0" cy="0"/>
+        </a:xfrm>
+      </p:grpSpPr>
+      <p:sp>
+        <p:nvSpPr>
+          <p:cNvPr id="2" name="Title 1"/>
+          <p:cNvSpPr>
+            <a:spLocks noGrp="1"/>
+          </p:cNvSpPr>
+          <p:nvPr>
+            <p:ph type="title"/>
+          </p:nvPr>
+        </p:nvSpPr>
+        <p:spPr/>
+        <p:txBody>
+          <a:bodyPr/>
+          <a:lstStyle/>
+          <a:p>
+            <a:r>
+              <a:rPr lang="en-US" dirty="0" smtClean="0"/>
+              <a:t>Bundle Adjustment</a:t>
+            </a:r>
+            <a:endParaRPr lang="en-US" dirty="0"/>
+          </a:p>
+        </p:txBody>
+      </p:sp>
+      <p:sp>
+        <p:nvSpPr>
+          <p:cNvPr id="3" name="Content Placeholder 2"/>
+          <p:cNvSpPr>
+            <a:spLocks noGrp="1"/>
+          </p:cNvSpPr>
+          <p:nvPr>
+            <p:ph idx="1"/>
+          </p:nvPr>
+        </p:nvSpPr>
+        <p:spPr/>
+        <p:txBody>
+          <a:bodyPr/>
+          <a:lstStyle/>
+          <a:p>
+            <a:r>
+              <a:rPr lang="en-US" dirty="0" smtClean="0"/>
+              <a:t>Minimize total re-projection error</a:t>
+            </a:r>
+          </a:p>
+          <a:p>
+            <a:r>
+              <a:rPr lang="en-US" dirty="0" smtClean="0"/>
+              <a:t>Implemented using </a:t>
+            </a:r>
+            <a:r>
+              <a:rPr lang="en-US" dirty="0" err="1" smtClean="0"/>
+              <a:t>levmar</a:t>
+            </a:r>
+            <a:endParaRPr lang="en-US" dirty="0" smtClean="0"/>
+          </a:p>
+          <a:p>
+            <a:pPr marL="118872" indent="0">
+              <a:buNone/>
+            </a:pPr>
+            <a:endParaRPr lang="en-US" dirty="0"/>
+          </a:p>
+          <a:p>
+            <a:r>
+              <a:rPr lang="en-US" dirty="0" smtClean="0"/>
+              <a:t>Slow because of</a:t>
+            </a:r>
+            <a:endParaRPr lang="en-US" i="1" dirty="0"/>
+          </a:p>
+          <a:p>
+            <a:pPr lvl="1"/>
+            <a:r>
+              <a:rPr lang="en-US" dirty="0" smtClean="0"/>
+              <a:t>No sparse pattern for </a:t>
+            </a:r>
+            <a:r>
+              <a:rPr lang="en-US" dirty="0" err="1" smtClean="0"/>
+              <a:t>Jacobian</a:t>
+            </a:r>
+            <a:r>
+              <a:rPr lang="en-US" dirty="0" smtClean="0"/>
+              <a:t> estimation</a:t>
+            </a:r>
+            <a:endParaRPr lang="en-US" dirty="0"/>
+          </a:p>
+          <a:p>
+            <a:pPr lvl="1"/>
+            <a:r>
+              <a:rPr lang="en-US" dirty="0" smtClean="0"/>
+              <a:t>Library was not build using LAPACK</a:t>
+            </a:r>
+            <a:endParaRPr lang="en-US" dirty="0"/>
+          </a:p>
+          <a:p>
+            <a:pPr marL="118872" indent="0">
+              <a:buNone/>
+            </a:pPr>
+            <a:endParaRPr lang="en-US" dirty="0"/>
+          </a:p>
+          <a:p>
+            <a:pPr marL="118872" indent="0">
+              <a:buNone/>
+            </a:pPr>
+            <a:endParaRPr lang="en-US" dirty="0" smtClean="0"/>
+          </a:p>
+        </p:txBody>
+      </p:sp>
+    </p:spTree>
+    <p:extLst>
+      <p:ext uri="{BB962C8B-B14F-4D97-AF65-F5344CB8AC3E}">
+        <p14:creationId xmlns:p14="http://schemas.microsoft.com/office/powerpoint/2010/main" val="3570874050"/>
+      </p:ext>
+    </p:extLst>
+  </p:cSld>
+  <p:clrMapOvr>
+    <a:masterClrMapping/>
+  </p:clrMapOvr>
+</p:sld>
+</file>
+
+<file path=ppt/slides/slide12.xml><?xml version="1.0" encoding="utf-8"?>
+<p:sld xmlns:a="http://schemas.openxmlformats.org/drawingml/2006/main" xmlns:r="http://schemas.openxmlformats.org/officeDocument/2006/relationships" xmlns:p="http://schemas.openxmlformats.org/presentationml/2006/main">
+  <p:cSld>
+    <p:spTree>
+      <p:nvGrpSpPr>
+        <p:cNvPr id="1" name=""/>
+        <p:cNvGrpSpPr/>
+        <p:nvPr/>
+      </p:nvGrpSpPr>
+      <p:grpSpPr>
+        <a:xfrm>
+          <a:off x="0" y="0"/>
+          <a:ext cx="0" cy="0"/>
+          <a:chOff x="0" y="0"/>
+          <a:chExt cx="0" cy="0"/>
+        </a:xfrm>
+      </p:grpSpPr>
+      <p:sp>
+        <p:nvSpPr>
+          <p:cNvPr id="2" name="Title 1"/>
+          <p:cNvSpPr>
+            <a:spLocks noGrp="1"/>
+          </p:cNvSpPr>
+          <p:nvPr>
+            <p:ph type="title"/>
+          </p:nvPr>
+        </p:nvSpPr>
+        <p:spPr/>
+        <p:txBody>
+          <a:bodyPr/>
+          <a:lstStyle/>
+          <a:p>
+            <a:r>
               <a:rPr lang="en-GB" dirty="0" smtClean="0"/>
               <a:t>Visualization</a:t>
             </a:r>
@@ -4250,13 +4465,8 @@
             </a:pPr>
             <a:r>
               <a:rPr lang="en-US" sz="3200" dirty="0" smtClean="0"/>
-              <a:t>Plot the estimated </a:t>
-            </a:r>
-            <a:r>
-              <a:rPr lang="en-US" sz="3200" dirty="0" smtClean="0"/>
-              <a:t>cameras</a:t>
-            </a:r>
-            <a:endParaRPr lang="en-US" sz="3200" dirty="0" smtClean="0"/>
+              <a:t>Plot the estimated cameras</a:t>
+            </a:r>
           </a:p>
           <a:p>
             <a:pPr marL="285750" indent="-285750">
@@ -4272,13 +4482,8 @@
             </a:pPr>
             <a:r>
               <a:rPr lang="en-US" sz="3200" dirty="0" smtClean="0"/>
-              <a:t>Plot the 3D </a:t>
-            </a:r>
-            <a:r>
-              <a:rPr lang="en-US" sz="3200" dirty="0" smtClean="0"/>
-              <a:t>points.</a:t>
-            </a:r>
-            <a:endParaRPr lang="en-US" sz="3200" dirty="0" smtClean="0"/>
+              <a:t>Plot the 3D points.</a:t>
+            </a:r>
           </a:p>
           <a:p>
             <a:pPr marL="285750" indent="-285750">
@@ -4320,7 +4525,7 @@
 </p:sld>
 </file>
 
-<file path=ppt/slides/slide11.xml><?xml version="1.0" encoding="utf-8"?>
+<file path=ppt/slides/slide13.xml><?xml version="1.0" encoding="utf-8"?>
 <p:sld xmlns:a="http://schemas.openxmlformats.org/drawingml/2006/main" xmlns:r="http://schemas.openxmlformats.org/officeDocument/2006/relationships" xmlns:p="http://schemas.openxmlformats.org/presentationml/2006/main">
   <p:cSld>
     <p:spTree>
@@ -4385,19 +4590,22 @@
             <a:pPr lvl="1"/>
             <a:r>
               <a:rPr lang="en-US" dirty="0" smtClean="0"/>
-              <a:t>Slow, especially bundle </a:t>
-            </a:r>
+              <a:t>Slow, especially bundle adjustment step.</a:t>
+            </a:r>
+          </a:p>
+          <a:p>
+            <a:pPr lvl="1"/>
             <a:r>
               <a:rPr lang="en-US" dirty="0" smtClean="0"/>
-              <a:t>adjustment step.</a:t>
-            </a:r>
-            <a:endParaRPr lang="en-US" dirty="0" smtClean="0"/>
-          </a:p>
-          <a:p>
-            <a:pPr lvl="1"/>
+              <a:t>Very good results </a:t>
+            </a:r>
             <a:r>
               <a:rPr lang="en-US" dirty="0" smtClean="0"/>
-              <a:t>Very good results tough.</a:t>
+              <a:t>though</a:t>
+            </a:r>
+            <a:r>
+              <a:rPr lang="en-US" dirty="0" smtClean="0"/>
+              <a:t>.</a:t>
             </a:r>
           </a:p>
           <a:p>
@@ -4514,7 +4722,7 @@
 </p:sld>
 </file>
 
-<file path=ppt/slides/slide12.xml><?xml version="1.0" encoding="utf-8"?>
+<file path=ppt/slides/slide14.xml><?xml version="1.0" encoding="utf-8"?>
 <p:sld xmlns:a="http://schemas.openxmlformats.org/drawingml/2006/main" xmlns:r="http://schemas.openxmlformats.org/officeDocument/2006/relationships" xmlns:p="http://schemas.openxmlformats.org/presentationml/2006/main">
   <p:cSld>
     <p:spTree>
@@ -4831,105 +5039,24 @@
           <a:lstStyle/>
           <a:p>
             <a:r>
-              <a:rPr lang="sv-SE" dirty="0" err="1" smtClean="0"/>
-              <a:t>Noisy</a:t>
-            </a:r>
-            <a:r>
-              <a:rPr lang="sv-SE" dirty="0" smtClean="0"/>
-              <a:t>, lots </a:t>
-            </a:r>
-            <a:r>
-              <a:rPr lang="sv-SE" dirty="0" err="1" smtClean="0"/>
-              <a:t>of</a:t>
-            </a:r>
-            <a:r>
-              <a:rPr lang="sv-SE" dirty="0" smtClean="0"/>
-              <a:t> </a:t>
-            </a:r>
-            <a:r>
-              <a:rPr lang="sv-SE" dirty="0" err="1" smtClean="0"/>
-              <a:t>false</a:t>
-            </a:r>
-            <a:r>
-              <a:rPr lang="sv-SE" dirty="0" smtClean="0"/>
-              <a:t> positives.</a:t>
-            </a:r>
-          </a:p>
-          <a:p>
-            <a:r>
-              <a:rPr lang="sv-SE" dirty="0" err="1" smtClean="0"/>
-              <a:t>False</a:t>
-            </a:r>
-            <a:r>
-              <a:rPr lang="sv-SE" dirty="0" smtClean="0"/>
-              <a:t> positives </a:t>
-            </a:r>
-            <a:r>
-              <a:rPr lang="sv-SE" dirty="0" err="1" smtClean="0"/>
-              <a:t>are</a:t>
-            </a:r>
-            <a:r>
-              <a:rPr lang="sv-SE" dirty="0" smtClean="0"/>
-              <a:t> </a:t>
-            </a:r>
-            <a:r>
-              <a:rPr lang="sv-SE" dirty="0" err="1" smtClean="0"/>
-              <a:t>mostly</a:t>
-            </a:r>
-            <a:r>
-              <a:rPr lang="sv-SE" dirty="0" smtClean="0"/>
-              <a:t> isolated.</a:t>
-            </a:r>
-          </a:p>
-          <a:p>
-            <a:r>
-              <a:rPr lang="sv-SE" dirty="0" err="1" smtClean="0"/>
-              <a:t>Easy</a:t>
-            </a:r>
-            <a:r>
-              <a:rPr lang="sv-SE" dirty="0" smtClean="0"/>
-              <a:t> </a:t>
-            </a:r>
-            <a:r>
-              <a:rPr lang="sv-SE" dirty="0" err="1" smtClean="0"/>
-              <a:t>to</a:t>
-            </a:r>
-            <a:r>
-              <a:rPr lang="sv-SE" dirty="0" smtClean="0"/>
-              <a:t> </a:t>
-            </a:r>
-            <a:r>
-              <a:rPr lang="sv-SE" dirty="0" err="1" smtClean="0"/>
-              <a:t>handle</a:t>
-            </a:r>
-            <a:r>
-              <a:rPr lang="sv-SE" dirty="0" smtClean="0"/>
-              <a:t> </a:t>
-            </a:r>
-            <a:r>
-              <a:rPr lang="sv-SE" dirty="0" err="1" smtClean="0"/>
-              <a:t>with</a:t>
-            </a:r>
-            <a:r>
-              <a:rPr lang="sv-SE" dirty="0" smtClean="0"/>
-              <a:t> later </a:t>
-            </a:r>
-            <a:r>
-              <a:rPr lang="sv-SE" dirty="0" err="1" smtClean="0"/>
-              <a:t>processing</a:t>
-            </a:r>
-            <a:r>
-              <a:rPr lang="sv-SE" dirty="0" smtClean="0"/>
-              <a:t> </a:t>
-            </a:r>
-            <a:r>
-              <a:rPr lang="sv-SE" smtClean="0"/>
-              <a:t>steps.</a:t>
-            </a:r>
-            <a:endParaRPr lang="sv-SE" dirty="0"/>
-          </a:p>
-          <a:p>
-            <a:endParaRPr lang="sv-SE" dirty="0" smtClean="0"/>
+              <a:rPr lang="en-US" dirty="0" smtClean="0"/>
+              <a:t>Noisy, lots of false positives.</a:t>
+            </a:r>
+          </a:p>
+          <a:p>
+            <a:r>
+              <a:rPr lang="en-US" dirty="0" smtClean="0"/>
+              <a:t>False positives are mostly isolated.</a:t>
+            </a:r>
+          </a:p>
+          <a:p>
+            <a:r>
+              <a:rPr lang="en-US" dirty="0" smtClean="0"/>
+              <a:t>Easy to handle with later processing steps.</a:t>
+            </a:r>
+          </a:p>
+          <a:p>
+            <a:endParaRPr lang="en-US" dirty="0" smtClean="0"/>
           </a:p>
         </p:txBody>
       </p:sp>
@@ -5132,17 +5259,8 @@
             </a:pPr>
             <a:r>
               <a:rPr lang="en-US" sz="3200" dirty="0" smtClean="0"/>
-              <a:t>Links camera to visible </a:t>
-            </a:r>
-            <a:r>
-              <a:rPr lang="en-US" sz="3200" smtClean="0"/>
-              <a:t>points</a:t>
-            </a:r>
-            <a:r>
-              <a:rPr lang="en-US" sz="3200" smtClean="0"/>
-              <a:t>.</a:t>
-            </a:r>
-            <a:endParaRPr lang="en-US" sz="3200" dirty="0" smtClean="0"/>
+              <a:t>Links camera to visible points.</a:t>
+            </a:r>
           </a:p>
         </p:txBody>
       </p:sp>
@@ -5227,13 +5345,8 @@
           <a:p>
             <a:r>
               <a:rPr lang="en-US" dirty="0" smtClean="0"/>
-              <a:t>Can be read by the visualizer for </a:t>
-            </a:r>
-            <a:r>
-              <a:rPr lang="en-US" dirty="0" smtClean="0"/>
-              <a:t>debugging/demonstration.</a:t>
-            </a:r>
-            <a:endParaRPr lang="en-US" dirty="0" smtClean="0"/>
+              <a:t>Can be read by the visualizer for debugging/demonstration.</a:t>
+            </a:r>
           </a:p>
           <a:p>
             <a:endParaRPr lang="en-US" dirty="0"/>
@@ -5334,7 +5447,6 @@
               <a:rPr lang="en-US" dirty="0" smtClean="0"/>
               <a:t>Some outliers present.</a:t>
             </a:r>
-            <a:endParaRPr lang="en-US" dirty="0" smtClean="0"/>
           </a:p>
           <a:p>
             <a:endParaRPr lang="en-US" dirty="0" smtClean="0"/>
@@ -5431,7 +5543,7 @@
           <a:p>
             <a:r>
               <a:rPr lang="en-US" dirty="0" smtClean="0"/>
-              <a:t>Estimation of F</a:t>
+              <a:t>Estimation of R and t</a:t>
             </a:r>
             <a:endParaRPr lang="en-US" dirty="0"/>
           </a:p>
@@ -5454,7 +5566,7 @@
           </a:bodyPr>
           <a:lstStyle/>
           <a:p>
-            <a:endParaRPr lang="en-US" dirty="0" smtClean="0"/>
+            <a:endParaRPr lang="sv-SE" dirty="0"/>
           </a:p>
         </p:txBody>
       </p:sp>
@@ -5506,46 +5618,57 @@
           <a:lstStyle/>
           <a:p>
             <a:r>
+              <a:rPr lang="en-US" dirty="0"/>
+              <a:t>Gold Standard estimation of F</a:t>
+            </a:r>
+          </a:p>
+        </p:txBody>
+      </p:sp>
+      <p:sp>
+        <p:nvSpPr>
+          <p:cNvPr id="3" name="Content Placeholder 2"/>
+          <p:cNvSpPr>
+            <a:spLocks noGrp="1"/>
+          </p:cNvSpPr>
+          <p:nvPr>
+            <p:ph idx="1"/>
+          </p:nvPr>
+        </p:nvSpPr>
+        <p:spPr/>
+        <p:txBody>
+          <a:bodyPr/>
+          <a:lstStyle/>
+          <a:p>
+            <a:r>
               <a:rPr lang="en-US" dirty="0" smtClean="0"/>
-              <a:t>Estimation of R and t</a:t>
+              <a:t>Gold Standard estimation of F</a:t>
+            </a:r>
+          </a:p>
+          <a:p>
+            <a:r>
+              <a:rPr lang="en-US" dirty="0" smtClean="0"/>
+              <a:t>PnP pose estimation</a:t>
+            </a:r>
+          </a:p>
+          <a:p>
+            <a:r>
+              <a:rPr lang="en-US" dirty="0" smtClean="0"/>
+              <a:t>Bundle adjustment</a:t>
             </a:r>
             <a:endParaRPr lang="en-US" dirty="0"/>
           </a:p>
         </p:txBody>
       </p:sp>
-      <p:sp>
-        <p:nvSpPr>
-          <p:cNvPr id="3" name="Content Placeholder 2"/>
-          <p:cNvSpPr>
-            <a:spLocks noGrp="1"/>
-          </p:cNvSpPr>
-          <p:nvPr>
-            <p:ph idx="1"/>
-          </p:nvPr>
-        </p:nvSpPr>
-        <p:spPr/>
-        <p:txBody>
-          <a:bodyPr>
-            <a:normAutofit/>
-          </a:bodyPr>
-          <a:lstStyle/>
-          <a:p>
-            <a:endParaRPr lang="sv-SE" dirty="0"/>
-          </a:p>
-        </p:txBody>
-      </p:sp>
     </p:spTree>
+    <p:extLst>
+      <p:ext uri="{BB962C8B-B14F-4D97-AF65-F5344CB8AC3E}">
+        <p14:creationId xmlns:p14="http://schemas.microsoft.com/office/powerpoint/2010/main" val="1835049570"/>
+      </p:ext>
+    </p:extLst>
   </p:cSld>
   <p:clrMapOvr>
     <a:masterClrMapping/>
   </p:clrMapOvr>
-  <p:timing>
-    <p:tnLst>
-      <p:par>
-        <p:cTn id="1" dur="indefinite" restart="never" nodeType="tmRoot"/>
-      </p:par>
-    </p:tnLst>
-  </p:timing>
 </p:sld>
 </file>
 
@@ -5624,8 +5747,9 @@
             <a:pPr lvl="1"/>
             <a:r>
               <a:rPr lang="en-US" dirty="0" smtClean="0"/>
-              <a:t>Find remaining contours</a:t>
-            </a:r>
+              <a:t>Rotation vector representation</a:t>
+            </a:r>
+            <a:endParaRPr lang="en-US" dirty="0" smtClean="0"/>
           </a:p>
           <a:p>
             <a:pPr lvl="1"/>

--- a/3D Reconstruction/Documentation/TSBB15prez.pptx
+++ b/3D Reconstruction/Documentation/TSBB15prez.pptx
@@ -15,9 +15,9 @@
     <p:sldId id="296" r:id="rId6"/>
     <p:sldId id="272" r:id="rId7"/>
     <p:sldId id="269" r:id="rId8"/>
-    <p:sldId id="297" r:id="rId9"/>
-    <p:sldId id="294" r:id="rId10"/>
-    <p:sldId id="298" r:id="rId11"/>
+    <p:sldId id="300" r:id="rId9"/>
+    <p:sldId id="297" r:id="rId10"/>
+    <p:sldId id="294" r:id="rId11"/>
     <p:sldId id="299" r:id="rId12"/>
     <p:sldId id="293" r:id="rId13"/>
     <p:sldId id="278" r:id="rId14"/>
@@ -132,9 +132,9 @@
             <p14:sldId id="296"/>
             <p14:sldId id="272"/>
             <p14:sldId id="269"/>
+            <p14:sldId id="300"/>
             <p14:sldId id="297"/>
             <p14:sldId id="294"/>
-            <p14:sldId id="298"/>
             <p14:sldId id="299"/>
             <p14:sldId id="293"/>
             <p14:sldId id="278"/>
@@ -4178,46 +4178,86 @@
           <a:lstStyle/>
           <a:p>
             <a:r>
-              <a:rPr lang="en-US" dirty="0" smtClean="0"/>
-              <a:t>Solving the PnP</a:t>
-            </a:r>
-            <a:endParaRPr lang="en-US" dirty="0"/>
-          </a:p>
-        </p:txBody>
-      </p:sp>
-      <p:sp>
-        <p:nvSpPr>
-          <p:cNvPr id="3" name="Content Placeholder 2"/>
-          <p:cNvSpPr>
-            <a:spLocks noGrp="1"/>
-          </p:cNvSpPr>
-          <p:nvPr>
-            <p:ph idx="1"/>
-          </p:nvPr>
-        </p:nvSpPr>
-        <p:spPr/>
-        <p:txBody>
-          <a:bodyPr/>
-          <a:lstStyle/>
-          <a:p>
+              <a:rPr lang="en-US" smtClean="0"/>
+              <a:t>Solving the </a:t>
+            </a:r>
             <a:r>
               <a:rPr lang="en-US" dirty="0" smtClean="0"/>
               <a:t>PnP</a:t>
             </a:r>
             <a:endParaRPr lang="en-US" dirty="0"/>
+          </a:p>
+        </p:txBody>
+      </p:sp>
+      <p:sp>
+        <p:nvSpPr>
+          <p:cNvPr id="3" name="Content Placeholder 2"/>
+          <p:cNvSpPr>
+            <a:spLocks noGrp="1"/>
+          </p:cNvSpPr>
+          <p:nvPr>
+            <p:ph idx="1"/>
+          </p:nvPr>
+        </p:nvSpPr>
+        <p:spPr/>
+        <p:txBody>
+          <a:bodyPr>
+            <a:normAutofit/>
+          </a:bodyPr>
+          <a:lstStyle/>
+          <a:p>
+            <a:r>
+              <a:rPr lang="en-US" dirty="0" smtClean="0"/>
+              <a:t>Rotation p</a:t>
+            </a:r>
+            <a:r>
+              <a:rPr lang="en-US" dirty="0" smtClean="0"/>
+              <a:t>arameterization</a:t>
+            </a:r>
+            <a:endParaRPr lang="en-US" dirty="0"/>
+          </a:p>
+          <a:p>
+            <a:pPr lvl="1"/>
+            <a:r>
+              <a:rPr lang="en-US" dirty="0" smtClean="0"/>
+              <a:t>Rotation vector representation</a:t>
+            </a:r>
+          </a:p>
+          <a:p>
+            <a:pPr lvl="1"/>
+            <a:r>
+              <a:rPr lang="en-US" dirty="0" smtClean="0"/>
+              <a:t>Allows for unconstrained optimization</a:t>
+            </a:r>
+            <a:endParaRPr lang="en-US" dirty="0" smtClean="0"/>
+          </a:p>
+          <a:p>
+            <a:pPr lvl="1"/>
+            <a:r>
+              <a:rPr lang="en-US" dirty="0" smtClean="0"/>
+              <a:t>Ambiguity in the mapping from matrix to parameter vector</a:t>
+            </a:r>
+            <a:endParaRPr lang="en-US" dirty="0" smtClean="0"/>
           </a:p>
         </p:txBody>
       </p:sp>
     </p:spTree>
     <p:extLst>
       <p:ext uri="{BB962C8B-B14F-4D97-AF65-F5344CB8AC3E}">
-        <p14:creationId xmlns:p14="http://schemas.microsoft.com/office/powerpoint/2010/main" val="3570874050"/>
+        <p14:creationId xmlns:p14="http://schemas.microsoft.com/office/powerpoint/2010/main" val="3075658481"/>
       </p:ext>
     </p:extLst>
   </p:cSld>
   <p:clrMapOvr>
     <a:masterClrMapping/>
   </p:clrMapOvr>
+  <p:timing>
+    <p:tnLst>
+      <p:par>
+        <p:cTn id="1" dur="indefinite" restart="never" nodeType="tmRoot"/>
+      </p:par>
+    </p:tnLst>
+  </p:timing>
 </p:sld>
 </file>
 
@@ -4280,6 +4320,9 @@
               <a:rPr lang="en-US" dirty="0" smtClean="0"/>
               <a:t>Minimize total re-projection error</a:t>
             </a:r>
+          </a:p>
+          <a:p>
+            <a:endParaRPr lang="en-US" dirty="0" smtClean="0"/>
           </a:p>
           <a:p>
             <a:r>
@@ -5618,9 +5661,10 @@
           <a:lstStyle/>
           <a:p>
             <a:r>
-              <a:rPr lang="en-US" dirty="0"/>
-              <a:t>Gold Standard estimation of F</a:t>
-            </a:r>
+              <a:rPr lang="en-US" dirty="0" smtClean="0"/>
+              <a:t>Re-projection error</a:t>
+            </a:r>
+            <a:endParaRPr lang="en-US" dirty="0"/>
           </a:p>
         </p:txBody>
       </p:sp>
@@ -5641,28 +5685,29 @@
           <a:p>
             <a:r>
               <a:rPr lang="en-US" dirty="0" smtClean="0"/>
-              <a:t>Gold Standard estimation of F</a:t>
-            </a:r>
+              <a:t>Project 3D points back into the camera</a:t>
+            </a:r>
+          </a:p>
+          <a:p>
+            <a:endParaRPr lang="en-US" dirty="0"/>
           </a:p>
           <a:p>
             <a:r>
               <a:rPr lang="en-US" dirty="0" smtClean="0"/>
-              <a:t>PnP pose estimation</a:t>
-            </a:r>
-          </a:p>
-          <a:p>
-            <a:r>
-              <a:rPr lang="en-US" dirty="0" smtClean="0"/>
-              <a:t>Bundle adjustment</a:t>
-            </a:r>
-            <a:endParaRPr lang="en-US" dirty="0"/>
+              <a:t>Error given in </a:t>
+            </a:r>
+            <a:r>
+              <a:rPr lang="en-US" smtClean="0"/>
+              <a:t>pixel distance</a:t>
+            </a:r>
+            <a:endParaRPr lang="en-US"/>
           </a:p>
         </p:txBody>
       </p:sp>
     </p:spTree>
     <p:extLst>
       <p:ext uri="{BB962C8B-B14F-4D97-AF65-F5344CB8AC3E}">
-        <p14:creationId xmlns:p14="http://schemas.microsoft.com/office/powerpoint/2010/main" val="1835049570"/>
+        <p14:creationId xmlns:p14="http://schemas.microsoft.com/office/powerpoint/2010/main" val="3324880253"/>
       </p:ext>
     </p:extLst>
   </p:cSld>
@@ -5705,85 +5750,57 @@
           <a:lstStyle/>
           <a:p>
             <a:r>
-              <a:rPr lang="en-US" smtClean="0"/>
-              <a:t>Solving the </a:t>
-            </a:r>
+              <a:rPr lang="en-US" dirty="0"/>
+              <a:t>Gold Standard estimation of F</a:t>
+            </a:r>
+          </a:p>
+        </p:txBody>
+      </p:sp>
+      <p:sp>
+        <p:nvSpPr>
+          <p:cNvPr id="3" name="Content Placeholder 2"/>
+          <p:cNvSpPr>
+            <a:spLocks noGrp="1"/>
+          </p:cNvSpPr>
+          <p:nvPr>
+            <p:ph idx="1"/>
+          </p:nvPr>
+        </p:nvSpPr>
+        <p:spPr/>
+        <p:txBody>
+          <a:bodyPr/>
+          <a:lstStyle/>
+          <a:p>
             <a:r>
               <a:rPr lang="en-US" dirty="0" smtClean="0"/>
-              <a:t>PnP</a:t>
+              <a:t>Gold Standard estimation of F</a:t>
+            </a:r>
+          </a:p>
+          <a:p>
+            <a:r>
+              <a:rPr lang="en-US" dirty="0" smtClean="0"/>
+              <a:t>PnP pose estimation</a:t>
+            </a:r>
+          </a:p>
+          <a:p>
+            <a:r>
+              <a:rPr lang="en-US" dirty="0" smtClean="0"/>
+              <a:t>Bundle adjustment</a:t>
             </a:r>
             <a:endParaRPr lang="en-US" dirty="0"/>
-          </a:p>
-        </p:txBody>
-      </p:sp>
-      <p:sp>
-        <p:nvSpPr>
-          <p:cNvPr id="3" name="Content Placeholder 2"/>
-          <p:cNvSpPr>
-            <a:spLocks noGrp="1"/>
-          </p:cNvSpPr>
-          <p:nvPr>
-            <p:ph idx="1"/>
-          </p:nvPr>
-        </p:nvSpPr>
-        <p:spPr/>
-        <p:txBody>
-          <a:bodyPr>
-            <a:normAutofit/>
-          </a:bodyPr>
-          <a:lstStyle/>
-          <a:p>
-            <a:r>
-              <a:rPr lang="en-US" i="1" dirty="0" smtClean="0"/>
-              <a:t>Object</a:t>
-            </a:r>
-            <a:r>
-              <a:rPr lang="en-US" dirty="0" smtClean="0"/>
-              <a:t> creation</a:t>
-            </a:r>
-            <a:endParaRPr lang="en-US" i="1" dirty="0"/>
-          </a:p>
-          <a:p>
-            <a:pPr lvl="1"/>
-            <a:r>
-              <a:rPr lang="en-US" dirty="0" smtClean="0"/>
-              <a:t>Rotation vector representation</a:t>
-            </a:r>
-            <a:endParaRPr lang="en-US" dirty="0" smtClean="0"/>
-          </a:p>
-          <a:p>
-            <a:pPr lvl="1"/>
-            <a:r>
-              <a:rPr lang="en-US" dirty="0" smtClean="0"/>
-              <a:t>Create bounding boxes</a:t>
-            </a:r>
-          </a:p>
-          <a:p>
-            <a:pPr lvl="1"/>
-            <a:r>
-              <a:rPr lang="en-US" dirty="0" smtClean="0"/>
-              <a:t>Calculate positions</a:t>
-            </a:r>
           </a:p>
         </p:txBody>
       </p:sp>
     </p:spTree>
     <p:extLst>
       <p:ext uri="{BB962C8B-B14F-4D97-AF65-F5344CB8AC3E}">
-        <p14:creationId xmlns:p14="http://schemas.microsoft.com/office/powerpoint/2010/main" val="3075658481"/>
+        <p14:creationId xmlns:p14="http://schemas.microsoft.com/office/powerpoint/2010/main" val="1835049570"/>
       </p:ext>
     </p:extLst>
   </p:cSld>
   <p:clrMapOvr>
     <a:masterClrMapping/>
   </p:clrMapOvr>
-  <p:timing>
-    <p:tnLst>
-      <p:par>
-        <p:cTn id="1" dur="indefinite" restart="never" nodeType="tmRoot"/>
-      </p:par>
-    </p:tnLst>
-  </p:timing>
 </p:sld>
 </file>
 

--- a/3D Reconstruction/Documentation/TSBB15prez.pptx
+++ b/3D Reconstruction/Documentation/TSBB15prez.pptx
@@ -5,7 +5,7 @@
     <p:sldMasterId id="2147483684" r:id="rId1"/>
   </p:sldMasterIdLst>
   <p:handoutMasterIdLst>
-    <p:handoutMasterId r:id="rId16"/>
+    <p:handoutMasterId r:id="rId15"/>
   </p:handoutMasterIdLst>
   <p:sldIdLst>
     <p:sldId id="256" r:id="rId2"/>
@@ -15,13 +15,12 @@
     <p:sldId id="296" r:id="rId6"/>
     <p:sldId id="272" r:id="rId7"/>
     <p:sldId id="269" r:id="rId8"/>
-    <p:sldId id="300" r:id="rId9"/>
-    <p:sldId id="297" r:id="rId10"/>
-    <p:sldId id="294" r:id="rId11"/>
-    <p:sldId id="299" r:id="rId12"/>
-    <p:sldId id="293" r:id="rId13"/>
-    <p:sldId id="278" r:id="rId14"/>
-    <p:sldId id="279" r:id="rId15"/>
+    <p:sldId id="297" r:id="rId9"/>
+    <p:sldId id="294" r:id="rId10"/>
+    <p:sldId id="299" r:id="rId11"/>
+    <p:sldId id="293" r:id="rId12"/>
+    <p:sldId id="278" r:id="rId13"/>
+    <p:sldId id="279" r:id="rId14"/>
   </p:sldIdLst>
   <p:sldSz cx="9144000" cy="6858000" type="screen4x3"/>
   <p:notesSz cx="6858000" cy="9144000"/>
@@ -132,7 +131,6 @@
             <p14:sldId id="296"/>
             <p14:sldId id="272"/>
             <p14:sldId id="269"/>
-            <p14:sldId id="300"/>
             <p14:sldId id="297"/>
             <p14:sldId id="294"/>
             <p14:sldId id="299"/>
@@ -4178,122 +4176,6 @@
           <a:lstStyle/>
           <a:p>
             <a:r>
-              <a:rPr lang="en-US" smtClean="0"/>
-              <a:t>Solving the </a:t>
-            </a:r>
-            <a:r>
-              <a:rPr lang="en-US" dirty="0" smtClean="0"/>
-              <a:t>PnP</a:t>
-            </a:r>
-            <a:endParaRPr lang="en-US" dirty="0"/>
-          </a:p>
-        </p:txBody>
-      </p:sp>
-      <p:sp>
-        <p:nvSpPr>
-          <p:cNvPr id="3" name="Content Placeholder 2"/>
-          <p:cNvSpPr>
-            <a:spLocks noGrp="1"/>
-          </p:cNvSpPr>
-          <p:nvPr>
-            <p:ph idx="1"/>
-          </p:nvPr>
-        </p:nvSpPr>
-        <p:spPr/>
-        <p:txBody>
-          <a:bodyPr>
-            <a:normAutofit/>
-          </a:bodyPr>
-          <a:lstStyle/>
-          <a:p>
-            <a:r>
-              <a:rPr lang="en-US" dirty="0" smtClean="0"/>
-              <a:t>Rotation p</a:t>
-            </a:r>
-            <a:r>
-              <a:rPr lang="en-US" dirty="0" smtClean="0"/>
-              <a:t>arameterization</a:t>
-            </a:r>
-            <a:endParaRPr lang="en-US" dirty="0"/>
-          </a:p>
-          <a:p>
-            <a:pPr lvl="1"/>
-            <a:r>
-              <a:rPr lang="en-US" dirty="0" smtClean="0"/>
-              <a:t>Rotation vector representation</a:t>
-            </a:r>
-          </a:p>
-          <a:p>
-            <a:pPr lvl="1"/>
-            <a:r>
-              <a:rPr lang="en-US" dirty="0" smtClean="0"/>
-              <a:t>Allows for unconstrained optimization</a:t>
-            </a:r>
-            <a:endParaRPr lang="en-US" dirty="0" smtClean="0"/>
-          </a:p>
-          <a:p>
-            <a:pPr lvl="1"/>
-            <a:r>
-              <a:rPr lang="en-US" dirty="0" smtClean="0"/>
-              <a:t>Ambiguity in the mapping from matrix to parameter vector</a:t>
-            </a:r>
-            <a:endParaRPr lang="en-US" dirty="0" smtClean="0"/>
-          </a:p>
-        </p:txBody>
-      </p:sp>
-    </p:spTree>
-    <p:extLst>
-      <p:ext uri="{BB962C8B-B14F-4D97-AF65-F5344CB8AC3E}">
-        <p14:creationId xmlns:p14="http://schemas.microsoft.com/office/powerpoint/2010/main" val="3075658481"/>
-      </p:ext>
-    </p:extLst>
-  </p:cSld>
-  <p:clrMapOvr>
-    <a:masterClrMapping/>
-  </p:clrMapOvr>
-  <p:timing>
-    <p:tnLst>
-      <p:par>
-        <p:cTn id="1" dur="indefinite" restart="never" nodeType="tmRoot"/>
-      </p:par>
-    </p:tnLst>
-  </p:timing>
-</p:sld>
-</file>
-
-<file path=ppt/slides/slide11.xml><?xml version="1.0" encoding="utf-8"?>
-<p:sld xmlns:a="http://schemas.openxmlformats.org/drawingml/2006/main" xmlns:r="http://schemas.openxmlformats.org/officeDocument/2006/relationships" xmlns:p="http://schemas.openxmlformats.org/presentationml/2006/main">
-  <p:cSld>
-    <p:spTree>
-      <p:nvGrpSpPr>
-        <p:cNvPr id="1" name=""/>
-        <p:cNvGrpSpPr/>
-        <p:nvPr/>
-      </p:nvGrpSpPr>
-      <p:grpSpPr>
-        <a:xfrm>
-          <a:off x="0" y="0"/>
-          <a:ext cx="0" cy="0"/>
-          <a:chOff x="0" y="0"/>
-          <a:chExt cx="0" cy="0"/>
-        </a:xfrm>
-      </p:grpSpPr>
-      <p:sp>
-        <p:nvSpPr>
-          <p:cNvPr id="2" name="Title 1"/>
-          <p:cNvSpPr>
-            <a:spLocks noGrp="1"/>
-          </p:cNvSpPr>
-          <p:nvPr>
-            <p:ph type="title"/>
-          </p:nvPr>
-        </p:nvSpPr>
-        <p:spPr/>
-        <p:txBody>
-          <a:bodyPr/>
-          <a:lstStyle/>
-          <a:p>
-            <a:r>
               <a:rPr lang="en-US" dirty="0" smtClean="0"/>
               <a:t>Bundle Adjustment</a:t>
             </a:r>
@@ -4399,7 +4281,7 @@
 </p:sld>
 </file>
 
-<file path=ppt/slides/slide12.xml><?xml version="1.0" encoding="utf-8"?>
+<file path=ppt/slides/slide11.xml><?xml version="1.0" encoding="utf-8"?>
 <p:sld xmlns:a="http://schemas.openxmlformats.org/drawingml/2006/main" xmlns:r="http://schemas.openxmlformats.org/officeDocument/2006/relationships" xmlns:p="http://schemas.openxmlformats.org/presentationml/2006/main">
   <p:cSld>
     <p:spTree>
@@ -4568,7 +4450,7 @@
 </p:sld>
 </file>
 
-<file path=ppt/slides/slide13.xml><?xml version="1.0" encoding="utf-8"?>
+<file path=ppt/slides/slide12.xml><?xml version="1.0" encoding="utf-8"?>
 <p:sld xmlns:a="http://schemas.openxmlformats.org/drawingml/2006/main" xmlns:r="http://schemas.openxmlformats.org/officeDocument/2006/relationships" xmlns:p="http://schemas.openxmlformats.org/presentationml/2006/main">
   <p:cSld>
     <p:spTree>
@@ -4640,15 +4522,7 @@
             <a:pPr lvl="1"/>
             <a:r>
               <a:rPr lang="en-US" dirty="0" smtClean="0"/>
-              <a:t>Very good results </a:t>
-            </a:r>
-            <a:r>
-              <a:rPr lang="en-US" dirty="0" smtClean="0"/>
-              <a:t>though</a:t>
-            </a:r>
-            <a:r>
-              <a:rPr lang="en-US" dirty="0" smtClean="0"/>
-              <a:t>.</a:t>
+              <a:t>Very good results though.</a:t>
             </a:r>
           </a:p>
           <a:p>
@@ -4765,7 +4639,7 @@
 </p:sld>
 </file>
 
-<file path=ppt/slides/slide14.xml><?xml version="1.0" encoding="utf-8"?>
+<file path=ppt/slides/slide13.xml><?xml version="1.0" encoding="utf-8"?>
 <p:sld xmlns:a="http://schemas.openxmlformats.org/drawingml/2006/main" xmlns:r="http://schemas.openxmlformats.org/officeDocument/2006/relationships" xmlns:p="http://schemas.openxmlformats.org/presentationml/2006/main">
   <p:cSld>
     <p:spTree>
@@ -4972,22 +4846,8 @@
           <a:lstStyle/>
           <a:p>
             <a:r>
-              <a:rPr lang="en-US" dirty="0" smtClean="0"/>
-              <a:t>2D correspondence extraction – Alexander </a:t>
-            </a:r>
-          </a:p>
-          <a:p>
-            <a:r>
               <a:rPr lang="en-US" dirty="0"/>
-              <a:t>Main program </a:t>
-            </a:r>
-            <a:r>
-              <a:rPr lang="en-US" dirty="0" smtClean="0"/>
-              <a:t>and pipeline </a:t>
-            </a:r>
-            <a:r>
-              <a:rPr lang="en-US" dirty="0"/>
-              <a:t>– </a:t>
+              <a:t>Main program and pipeline – </a:t>
             </a:r>
             <a:r>
               <a:rPr lang="en-US" dirty="0" err="1" smtClean="0"/>
@@ -4996,15 +4856,42 @@
             <a:endParaRPr lang="en-US" dirty="0" smtClean="0"/>
           </a:p>
           <a:p>
+            <a:endParaRPr lang="en-US" dirty="0" smtClean="0"/>
+          </a:p>
+          <a:p>
             <a:r>
               <a:rPr lang="en-US" dirty="0" smtClean="0"/>
-              <a:t>Non-linear optimization – Martin</a:t>
-            </a:r>
-          </a:p>
-          <a:p>
+              <a:t>2D </a:t>
+            </a:r>
             <a:r>
               <a:rPr lang="en-US" dirty="0" smtClean="0"/>
-              <a:t>Visualization – Gustav</a:t>
+              <a:t>correspondence extraction – Alexander </a:t>
+            </a:r>
+          </a:p>
+          <a:p>
+            <a:endParaRPr lang="en-US" dirty="0" smtClean="0"/>
+          </a:p>
+          <a:p>
+            <a:r>
+              <a:rPr lang="en-US" dirty="0" smtClean="0"/>
+              <a:t>Non-linear </a:t>
+            </a:r>
+            <a:r>
+              <a:rPr lang="en-US" dirty="0" smtClean="0"/>
+              <a:t>optimization – Martin</a:t>
+            </a:r>
+          </a:p>
+          <a:p>
+            <a:endParaRPr lang="en-US" dirty="0" smtClean="0"/>
+          </a:p>
+          <a:p>
+            <a:r>
+              <a:rPr lang="en-US" dirty="0" smtClean="0"/>
+              <a:t>Visualization </a:t>
+            </a:r>
+            <a:r>
+              <a:rPr lang="en-US" dirty="0" smtClean="0"/>
+              <a:t>– Gustav</a:t>
             </a:r>
           </a:p>
         </p:txBody>
@@ -5657,57 +5544,71 @@
         </p:nvSpPr>
         <p:spPr/>
         <p:txBody>
+          <a:bodyPr>
+            <a:normAutofit/>
+          </a:bodyPr>
+          <a:lstStyle/>
+          <a:p>
+            <a:r>
+              <a:rPr lang="en-US" dirty="0" smtClean="0"/>
+              <a:t>Non-linear optimization</a:t>
+            </a:r>
+            <a:endParaRPr lang="en-US" dirty="0"/>
+          </a:p>
+        </p:txBody>
+      </p:sp>
+      <p:sp>
+        <p:nvSpPr>
+          <p:cNvPr id="3" name="Content Placeholder 2"/>
+          <p:cNvSpPr>
+            <a:spLocks noGrp="1"/>
+          </p:cNvSpPr>
+          <p:nvPr>
+            <p:ph idx="1"/>
+          </p:nvPr>
+        </p:nvSpPr>
+        <p:spPr/>
+        <p:txBody>
           <a:bodyPr/>
           <a:lstStyle/>
           <a:p>
             <a:r>
               <a:rPr lang="en-US" dirty="0" smtClean="0"/>
-              <a:t>Re-projection error</a:t>
-            </a:r>
+              <a:t>Gold Standard estimation of F</a:t>
+            </a:r>
+          </a:p>
+          <a:p>
+            <a:r>
+              <a:rPr lang="en-US" dirty="0" smtClean="0"/>
+              <a:t>PnP pose estimation</a:t>
+            </a:r>
+          </a:p>
+          <a:p>
+            <a:r>
+              <a:rPr lang="en-US" dirty="0" smtClean="0"/>
+              <a:t>Bundle </a:t>
+            </a:r>
+            <a:r>
+              <a:rPr lang="en-US" dirty="0" smtClean="0"/>
+              <a:t>adjustment</a:t>
+            </a:r>
+          </a:p>
+          <a:p>
             <a:endParaRPr lang="en-US" dirty="0"/>
           </a:p>
-        </p:txBody>
-      </p:sp>
-      <p:sp>
-        <p:nvSpPr>
-          <p:cNvPr id="3" name="Content Placeholder 2"/>
-          <p:cNvSpPr>
-            <a:spLocks noGrp="1"/>
-          </p:cNvSpPr>
-          <p:nvPr>
-            <p:ph idx="1"/>
-          </p:nvPr>
-        </p:nvSpPr>
-        <p:spPr/>
-        <p:txBody>
-          <a:bodyPr/>
-          <a:lstStyle/>
           <a:p>
             <a:r>
               <a:rPr lang="en-US" dirty="0" smtClean="0"/>
-              <a:t>Project 3D points back into the camera</a:t>
-            </a:r>
-          </a:p>
-          <a:p>
+              <a:t>Minimizes re-projection error over specified parameters.</a:t>
+            </a:r>
             <a:endParaRPr lang="en-US" dirty="0"/>
-          </a:p>
-          <a:p>
-            <a:r>
-              <a:rPr lang="en-US" dirty="0" smtClean="0"/>
-              <a:t>Error given in </a:t>
-            </a:r>
-            <a:r>
-              <a:rPr lang="en-US" smtClean="0"/>
-              <a:t>pixel distance</a:t>
-            </a:r>
-            <a:endParaRPr lang="en-US"/>
           </a:p>
         </p:txBody>
       </p:sp>
     </p:spTree>
     <p:extLst>
       <p:ext uri="{BB962C8B-B14F-4D97-AF65-F5344CB8AC3E}">
-        <p14:creationId xmlns:p14="http://schemas.microsoft.com/office/powerpoint/2010/main" val="3324880253"/>
+        <p14:creationId xmlns:p14="http://schemas.microsoft.com/office/powerpoint/2010/main" val="1835049570"/>
       </p:ext>
     </p:extLst>
   </p:cSld>
@@ -5750,9 +5651,14 @@
           <a:lstStyle/>
           <a:p>
             <a:r>
-              <a:rPr lang="en-US" dirty="0"/>
-              <a:t>Gold Standard estimation of F</a:t>
-            </a:r>
+              <a:rPr lang="en-US" smtClean="0"/>
+              <a:t>Solving the </a:t>
+            </a:r>
+            <a:r>
+              <a:rPr lang="en-US" dirty="0" smtClean="0"/>
+              <a:t>PnP</a:t>
+            </a:r>
+            <a:endParaRPr lang="en-US" dirty="0"/>
           </a:p>
         </p:txBody>
       </p:sp>
@@ -5768,39 +5674,70 @@
         </p:nvSpPr>
         <p:spPr/>
         <p:txBody>
-          <a:bodyPr/>
+          <a:bodyPr>
+            <a:normAutofit/>
+          </a:bodyPr>
           <a:lstStyle/>
           <a:p>
             <a:r>
               <a:rPr lang="en-US" dirty="0" smtClean="0"/>
-              <a:t>Gold Standard estimation of F</a:t>
-            </a:r>
+              <a:t>Initial guess derived from F</a:t>
+            </a:r>
+          </a:p>
+          <a:p>
+            <a:endParaRPr lang="en-US" dirty="0"/>
           </a:p>
           <a:p>
             <a:r>
               <a:rPr lang="en-US" dirty="0" smtClean="0"/>
-              <a:t>PnP pose estimation</a:t>
-            </a:r>
-          </a:p>
-          <a:p>
+              <a:t>Rotation </a:t>
+            </a:r>
             <a:r>
               <a:rPr lang="en-US" dirty="0" smtClean="0"/>
-              <a:t>Bundle adjustment</a:t>
+              <a:t>parameterization</a:t>
             </a:r>
             <a:endParaRPr lang="en-US" dirty="0"/>
+          </a:p>
+          <a:p>
+            <a:pPr lvl="1"/>
+            <a:r>
+              <a:rPr lang="en-US" dirty="0" smtClean="0"/>
+              <a:t>Rotation vector representation</a:t>
+            </a:r>
+          </a:p>
+          <a:p>
+            <a:pPr lvl="1"/>
+            <a:r>
+              <a:rPr lang="en-US" dirty="0" smtClean="0"/>
+              <a:t>Allows for unconstrained optimization</a:t>
+            </a:r>
+          </a:p>
+          <a:p>
+            <a:pPr lvl="1"/>
+            <a:r>
+              <a:rPr lang="en-US" dirty="0" smtClean="0"/>
+              <a:t>Ambiguity in the mapping from matrix to parameter vector</a:t>
+            </a:r>
           </a:p>
         </p:txBody>
       </p:sp>
     </p:spTree>
     <p:extLst>
       <p:ext uri="{BB962C8B-B14F-4D97-AF65-F5344CB8AC3E}">
-        <p14:creationId xmlns:p14="http://schemas.microsoft.com/office/powerpoint/2010/main" val="1835049570"/>
+        <p14:creationId xmlns:p14="http://schemas.microsoft.com/office/powerpoint/2010/main" val="3075658481"/>
       </p:ext>
     </p:extLst>
   </p:cSld>
   <p:clrMapOvr>
     <a:masterClrMapping/>
   </p:clrMapOvr>
+  <p:timing>
+    <p:tnLst>
+      <p:par>
+        <p:cTn id="1" dur="indefinite" restart="never" nodeType="tmRoot"/>
+      </p:par>
+    </p:tnLst>
+  </p:timing>
 </p:sld>
 </file>
 

--- a/3D Reconstruction/Documentation/TSBB15prez.pptx
+++ b/3D Reconstruction/Documentation/TSBB15prez.pptx
@@ -5,7 +5,7 @@
     <p:sldMasterId id="2147483684" r:id="rId1"/>
   </p:sldMasterIdLst>
   <p:handoutMasterIdLst>
-    <p:handoutMasterId r:id="rId15"/>
+    <p:handoutMasterId r:id="rId17"/>
   </p:handoutMasterIdLst>
   <p:sldIdLst>
     <p:sldId id="256" r:id="rId2"/>
@@ -14,13 +14,15 @@
     <p:sldId id="260" r:id="rId5"/>
     <p:sldId id="296" r:id="rId6"/>
     <p:sldId id="272" r:id="rId7"/>
-    <p:sldId id="269" r:id="rId8"/>
-    <p:sldId id="297" r:id="rId9"/>
-    <p:sldId id="294" r:id="rId10"/>
-    <p:sldId id="299" r:id="rId11"/>
-    <p:sldId id="293" r:id="rId12"/>
-    <p:sldId id="278" r:id="rId13"/>
-    <p:sldId id="279" r:id="rId14"/>
+    <p:sldId id="300" r:id="rId8"/>
+    <p:sldId id="301" r:id="rId9"/>
+    <p:sldId id="269" r:id="rId10"/>
+    <p:sldId id="297" r:id="rId11"/>
+    <p:sldId id="294" r:id="rId12"/>
+    <p:sldId id="299" r:id="rId13"/>
+    <p:sldId id="293" r:id="rId14"/>
+    <p:sldId id="278" r:id="rId15"/>
+    <p:sldId id="279" r:id="rId16"/>
   </p:sldIdLst>
   <p:sldSz cx="9144000" cy="6858000" type="screen4x3"/>
   <p:notesSz cx="6858000" cy="9144000"/>
@@ -130,6 +132,8 @@
             <p14:sldId id="260"/>
             <p14:sldId id="296"/>
             <p14:sldId id="272"/>
+            <p14:sldId id="300"/>
+            <p14:sldId id="301"/>
             <p14:sldId id="269"/>
             <p14:sldId id="297"/>
             <p14:sldId id="294"/>
@@ -4172,6 +4176,231 @@
         </p:nvSpPr>
         <p:spPr/>
         <p:txBody>
+          <a:bodyPr>
+            <a:normAutofit/>
+          </a:bodyPr>
+          <a:lstStyle/>
+          <a:p>
+            <a:r>
+              <a:rPr lang="en-US" dirty="0" smtClean="0"/>
+              <a:t>Non-linear optimization</a:t>
+            </a:r>
+            <a:endParaRPr lang="en-US" dirty="0"/>
+          </a:p>
+        </p:txBody>
+      </p:sp>
+      <p:sp>
+        <p:nvSpPr>
+          <p:cNvPr id="3" name="Content Placeholder 2"/>
+          <p:cNvSpPr>
+            <a:spLocks noGrp="1"/>
+          </p:cNvSpPr>
+          <p:nvPr>
+            <p:ph idx="1"/>
+          </p:nvPr>
+        </p:nvSpPr>
+        <p:spPr/>
+        <p:txBody>
+          <a:bodyPr/>
+          <a:lstStyle/>
+          <a:p>
+            <a:r>
+              <a:rPr lang="en-US" dirty="0" smtClean="0"/>
+              <a:t>Gold Standard estimation of F</a:t>
+            </a:r>
+          </a:p>
+          <a:p>
+            <a:r>
+              <a:rPr lang="en-US" dirty="0" smtClean="0"/>
+              <a:t>PnP pose estimation</a:t>
+            </a:r>
+          </a:p>
+          <a:p>
+            <a:r>
+              <a:rPr lang="en-US" dirty="0" smtClean="0"/>
+              <a:t>Bundle adjustment</a:t>
+            </a:r>
+          </a:p>
+          <a:p>
+            <a:endParaRPr lang="en-US" dirty="0"/>
+          </a:p>
+          <a:p>
+            <a:r>
+              <a:rPr lang="en-US" dirty="0" smtClean="0"/>
+              <a:t>Minimizes re-projection error over specified parameters.</a:t>
+            </a:r>
+            <a:endParaRPr lang="en-US" dirty="0"/>
+          </a:p>
+        </p:txBody>
+      </p:sp>
+    </p:spTree>
+    <p:extLst>
+      <p:ext uri="{BB962C8B-B14F-4D97-AF65-F5344CB8AC3E}">
+        <p14:creationId xmlns:p14="http://schemas.microsoft.com/office/powerpoint/2010/main" val="1835049570"/>
+      </p:ext>
+    </p:extLst>
+  </p:cSld>
+  <p:clrMapOvr>
+    <a:masterClrMapping/>
+  </p:clrMapOvr>
+  <p:timing>
+    <p:tnLst>
+      <p:par>
+        <p:cTn id="1" dur="indefinite" restart="never" nodeType="tmRoot"/>
+      </p:par>
+    </p:tnLst>
+  </p:timing>
+</p:sld>
+</file>
+
+<file path=ppt/slides/slide11.xml><?xml version="1.0" encoding="utf-8"?>
+<p:sld xmlns:a="http://schemas.openxmlformats.org/drawingml/2006/main" xmlns:r="http://schemas.openxmlformats.org/officeDocument/2006/relationships" xmlns:p="http://schemas.openxmlformats.org/presentationml/2006/main">
+  <p:cSld>
+    <p:spTree>
+      <p:nvGrpSpPr>
+        <p:cNvPr id="1" name=""/>
+        <p:cNvGrpSpPr/>
+        <p:nvPr/>
+      </p:nvGrpSpPr>
+      <p:grpSpPr>
+        <a:xfrm>
+          <a:off x="0" y="0"/>
+          <a:ext cx="0" cy="0"/>
+          <a:chOff x="0" y="0"/>
+          <a:chExt cx="0" cy="0"/>
+        </a:xfrm>
+      </p:grpSpPr>
+      <p:sp>
+        <p:nvSpPr>
+          <p:cNvPr id="2" name="Title 1"/>
+          <p:cNvSpPr>
+            <a:spLocks noGrp="1"/>
+          </p:cNvSpPr>
+          <p:nvPr>
+            <p:ph type="title"/>
+          </p:nvPr>
+        </p:nvSpPr>
+        <p:spPr/>
+        <p:txBody>
+          <a:bodyPr/>
+          <a:lstStyle/>
+          <a:p>
+            <a:r>
+              <a:rPr lang="en-US" smtClean="0"/>
+              <a:t>Solving the </a:t>
+            </a:r>
+            <a:r>
+              <a:rPr lang="en-US" dirty="0" smtClean="0"/>
+              <a:t>PnP</a:t>
+            </a:r>
+            <a:endParaRPr lang="en-US" dirty="0"/>
+          </a:p>
+        </p:txBody>
+      </p:sp>
+      <p:sp>
+        <p:nvSpPr>
+          <p:cNvPr id="3" name="Content Placeholder 2"/>
+          <p:cNvSpPr>
+            <a:spLocks noGrp="1"/>
+          </p:cNvSpPr>
+          <p:nvPr>
+            <p:ph idx="1"/>
+          </p:nvPr>
+        </p:nvSpPr>
+        <p:spPr/>
+        <p:txBody>
+          <a:bodyPr>
+            <a:normAutofit/>
+          </a:bodyPr>
+          <a:lstStyle/>
+          <a:p>
+            <a:r>
+              <a:rPr lang="en-US" dirty="0" smtClean="0"/>
+              <a:t>Initial guess derived from F</a:t>
+            </a:r>
+          </a:p>
+          <a:p>
+            <a:endParaRPr lang="en-US" dirty="0"/>
+          </a:p>
+          <a:p>
+            <a:r>
+              <a:rPr lang="en-US" dirty="0" smtClean="0"/>
+              <a:t>Rotation parameterization</a:t>
+            </a:r>
+            <a:endParaRPr lang="en-US" dirty="0"/>
+          </a:p>
+          <a:p>
+            <a:pPr lvl="1"/>
+            <a:r>
+              <a:rPr lang="en-US" dirty="0" smtClean="0"/>
+              <a:t>Rotation vector representation</a:t>
+            </a:r>
+          </a:p>
+          <a:p>
+            <a:pPr lvl="1"/>
+            <a:r>
+              <a:rPr lang="en-US" dirty="0" smtClean="0"/>
+              <a:t>Allows for unconstrained optimization</a:t>
+            </a:r>
+          </a:p>
+          <a:p>
+            <a:pPr lvl="1"/>
+            <a:r>
+              <a:rPr lang="en-US" dirty="0" smtClean="0"/>
+              <a:t>Ambiguity in the mapping from matrix to parameter vector</a:t>
+            </a:r>
+          </a:p>
+        </p:txBody>
+      </p:sp>
+    </p:spTree>
+    <p:extLst>
+      <p:ext uri="{BB962C8B-B14F-4D97-AF65-F5344CB8AC3E}">
+        <p14:creationId xmlns:p14="http://schemas.microsoft.com/office/powerpoint/2010/main" val="3075658481"/>
+      </p:ext>
+    </p:extLst>
+  </p:cSld>
+  <p:clrMapOvr>
+    <a:masterClrMapping/>
+  </p:clrMapOvr>
+  <p:timing>
+    <p:tnLst>
+      <p:par>
+        <p:cTn id="1" dur="indefinite" restart="never" nodeType="tmRoot"/>
+      </p:par>
+    </p:tnLst>
+  </p:timing>
+</p:sld>
+</file>
+
+<file path=ppt/slides/slide12.xml><?xml version="1.0" encoding="utf-8"?>
+<p:sld xmlns:a="http://schemas.openxmlformats.org/drawingml/2006/main" xmlns:r="http://schemas.openxmlformats.org/officeDocument/2006/relationships" xmlns:p="http://schemas.openxmlformats.org/presentationml/2006/main">
+  <p:cSld>
+    <p:spTree>
+      <p:nvGrpSpPr>
+        <p:cNvPr id="1" name=""/>
+        <p:cNvGrpSpPr/>
+        <p:nvPr/>
+      </p:nvGrpSpPr>
+      <p:grpSpPr>
+        <a:xfrm>
+          <a:off x="0" y="0"/>
+          <a:ext cx="0" cy="0"/>
+          <a:chOff x="0" y="0"/>
+          <a:chExt cx="0" cy="0"/>
+        </a:xfrm>
+      </p:grpSpPr>
+      <p:sp>
+        <p:nvSpPr>
+          <p:cNvPr id="2" name="Title 1"/>
+          <p:cNvSpPr>
+            <a:spLocks noGrp="1"/>
+          </p:cNvSpPr>
+          <p:nvPr>
+            <p:ph type="title"/>
+          </p:nvPr>
+        </p:nvSpPr>
+        <p:spPr/>
+        <p:txBody>
           <a:bodyPr/>
           <a:lstStyle/>
           <a:p>
@@ -4278,10 +4507,17 @@
   <p:clrMapOvr>
     <a:masterClrMapping/>
   </p:clrMapOvr>
+  <p:timing>
+    <p:tnLst>
+      <p:par>
+        <p:cTn id="1" dur="indefinite" restart="never" nodeType="tmRoot"/>
+      </p:par>
+    </p:tnLst>
+  </p:timing>
 </p:sld>
 </file>
 
-<file path=ppt/slides/slide11.xml><?xml version="1.0" encoding="utf-8"?>
+<file path=ppt/slides/slide13.xml><?xml version="1.0" encoding="utf-8"?>
 <p:sld xmlns:a="http://schemas.openxmlformats.org/drawingml/2006/main" xmlns:r="http://schemas.openxmlformats.org/officeDocument/2006/relationships" xmlns:p="http://schemas.openxmlformats.org/presentationml/2006/main">
   <p:cSld>
     <p:spTree>
@@ -4450,7 +4686,7 @@
 </p:sld>
 </file>
 
-<file path=ppt/slides/slide12.xml><?xml version="1.0" encoding="utf-8"?>
+<file path=ppt/slides/slide14.xml><?xml version="1.0" encoding="utf-8"?>
 <p:sld xmlns:a="http://schemas.openxmlformats.org/drawingml/2006/main" xmlns:r="http://schemas.openxmlformats.org/officeDocument/2006/relationships" xmlns:p="http://schemas.openxmlformats.org/presentationml/2006/main">
   <p:cSld>
     <p:spTree>
@@ -4639,7 +4875,7 @@
 </p:sld>
 </file>
 
-<file path=ppt/slides/slide13.xml><?xml version="1.0" encoding="utf-8"?>
+<file path=ppt/slides/slide15.xml><?xml version="1.0" encoding="utf-8"?>
 <p:sld xmlns:a="http://schemas.openxmlformats.org/drawingml/2006/main" xmlns:r="http://schemas.openxmlformats.org/officeDocument/2006/relationships" xmlns:p="http://schemas.openxmlformats.org/presentationml/2006/main">
   <p:cSld>
     <p:spTree>
@@ -4861,11 +5097,16 @@
           <a:p>
             <a:r>
               <a:rPr lang="en-US" dirty="0" smtClean="0"/>
-              <a:t>2D </a:t>
-            </a:r>
+              <a:t>2D correspondence extraction – Alexander </a:t>
+            </a:r>
+          </a:p>
+          <a:p>
+            <a:endParaRPr lang="en-US" dirty="0" smtClean="0"/>
+          </a:p>
+          <a:p>
             <a:r>
               <a:rPr lang="en-US" dirty="0" smtClean="0"/>
-              <a:t>correspondence extraction – Alexander </a:t>
+              <a:t>Non-linear optimization – Martin</a:t>
             </a:r>
           </a:p>
           <a:p>
@@ -4874,24 +5115,7 @@
           <a:p>
             <a:r>
               <a:rPr lang="en-US" dirty="0" smtClean="0"/>
-              <a:t>Non-linear </a:t>
-            </a:r>
-            <a:r>
-              <a:rPr lang="en-US" dirty="0" smtClean="0"/>
-              <a:t>optimization – Martin</a:t>
-            </a:r>
-          </a:p>
-          <a:p>
-            <a:endParaRPr lang="en-US" dirty="0" smtClean="0"/>
-          </a:p>
-          <a:p>
-            <a:r>
-              <a:rPr lang="en-US" dirty="0" smtClean="0"/>
-              <a:t>Visualization </a:t>
-            </a:r>
-            <a:r>
-              <a:rPr lang="en-US" dirty="0" smtClean="0"/>
-              <a:t>– Gustav</a:t>
+              <a:t>Visualization – Gustav</a:t>
             </a:r>
           </a:p>
         </p:txBody>
@@ -5369,61 +5593,45 @@
           <a:p>
             <a:r>
               <a:rPr lang="en-US" dirty="0" smtClean="0"/>
-              <a:t>Extract interesting points from images.</a:t>
-            </a:r>
-          </a:p>
-          <a:p>
+              <a:t>Find feature points, using Harris response </a:t>
+            </a:r>
+          </a:p>
+          <a:p>
+            <a:pPr lvl="1"/>
             <a:r>
               <a:rPr lang="en-US" dirty="0" smtClean="0"/>
-              <a:t>Some outliers present.</a:t>
-            </a:r>
+              <a:t>Minimum relative quality</a:t>
+            </a:r>
+          </a:p>
+          <a:p>
+            <a:pPr lvl="1"/>
+            <a:r>
+              <a:rPr lang="en-US" dirty="0" smtClean="0"/>
+              <a:t>Minimum distance</a:t>
+            </a:r>
+            <a:endParaRPr lang="en-US" dirty="0"/>
           </a:p>
           <a:p>
             <a:endParaRPr lang="en-US" dirty="0" smtClean="0"/>
           </a:p>
-        </p:txBody>
-      </p:sp>
-      <p:pic>
-        <p:nvPicPr>
-          <p:cNvPr id="3074" name="Picture 2" descr="C:\Documents and Settings\gusha124\Desktop\Documentation\images\FeatureDetection.png"/>
-          <p:cNvPicPr>
-            <a:picLocks noChangeAspect="1" noChangeArrowheads="1"/>
-          </p:cNvPicPr>
-          <p:nvPr/>
-        </p:nvPicPr>
-        <p:blipFill>
-          <a:blip r:embed="rId2">
-            <a:extLst>
-              <a:ext uri="{28A0092B-C50C-407E-A947-70E740481C1C}">
-                <a14:useLocalDpi xmlns:a14="http://schemas.microsoft.com/office/drawing/2010/main" val="0"/>
-              </a:ext>
-            </a:extLst>
-          </a:blip>
-          <a:srcRect/>
-          <a:stretch>
-            <a:fillRect/>
-          </a:stretch>
-        </p:blipFill>
-        <p:spPr bwMode="auto">
-          <a:xfrm>
-            <a:off x="4876800" y="2514600"/>
-            <a:ext cx="4159005" cy="3322637"/>
-          </a:xfrm>
-          <a:prstGeom prst="rect">
-            <a:avLst/>
-          </a:prstGeom>
-          <a:noFill/>
-          <a:extLst>
-            <a:ext uri="{909E8E84-426E-40DD-AFC4-6F175D3DCCD1}">
-              <a14:hiddenFill xmlns:a14="http://schemas.microsoft.com/office/drawing/2010/main">
-                <a:solidFill>
-                  <a:srgbClr val="FFFFFF"/>
-                </a:solidFill>
-              </a14:hiddenFill>
-            </a:ext>
-          </a:extLst>
-        </p:spPr>
-      </p:pic>
+          <a:p>
+            <a:r>
+              <a:rPr lang="en-US" dirty="0" smtClean="0"/>
+              <a:t>Calculate descriptor, using SIFT</a:t>
+            </a:r>
+          </a:p>
+          <a:p>
+            <a:pPr lvl="1"/>
+            <a:endParaRPr lang="en-US" dirty="0"/>
+          </a:p>
+          <a:p>
+            <a:r>
+              <a:rPr lang="en-US" dirty="0" smtClean="0"/>
+              <a:t>Calculate correspondences, using Brute Force</a:t>
+            </a:r>
+          </a:p>
+        </p:txBody>
+      </p:sp>
     </p:spTree>
   </p:cSld>
   <p:clrMapOvr>
@@ -5473,7 +5681,7 @@
           <a:p>
             <a:r>
               <a:rPr lang="en-US" dirty="0" smtClean="0"/>
-              <a:t>Estimation of R and t</a:t>
+              <a:t>Feature Points</a:t>
             </a:r>
             <a:endParaRPr lang="en-US" dirty="0"/>
           </a:p>
@@ -5481,7 +5689,7 @@
       </p:sp>
       <p:sp>
         <p:nvSpPr>
-          <p:cNvPr id="3" name="Content Placeholder 2"/>
+          <p:cNvPr id="5" name="Content Placeholder 2"/>
           <p:cNvSpPr>
             <a:spLocks noGrp="1"/>
           </p:cNvSpPr>
@@ -5496,11 +5704,60 @@
           </a:bodyPr>
           <a:lstStyle/>
           <a:p>
-            <a:endParaRPr lang="sv-SE" dirty="0"/>
-          </a:p>
-        </p:txBody>
-      </p:sp>
+            <a:pPr marL="118872" indent="0">
+              <a:buNone/>
+            </a:pPr>
+            <a:endParaRPr lang="en-US" dirty="0" smtClean="0"/>
+          </a:p>
+        </p:txBody>
+      </p:sp>
+      <p:pic>
+        <p:nvPicPr>
+          <p:cNvPr id="3074" name="Picture 2" descr="C:\Documents and Settings\gusha124\Desktop\Documentation\images\FeatureDetection.png"/>
+          <p:cNvPicPr>
+            <a:picLocks noChangeAspect="1" noChangeArrowheads="1"/>
+          </p:cNvPicPr>
+          <p:nvPr/>
+        </p:nvPicPr>
+        <p:blipFill>
+          <a:blip r:embed="rId2">
+            <a:extLst>
+              <a:ext uri="{28A0092B-C50C-407E-A947-70E740481C1C}">
+                <a14:useLocalDpi xmlns:a14="http://schemas.microsoft.com/office/drawing/2010/main" val="0"/>
+              </a:ext>
+            </a:extLst>
+          </a:blip>
+          <a:srcRect/>
+          <a:stretch>
+            <a:fillRect/>
+          </a:stretch>
+        </p:blipFill>
+        <p:spPr bwMode="auto">
+          <a:xfrm>
+            <a:off x="1752600" y="1752599"/>
+            <a:ext cx="5867400" cy="4687477"/>
+          </a:xfrm>
+          <a:prstGeom prst="rect">
+            <a:avLst/>
+          </a:prstGeom>
+          <a:noFill/>
+          <a:extLst>
+            <a:ext uri="{909E8E84-426E-40DD-AFC4-6F175D3DCCD1}">
+              <a14:hiddenFill xmlns:a14="http://schemas.microsoft.com/office/drawing/2010/main">
+                <a:solidFill>
+                  <a:srgbClr val="FFFFFF"/>
+                </a:solidFill>
+              </a14:hiddenFill>
+            </a:ext>
+          </a:extLst>
+        </p:spPr>
+      </p:pic>
     </p:spTree>
+    <p:extLst>
+      <p:ext uri="{BB962C8B-B14F-4D97-AF65-F5344CB8AC3E}">
+        <p14:creationId xmlns:p14="http://schemas.microsoft.com/office/powerpoint/2010/main" val="194326015"/>
+      </p:ext>
+    </p:extLst>
   </p:cSld>
   <p:clrMapOvr>
     <a:masterClrMapping/>
@@ -5544,77 +5801,99 @@
         </p:nvSpPr>
         <p:spPr/>
         <p:txBody>
+          <a:bodyPr/>
+          <a:lstStyle/>
+          <a:p>
+            <a:r>
+              <a:rPr lang="en-US" dirty="0" smtClean="0"/>
+              <a:t>Corresponding Points</a:t>
+            </a:r>
+            <a:endParaRPr lang="en-US" dirty="0"/>
+          </a:p>
+        </p:txBody>
+      </p:sp>
+      <p:sp>
+        <p:nvSpPr>
+          <p:cNvPr id="5" name="Content Placeholder 2"/>
+          <p:cNvSpPr>
+            <a:spLocks noGrp="1"/>
+          </p:cNvSpPr>
+          <p:nvPr>
+            <p:ph idx="1"/>
+          </p:nvPr>
+        </p:nvSpPr>
+        <p:spPr/>
+        <p:txBody>
           <a:bodyPr>
             <a:normAutofit/>
           </a:bodyPr>
           <a:lstStyle/>
           <a:p>
-            <a:r>
-              <a:rPr lang="en-US" dirty="0" smtClean="0"/>
-              <a:t>Non-linear optimization</a:t>
-            </a:r>
-            <a:endParaRPr lang="en-US" dirty="0"/>
-          </a:p>
-        </p:txBody>
-      </p:sp>
-      <p:sp>
-        <p:nvSpPr>
-          <p:cNvPr id="3" name="Content Placeholder 2"/>
-          <p:cNvSpPr>
-            <a:spLocks noGrp="1"/>
-          </p:cNvSpPr>
-          <p:nvPr>
-            <p:ph idx="1"/>
-          </p:nvPr>
-        </p:nvSpPr>
-        <p:spPr/>
-        <p:txBody>
-          <a:bodyPr/>
-          <a:lstStyle/>
-          <a:p>
-            <a:r>
-              <a:rPr lang="en-US" dirty="0" smtClean="0"/>
-              <a:t>Gold Standard estimation of F</a:t>
-            </a:r>
-          </a:p>
-          <a:p>
-            <a:r>
-              <a:rPr lang="en-US" dirty="0" smtClean="0"/>
-              <a:t>PnP pose estimation</a:t>
-            </a:r>
-          </a:p>
-          <a:p>
-            <a:r>
-              <a:rPr lang="en-US" dirty="0" smtClean="0"/>
-              <a:t>Bundle </a:t>
-            </a:r>
-            <a:r>
-              <a:rPr lang="en-US" dirty="0" smtClean="0"/>
-              <a:t>adjustment</a:t>
-            </a:r>
-          </a:p>
-          <a:p>
-            <a:endParaRPr lang="en-US" dirty="0"/>
-          </a:p>
-          <a:p>
-            <a:r>
-              <a:rPr lang="en-US" dirty="0" smtClean="0"/>
-              <a:t>Minimizes re-projection error over specified parameters.</a:t>
-            </a:r>
-            <a:endParaRPr lang="en-US" dirty="0"/>
-          </a:p>
-        </p:txBody>
-      </p:sp>
+            <a:pPr marL="118872" indent="0">
+              <a:buNone/>
+            </a:pPr>
+            <a:endParaRPr lang="en-US" dirty="0" smtClean="0"/>
+          </a:p>
+        </p:txBody>
+      </p:sp>
+      <p:pic>
+        <p:nvPicPr>
+          <p:cNvPr id="1026" name="Picture 2" descr="C:\Users\Alexander\Documents\#LiU\TSBB15\Project\3D Reconstruction\3DReconstruction\3DReconstruction\SVN\Documentation\images\CorrespondenceDetection.png"/>
+          <p:cNvPicPr>
+            <a:picLocks noChangeAspect="1" noChangeArrowheads="1"/>
+          </p:cNvPicPr>
+          <p:nvPr/>
+        </p:nvPicPr>
+        <p:blipFill>
+          <a:blip r:embed="rId2">
+            <a:extLst>
+              <a:ext uri="{28A0092B-C50C-407E-A947-70E740481C1C}">
+                <a14:useLocalDpi xmlns:a14="http://schemas.microsoft.com/office/drawing/2010/main" val="0"/>
+              </a:ext>
+            </a:extLst>
+          </a:blip>
+          <a:srcRect/>
+          <a:stretch>
+            <a:fillRect/>
+          </a:stretch>
+        </p:blipFill>
+        <p:spPr bwMode="auto">
+          <a:xfrm>
+            <a:off x="5281" y="2438400"/>
+            <a:ext cx="9150350" cy="3663950"/>
+          </a:xfrm>
+          <a:prstGeom prst="rect">
+            <a:avLst/>
+          </a:prstGeom>
+          <a:noFill/>
+          <a:extLst>
+            <a:ext uri="{909E8E84-426E-40DD-AFC4-6F175D3DCCD1}">
+              <a14:hiddenFill xmlns:a14="http://schemas.microsoft.com/office/drawing/2010/main">
+                <a:solidFill>
+                  <a:srgbClr val="FFFFFF"/>
+                </a:solidFill>
+              </a14:hiddenFill>
+            </a:ext>
+          </a:extLst>
+        </p:spPr>
+      </p:pic>
     </p:spTree>
     <p:extLst>
       <p:ext uri="{BB962C8B-B14F-4D97-AF65-F5344CB8AC3E}">
-        <p14:creationId xmlns:p14="http://schemas.microsoft.com/office/powerpoint/2010/main" val="1835049570"/>
+        <p14:creationId xmlns:p14="http://schemas.microsoft.com/office/powerpoint/2010/main" val="2941603328"/>
       </p:ext>
     </p:extLst>
   </p:cSld>
   <p:clrMapOvr>
     <a:masterClrMapping/>
   </p:clrMapOvr>
+  <p:timing>
+    <p:tnLst>
+      <p:par>
+        <p:cTn id="1" dur="indefinite" restart="never" nodeType="tmRoot"/>
+      </p:par>
+    </p:tnLst>
+  </p:timing>
 </p:sld>
 </file>
 
@@ -5651,12 +5930,8 @@
           <a:lstStyle/>
           <a:p>
             <a:r>
-              <a:rPr lang="en-US" smtClean="0"/>
-              <a:t>Solving the </a:t>
-            </a:r>
-            <a:r>
               <a:rPr lang="en-US" dirty="0" smtClean="0"/>
-              <a:t>PnP</a:t>
+              <a:t>Initial Pose</a:t>
             </a:r>
             <a:endParaRPr lang="en-US" dirty="0"/>
           </a:p>
@@ -5680,53 +5955,23 @@
           <a:lstStyle/>
           <a:p>
             <a:r>
-              <a:rPr lang="en-US" dirty="0" smtClean="0"/>
-              <a:t>Initial guess derived from F</a:t>
-            </a:r>
-          </a:p>
-          <a:p>
-            <a:endParaRPr lang="en-US" dirty="0"/>
-          </a:p>
-          <a:p>
-            <a:r>
-              <a:rPr lang="en-US" dirty="0" smtClean="0"/>
-              <a:t>Rotation </a:t>
-            </a:r>
-            <a:r>
-              <a:rPr lang="en-US" dirty="0" smtClean="0"/>
-              <a:t>parameterization</a:t>
-            </a:r>
-            <a:endParaRPr lang="en-US" dirty="0"/>
-          </a:p>
-          <a:p>
-            <a:pPr lvl="1"/>
-            <a:r>
-              <a:rPr lang="en-US" dirty="0" smtClean="0"/>
-              <a:t>Rotation vector representation</a:t>
-            </a:r>
-          </a:p>
-          <a:p>
-            <a:pPr lvl="1"/>
-            <a:r>
-              <a:rPr lang="en-US" dirty="0" smtClean="0"/>
-              <a:t>Allows for unconstrained optimization</a:t>
-            </a:r>
-          </a:p>
-          <a:p>
-            <a:pPr lvl="1"/>
-            <a:r>
-              <a:rPr lang="en-US" dirty="0" smtClean="0"/>
-              <a:t>Ambiguity in the mapping from matrix to parameter vector</a:t>
-            </a:r>
+              <a:rPr lang="sv-SE" dirty="0" smtClean="0"/>
+              <a:t>Initial relation between cameras is calculated from the essential matrix, according to algorithm described in an epic compendium by Klas Nordberg.</a:t>
+            </a:r>
+          </a:p>
+          <a:p>
+            <a:endParaRPr lang="sv-SE" dirty="0"/>
+          </a:p>
+          <a:p>
+            <a:r>
+              <a:rPr lang="sv-SE" dirty="0" smtClean="0"/>
+              <a:t>Algorithm used as initial guess for PnP </a:t>
+            </a:r>
+            <a:endParaRPr lang="sv-SE" dirty="0" smtClean="0"/>
           </a:p>
         </p:txBody>
       </p:sp>
     </p:spTree>
-    <p:extLst>
-      <p:ext uri="{BB962C8B-B14F-4D97-AF65-F5344CB8AC3E}">
-        <p14:creationId xmlns:p14="http://schemas.microsoft.com/office/powerpoint/2010/main" val="3075658481"/>
-      </p:ext>
-    </p:extLst>
   </p:cSld>
   <p:clrMapOvr>
     <a:masterClrMapping/>

--- a/3D Reconstruction/Documentation/TSBB15prez.pptx
+++ b/3D Reconstruction/Documentation/TSBB15prez.pptx
@@ -17,9 +17,9 @@
     <p:sldId id="300" r:id="rId8"/>
     <p:sldId id="301" r:id="rId9"/>
     <p:sldId id="269" r:id="rId10"/>
-    <p:sldId id="297" r:id="rId11"/>
-    <p:sldId id="294" r:id="rId12"/>
-    <p:sldId id="299" r:id="rId13"/>
+    <p:sldId id="302" r:id="rId11"/>
+    <p:sldId id="303" r:id="rId12"/>
+    <p:sldId id="304" r:id="rId13"/>
     <p:sldId id="293" r:id="rId14"/>
     <p:sldId id="278" r:id="rId15"/>
     <p:sldId id="279" r:id="rId16"/>
@@ -135,9 +135,9 @@
             <p14:sldId id="300"/>
             <p14:sldId id="301"/>
             <p14:sldId id="269"/>
-            <p14:sldId id="297"/>
-            <p14:sldId id="294"/>
-            <p14:sldId id="299"/>
+            <p14:sldId id="302"/>
+            <p14:sldId id="303"/>
+            <p14:sldId id="304"/>
             <p14:sldId id="293"/>
             <p14:sldId id="278"/>
             <p14:sldId id="279"/>
@@ -4201,27 +4201,55 @@
         </p:nvSpPr>
         <p:spPr/>
         <p:txBody>
-          <a:bodyPr/>
+          <a:bodyPr>
+            <a:normAutofit/>
+          </a:bodyPr>
           <a:lstStyle/>
           <a:p>
             <a:r>
               <a:rPr lang="en-US" dirty="0" smtClean="0"/>
-              <a:t>Gold Standard estimation of F</a:t>
-            </a:r>
-          </a:p>
-          <a:p>
+              <a:t>Implemented using </a:t>
+            </a:r>
+            <a:r>
+              <a:rPr lang="en-US" dirty="0" err="1" smtClean="0"/>
+              <a:t>levmar</a:t>
+            </a:r>
+            <a:endParaRPr lang="en-US" dirty="0" smtClean="0"/>
+          </a:p>
+          <a:p>
+            <a:r>
+              <a:rPr lang="en-US" dirty="0" smtClean="0"/>
+              <a:t>Called </a:t>
+            </a:r>
+            <a:r>
+              <a:rPr lang="en-US" dirty="0"/>
+              <a:t>three times in </a:t>
+            </a:r>
+            <a:r>
+              <a:rPr lang="en-US" dirty="0" smtClean="0"/>
+              <a:t>one pipeline iteration</a:t>
+            </a:r>
+          </a:p>
+          <a:p>
+            <a:pPr lvl="1"/>
+            <a:r>
+              <a:rPr lang="en-US" dirty="0" smtClean="0"/>
+              <a:t>Last step of Gold Standard algorithm</a:t>
+            </a:r>
+          </a:p>
+          <a:p>
+            <a:pPr lvl="1"/>
             <a:r>
               <a:rPr lang="en-US" dirty="0" smtClean="0"/>
               <a:t>PnP pose estimation</a:t>
             </a:r>
           </a:p>
           <a:p>
+            <a:pPr lvl="1"/>
             <a:r>
               <a:rPr lang="en-US" dirty="0" smtClean="0"/>
               <a:t>Bundle adjustment</a:t>
             </a:r>
-          </a:p>
-          <a:p>
             <a:endParaRPr lang="en-US" dirty="0"/>
           </a:p>
           <a:p>
@@ -4236,20 +4264,13 @@
     </p:spTree>
     <p:extLst>
       <p:ext uri="{BB962C8B-B14F-4D97-AF65-F5344CB8AC3E}">
-        <p14:creationId xmlns:p14="http://schemas.microsoft.com/office/powerpoint/2010/main" val="1835049570"/>
+        <p14:creationId xmlns:p14="http://schemas.microsoft.com/office/powerpoint/2010/main" val="1569402804"/>
       </p:ext>
     </p:extLst>
   </p:cSld>
   <p:clrMapOvr>
     <a:masterClrMapping/>
   </p:clrMapOvr>
-  <p:timing>
-    <p:tnLst>
-      <p:par>
-        <p:cTn id="1" dur="indefinite" restart="never" nodeType="tmRoot"/>
-      </p:par>
-    </p:tnLst>
-  </p:timing>
 </p:sld>
 </file>
 
@@ -4316,7 +4337,19 @@
           <a:p>
             <a:r>
               <a:rPr lang="en-US" dirty="0" smtClean="0"/>
-              <a:t>Initial guess derived from F</a:t>
+              <a:t>Initial guess derived from F </a:t>
+            </a:r>
+            <a:r>
+              <a:rPr lang="en-US" dirty="0"/>
+              <a:t>	</a:t>
+            </a:r>
+            <a:r>
+              <a:rPr lang="en-US" dirty="0" smtClean="0"/>
+              <a:t>(</a:t>
+            </a:r>
+            <a:r>
+              <a:rPr lang="en-US" dirty="0" smtClean="0"/>
+              <a:t>R &amp; t)</a:t>
             </a:r>
           </a:p>
           <a:p>
@@ -4340,6 +4373,21 @@
             <a:pPr lvl="1"/>
             <a:r>
               <a:rPr lang="en-US" dirty="0" smtClean="0"/>
+              <a:t>Support exists in </a:t>
+            </a:r>
+            <a:r>
+              <a:rPr lang="en-US" dirty="0" err="1" smtClean="0"/>
+              <a:t>OpenCV</a:t>
+            </a:r>
+            <a:r>
+              <a:rPr lang="en-US" dirty="0" smtClean="0"/>
+              <a:t> (cv::Rodrigues)</a:t>
+            </a:r>
+          </a:p>
+          <a:p>
+            <a:pPr lvl="1"/>
+            <a:r>
+              <a:rPr lang="en-US" dirty="0" smtClean="0"/>
               <a:t>Allows for unconstrained optimization</a:t>
             </a:r>
           </a:p>
@@ -4347,15 +4395,28 @@
             <a:pPr lvl="1"/>
             <a:r>
               <a:rPr lang="en-US" dirty="0" smtClean="0"/>
-              <a:t>Ambiguity in the mapping from matrix to parameter vector</a:t>
-            </a:r>
+              <a:t>Ambiguity in the mapping from parameter vector to rotation matrix</a:t>
+            </a:r>
+            <a:endParaRPr lang="en-US" dirty="0"/>
+          </a:p>
+          <a:p>
+            <a:pPr marL="164592" indent="0">
+              <a:buNone/>
+            </a:pPr>
+            <a:endParaRPr lang="en-US" dirty="0" smtClean="0"/>
+          </a:p>
+          <a:p>
+            <a:pPr marL="457200" lvl="1" indent="0">
+              <a:buNone/>
+            </a:pPr>
+            <a:endParaRPr lang="en-US" dirty="0" smtClean="0"/>
           </a:p>
         </p:txBody>
       </p:sp>
     </p:spTree>
     <p:extLst>
       <p:ext uri="{BB962C8B-B14F-4D97-AF65-F5344CB8AC3E}">
-        <p14:creationId xmlns:p14="http://schemas.microsoft.com/office/powerpoint/2010/main" val="3075658481"/>
+        <p14:creationId xmlns:p14="http://schemas.microsoft.com/office/powerpoint/2010/main" val="2815933052"/>
       </p:ext>
     </p:extLst>
   </p:cSld>
@@ -4424,12 +4485,14 @@
         </p:nvSpPr>
         <p:spPr/>
         <p:txBody>
-          <a:bodyPr/>
+          <a:bodyPr>
+            <a:normAutofit fontScale="92500" lnSpcReduction="20000"/>
+          </a:bodyPr>
           <a:lstStyle/>
           <a:p>
             <a:r>
               <a:rPr lang="en-US" dirty="0" smtClean="0"/>
-              <a:t>Minimize total re-projection error</a:t>
+              <a:t>Same rotation parameterization as the one used for solving the PnP</a:t>
             </a:r>
           </a:p>
           <a:p>
@@ -4438,82 +4501,78 @@
           <a:p>
             <a:r>
               <a:rPr lang="en-US" dirty="0" smtClean="0"/>
-              <a:t>Implemented using </a:t>
-            </a:r>
+              <a:t>Computation time scales badly with the number of points</a:t>
+            </a:r>
+            <a:endParaRPr lang="en-US" dirty="0"/>
+          </a:p>
+          <a:p>
+            <a:pPr lvl="1"/>
+            <a:r>
+              <a:rPr lang="en-US" dirty="0" smtClean="0"/>
+              <a:t>Dinosaur set takes more than ten hours to complete</a:t>
+            </a:r>
+            <a:br>
+              <a:rPr lang="en-US" dirty="0" smtClean="0"/>
+            </a:br>
+            <a:r>
+              <a:rPr lang="en-US" dirty="0" smtClean="0"/>
+              <a:t>(50 points per view)</a:t>
+            </a:r>
+            <a:endParaRPr lang="en-US" dirty="0"/>
+          </a:p>
+          <a:p>
+            <a:endParaRPr lang="en-US" dirty="0" smtClean="0"/>
+          </a:p>
+          <a:p>
+            <a:r>
+              <a:rPr lang="en-US" dirty="0" smtClean="0"/>
+              <a:t>Slow mainly because </a:t>
+            </a:r>
+            <a:endParaRPr lang="en-US" i="1" dirty="0" smtClean="0"/>
+          </a:p>
+          <a:p>
+            <a:pPr lvl="1"/>
+            <a:r>
+              <a:rPr lang="en-US" dirty="0" smtClean="0"/>
+              <a:t>No sparse pattern is used for </a:t>
+            </a:r>
+            <a:r>
+              <a:rPr lang="en-US" dirty="0" err="1" smtClean="0"/>
+              <a:t>Jacobian</a:t>
+            </a:r>
+            <a:r>
+              <a:rPr lang="en-US" dirty="0" smtClean="0"/>
+              <a:t> estimation</a:t>
+            </a:r>
+          </a:p>
+          <a:p>
+            <a:pPr lvl="1"/>
             <a:r>
               <a:rPr lang="en-US" dirty="0" err="1" smtClean="0"/>
               <a:t>levmar</a:t>
             </a:r>
-            <a:endParaRPr lang="en-US" dirty="0" smtClean="0"/>
-          </a:p>
-          <a:p>
-            <a:pPr marL="118872" indent="0">
-              <a:buNone/>
-            </a:pPr>
+            <a:r>
+              <a:rPr lang="en-US" dirty="0" smtClean="0"/>
+              <a:t> was not build using </a:t>
+            </a:r>
+            <a:r>
+              <a:rPr lang="en-US" dirty="0" smtClean="0"/>
+              <a:t>LAPACK</a:t>
+            </a:r>
             <a:endParaRPr lang="en-US" dirty="0"/>
-          </a:p>
-          <a:p>
-            <a:r>
-              <a:rPr lang="en-US" dirty="0" smtClean="0"/>
-              <a:t>Slow because of</a:t>
-            </a:r>
-            <a:endParaRPr lang="en-US" i="1" dirty="0"/>
-          </a:p>
-          <a:p>
-            <a:pPr lvl="1"/>
-            <a:r>
-              <a:rPr lang="en-US" dirty="0" smtClean="0"/>
-              <a:t>No sparse pattern for </a:t>
-            </a:r>
-            <a:r>
-              <a:rPr lang="en-US" dirty="0" err="1" smtClean="0"/>
-              <a:t>Jacobian</a:t>
-            </a:r>
-            <a:r>
-              <a:rPr lang="en-US" dirty="0" smtClean="0"/>
-              <a:t> estimation</a:t>
-            </a:r>
-            <a:endParaRPr lang="en-US" dirty="0"/>
-          </a:p>
-          <a:p>
-            <a:pPr lvl="1"/>
-            <a:r>
-              <a:rPr lang="en-US" dirty="0" smtClean="0"/>
-              <a:t>Library was not build using LAPACK</a:t>
-            </a:r>
-            <a:endParaRPr lang="en-US" dirty="0"/>
-          </a:p>
-          <a:p>
-            <a:pPr marL="118872" indent="0">
-              <a:buNone/>
-            </a:pPr>
-            <a:endParaRPr lang="en-US" dirty="0"/>
-          </a:p>
-          <a:p>
-            <a:pPr marL="118872" indent="0">
-              <a:buNone/>
-            </a:pPr>
-            <a:endParaRPr lang="en-US" dirty="0" smtClean="0"/>
           </a:p>
         </p:txBody>
       </p:sp>
     </p:spTree>
     <p:extLst>
       <p:ext uri="{BB962C8B-B14F-4D97-AF65-F5344CB8AC3E}">
-        <p14:creationId xmlns:p14="http://schemas.microsoft.com/office/powerpoint/2010/main" val="3570874050"/>
+        <p14:creationId xmlns:p14="http://schemas.microsoft.com/office/powerpoint/2010/main" val="1156411122"/>
       </p:ext>
     </p:extLst>
   </p:cSld>
   <p:clrMapOvr>
     <a:masterClrMapping/>
   </p:clrMapOvr>
-  <p:timing>
-    <p:tnLst>
-      <p:par>
-        <p:cTn id="1" dur="indefinite" restart="never" nodeType="tmRoot"/>
-      </p:par>
-    </p:tnLst>
-  </p:timing>
 </p:sld>
 </file>
 
@@ -5967,7 +6026,6 @@
               <a:rPr lang="sv-SE" dirty="0" smtClean="0"/>
               <a:t>Algorithm used as initial guess for PnP </a:t>
             </a:r>
-            <a:endParaRPr lang="sv-SE" dirty="0" smtClean="0"/>
           </a:p>
         </p:txBody>
       </p:sp>

--- a/3D Reconstruction/Documentation/TSBB15prez.pptx
+++ b/3D Reconstruction/Documentation/TSBB15prez.pptx
@@ -5,24 +5,25 @@
     <p:sldMasterId id="2147483684" r:id="rId1"/>
   </p:sldMasterIdLst>
   <p:handoutMasterIdLst>
-    <p:handoutMasterId r:id="rId17"/>
+    <p:handoutMasterId r:id="rId18"/>
   </p:handoutMasterIdLst>
   <p:sldIdLst>
     <p:sldId id="256" r:id="rId2"/>
     <p:sldId id="271" r:id="rId3"/>
-    <p:sldId id="262" r:id="rId4"/>
+    <p:sldId id="305" r:id="rId4"/>
     <p:sldId id="260" r:id="rId5"/>
-    <p:sldId id="296" r:id="rId6"/>
-    <p:sldId id="272" r:id="rId7"/>
-    <p:sldId id="300" r:id="rId8"/>
-    <p:sldId id="301" r:id="rId9"/>
-    <p:sldId id="269" r:id="rId10"/>
-    <p:sldId id="302" r:id="rId11"/>
-    <p:sldId id="303" r:id="rId12"/>
-    <p:sldId id="304" r:id="rId13"/>
-    <p:sldId id="293" r:id="rId14"/>
-    <p:sldId id="278" r:id="rId15"/>
-    <p:sldId id="279" r:id="rId16"/>
+    <p:sldId id="306" r:id="rId6"/>
+    <p:sldId id="296" r:id="rId7"/>
+    <p:sldId id="272" r:id="rId8"/>
+    <p:sldId id="300" r:id="rId9"/>
+    <p:sldId id="301" r:id="rId10"/>
+    <p:sldId id="269" r:id="rId11"/>
+    <p:sldId id="302" r:id="rId12"/>
+    <p:sldId id="303" r:id="rId13"/>
+    <p:sldId id="304" r:id="rId14"/>
+    <p:sldId id="293" r:id="rId15"/>
+    <p:sldId id="278" r:id="rId16"/>
+    <p:sldId id="279" r:id="rId17"/>
   </p:sldIdLst>
   <p:sldSz cx="9144000" cy="6858000" type="screen4x3"/>
   <p:notesSz cx="6858000" cy="9144000"/>
@@ -128,8 +129,9 @@
           <p14:sldIdLst>
             <p14:sldId id="256"/>
             <p14:sldId id="271"/>
-            <p14:sldId id="262"/>
+            <p14:sldId id="305"/>
             <p14:sldId id="260"/>
+            <p14:sldId id="306"/>
             <p14:sldId id="296"/>
             <p14:sldId id="272"/>
             <p14:sldId id="300"/>
@@ -4176,101 +4178,62 @@
         </p:nvSpPr>
         <p:spPr/>
         <p:txBody>
+          <a:bodyPr/>
+          <a:lstStyle/>
+          <a:p>
+            <a:r>
+              <a:rPr lang="en-US" dirty="0" smtClean="0"/>
+              <a:t>Initial Pose</a:t>
+            </a:r>
+            <a:endParaRPr lang="en-US" dirty="0"/>
+          </a:p>
+        </p:txBody>
+      </p:sp>
+      <p:sp>
+        <p:nvSpPr>
+          <p:cNvPr id="3" name="Content Placeholder 2"/>
+          <p:cNvSpPr>
+            <a:spLocks noGrp="1"/>
+          </p:cNvSpPr>
+          <p:nvPr>
+            <p:ph idx="1"/>
+          </p:nvPr>
+        </p:nvSpPr>
+        <p:spPr/>
+        <p:txBody>
           <a:bodyPr>
             <a:normAutofit/>
           </a:bodyPr>
           <a:lstStyle/>
           <a:p>
             <a:r>
-              <a:rPr lang="en-US" dirty="0" smtClean="0"/>
-              <a:t>Non-linear optimization</a:t>
-            </a:r>
-            <a:endParaRPr lang="en-US" dirty="0"/>
-          </a:p>
-        </p:txBody>
-      </p:sp>
-      <p:sp>
-        <p:nvSpPr>
-          <p:cNvPr id="3" name="Content Placeholder 2"/>
-          <p:cNvSpPr>
-            <a:spLocks noGrp="1"/>
-          </p:cNvSpPr>
-          <p:nvPr>
-            <p:ph idx="1"/>
-          </p:nvPr>
-        </p:nvSpPr>
-        <p:spPr/>
-        <p:txBody>
-          <a:bodyPr>
-            <a:normAutofit/>
-          </a:bodyPr>
-          <a:lstStyle/>
-          <a:p>
-            <a:r>
-              <a:rPr lang="en-US" dirty="0" smtClean="0"/>
-              <a:t>Implemented using </a:t>
-            </a:r>
-            <a:r>
-              <a:rPr lang="en-US" dirty="0" err="1" smtClean="0"/>
-              <a:t>levmar</a:t>
-            </a:r>
-            <a:endParaRPr lang="en-US" dirty="0" smtClean="0"/>
-          </a:p>
-          <a:p>
-            <a:r>
-              <a:rPr lang="en-US" dirty="0" smtClean="0"/>
-              <a:t>Called </a:t>
-            </a:r>
-            <a:r>
-              <a:rPr lang="en-US" dirty="0"/>
-              <a:t>three times in </a:t>
-            </a:r>
-            <a:r>
-              <a:rPr lang="en-US" dirty="0" smtClean="0"/>
-              <a:t>one pipeline iteration</a:t>
-            </a:r>
-          </a:p>
-          <a:p>
-            <a:pPr lvl="1"/>
-            <a:r>
-              <a:rPr lang="en-US" dirty="0" smtClean="0"/>
-              <a:t>Last step of Gold Standard algorithm</a:t>
-            </a:r>
-          </a:p>
-          <a:p>
-            <a:pPr lvl="1"/>
-            <a:r>
-              <a:rPr lang="en-US" dirty="0" smtClean="0"/>
-              <a:t>PnP pose estimation</a:t>
-            </a:r>
-          </a:p>
-          <a:p>
-            <a:pPr lvl="1"/>
-            <a:r>
-              <a:rPr lang="en-US" dirty="0" smtClean="0"/>
-              <a:t>Bundle adjustment</a:t>
-            </a:r>
-            <a:endParaRPr lang="en-US" dirty="0"/>
-          </a:p>
-          <a:p>
-            <a:r>
-              <a:rPr lang="en-US" dirty="0" smtClean="0"/>
-              <a:t>Minimizes re-projection error over specified parameters.</a:t>
-            </a:r>
-            <a:endParaRPr lang="en-US" dirty="0"/>
+              <a:rPr lang="sv-SE" dirty="0" smtClean="0"/>
+              <a:t>Initial relation between cameras is calculated from the essential matrix, according to algorithm described in an epic compendium by Klas Nordberg.</a:t>
+            </a:r>
+          </a:p>
+          <a:p>
+            <a:endParaRPr lang="sv-SE" dirty="0"/>
+          </a:p>
+          <a:p>
+            <a:r>
+              <a:rPr lang="sv-SE" dirty="0" smtClean="0"/>
+              <a:t>Algorithm used as initial guess for PnP </a:t>
+            </a:r>
           </a:p>
         </p:txBody>
       </p:sp>
     </p:spTree>
-    <p:extLst>
-      <p:ext uri="{BB962C8B-B14F-4D97-AF65-F5344CB8AC3E}">
-        <p14:creationId xmlns:p14="http://schemas.microsoft.com/office/powerpoint/2010/main" val="1569402804"/>
-      </p:ext>
-    </p:extLst>
   </p:cSld>
   <p:clrMapOvr>
     <a:masterClrMapping/>
   </p:clrMapOvr>
+  <p:timing>
+    <p:tnLst>
+      <p:par>
+        <p:cTn id="1" dur="indefinite" restart="never" nodeType="tmRoot"/>
+      </p:par>
+    </p:tnLst>
+  </p:timing>
 </p:sld>
 </file>
 
@@ -4303,33 +4266,6 @@
         </p:nvSpPr>
         <p:spPr/>
         <p:txBody>
-          <a:bodyPr/>
-          <a:lstStyle/>
-          <a:p>
-            <a:r>
-              <a:rPr lang="en-US" smtClean="0"/>
-              <a:t>Solving the </a:t>
-            </a:r>
-            <a:r>
-              <a:rPr lang="en-US" dirty="0" smtClean="0"/>
-              <a:t>PnP</a:t>
-            </a:r>
-            <a:endParaRPr lang="en-US" dirty="0"/>
-          </a:p>
-        </p:txBody>
-      </p:sp>
-      <p:sp>
-        <p:nvSpPr>
-          <p:cNvPr id="3" name="Content Placeholder 2"/>
-          <p:cNvSpPr>
-            <a:spLocks noGrp="1"/>
-          </p:cNvSpPr>
-          <p:nvPr>
-            <p:ph idx="1"/>
-          </p:nvPr>
-        </p:nvSpPr>
-        <p:spPr/>
-        <p:txBody>
           <a:bodyPr>
             <a:normAutofit/>
           </a:bodyPr>
@@ -4337,6 +4273,160 @@
           <a:p>
             <a:r>
               <a:rPr lang="en-US" dirty="0" smtClean="0"/>
+              <a:t>Non-linear optimization</a:t>
+            </a:r>
+            <a:endParaRPr lang="en-US" dirty="0"/>
+          </a:p>
+        </p:txBody>
+      </p:sp>
+      <p:sp>
+        <p:nvSpPr>
+          <p:cNvPr id="3" name="Content Placeholder 2"/>
+          <p:cNvSpPr>
+            <a:spLocks noGrp="1"/>
+          </p:cNvSpPr>
+          <p:nvPr>
+            <p:ph idx="1"/>
+          </p:nvPr>
+        </p:nvSpPr>
+        <p:spPr/>
+        <p:txBody>
+          <a:bodyPr>
+            <a:normAutofit/>
+          </a:bodyPr>
+          <a:lstStyle/>
+          <a:p>
+            <a:r>
+              <a:rPr lang="en-US" dirty="0" smtClean="0"/>
+              <a:t>Implemented using </a:t>
+            </a:r>
+            <a:r>
+              <a:rPr lang="en-US" dirty="0" err="1" smtClean="0"/>
+              <a:t>levmar</a:t>
+            </a:r>
+            <a:endParaRPr lang="en-US" dirty="0" smtClean="0"/>
+          </a:p>
+          <a:p>
+            <a:r>
+              <a:rPr lang="en-US" dirty="0" smtClean="0"/>
+              <a:t>Called </a:t>
+            </a:r>
+            <a:r>
+              <a:rPr lang="en-US" dirty="0"/>
+              <a:t>three times in </a:t>
+            </a:r>
+            <a:r>
+              <a:rPr lang="en-US" dirty="0" smtClean="0"/>
+              <a:t>one pipeline iteration</a:t>
+            </a:r>
+          </a:p>
+          <a:p>
+            <a:pPr lvl="1"/>
+            <a:r>
+              <a:rPr lang="en-US" dirty="0" smtClean="0"/>
+              <a:t>Last step of Gold Standard algorithm</a:t>
+            </a:r>
+          </a:p>
+          <a:p>
+            <a:pPr lvl="1"/>
+            <a:r>
+              <a:rPr lang="en-US" dirty="0" smtClean="0"/>
+              <a:t>PnP pose estimation</a:t>
+            </a:r>
+          </a:p>
+          <a:p>
+            <a:pPr lvl="1"/>
+            <a:r>
+              <a:rPr lang="en-US" dirty="0" smtClean="0"/>
+              <a:t>Bundle adjustment</a:t>
+            </a:r>
+            <a:endParaRPr lang="en-US" dirty="0"/>
+          </a:p>
+          <a:p>
+            <a:r>
+              <a:rPr lang="en-US" dirty="0" smtClean="0"/>
+              <a:t>Minimizes re-projection error over specified parameters.</a:t>
+            </a:r>
+            <a:endParaRPr lang="en-US" dirty="0"/>
+          </a:p>
+        </p:txBody>
+      </p:sp>
+    </p:spTree>
+    <p:extLst>
+      <p:ext uri="{BB962C8B-B14F-4D97-AF65-F5344CB8AC3E}">
+        <p14:creationId xmlns:p14="http://schemas.microsoft.com/office/powerpoint/2010/main" val="1569402804"/>
+      </p:ext>
+    </p:extLst>
+  </p:cSld>
+  <p:clrMapOvr>
+    <a:masterClrMapping/>
+  </p:clrMapOvr>
+</p:sld>
+</file>
+
+<file path=ppt/slides/slide12.xml><?xml version="1.0" encoding="utf-8"?>
+<p:sld xmlns:a="http://schemas.openxmlformats.org/drawingml/2006/main" xmlns:r="http://schemas.openxmlformats.org/officeDocument/2006/relationships" xmlns:p="http://schemas.openxmlformats.org/presentationml/2006/main">
+  <p:cSld>
+    <p:spTree>
+      <p:nvGrpSpPr>
+        <p:cNvPr id="1" name=""/>
+        <p:cNvGrpSpPr/>
+        <p:nvPr/>
+      </p:nvGrpSpPr>
+      <p:grpSpPr>
+        <a:xfrm>
+          <a:off x="0" y="0"/>
+          <a:ext cx="0" cy="0"/>
+          <a:chOff x="0" y="0"/>
+          <a:chExt cx="0" cy="0"/>
+        </a:xfrm>
+      </p:grpSpPr>
+      <p:sp>
+        <p:nvSpPr>
+          <p:cNvPr id="2" name="Title 1"/>
+          <p:cNvSpPr>
+            <a:spLocks noGrp="1"/>
+          </p:cNvSpPr>
+          <p:nvPr>
+            <p:ph type="title"/>
+          </p:nvPr>
+        </p:nvSpPr>
+        <p:spPr/>
+        <p:txBody>
+          <a:bodyPr/>
+          <a:lstStyle/>
+          <a:p>
+            <a:r>
+              <a:rPr lang="en-US" smtClean="0"/>
+              <a:t>Solving the </a:t>
+            </a:r>
+            <a:r>
+              <a:rPr lang="en-US" dirty="0" smtClean="0"/>
+              <a:t>PnP</a:t>
+            </a:r>
+            <a:endParaRPr lang="en-US" dirty="0"/>
+          </a:p>
+        </p:txBody>
+      </p:sp>
+      <p:sp>
+        <p:nvSpPr>
+          <p:cNvPr id="3" name="Content Placeholder 2"/>
+          <p:cNvSpPr>
+            <a:spLocks noGrp="1"/>
+          </p:cNvSpPr>
+          <p:nvPr>
+            <p:ph idx="1"/>
+          </p:nvPr>
+        </p:nvSpPr>
+        <p:spPr/>
+        <p:txBody>
+          <a:bodyPr>
+            <a:normAutofit/>
+          </a:bodyPr>
+          <a:lstStyle/>
+          <a:p>
+            <a:r>
+              <a:rPr lang="en-US" dirty="0" smtClean="0"/>
               <a:t>Initial guess derived from F </a:t>
             </a:r>
             <a:r>
@@ -4345,11 +4435,7 @@
             </a:r>
             <a:r>
               <a:rPr lang="en-US" dirty="0" smtClean="0"/>
-              <a:t>(</a:t>
-            </a:r>
-            <a:r>
-              <a:rPr lang="en-US" dirty="0" smtClean="0"/>
-              <a:t>R &amp; t)</a:t>
+              <a:t>(R &amp; t)</a:t>
             </a:r>
           </a:p>
           <a:p>
@@ -4433,7 +4519,7 @@
 </p:sld>
 </file>
 
-<file path=ppt/slides/slide12.xml><?xml version="1.0" encoding="utf-8"?>
+<file path=ppt/slides/slide13.xml><?xml version="1.0" encoding="utf-8"?>
 <p:sld xmlns:a="http://schemas.openxmlformats.org/drawingml/2006/main" xmlns:r="http://schemas.openxmlformats.org/officeDocument/2006/relationships" xmlns:p="http://schemas.openxmlformats.org/presentationml/2006/main">
   <p:cSld>
     <p:spTree>
@@ -4553,11 +4639,7 @@
             </a:r>
             <a:r>
               <a:rPr lang="en-US" dirty="0" smtClean="0"/>
-              <a:t> was not build using </a:t>
-            </a:r>
-            <a:r>
-              <a:rPr lang="en-US" dirty="0" smtClean="0"/>
-              <a:t>LAPACK</a:t>
+              <a:t> was not build using LAPACK</a:t>
             </a:r>
             <a:endParaRPr lang="en-US" dirty="0"/>
           </a:p>
@@ -4576,7 +4658,7 @@
 </p:sld>
 </file>
 
-<file path=ppt/slides/slide13.xml><?xml version="1.0" encoding="utf-8"?>
+<file path=ppt/slides/slide14.xml><?xml version="1.0" encoding="utf-8"?>
 <p:sld xmlns:a="http://schemas.openxmlformats.org/drawingml/2006/main" xmlns:r="http://schemas.openxmlformats.org/officeDocument/2006/relationships" xmlns:p="http://schemas.openxmlformats.org/presentationml/2006/main">
   <p:cSld>
     <p:spTree>
@@ -4745,7 +4827,7 @@
 </p:sld>
 </file>
 
-<file path=ppt/slides/slide14.xml><?xml version="1.0" encoding="utf-8"?>
+<file path=ppt/slides/slide15.xml><?xml version="1.0" encoding="utf-8"?>
 <p:sld xmlns:a="http://schemas.openxmlformats.org/drawingml/2006/main" xmlns:r="http://schemas.openxmlformats.org/officeDocument/2006/relationships" xmlns:p="http://schemas.openxmlformats.org/presentationml/2006/main">
   <p:cSld>
     <p:spTree>
@@ -4934,7 +5016,7 @@
 </p:sld>
 </file>
 
-<file path=ppt/slides/slide15.xml><?xml version="1.0" encoding="utf-8"?>
+<file path=ppt/slides/slide16.xml><?xml version="1.0" encoding="utf-8"?>
 <p:sld xmlns:a="http://schemas.openxmlformats.org/drawingml/2006/main" xmlns:r="http://schemas.openxmlformats.org/officeDocument/2006/relationships" xmlns:p="http://schemas.openxmlformats.org/presentationml/2006/main">
   <p:cSld>
     <p:spTree>
@@ -5227,64 +5309,62 @@
           <a:lstStyle/>
           <a:p>
             <a:r>
-              <a:rPr lang="en-US" dirty="0" smtClean="0"/>
+              <a:rPr lang="en-US" dirty="0"/>
               <a:t>The 3D Reconstruction pipeline</a:t>
             </a:r>
-            <a:endParaRPr lang="en-US" dirty="0"/>
-          </a:p>
-        </p:txBody>
-      </p:sp>
-      <p:sp>
-        <p:nvSpPr>
-          <p:cNvPr id="3" name="Content Placeholder 2"/>
-          <p:cNvSpPr>
-            <a:spLocks noGrp="1"/>
-          </p:cNvSpPr>
-          <p:nvPr>
-            <p:ph idx="1"/>
-          </p:nvPr>
-        </p:nvSpPr>
-        <p:spPr/>
-        <p:txBody>
-          <a:bodyPr>
-            <a:normAutofit/>
-          </a:bodyPr>
-          <a:lstStyle/>
-          <a:p>
-            <a:r>
-              <a:rPr lang="en-US" dirty="0" smtClean="0"/>
-              <a:t>Noisy, lots of false positives.</a:t>
-            </a:r>
-          </a:p>
-          <a:p>
-            <a:r>
-              <a:rPr lang="en-US" dirty="0" smtClean="0"/>
-              <a:t>False positives are mostly isolated.</a:t>
-            </a:r>
-          </a:p>
-          <a:p>
-            <a:r>
-              <a:rPr lang="en-US" dirty="0" smtClean="0"/>
-              <a:t>Easy to handle with later processing steps.</a:t>
-            </a:r>
-          </a:p>
-          <a:p>
-            <a:endParaRPr lang="en-US" dirty="0" smtClean="0"/>
-          </a:p>
-        </p:txBody>
-      </p:sp>
+            <a:endParaRPr lang="sv-SE" dirty="0"/>
+          </a:p>
+        </p:txBody>
+      </p:sp>
+      <p:pic>
+        <p:nvPicPr>
+          <p:cNvPr id="1026" name="Picture 2" descr="C:\Users\TiXiR\Documents\skola\TSBB15 - Computer Vision\Project 2 - 3D Reconstruction\Repository\Documentation\images\pipeline.jpg"/>
+          <p:cNvPicPr>
+            <a:picLocks noChangeAspect="1" noChangeArrowheads="1"/>
+          </p:cNvPicPr>
+          <p:nvPr/>
+        </p:nvPicPr>
+        <p:blipFill rotWithShape="1">
+          <a:blip r:embed="rId2">
+            <a:extLst>
+              <a:ext uri="{28A0092B-C50C-407E-A947-70E740481C1C}">
+                <a14:useLocalDpi xmlns:a14="http://schemas.microsoft.com/office/drawing/2010/main" val="0"/>
+              </a:ext>
+            </a:extLst>
+          </a:blip>
+          <a:srcRect l="1272" t="-676" r="1272" b="676"/>
+          <a:stretch/>
+        </p:blipFill>
+        <p:spPr bwMode="auto">
+          <a:xfrm>
+            <a:off x="0" y="1447800"/>
+            <a:ext cx="9144000" cy="5410200"/>
+          </a:xfrm>
+          <a:prstGeom prst="rect">
+            <a:avLst/>
+          </a:prstGeom>
+          <a:noFill/>
+          <a:extLst>
+            <a:ext uri="{909E8E84-426E-40DD-AFC4-6F175D3DCCD1}">
+              <a14:hiddenFill xmlns:a14="http://schemas.microsoft.com/office/drawing/2010/main">
+                <a:solidFill>
+                  <a:srgbClr val="FFFFFF"/>
+                </a:solidFill>
+              </a14:hiddenFill>
+            </a:ext>
+          </a:extLst>
+        </p:spPr>
+      </p:pic>
     </p:spTree>
+    <p:extLst>
+      <p:ext uri="{BB962C8B-B14F-4D97-AF65-F5344CB8AC3E}">
+        <p14:creationId xmlns:p14="http://schemas.microsoft.com/office/powerpoint/2010/main" val="2536042047"/>
+      </p:ext>
+    </p:extLst>
   </p:cSld>
   <p:clrMapOvr>
     <a:masterClrMapping/>
   </p:clrMapOvr>
-  <p:timing>
-    <p:tnLst>
-      <p:par>
-        <p:cTn id="1" dur="indefinite" restart="never" nodeType="tmRoot"/>
-      </p:par>
-    </p:tnLst>
-  </p:timing>
 </p:sld>
 </file>
 
@@ -5324,47 +5404,6 @@
               <a:rPr lang="en-US" dirty="0" smtClean="0"/>
               <a:t>Data Structures</a:t>
             </a:r>
-            <a:endParaRPr lang="en-US" dirty="0"/>
-          </a:p>
-        </p:txBody>
-      </p:sp>
-      <p:sp>
-        <p:nvSpPr>
-          <p:cNvPr id="3" name="Content Placeholder 2"/>
-          <p:cNvSpPr>
-            <a:spLocks noGrp="1"/>
-          </p:cNvSpPr>
-          <p:nvPr>
-            <p:ph idx="1"/>
-          </p:nvPr>
-        </p:nvSpPr>
-        <p:spPr>
-          <a:xfrm>
-            <a:off x="457200" y="1775191"/>
-            <a:ext cx="8229600" cy="4930409"/>
-          </a:xfrm>
-        </p:spPr>
-        <p:txBody>
-          <a:bodyPr>
-            <a:normAutofit/>
-          </a:bodyPr>
-          <a:lstStyle/>
-          <a:p>
-            <a:pPr marL="118872" indent="0">
-              <a:buNone/>
-            </a:pPr>
-            <a:endParaRPr lang="en-US" dirty="0" smtClean="0"/>
-          </a:p>
-          <a:p>
-            <a:pPr lvl="1">
-              <a:buNone/>
-            </a:pPr>
-            <a:endParaRPr lang="en-US" dirty="0" smtClean="0"/>
-          </a:p>
-          <a:p>
-            <a:pPr>
-              <a:buNone/>
-            </a:pPr>
             <a:endParaRPr lang="en-US" dirty="0"/>
           </a:p>
         </p:txBody>
@@ -5412,68 +5451,227 @@
       </p:pic>
       <p:sp>
         <p:nvSpPr>
-          <p:cNvPr id="4" name="TextBox 3"/>
-          <p:cNvSpPr txBox="1"/>
+          <p:cNvPr id="6" name="Content Placeholder 2"/>
+          <p:cNvSpPr txBox="1">
+            <a:spLocks/>
+          </p:cNvSpPr>
           <p:nvPr/>
         </p:nvSpPr>
         <p:spPr>
           <a:xfrm>
-            <a:off x="457200" y="1828800"/>
-            <a:ext cx="4191000" cy="4031873"/>
+            <a:off x="455142" y="1779312"/>
+            <a:ext cx="8229600" cy="4625609"/>
           </a:xfrm>
           <a:prstGeom prst="rect">
             <a:avLst/>
           </a:prstGeom>
-          <a:noFill/>
         </p:spPr>
         <p:txBody>
-          <a:bodyPr wrap="square" rtlCol="0">
-            <a:spAutoFit/>
+          <a:bodyPr vert="horz" lIns="54864" tIns="91440" rtlCol="0">
+            <a:normAutofit/>
           </a:bodyPr>
-          <a:lstStyle/>
-          <a:p>
-            <a:pPr marL="457200" indent="-457200">
-              <a:buFont typeface="Wingdings" pitchFamily="2" charset="2"/>
-              <a:buChar char="§"/>
-            </a:pPr>
-            <a:r>
-              <a:rPr lang="en-US" sz="3200" dirty="0" smtClean="0"/>
-              <a:t>Data structure for cameras.</a:t>
-            </a:r>
-          </a:p>
-          <a:p>
-            <a:pPr marL="457200" indent="-457200">
-              <a:buFont typeface="Wingdings" pitchFamily="2" charset="2"/>
-              <a:buChar char="§"/>
-            </a:pPr>
-            <a:endParaRPr lang="en-US" sz="3200" dirty="0" smtClean="0"/>
-          </a:p>
-          <a:p>
-            <a:pPr marL="457200" indent="-457200">
-              <a:buFont typeface="Wingdings" pitchFamily="2" charset="2"/>
-              <a:buChar char="§"/>
-            </a:pPr>
-            <a:r>
-              <a:rPr lang="en-US" sz="3200" dirty="0" smtClean="0"/>
-              <a:t>Links original 2D points to 3D points.</a:t>
-            </a:r>
-          </a:p>
-          <a:p>
-            <a:pPr marL="457200" indent="-457200">
-              <a:buFont typeface="Wingdings" pitchFamily="2" charset="2"/>
-              <a:buChar char="§"/>
-            </a:pPr>
-            <a:endParaRPr lang="en-US" sz="3200" dirty="0" smtClean="0"/>
-          </a:p>
-          <a:p>
-            <a:pPr marL="457200" indent="-457200">
-              <a:buFont typeface="Wingdings" pitchFamily="2" charset="2"/>
-              <a:buChar char="§"/>
-            </a:pPr>
-            <a:r>
-              <a:rPr lang="en-US" sz="3200" dirty="0" smtClean="0"/>
-              <a:t>Links camera to visible points.</a:t>
-            </a:r>
+          <a:lstStyle>
+            <a:lvl1pPr marL="438912" indent="-320040" algn="l" rtl="0" eaLnBrk="1" latinLnBrk="0" hangingPunct="1">
+              <a:spcBef>
+                <a:spcPts val="0"/>
+              </a:spcBef>
+              <a:buClr>
+                <a:schemeClr val="accent1"/>
+              </a:buClr>
+              <a:buSzPct val="80000"/>
+              <a:buFont typeface="Wingdings 2"/>
+              <a:buChar char=""/>
+              <a:defRPr kumimoji="0" sz="3200" kern="1200">
+                <a:solidFill>
+                  <a:schemeClr val="tx1"/>
+                </a:solidFill>
+                <a:latin typeface="+mn-lt"/>
+                <a:ea typeface="+mn-ea"/>
+                <a:cs typeface="+mn-cs"/>
+              </a:defRPr>
+            </a:lvl1pPr>
+            <a:lvl2pPr marL="731520" indent="-274320" algn="l" rtl="0" eaLnBrk="1" latinLnBrk="0" hangingPunct="1">
+              <a:spcBef>
+                <a:spcPct val="20000"/>
+              </a:spcBef>
+              <a:buClr>
+                <a:schemeClr val="accent2"/>
+              </a:buClr>
+              <a:buSzPct val="90000"/>
+              <a:buFont typeface="Wingdings"/>
+              <a:buChar char=""/>
+              <a:defRPr kumimoji="0" sz="2800" kern="1200">
+                <a:solidFill>
+                  <a:schemeClr val="tx1"/>
+                </a:solidFill>
+                <a:latin typeface="+mn-lt"/>
+                <a:ea typeface="+mn-ea"/>
+                <a:cs typeface="+mn-cs"/>
+              </a:defRPr>
+            </a:lvl2pPr>
+            <a:lvl3pPr marL="996696" indent="-228600" algn="l" rtl="0" eaLnBrk="1" latinLnBrk="0" hangingPunct="1">
+              <a:spcBef>
+                <a:spcPct val="20000"/>
+              </a:spcBef>
+              <a:buClr>
+                <a:schemeClr val="accent3"/>
+              </a:buClr>
+              <a:buFont typeface="Arial"/>
+              <a:buChar char="▪"/>
+              <a:defRPr kumimoji="0" sz="2400" kern="1200">
+                <a:solidFill>
+                  <a:schemeClr val="tx1"/>
+                </a:solidFill>
+                <a:latin typeface="+mn-lt"/>
+                <a:ea typeface="+mn-ea"/>
+                <a:cs typeface="+mn-cs"/>
+              </a:defRPr>
+            </a:lvl3pPr>
+            <a:lvl4pPr marL="1216152" indent="-182880" algn="l" rtl="0" eaLnBrk="1" latinLnBrk="0" hangingPunct="1">
+              <a:spcBef>
+                <a:spcPct val="20000"/>
+              </a:spcBef>
+              <a:buClr>
+                <a:schemeClr val="accent4"/>
+              </a:buClr>
+              <a:buFont typeface="Arial"/>
+              <a:buChar char="▪"/>
+              <a:defRPr kumimoji="0" sz="2000" kern="1200">
+                <a:solidFill>
+                  <a:schemeClr val="tx1"/>
+                </a:solidFill>
+                <a:latin typeface="+mn-lt"/>
+                <a:ea typeface="+mn-ea"/>
+                <a:cs typeface="+mn-cs"/>
+              </a:defRPr>
+            </a:lvl4pPr>
+            <a:lvl5pPr marL="1426464" indent="-182880" algn="l" rtl="0" eaLnBrk="1" latinLnBrk="0" hangingPunct="1">
+              <a:spcBef>
+                <a:spcPct val="20000"/>
+              </a:spcBef>
+              <a:buClr>
+                <a:schemeClr val="accent5"/>
+              </a:buClr>
+              <a:buFont typeface="Wingdings 3"/>
+              <a:buChar char=""/>
+              <a:defRPr kumimoji="0" lang="en-US" sz="2000" kern="1200" smtClean="0">
+                <a:solidFill>
+                  <a:schemeClr val="tx1"/>
+                </a:solidFill>
+                <a:latin typeface="+mn-lt"/>
+                <a:ea typeface="+mn-ea"/>
+                <a:cs typeface="+mn-cs"/>
+              </a:defRPr>
+            </a:lvl5pPr>
+            <a:lvl6pPr marL="1627632" indent="-182880" algn="l" rtl="0" eaLnBrk="1" latinLnBrk="0" hangingPunct="1">
+              <a:spcBef>
+                <a:spcPct val="20000"/>
+              </a:spcBef>
+              <a:buClr>
+                <a:schemeClr val="accent6"/>
+              </a:buClr>
+              <a:buSzPct val="100000"/>
+              <a:buFont typeface="Wingdings 2"/>
+              <a:buChar char=""/>
+              <a:defRPr kumimoji="0" sz="2000" kern="1200">
+                <a:solidFill>
+                  <a:schemeClr val="tx1"/>
+                </a:solidFill>
+                <a:latin typeface="+mn-lt"/>
+                <a:ea typeface="+mn-ea"/>
+                <a:cs typeface="+mn-cs"/>
+              </a:defRPr>
+            </a:lvl6pPr>
+            <a:lvl7pPr marL="1828800" indent="-182880" algn="l" rtl="0" eaLnBrk="1" latinLnBrk="0" hangingPunct="1">
+              <a:spcBef>
+                <a:spcPct val="20000"/>
+              </a:spcBef>
+              <a:buClr>
+                <a:schemeClr val="accent1"/>
+              </a:buClr>
+              <a:buSzPct val="100000"/>
+              <a:buFont typeface="Wingdings 2"/>
+              <a:buChar char=""/>
+              <a:defRPr kumimoji="0" sz="1800" kern="1200">
+                <a:solidFill>
+                  <a:schemeClr val="tx1"/>
+                </a:solidFill>
+                <a:latin typeface="+mn-lt"/>
+                <a:ea typeface="+mn-ea"/>
+                <a:cs typeface="+mn-cs"/>
+              </a:defRPr>
+            </a:lvl7pPr>
+            <a:lvl8pPr marL="2029968" indent="-182880" algn="l" rtl="0" eaLnBrk="1" latinLnBrk="0" hangingPunct="1">
+              <a:spcBef>
+                <a:spcPct val="20000"/>
+              </a:spcBef>
+              <a:buClr>
+                <a:schemeClr val="accent2"/>
+              </a:buClr>
+              <a:buFont typeface="Wingdings 2" pitchFamily="18" charset="2"/>
+              <a:buChar char=""/>
+              <a:defRPr kumimoji="0" sz="1800" kern="1200">
+                <a:solidFill>
+                  <a:schemeClr val="tx1"/>
+                </a:solidFill>
+                <a:latin typeface="+mn-lt"/>
+                <a:ea typeface="+mn-ea"/>
+                <a:cs typeface="+mn-cs"/>
+              </a:defRPr>
+            </a:lvl8pPr>
+            <a:lvl9pPr marL="2231136" indent="-182880" algn="l" rtl="0" eaLnBrk="1" latinLnBrk="0" hangingPunct="1">
+              <a:spcBef>
+                <a:spcPct val="20000"/>
+              </a:spcBef>
+              <a:buClr>
+                <a:schemeClr val="accent3"/>
+              </a:buClr>
+              <a:buFont typeface="Wingdings 2" pitchFamily="18" charset="2"/>
+              <a:buChar char=""/>
+              <a:defRPr kumimoji="0" sz="1800" kern="1200" baseline="0">
+                <a:solidFill>
+                  <a:schemeClr val="tx1"/>
+                </a:solidFill>
+                <a:latin typeface="+mn-lt"/>
+                <a:ea typeface="+mn-ea"/>
+                <a:cs typeface="+mn-cs"/>
+              </a:defRPr>
+            </a:lvl9pPr>
+            <a:extLst/>
+          </a:lstStyle>
+          <a:p>
+            <a:r>
+              <a:rPr lang="sv-SE" dirty="0" smtClean="0"/>
+              <a:t>Camera data structure</a:t>
+            </a:r>
+          </a:p>
+          <a:p>
+            <a:endParaRPr lang="sv-SE" dirty="0" smtClean="0"/>
+          </a:p>
+          <a:p>
+            <a:r>
+              <a:rPr lang="sv-SE" dirty="0" smtClean="0"/>
+              <a:t>2D &lt;-&gt; 3D</a:t>
+            </a:r>
+          </a:p>
+          <a:p>
+            <a:endParaRPr lang="sv-SE" dirty="0" smtClean="0"/>
+          </a:p>
+          <a:p>
+            <a:r>
+              <a:rPr lang="sv-SE" dirty="0" smtClean="0"/>
+              <a:t>Camera pair</a:t>
+            </a:r>
+            <a:br>
+              <a:rPr lang="sv-SE" dirty="0" smtClean="0"/>
+            </a:br>
+            <a:r>
+              <a:rPr lang="sv-SE" dirty="0" smtClean="0"/>
+              <a:t> &amp; 2D &lt;-&gt; 3D</a:t>
+            </a:r>
+          </a:p>
+          <a:p>
+            <a:endParaRPr lang="sv-SE" dirty="0"/>
           </a:p>
         </p:txBody>
       </p:sp>
@@ -5526,9 +5724,9 @@
           <a:p>
             <a:r>
               <a:rPr lang="en-US" dirty="0" smtClean="0"/>
-              <a:t>File output</a:t>
-            </a:r>
-            <a:endParaRPr lang="en-US" dirty="0"/>
+              <a:t>Problems</a:t>
+            </a:r>
+            <a:endParaRPr lang="sv-SE" dirty="0"/>
           </a:p>
         </p:txBody>
       </p:sp>
@@ -5548,35 +5746,40 @@
           <a:lstStyle/>
           <a:p>
             <a:r>
-              <a:rPr lang="en-US" dirty="0" smtClean="0"/>
-              <a:t>Output each step of the reconstruction to a file.</a:t>
-            </a:r>
-          </a:p>
-          <a:p>
-            <a:endParaRPr lang="en-US" dirty="0"/>
-          </a:p>
-          <a:p>
-            <a:r>
-              <a:rPr lang="en-US" dirty="0" smtClean="0"/>
-              <a:t>Can be read by the visualizer for debugging/demonstration.</a:t>
-            </a:r>
-          </a:p>
-          <a:p>
-            <a:endParaRPr lang="en-US" dirty="0"/>
-          </a:p>
-          <a:p>
-            <a:r>
-              <a:rPr lang="en-US" dirty="0" smtClean="0"/>
-              <a:t>Or resume the reconstruction from a previous step.</a:t>
-            </a:r>
-            <a:endParaRPr lang="en-US" dirty="0"/>
+              <a:rPr lang="sv-SE" dirty="0" smtClean="0"/>
+              <a:t>Difficult data set</a:t>
+            </a:r>
+          </a:p>
+          <a:p>
+            <a:endParaRPr lang="sv-SE" dirty="0"/>
+          </a:p>
+          <a:p>
+            <a:r>
+              <a:rPr lang="sv-SE" dirty="0" smtClean="0"/>
+              <a:t>Outliers</a:t>
+            </a:r>
+          </a:p>
+          <a:p>
+            <a:endParaRPr lang="sv-SE" dirty="0"/>
+          </a:p>
+          <a:p>
+            <a:r>
+              <a:rPr lang="sv-SE" dirty="0" smtClean="0"/>
+              <a:t>Long time before results are seen</a:t>
+            </a:r>
+          </a:p>
+          <a:p>
+            <a:endParaRPr lang="sv-SE" dirty="0" smtClean="0"/>
+          </a:p>
+          <a:p>
+            <a:endParaRPr lang="sv-SE" dirty="0"/>
           </a:p>
         </p:txBody>
       </p:sp>
     </p:spTree>
     <p:extLst>
       <p:ext uri="{BB962C8B-B14F-4D97-AF65-F5344CB8AC3E}">
-        <p14:creationId xmlns:p14="http://schemas.microsoft.com/office/powerpoint/2010/main" val="1483301914"/>
+        <p14:creationId xmlns:p14="http://schemas.microsoft.com/office/powerpoint/2010/main" val="151509301"/>
       </p:ext>
     </p:extLst>
   </p:cSld>
@@ -5612,6 +5815,402 @@
       </p:grpSpPr>
       <p:sp>
         <p:nvSpPr>
+          <p:cNvPr id="4" name="Rectangle 3"/>
+          <p:cNvSpPr/>
+          <p:nvPr/>
+        </p:nvSpPr>
+        <p:spPr>
+          <a:xfrm>
+            <a:off x="533400" y="2819400"/>
+            <a:ext cx="2590800" cy="1828800"/>
+          </a:xfrm>
+          <a:prstGeom prst="rect">
+            <a:avLst/>
+          </a:prstGeom>
+          <a:blipFill>
+            <a:blip r:embed="rId2"/>
+            <a:tile tx="0" ty="0" sx="100000" sy="100000" flip="none" algn="tl"/>
+          </a:blipFill>
+          <a:effectLst>
+            <a:outerShdw blurRad="39000" dist="25400" dir="5400000" rotWithShape="0">
+              <a:srgbClr val="000000">
+                <a:alpha val="38000"/>
+              </a:srgbClr>
+            </a:outerShdw>
+            <a:reflection blurRad="6350" stA="50000" endA="275" endPos="40000" dist="101600" dir="5400000" sy="-100000" algn="bl" rotWithShape="0"/>
+          </a:effectLst>
+        </p:spPr>
+        <p:style>
+          <a:lnRef idx="1">
+            <a:schemeClr val="accent1"/>
+          </a:lnRef>
+          <a:fillRef idx="3">
+            <a:schemeClr val="accent1"/>
+          </a:fillRef>
+          <a:effectRef idx="2">
+            <a:schemeClr val="accent1"/>
+          </a:effectRef>
+          <a:fontRef idx="minor">
+            <a:schemeClr val="lt1"/>
+          </a:fontRef>
+        </p:style>
+        <p:txBody>
+          <a:bodyPr rtlCol="0" anchor="ctr"/>
+          <a:lstStyle/>
+          <a:p>
+            <a:pPr algn="ctr"/>
+            <a:endParaRPr lang="sv-SE" dirty="0"/>
+          </a:p>
+        </p:txBody>
+      </p:sp>
+      <p:sp>
+        <p:nvSpPr>
+          <p:cNvPr id="5" name="Rectangle 4"/>
+          <p:cNvSpPr/>
+          <p:nvPr/>
+        </p:nvSpPr>
+        <p:spPr>
+          <a:xfrm>
+            <a:off x="3276600" y="2819400"/>
+            <a:ext cx="2590800" cy="1828800"/>
+          </a:xfrm>
+          <a:prstGeom prst="rect">
+            <a:avLst/>
+          </a:prstGeom>
+          <a:blipFill>
+            <a:blip r:embed="rId2"/>
+            <a:tile tx="0" ty="0" sx="100000" sy="100000" flip="none" algn="tl"/>
+          </a:blipFill>
+          <a:effectLst>
+            <a:outerShdw blurRad="39000" dist="25400" dir="5400000" rotWithShape="0">
+              <a:srgbClr val="000000">
+                <a:alpha val="38000"/>
+              </a:srgbClr>
+            </a:outerShdw>
+            <a:reflection blurRad="6350" stA="50000" endA="275" endPos="40000" dist="101600" dir="5400000" sy="-100000" algn="bl" rotWithShape="0"/>
+          </a:effectLst>
+        </p:spPr>
+        <p:style>
+          <a:lnRef idx="1">
+            <a:schemeClr val="accent1"/>
+          </a:lnRef>
+          <a:fillRef idx="3">
+            <a:schemeClr val="accent1"/>
+          </a:fillRef>
+          <a:effectRef idx="2">
+            <a:schemeClr val="accent1"/>
+          </a:effectRef>
+          <a:fontRef idx="minor">
+            <a:schemeClr val="lt1"/>
+          </a:fontRef>
+        </p:style>
+        <p:txBody>
+          <a:bodyPr rtlCol="0" anchor="ctr"/>
+          <a:lstStyle/>
+          <a:p>
+            <a:pPr algn="ctr"/>
+            <a:endParaRPr lang="sv-SE"/>
+          </a:p>
+        </p:txBody>
+      </p:sp>
+      <p:sp>
+        <p:nvSpPr>
+          <p:cNvPr id="6" name="Rectangle 5"/>
+          <p:cNvSpPr/>
+          <p:nvPr/>
+        </p:nvSpPr>
+        <p:spPr>
+          <a:xfrm>
+            <a:off x="6019800" y="2819400"/>
+            <a:ext cx="2590800" cy="1828800"/>
+          </a:xfrm>
+          <a:prstGeom prst="rect">
+            <a:avLst/>
+          </a:prstGeom>
+          <a:blipFill>
+            <a:blip r:embed="rId2"/>
+            <a:tile tx="0" ty="0" sx="100000" sy="100000" flip="none" algn="tl"/>
+          </a:blipFill>
+          <a:effectLst>
+            <a:outerShdw blurRad="39000" dist="25400" dir="5400000" rotWithShape="0">
+              <a:srgbClr val="000000">
+                <a:alpha val="38000"/>
+              </a:srgbClr>
+            </a:outerShdw>
+            <a:reflection blurRad="6350" stA="50000" endA="275" endPos="40000" dist="101600" dir="5400000" sy="-100000" algn="bl" rotWithShape="0"/>
+          </a:effectLst>
+        </p:spPr>
+        <p:style>
+          <a:lnRef idx="1">
+            <a:schemeClr val="accent1"/>
+          </a:lnRef>
+          <a:fillRef idx="3">
+            <a:schemeClr val="accent1"/>
+          </a:fillRef>
+          <a:effectRef idx="2">
+            <a:schemeClr val="accent1"/>
+          </a:effectRef>
+          <a:fontRef idx="minor">
+            <a:schemeClr val="lt1"/>
+          </a:fontRef>
+        </p:style>
+        <p:txBody>
+          <a:bodyPr rtlCol="0" anchor="ctr"/>
+          <a:lstStyle/>
+          <a:p>
+            <a:pPr algn="ctr"/>
+            <a:endParaRPr lang="sv-SE"/>
+          </a:p>
+        </p:txBody>
+      </p:sp>
+      <p:cxnSp>
+        <p:nvCxnSpPr>
+          <p:cNvPr id="23" name="Straight Connector 22"/>
+          <p:cNvCxnSpPr>
+            <a:stCxn id="8" idx="6"/>
+            <a:endCxn id="15" idx="2"/>
+          </p:cNvCxnSpPr>
+          <p:nvPr/>
+        </p:nvCxnSpPr>
+        <p:spPr>
+          <a:xfrm flipV="1">
+            <a:off x="1447800" y="3162300"/>
+            <a:ext cx="2209800" cy="76200"/>
+          </a:xfrm>
+          <a:prstGeom prst="line">
+            <a:avLst/>
+          </a:prstGeom>
+          <a:effectLst/>
+          <a:scene3d>
+            <a:camera prst="orthographicFront"/>
+            <a:lightRig rig="threePt" dir="t"/>
+          </a:scene3d>
+          <a:sp3d>
+            <a:bevelT prst="angle"/>
+          </a:sp3d>
+        </p:spPr>
+        <p:style>
+          <a:lnRef idx="1">
+            <a:schemeClr val="dk1"/>
+          </a:lnRef>
+          <a:fillRef idx="0">
+            <a:schemeClr val="dk1"/>
+          </a:fillRef>
+          <a:effectRef idx="0">
+            <a:schemeClr val="dk1"/>
+          </a:effectRef>
+          <a:fontRef idx="minor">
+            <a:schemeClr val="tx1"/>
+          </a:fontRef>
+        </p:style>
+      </p:cxnSp>
+      <p:cxnSp>
+        <p:nvCxnSpPr>
+          <p:cNvPr id="30" name="Straight Connector 29"/>
+          <p:cNvCxnSpPr>
+            <a:stCxn id="7" idx="6"/>
+            <a:endCxn id="14" idx="2"/>
+          </p:cNvCxnSpPr>
+          <p:nvPr/>
+        </p:nvCxnSpPr>
+        <p:spPr>
+          <a:xfrm>
+            <a:off x="2438400" y="3619500"/>
+            <a:ext cx="2286000" cy="0"/>
+          </a:xfrm>
+          <a:prstGeom prst="line">
+            <a:avLst/>
+          </a:prstGeom>
+          <a:effectLst/>
+          <a:scene3d>
+            <a:camera prst="orthographicFront"/>
+            <a:lightRig rig="threePt" dir="t"/>
+          </a:scene3d>
+          <a:sp3d>
+            <a:bevelT prst="angle"/>
+          </a:sp3d>
+        </p:spPr>
+        <p:style>
+          <a:lnRef idx="1">
+            <a:schemeClr val="dk1"/>
+          </a:lnRef>
+          <a:fillRef idx="0">
+            <a:schemeClr val="dk1"/>
+          </a:fillRef>
+          <a:effectRef idx="0">
+            <a:schemeClr val="dk1"/>
+          </a:effectRef>
+          <a:fontRef idx="minor">
+            <a:schemeClr val="tx1"/>
+          </a:fontRef>
+        </p:style>
+      </p:cxnSp>
+      <p:cxnSp>
+        <p:nvCxnSpPr>
+          <p:cNvPr id="32" name="Straight Connector 31"/>
+          <p:cNvCxnSpPr>
+            <a:stCxn id="9" idx="6"/>
+            <a:endCxn id="16" idx="2"/>
+          </p:cNvCxnSpPr>
+          <p:nvPr/>
+        </p:nvCxnSpPr>
+        <p:spPr>
+          <a:xfrm>
+            <a:off x="1905000" y="4229100"/>
+            <a:ext cx="2057400" cy="0"/>
+          </a:xfrm>
+          <a:prstGeom prst="line">
+            <a:avLst/>
+          </a:prstGeom>
+          <a:effectLst/>
+          <a:scene3d>
+            <a:camera prst="orthographicFront"/>
+            <a:lightRig rig="threePt" dir="t"/>
+          </a:scene3d>
+          <a:sp3d>
+            <a:bevelT prst="angle"/>
+          </a:sp3d>
+        </p:spPr>
+        <p:style>
+          <a:lnRef idx="1">
+            <a:schemeClr val="dk1"/>
+          </a:lnRef>
+          <a:fillRef idx="0">
+            <a:schemeClr val="dk1"/>
+          </a:fillRef>
+          <a:effectRef idx="0">
+            <a:schemeClr val="dk1"/>
+          </a:effectRef>
+          <a:fontRef idx="minor">
+            <a:schemeClr val="tx1"/>
+          </a:fontRef>
+        </p:style>
+      </p:cxnSp>
+      <p:cxnSp>
+        <p:nvCxnSpPr>
+          <p:cNvPr id="34" name="Straight Connector 33"/>
+          <p:cNvCxnSpPr>
+            <a:stCxn id="16" idx="6"/>
+            <a:endCxn id="19" idx="2"/>
+          </p:cNvCxnSpPr>
+          <p:nvPr/>
+        </p:nvCxnSpPr>
+        <p:spPr>
+          <a:xfrm flipV="1">
+            <a:off x="4038600" y="4076700"/>
+            <a:ext cx="2362200" cy="152400"/>
+          </a:xfrm>
+          <a:prstGeom prst="line">
+            <a:avLst/>
+          </a:prstGeom>
+          <a:effectLst/>
+          <a:scene3d>
+            <a:camera prst="orthographicFront"/>
+            <a:lightRig rig="threePt" dir="t"/>
+          </a:scene3d>
+          <a:sp3d>
+            <a:bevelT prst="angle"/>
+          </a:sp3d>
+        </p:spPr>
+        <p:style>
+          <a:lnRef idx="1">
+            <a:schemeClr val="dk1"/>
+          </a:lnRef>
+          <a:fillRef idx="0">
+            <a:schemeClr val="dk1"/>
+          </a:fillRef>
+          <a:effectRef idx="0">
+            <a:schemeClr val="dk1"/>
+          </a:effectRef>
+          <a:fontRef idx="minor">
+            <a:schemeClr val="tx1"/>
+          </a:fontRef>
+        </p:style>
+      </p:cxnSp>
+      <p:cxnSp>
+        <p:nvCxnSpPr>
+          <p:cNvPr id="36" name="Straight Connector 35"/>
+          <p:cNvCxnSpPr>
+            <a:stCxn id="14" idx="6"/>
+            <a:endCxn id="17" idx="2"/>
+          </p:cNvCxnSpPr>
+          <p:nvPr/>
+        </p:nvCxnSpPr>
+        <p:spPr>
+          <a:xfrm flipV="1">
+            <a:off x="4800600" y="3467100"/>
+            <a:ext cx="2209800" cy="152400"/>
+          </a:xfrm>
+          <a:prstGeom prst="line">
+            <a:avLst/>
+          </a:prstGeom>
+          <a:effectLst/>
+          <a:scene3d>
+            <a:camera prst="orthographicFront"/>
+            <a:lightRig rig="threePt" dir="t"/>
+          </a:scene3d>
+          <a:sp3d>
+            <a:bevelT prst="angle"/>
+          </a:sp3d>
+        </p:spPr>
+        <p:style>
+          <a:lnRef idx="1">
+            <a:schemeClr val="dk1"/>
+          </a:lnRef>
+          <a:fillRef idx="0">
+            <a:schemeClr val="dk1"/>
+          </a:fillRef>
+          <a:effectRef idx="0">
+            <a:schemeClr val="dk1"/>
+          </a:effectRef>
+          <a:fontRef idx="minor">
+            <a:schemeClr val="tx1"/>
+          </a:fontRef>
+        </p:style>
+      </p:cxnSp>
+      <p:cxnSp>
+        <p:nvCxnSpPr>
+          <p:cNvPr id="38" name="Straight Connector 37"/>
+          <p:cNvCxnSpPr>
+            <a:stCxn id="15" idx="6"/>
+            <a:endCxn id="18" idx="2"/>
+          </p:cNvCxnSpPr>
+          <p:nvPr/>
+        </p:nvCxnSpPr>
+        <p:spPr>
+          <a:xfrm flipV="1">
+            <a:off x="3733800" y="3009900"/>
+            <a:ext cx="2362200" cy="152400"/>
+          </a:xfrm>
+          <a:prstGeom prst="line">
+            <a:avLst/>
+          </a:prstGeom>
+          <a:effectLst/>
+          <a:scene3d>
+            <a:camera prst="orthographicFront"/>
+            <a:lightRig rig="threePt" dir="t"/>
+          </a:scene3d>
+          <a:sp3d>
+            <a:bevelT prst="angle"/>
+          </a:sp3d>
+        </p:spPr>
+        <p:style>
+          <a:lnRef idx="1">
+            <a:schemeClr val="dk1"/>
+          </a:lnRef>
+          <a:fillRef idx="0">
+            <a:schemeClr val="dk1"/>
+          </a:fillRef>
+          <a:effectRef idx="0">
+            <a:schemeClr val="dk1"/>
+          </a:effectRef>
+          <a:fontRef idx="minor">
+            <a:schemeClr val="tx1"/>
+          </a:fontRef>
+        </p:style>
+      </p:cxnSp>
+      <p:sp>
+        <p:nvSpPr>
           <p:cNvPr id="2" name="Title 1"/>
           <p:cNvSpPr>
             <a:spLocks noGrp="1"/>
@@ -5627,7 +6226,7 @@
           <a:p>
             <a:r>
               <a:rPr lang="en-US" dirty="0" smtClean="0"/>
-              <a:t>2D point extraction</a:t>
+              <a:t>Improvements</a:t>
             </a:r>
             <a:endParaRPr lang="en-US" dirty="0"/>
           </a:p>
@@ -5635,7 +6234,7 @@
       </p:sp>
       <p:sp>
         <p:nvSpPr>
-          <p:cNvPr id="5" name="Content Placeholder 2"/>
+          <p:cNvPr id="55" name="Content Placeholder 54"/>
           <p:cNvSpPr>
             <a:spLocks noGrp="1"/>
           </p:cNvSpPr>
@@ -5645,53 +6244,761 @@
         </p:nvSpPr>
         <p:spPr/>
         <p:txBody>
-          <a:bodyPr>
-            <a:normAutofit/>
+          <a:bodyPr/>
+          <a:lstStyle/>
+          <a:p>
+            <a:r>
+              <a:rPr lang="sv-SE" dirty="0" smtClean="0"/>
+              <a:t>Chains?</a:t>
+            </a:r>
+            <a:endParaRPr lang="sv-SE" dirty="0"/>
+          </a:p>
+        </p:txBody>
+      </p:sp>
+      <p:sp>
+        <p:nvSpPr>
+          <p:cNvPr id="7" name="Donut 6"/>
+          <p:cNvSpPr/>
+          <p:nvPr/>
+        </p:nvSpPr>
+        <p:spPr>
+          <a:xfrm>
+            <a:off x="2362200" y="3581400"/>
+            <a:ext cx="76200" cy="76200"/>
+          </a:xfrm>
+          <a:prstGeom prst="donut">
+            <a:avLst/>
+          </a:prstGeom>
+          <a:effectLst>
+            <a:glow rad="25400">
+              <a:schemeClr val="accent3">
+                <a:satMod val="175000"/>
+                <a:alpha val="40000"/>
+              </a:schemeClr>
+            </a:glow>
+            <a:outerShdw blurRad="50800" dist="38100" dir="18900000" algn="bl" rotWithShape="0">
+              <a:prstClr val="black">
+                <a:alpha val="40000"/>
+              </a:prstClr>
+            </a:outerShdw>
+          </a:effectLst>
+        </p:spPr>
+        <p:style>
+          <a:lnRef idx="1">
+            <a:schemeClr val="dk1"/>
+          </a:lnRef>
+          <a:fillRef idx="2">
+            <a:schemeClr val="dk1"/>
+          </a:fillRef>
+          <a:effectRef idx="1">
+            <a:schemeClr val="dk1"/>
+          </a:effectRef>
+          <a:fontRef idx="minor">
+            <a:schemeClr val="dk1"/>
+          </a:fontRef>
+        </p:style>
+        <p:txBody>
+          <a:bodyPr rtlCol="0" anchor="ctr"/>
+          <a:lstStyle/>
+          <a:p>
+            <a:pPr algn="ctr"/>
+            <a:endParaRPr lang="sv-SE">
+              <a:solidFill>
+                <a:schemeClr val="tx1"/>
+              </a:solidFill>
+            </a:endParaRPr>
+          </a:p>
+        </p:txBody>
+      </p:sp>
+      <p:sp>
+        <p:nvSpPr>
+          <p:cNvPr id="8" name="Donut 7"/>
+          <p:cNvSpPr/>
+          <p:nvPr/>
+        </p:nvSpPr>
+        <p:spPr>
+          <a:xfrm>
+            <a:off x="1371600" y="3200400"/>
+            <a:ext cx="76200" cy="76200"/>
+          </a:xfrm>
+          <a:prstGeom prst="donut">
+            <a:avLst/>
+          </a:prstGeom>
+          <a:effectLst>
+            <a:glow rad="25400">
+              <a:schemeClr val="accent3">
+                <a:satMod val="175000"/>
+                <a:alpha val="40000"/>
+              </a:schemeClr>
+            </a:glow>
+            <a:outerShdw blurRad="50800" dist="38100" dir="18900000" algn="bl" rotWithShape="0">
+              <a:prstClr val="black">
+                <a:alpha val="40000"/>
+              </a:prstClr>
+            </a:outerShdw>
+          </a:effectLst>
+        </p:spPr>
+        <p:style>
+          <a:lnRef idx="1">
+            <a:schemeClr val="dk1"/>
+          </a:lnRef>
+          <a:fillRef idx="2">
+            <a:schemeClr val="dk1"/>
+          </a:fillRef>
+          <a:effectRef idx="1">
+            <a:schemeClr val="dk1"/>
+          </a:effectRef>
+          <a:fontRef idx="minor">
+            <a:schemeClr val="dk1"/>
+          </a:fontRef>
+        </p:style>
+        <p:txBody>
+          <a:bodyPr rtlCol="0" anchor="ctr"/>
+          <a:lstStyle/>
+          <a:p>
+            <a:pPr algn="ctr"/>
+            <a:endParaRPr lang="sv-SE">
+              <a:solidFill>
+                <a:schemeClr val="tx1"/>
+              </a:solidFill>
+            </a:endParaRPr>
+          </a:p>
+        </p:txBody>
+      </p:sp>
+      <p:sp>
+        <p:nvSpPr>
+          <p:cNvPr id="9" name="Donut 8"/>
+          <p:cNvSpPr/>
+          <p:nvPr/>
+        </p:nvSpPr>
+        <p:spPr>
+          <a:xfrm>
+            <a:off x="1828800" y="4191000"/>
+            <a:ext cx="76200" cy="76200"/>
+          </a:xfrm>
+          <a:prstGeom prst="donut">
+            <a:avLst/>
+          </a:prstGeom>
+          <a:effectLst>
+            <a:glow rad="25400">
+              <a:schemeClr val="accent3">
+                <a:satMod val="175000"/>
+                <a:alpha val="40000"/>
+              </a:schemeClr>
+            </a:glow>
+            <a:outerShdw blurRad="50800" dist="38100" dir="18900000" algn="bl" rotWithShape="0">
+              <a:prstClr val="black">
+                <a:alpha val="40000"/>
+              </a:prstClr>
+            </a:outerShdw>
+          </a:effectLst>
+        </p:spPr>
+        <p:style>
+          <a:lnRef idx="1">
+            <a:schemeClr val="dk1"/>
+          </a:lnRef>
+          <a:fillRef idx="2">
+            <a:schemeClr val="dk1"/>
+          </a:fillRef>
+          <a:effectRef idx="1">
+            <a:schemeClr val="dk1"/>
+          </a:effectRef>
+          <a:fontRef idx="minor">
+            <a:schemeClr val="dk1"/>
+          </a:fontRef>
+        </p:style>
+        <p:txBody>
+          <a:bodyPr rtlCol="0" anchor="ctr"/>
+          <a:lstStyle/>
+          <a:p>
+            <a:pPr algn="ctr"/>
+            <a:endParaRPr lang="sv-SE">
+              <a:solidFill>
+                <a:schemeClr val="tx1"/>
+              </a:solidFill>
+            </a:endParaRPr>
+          </a:p>
+        </p:txBody>
+      </p:sp>
+      <p:sp>
+        <p:nvSpPr>
+          <p:cNvPr id="14" name="Donut 13"/>
+          <p:cNvSpPr/>
+          <p:nvPr/>
+        </p:nvSpPr>
+        <p:spPr>
+          <a:xfrm>
+            <a:off x="4724400" y="3581400"/>
+            <a:ext cx="76200" cy="76200"/>
+          </a:xfrm>
+          <a:prstGeom prst="donut">
+            <a:avLst/>
+          </a:prstGeom>
+          <a:effectLst>
+            <a:glow rad="25400">
+              <a:schemeClr val="accent3">
+                <a:satMod val="175000"/>
+                <a:alpha val="40000"/>
+              </a:schemeClr>
+            </a:glow>
+            <a:outerShdw blurRad="50800" dist="38100" dir="18900000" algn="bl" rotWithShape="0">
+              <a:prstClr val="black">
+                <a:alpha val="40000"/>
+              </a:prstClr>
+            </a:outerShdw>
+          </a:effectLst>
+        </p:spPr>
+        <p:style>
+          <a:lnRef idx="1">
+            <a:schemeClr val="dk1"/>
+          </a:lnRef>
+          <a:fillRef idx="2">
+            <a:schemeClr val="dk1"/>
+          </a:fillRef>
+          <a:effectRef idx="1">
+            <a:schemeClr val="dk1"/>
+          </a:effectRef>
+          <a:fontRef idx="minor">
+            <a:schemeClr val="dk1"/>
+          </a:fontRef>
+        </p:style>
+        <p:txBody>
+          <a:bodyPr rtlCol="0" anchor="ctr"/>
+          <a:lstStyle/>
+          <a:p>
+            <a:pPr algn="ctr"/>
+            <a:endParaRPr lang="sv-SE">
+              <a:solidFill>
+                <a:schemeClr val="tx1"/>
+              </a:solidFill>
+            </a:endParaRPr>
+          </a:p>
+        </p:txBody>
+      </p:sp>
+      <p:sp>
+        <p:nvSpPr>
+          <p:cNvPr id="15" name="Donut 14"/>
+          <p:cNvSpPr/>
+          <p:nvPr/>
+        </p:nvSpPr>
+        <p:spPr>
+          <a:xfrm>
+            <a:off x="3657600" y="3124200"/>
+            <a:ext cx="76200" cy="76200"/>
+          </a:xfrm>
+          <a:prstGeom prst="donut">
+            <a:avLst/>
+          </a:prstGeom>
+          <a:effectLst>
+            <a:glow rad="25400">
+              <a:schemeClr val="accent3">
+                <a:satMod val="175000"/>
+                <a:alpha val="40000"/>
+              </a:schemeClr>
+            </a:glow>
+            <a:outerShdw blurRad="50800" dist="38100" dir="18900000" algn="bl" rotWithShape="0">
+              <a:prstClr val="black">
+                <a:alpha val="40000"/>
+              </a:prstClr>
+            </a:outerShdw>
+          </a:effectLst>
+        </p:spPr>
+        <p:style>
+          <a:lnRef idx="1">
+            <a:schemeClr val="dk1"/>
+          </a:lnRef>
+          <a:fillRef idx="2">
+            <a:schemeClr val="dk1"/>
+          </a:fillRef>
+          <a:effectRef idx="1">
+            <a:schemeClr val="dk1"/>
+          </a:effectRef>
+          <a:fontRef idx="minor">
+            <a:schemeClr val="dk1"/>
+          </a:fontRef>
+        </p:style>
+        <p:txBody>
+          <a:bodyPr rtlCol="0" anchor="ctr"/>
+          <a:lstStyle/>
+          <a:p>
+            <a:pPr algn="ctr"/>
+            <a:endParaRPr lang="sv-SE">
+              <a:solidFill>
+                <a:schemeClr val="tx1"/>
+              </a:solidFill>
+            </a:endParaRPr>
+          </a:p>
+        </p:txBody>
+      </p:sp>
+      <p:sp>
+        <p:nvSpPr>
+          <p:cNvPr id="16" name="Donut 15"/>
+          <p:cNvSpPr/>
+          <p:nvPr/>
+        </p:nvSpPr>
+        <p:spPr>
+          <a:xfrm>
+            <a:off x="3962400" y="4191000"/>
+            <a:ext cx="76200" cy="76200"/>
+          </a:xfrm>
+          <a:prstGeom prst="donut">
+            <a:avLst/>
+          </a:prstGeom>
+          <a:effectLst>
+            <a:glow rad="25400">
+              <a:schemeClr val="accent3">
+                <a:satMod val="175000"/>
+                <a:alpha val="40000"/>
+              </a:schemeClr>
+            </a:glow>
+            <a:outerShdw blurRad="50800" dist="38100" dir="18900000" algn="bl" rotWithShape="0">
+              <a:prstClr val="black">
+                <a:alpha val="40000"/>
+              </a:prstClr>
+            </a:outerShdw>
+          </a:effectLst>
+        </p:spPr>
+        <p:style>
+          <a:lnRef idx="1">
+            <a:schemeClr val="dk1"/>
+          </a:lnRef>
+          <a:fillRef idx="2">
+            <a:schemeClr val="dk1"/>
+          </a:fillRef>
+          <a:effectRef idx="1">
+            <a:schemeClr val="dk1"/>
+          </a:effectRef>
+          <a:fontRef idx="minor">
+            <a:schemeClr val="dk1"/>
+          </a:fontRef>
+        </p:style>
+        <p:txBody>
+          <a:bodyPr rtlCol="0" anchor="ctr"/>
+          <a:lstStyle/>
+          <a:p>
+            <a:pPr algn="ctr"/>
+            <a:endParaRPr lang="sv-SE">
+              <a:solidFill>
+                <a:schemeClr val="tx1"/>
+              </a:solidFill>
+            </a:endParaRPr>
+          </a:p>
+        </p:txBody>
+      </p:sp>
+      <p:sp>
+        <p:nvSpPr>
+          <p:cNvPr id="17" name="Donut 16"/>
+          <p:cNvSpPr/>
+          <p:nvPr/>
+        </p:nvSpPr>
+        <p:spPr>
+          <a:xfrm>
+            <a:off x="7010400" y="3429000"/>
+            <a:ext cx="76200" cy="76200"/>
+          </a:xfrm>
+          <a:prstGeom prst="donut">
+            <a:avLst/>
+          </a:prstGeom>
+          <a:effectLst>
+            <a:glow rad="25400">
+              <a:schemeClr val="accent3">
+                <a:satMod val="175000"/>
+                <a:alpha val="40000"/>
+              </a:schemeClr>
+            </a:glow>
+            <a:outerShdw blurRad="50800" dist="38100" dir="18900000" algn="bl" rotWithShape="0">
+              <a:prstClr val="black">
+                <a:alpha val="40000"/>
+              </a:prstClr>
+            </a:outerShdw>
+          </a:effectLst>
+        </p:spPr>
+        <p:style>
+          <a:lnRef idx="1">
+            <a:schemeClr val="dk1"/>
+          </a:lnRef>
+          <a:fillRef idx="2">
+            <a:schemeClr val="dk1"/>
+          </a:fillRef>
+          <a:effectRef idx="1">
+            <a:schemeClr val="dk1"/>
+          </a:effectRef>
+          <a:fontRef idx="minor">
+            <a:schemeClr val="dk1"/>
+          </a:fontRef>
+        </p:style>
+        <p:txBody>
+          <a:bodyPr rtlCol="0" anchor="ctr"/>
+          <a:lstStyle/>
+          <a:p>
+            <a:pPr algn="ctr"/>
+            <a:endParaRPr lang="sv-SE">
+              <a:solidFill>
+                <a:schemeClr val="tx1"/>
+              </a:solidFill>
+            </a:endParaRPr>
+          </a:p>
+        </p:txBody>
+      </p:sp>
+      <p:sp>
+        <p:nvSpPr>
+          <p:cNvPr id="18" name="Donut 17"/>
+          <p:cNvSpPr/>
+          <p:nvPr/>
+        </p:nvSpPr>
+        <p:spPr>
+          <a:xfrm>
+            <a:off x="6096000" y="2971800"/>
+            <a:ext cx="76200" cy="76200"/>
+          </a:xfrm>
+          <a:prstGeom prst="donut">
+            <a:avLst/>
+          </a:prstGeom>
+          <a:effectLst>
+            <a:glow rad="25400">
+              <a:schemeClr val="accent3">
+                <a:satMod val="175000"/>
+                <a:alpha val="40000"/>
+              </a:schemeClr>
+            </a:glow>
+            <a:outerShdw blurRad="50800" dist="38100" dir="18900000" algn="bl" rotWithShape="0">
+              <a:prstClr val="black">
+                <a:alpha val="40000"/>
+              </a:prstClr>
+            </a:outerShdw>
+          </a:effectLst>
+        </p:spPr>
+        <p:style>
+          <a:lnRef idx="1">
+            <a:schemeClr val="dk1"/>
+          </a:lnRef>
+          <a:fillRef idx="2">
+            <a:schemeClr val="dk1"/>
+          </a:fillRef>
+          <a:effectRef idx="1">
+            <a:schemeClr val="dk1"/>
+          </a:effectRef>
+          <a:fontRef idx="minor">
+            <a:schemeClr val="dk1"/>
+          </a:fontRef>
+        </p:style>
+        <p:txBody>
+          <a:bodyPr rtlCol="0" anchor="ctr"/>
+          <a:lstStyle/>
+          <a:p>
+            <a:pPr algn="ctr"/>
+            <a:endParaRPr lang="sv-SE">
+              <a:solidFill>
+                <a:schemeClr val="tx1"/>
+              </a:solidFill>
+            </a:endParaRPr>
+          </a:p>
+        </p:txBody>
+      </p:sp>
+      <p:sp>
+        <p:nvSpPr>
+          <p:cNvPr id="19" name="Donut 18"/>
+          <p:cNvSpPr/>
+          <p:nvPr/>
+        </p:nvSpPr>
+        <p:spPr>
+          <a:xfrm>
+            <a:off x="6400800" y="4038600"/>
+            <a:ext cx="76200" cy="76200"/>
+          </a:xfrm>
+          <a:prstGeom prst="donut">
+            <a:avLst/>
+          </a:prstGeom>
+          <a:effectLst>
+            <a:glow rad="25400">
+              <a:schemeClr val="accent3">
+                <a:satMod val="175000"/>
+                <a:alpha val="40000"/>
+              </a:schemeClr>
+            </a:glow>
+            <a:outerShdw blurRad="50800" dist="38100" dir="18900000" algn="bl" rotWithShape="0">
+              <a:prstClr val="black">
+                <a:alpha val="40000"/>
+              </a:prstClr>
+            </a:outerShdw>
+          </a:effectLst>
+        </p:spPr>
+        <p:style>
+          <a:lnRef idx="1">
+            <a:schemeClr val="dk1"/>
+          </a:lnRef>
+          <a:fillRef idx="2">
+            <a:schemeClr val="dk1"/>
+          </a:fillRef>
+          <a:effectRef idx="1">
+            <a:schemeClr val="dk1"/>
+          </a:effectRef>
+          <a:fontRef idx="minor">
+            <a:schemeClr val="dk1"/>
+          </a:fontRef>
+        </p:style>
+        <p:txBody>
+          <a:bodyPr rtlCol="0" anchor="ctr"/>
+          <a:lstStyle/>
+          <a:p>
+            <a:pPr algn="ctr"/>
+            <a:endParaRPr lang="sv-SE">
+              <a:solidFill>
+                <a:schemeClr val="tx1"/>
+              </a:solidFill>
+            </a:endParaRPr>
+          </a:p>
+        </p:txBody>
+      </p:sp>
+      <p:sp>
+        <p:nvSpPr>
+          <p:cNvPr id="56" name="TextBox 55"/>
+          <p:cNvSpPr txBox="1"/>
+          <p:nvPr/>
+        </p:nvSpPr>
+        <p:spPr>
+          <a:xfrm>
+            <a:off x="2844800" y="4342368"/>
+            <a:ext cx="344966" cy="369332"/>
+          </a:xfrm>
+          <a:prstGeom prst="rect">
+            <a:avLst/>
+          </a:prstGeom>
+          <a:noFill/>
+          <a:effectLst>
+            <a:reflection blurRad="6350" stA="50000" endA="300" endPos="90000" dir="5400000" sy="-100000" algn="bl" rotWithShape="0"/>
+          </a:effectLst>
+        </p:spPr>
+        <p:txBody>
+          <a:bodyPr wrap="none" rtlCol="0">
+            <a:spAutoFit/>
           </a:bodyPr>
           <a:lstStyle/>
           <a:p>
             <a:r>
-              <a:rPr lang="en-US" dirty="0" smtClean="0"/>
-              <a:t>Find feature points, using Harris response </a:t>
-            </a:r>
-          </a:p>
-          <a:p>
-            <a:pPr lvl="1"/>
-            <a:r>
-              <a:rPr lang="en-US" dirty="0" smtClean="0"/>
-              <a:t>Minimum relative quality</a:t>
-            </a:r>
-          </a:p>
-          <a:p>
-            <a:pPr lvl="1"/>
-            <a:r>
-              <a:rPr lang="en-US" dirty="0" smtClean="0"/>
-              <a:t>Minimum distance</a:t>
-            </a:r>
-            <a:endParaRPr lang="en-US" dirty="0"/>
-          </a:p>
-          <a:p>
-            <a:endParaRPr lang="en-US" dirty="0" smtClean="0"/>
-          </a:p>
-          <a:p>
-            <a:r>
-              <a:rPr lang="en-US" dirty="0" smtClean="0"/>
-              <a:t>Calculate descriptor, using SIFT</a:t>
-            </a:r>
-          </a:p>
-          <a:p>
-            <a:pPr lvl="1"/>
-            <a:endParaRPr lang="en-US" dirty="0"/>
-          </a:p>
-          <a:p>
-            <a:r>
-              <a:rPr lang="en-US" dirty="0" smtClean="0"/>
-              <a:t>Calculate correspondences, using Brute Force</a:t>
-            </a:r>
+              <a:rPr lang="sv-SE" b="1" spc="50" dirty="0" smtClean="0">
+                <a:ln w="13500">
+                  <a:solidFill>
+                    <a:schemeClr val="accent1">
+                      <a:shade val="2500"/>
+                      <a:alpha val="6500"/>
+                    </a:schemeClr>
+                  </a:solidFill>
+                  <a:prstDash val="solid"/>
+                </a:ln>
+                <a:solidFill>
+                  <a:schemeClr val="accent1">
+                    <a:tint val="3000"/>
+                    <a:alpha val="95000"/>
+                  </a:schemeClr>
+                </a:solidFill>
+                <a:effectLst>
+                  <a:innerShdw blurRad="50900" dist="38500" dir="13500000">
+                    <a:srgbClr val="000000">
+                      <a:alpha val="60000"/>
+                    </a:srgbClr>
+                  </a:innerShdw>
+                </a:effectLst>
+                <a:latin typeface="Arial Black" pitchFamily="34" charset="0"/>
+              </a:rPr>
+              <a:t>1</a:t>
+            </a:r>
+            <a:endParaRPr lang="sv-SE" b="1" spc="50" dirty="0">
+              <a:ln w="13500">
+                <a:solidFill>
+                  <a:schemeClr val="accent1">
+                    <a:shade val="2500"/>
+                    <a:alpha val="6500"/>
+                  </a:schemeClr>
+                </a:solidFill>
+                <a:prstDash val="solid"/>
+              </a:ln>
+              <a:solidFill>
+                <a:schemeClr val="accent1">
+                  <a:tint val="3000"/>
+                  <a:alpha val="95000"/>
+                </a:schemeClr>
+              </a:solidFill>
+              <a:effectLst>
+                <a:innerShdw blurRad="50900" dist="38500" dir="13500000">
+                  <a:srgbClr val="000000">
+                    <a:alpha val="60000"/>
+                  </a:srgbClr>
+                </a:innerShdw>
+              </a:effectLst>
+              <a:latin typeface="Arial Black" pitchFamily="34" charset="0"/>
+            </a:endParaRPr>
+          </a:p>
+        </p:txBody>
+      </p:sp>
+      <p:sp>
+        <p:nvSpPr>
+          <p:cNvPr id="57" name="TextBox 56"/>
+          <p:cNvSpPr txBox="1"/>
+          <p:nvPr/>
+        </p:nvSpPr>
+        <p:spPr>
+          <a:xfrm>
+            <a:off x="5587908" y="4336018"/>
+            <a:ext cx="344966" cy="369332"/>
+          </a:xfrm>
+          <a:prstGeom prst="rect">
+            <a:avLst/>
+          </a:prstGeom>
+          <a:noFill/>
+          <a:effectLst>
+            <a:reflection blurRad="6350" stA="50000" endA="300" endPos="90000" dir="5400000" sy="-100000" algn="bl" rotWithShape="0"/>
+          </a:effectLst>
+        </p:spPr>
+        <p:txBody>
+          <a:bodyPr wrap="none" rtlCol="0">
+            <a:spAutoFit/>
+          </a:bodyPr>
+          <a:lstStyle/>
+          <a:p>
+            <a:r>
+              <a:rPr lang="sv-SE" b="1" spc="50" dirty="0" smtClean="0">
+                <a:ln w="13500">
+                  <a:solidFill>
+                    <a:schemeClr val="accent1">
+                      <a:shade val="2500"/>
+                      <a:alpha val="6500"/>
+                    </a:schemeClr>
+                  </a:solidFill>
+                  <a:prstDash val="solid"/>
+                </a:ln>
+                <a:solidFill>
+                  <a:schemeClr val="accent1">
+                    <a:tint val="3000"/>
+                    <a:alpha val="95000"/>
+                  </a:schemeClr>
+                </a:solidFill>
+                <a:effectLst>
+                  <a:innerShdw blurRad="50900" dist="38500" dir="13500000">
+                    <a:srgbClr val="000000">
+                      <a:alpha val="60000"/>
+                    </a:srgbClr>
+                  </a:innerShdw>
+                </a:effectLst>
+                <a:latin typeface="Arial Black" pitchFamily="34" charset="0"/>
+              </a:rPr>
+              <a:t>2</a:t>
+            </a:r>
+            <a:endParaRPr lang="sv-SE" b="1" spc="50" dirty="0">
+              <a:ln w="13500">
+                <a:solidFill>
+                  <a:schemeClr val="accent1">
+                    <a:shade val="2500"/>
+                    <a:alpha val="6500"/>
+                  </a:schemeClr>
+                </a:solidFill>
+                <a:prstDash val="solid"/>
+              </a:ln>
+              <a:solidFill>
+                <a:schemeClr val="accent1">
+                  <a:tint val="3000"/>
+                  <a:alpha val="95000"/>
+                </a:schemeClr>
+              </a:solidFill>
+              <a:effectLst>
+                <a:innerShdw blurRad="50900" dist="38500" dir="13500000">
+                  <a:srgbClr val="000000">
+                    <a:alpha val="60000"/>
+                  </a:srgbClr>
+                </a:innerShdw>
+              </a:effectLst>
+              <a:latin typeface="Arial Black" pitchFamily="34" charset="0"/>
+            </a:endParaRPr>
+          </a:p>
+        </p:txBody>
+      </p:sp>
+      <p:sp>
+        <p:nvSpPr>
+          <p:cNvPr id="58" name="TextBox 57"/>
+          <p:cNvSpPr txBox="1"/>
+          <p:nvPr/>
+        </p:nvSpPr>
+        <p:spPr>
+          <a:xfrm>
+            <a:off x="8337550" y="4336018"/>
+            <a:ext cx="344966" cy="369332"/>
+          </a:xfrm>
+          <a:prstGeom prst="rect">
+            <a:avLst/>
+          </a:prstGeom>
+          <a:noFill/>
+          <a:effectLst>
+            <a:reflection blurRad="6350" stA="50000" endA="300" endPos="90000" dir="5400000" sy="-100000" algn="bl" rotWithShape="0"/>
+          </a:effectLst>
+        </p:spPr>
+        <p:txBody>
+          <a:bodyPr wrap="none" rtlCol="0">
+            <a:spAutoFit/>
+          </a:bodyPr>
+          <a:lstStyle/>
+          <a:p>
+            <a:r>
+              <a:rPr lang="sv-SE" b="1" spc="50" dirty="0" smtClean="0">
+                <a:ln w="13500">
+                  <a:solidFill>
+                    <a:schemeClr val="accent1">
+                      <a:shade val="2500"/>
+                      <a:alpha val="6500"/>
+                    </a:schemeClr>
+                  </a:solidFill>
+                  <a:prstDash val="solid"/>
+                </a:ln>
+                <a:solidFill>
+                  <a:schemeClr val="accent1">
+                    <a:tint val="3000"/>
+                    <a:alpha val="95000"/>
+                  </a:schemeClr>
+                </a:solidFill>
+                <a:effectLst>
+                  <a:innerShdw blurRad="50900" dist="38500" dir="13500000">
+                    <a:srgbClr val="000000">
+                      <a:alpha val="60000"/>
+                    </a:srgbClr>
+                  </a:innerShdw>
+                </a:effectLst>
+                <a:latin typeface="Arial Black" pitchFamily="34" charset="0"/>
+              </a:rPr>
+              <a:t>3</a:t>
+            </a:r>
+            <a:endParaRPr lang="sv-SE" b="1" spc="50" dirty="0">
+              <a:ln w="13500">
+                <a:solidFill>
+                  <a:schemeClr val="accent1">
+                    <a:shade val="2500"/>
+                    <a:alpha val="6500"/>
+                  </a:schemeClr>
+                </a:solidFill>
+                <a:prstDash val="solid"/>
+              </a:ln>
+              <a:solidFill>
+                <a:schemeClr val="accent1">
+                  <a:tint val="3000"/>
+                  <a:alpha val="95000"/>
+                </a:schemeClr>
+              </a:solidFill>
+              <a:effectLst>
+                <a:innerShdw blurRad="50900" dist="38500" dir="13500000">
+                  <a:srgbClr val="000000">
+                    <a:alpha val="60000"/>
+                  </a:srgbClr>
+                </a:innerShdw>
+              </a:effectLst>
+              <a:latin typeface="Arial Black" pitchFamily="34" charset="0"/>
+            </a:endParaRPr>
           </a:p>
         </p:txBody>
       </p:sp>
     </p:spTree>
+    <p:extLst>
+      <p:ext uri="{BB962C8B-B14F-4D97-AF65-F5344CB8AC3E}">
+        <p14:creationId xmlns:p14="http://schemas.microsoft.com/office/powerpoint/2010/main" val="1483301914"/>
+      </p:ext>
+    </p:extLst>
   </p:cSld>
   <p:clrMapOvr>
     <a:masterClrMapping/>
@@ -5740,7 +7047,7 @@
           <a:p>
             <a:r>
               <a:rPr lang="en-US" dirty="0" smtClean="0"/>
-              <a:t>Feature Points</a:t>
+              <a:t>2D point extraction</a:t>
             </a:r>
             <a:endParaRPr lang="en-US" dirty="0"/>
           </a:p>
@@ -5763,10 +7070,99 @@
           </a:bodyPr>
           <a:lstStyle/>
           <a:p>
-            <a:pPr marL="118872" indent="0">
-              <a:buNone/>
-            </a:pPr>
+            <a:r>
+              <a:rPr lang="en-US" dirty="0" smtClean="0"/>
+              <a:t>Find feature points, using Harris response </a:t>
+            </a:r>
+          </a:p>
+          <a:p>
+            <a:pPr lvl="1"/>
+            <a:r>
+              <a:rPr lang="en-US" dirty="0" smtClean="0"/>
+              <a:t>Minimum relative quality</a:t>
+            </a:r>
+          </a:p>
+          <a:p>
+            <a:pPr lvl="1"/>
+            <a:r>
+              <a:rPr lang="en-US" dirty="0" smtClean="0"/>
+              <a:t>Minimum distance</a:t>
+            </a:r>
+            <a:endParaRPr lang="en-US" dirty="0"/>
+          </a:p>
+          <a:p>
             <a:endParaRPr lang="en-US" dirty="0" smtClean="0"/>
+          </a:p>
+          <a:p>
+            <a:r>
+              <a:rPr lang="en-US" dirty="0" smtClean="0"/>
+              <a:t>Calculate descriptor, using SIFT</a:t>
+            </a:r>
+          </a:p>
+          <a:p>
+            <a:pPr lvl="1"/>
+            <a:endParaRPr lang="en-US" dirty="0"/>
+          </a:p>
+          <a:p>
+            <a:r>
+              <a:rPr lang="en-US" dirty="0" smtClean="0"/>
+              <a:t>Calculate correspondences, using Brute Force</a:t>
+            </a:r>
+          </a:p>
+        </p:txBody>
+      </p:sp>
+    </p:spTree>
+  </p:cSld>
+  <p:clrMapOvr>
+    <a:masterClrMapping/>
+  </p:clrMapOvr>
+  <p:timing>
+    <p:tnLst>
+      <p:par>
+        <p:cTn id="1" dur="indefinite" restart="never" nodeType="tmRoot"/>
+      </p:par>
+    </p:tnLst>
+  </p:timing>
+</p:sld>
+</file>
+
+<file path=ppt/slides/slide8.xml><?xml version="1.0" encoding="utf-8"?>
+<p:sld xmlns:a="http://schemas.openxmlformats.org/drawingml/2006/main" xmlns:r="http://schemas.openxmlformats.org/officeDocument/2006/relationships" xmlns:p="http://schemas.openxmlformats.org/presentationml/2006/main">
+  <p:cSld>
+    <p:spTree>
+      <p:nvGrpSpPr>
+        <p:cNvPr id="1" name=""/>
+        <p:cNvGrpSpPr/>
+        <p:nvPr/>
+      </p:nvGrpSpPr>
+      <p:grpSpPr>
+        <a:xfrm>
+          <a:off x="0" y="0"/>
+          <a:ext cx="0" cy="0"/>
+          <a:chOff x="0" y="0"/>
+          <a:chExt cx="0" cy="0"/>
+        </a:xfrm>
+      </p:grpSpPr>
+      <p:sp>
+        <p:nvSpPr>
+          <p:cNvPr id="2" name="Title 1"/>
+          <p:cNvSpPr>
+            <a:spLocks noGrp="1"/>
+          </p:cNvSpPr>
+          <p:nvPr>
+            <p:ph type="title"/>
+          </p:nvPr>
+        </p:nvSpPr>
+        <p:spPr/>
+        <p:txBody>
+          <a:bodyPr/>
+          <a:lstStyle/>
+          <a:p>
+            <a:r>
+              <a:rPr lang="en-US" dirty="0" smtClean="0"/>
+              <a:t>Feature Points</a:t>
+            </a:r>
+            <a:endParaRPr lang="en-US" dirty="0"/>
           </a:p>
         </p:txBody>
       </p:sp>
@@ -5831,7 +7227,7 @@
 </p:sld>
 </file>
 
-<file path=ppt/slides/slide8.xml><?xml version="1.0" encoding="utf-8"?>
+<file path=ppt/slides/slide9.xml><?xml version="1.0" encoding="utf-8"?>
 <p:sld xmlns:a="http://schemas.openxmlformats.org/drawingml/2006/main" xmlns:r="http://schemas.openxmlformats.org/officeDocument/2006/relationships" xmlns:p="http://schemas.openxmlformats.org/presentationml/2006/main">
   <p:cSld>
     <p:spTree>
@@ -5868,30 +7264,6 @@
               <a:t>Corresponding Points</a:t>
             </a:r>
             <a:endParaRPr lang="en-US" dirty="0"/>
-          </a:p>
-        </p:txBody>
-      </p:sp>
-      <p:sp>
-        <p:nvSpPr>
-          <p:cNvPr id="5" name="Content Placeholder 2"/>
-          <p:cNvSpPr>
-            <a:spLocks noGrp="1"/>
-          </p:cNvSpPr>
-          <p:nvPr>
-            <p:ph idx="1"/>
-          </p:nvPr>
-        </p:nvSpPr>
-        <p:spPr/>
-        <p:txBody>
-          <a:bodyPr>
-            <a:normAutofit/>
-          </a:bodyPr>
-          <a:lstStyle/>
-          <a:p>
-            <a:pPr marL="118872" indent="0">
-              <a:buNone/>
-            </a:pPr>
-            <a:endParaRPr lang="en-US" dirty="0" smtClean="0"/>
           </a:p>
         </p:txBody>
       </p:sp>
@@ -5942,94 +7314,6 @@
         <p14:creationId xmlns:p14="http://schemas.microsoft.com/office/powerpoint/2010/main" val="2941603328"/>
       </p:ext>
     </p:extLst>
-  </p:cSld>
-  <p:clrMapOvr>
-    <a:masterClrMapping/>
-  </p:clrMapOvr>
-  <p:timing>
-    <p:tnLst>
-      <p:par>
-        <p:cTn id="1" dur="indefinite" restart="never" nodeType="tmRoot"/>
-      </p:par>
-    </p:tnLst>
-  </p:timing>
-</p:sld>
-</file>
-
-<file path=ppt/slides/slide9.xml><?xml version="1.0" encoding="utf-8"?>
-<p:sld xmlns:a="http://schemas.openxmlformats.org/drawingml/2006/main" xmlns:r="http://schemas.openxmlformats.org/officeDocument/2006/relationships" xmlns:p="http://schemas.openxmlformats.org/presentationml/2006/main">
-  <p:cSld>
-    <p:spTree>
-      <p:nvGrpSpPr>
-        <p:cNvPr id="1" name=""/>
-        <p:cNvGrpSpPr/>
-        <p:nvPr/>
-      </p:nvGrpSpPr>
-      <p:grpSpPr>
-        <a:xfrm>
-          <a:off x="0" y="0"/>
-          <a:ext cx="0" cy="0"/>
-          <a:chOff x="0" y="0"/>
-          <a:chExt cx="0" cy="0"/>
-        </a:xfrm>
-      </p:grpSpPr>
-      <p:sp>
-        <p:nvSpPr>
-          <p:cNvPr id="2" name="Title 1"/>
-          <p:cNvSpPr>
-            <a:spLocks noGrp="1"/>
-          </p:cNvSpPr>
-          <p:nvPr>
-            <p:ph type="title"/>
-          </p:nvPr>
-        </p:nvSpPr>
-        <p:spPr/>
-        <p:txBody>
-          <a:bodyPr/>
-          <a:lstStyle/>
-          <a:p>
-            <a:r>
-              <a:rPr lang="en-US" dirty="0" smtClean="0"/>
-              <a:t>Initial Pose</a:t>
-            </a:r>
-            <a:endParaRPr lang="en-US" dirty="0"/>
-          </a:p>
-        </p:txBody>
-      </p:sp>
-      <p:sp>
-        <p:nvSpPr>
-          <p:cNvPr id="3" name="Content Placeholder 2"/>
-          <p:cNvSpPr>
-            <a:spLocks noGrp="1"/>
-          </p:cNvSpPr>
-          <p:nvPr>
-            <p:ph idx="1"/>
-          </p:nvPr>
-        </p:nvSpPr>
-        <p:spPr/>
-        <p:txBody>
-          <a:bodyPr>
-            <a:normAutofit/>
-          </a:bodyPr>
-          <a:lstStyle/>
-          <a:p>
-            <a:r>
-              <a:rPr lang="sv-SE" dirty="0" smtClean="0"/>
-              <a:t>Initial relation between cameras is calculated from the essential matrix, according to algorithm described in an epic compendium by Klas Nordberg.</a:t>
-            </a:r>
-          </a:p>
-          <a:p>
-            <a:endParaRPr lang="sv-SE" dirty="0"/>
-          </a:p>
-          <a:p>
-            <a:r>
-              <a:rPr lang="sv-SE" dirty="0" smtClean="0"/>
-              <a:t>Algorithm used as initial guess for PnP </a:t>
-            </a:r>
-          </a:p>
-        </p:txBody>
-      </p:sp>
-    </p:spTree>
   </p:cSld>
   <p:clrMapOvr>
     <a:masterClrMapping/>

--- a/3D Reconstruction/Documentation/TSBB15prez.pptx
+++ b/3D Reconstruction/Documentation/TSBB15prez.pptx
@@ -5,7 +5,7 @@
     <p:sldMasterId id="2147483684" r:id="rId1"/>
   </p:sldMasterIdLst>
   <p:handoutMasterIdLst>
-    <p:handoutMasterId r:id="rId18"/>
+    <p:handoutMasterId r:id="rId19"/>
   </p:handoutMasterIdLst>
   <p:sldIdLst>
     <p:sldId id="256" r:id="rId2"/>
@@ -19,11 +19,12 @@
     <p:sldId id="301" r:id="rId10"/>
     <p:sldId id="269" r:id="rId11"/>
     <p:sldId id="302" r:id="rId12"/>
-    <p:sldId id="303" r:id="rId13"/>
-    <p:sldId id="304" r:id="rId14"/>
-    <p:sldId id="293" r:id="rId15"/>
-    <p:sldId id="278" r:id="rId16"/>
-    <p:sldId id="279" r:id="rId17"/>
+    <p:sldId id="307" r:id="rId13"/>
+    <p:sldId id="303" r:id="rId14"/>
+    <p:sldId id="304" r:id="rId15"/>
+    <p:sldId id="293" r:id="rId16"/>
+    <p:sldId id="278" r:id="rId17"/>
+    <p:sldId id="279" r:id="rId18"/>
   </p:sldIdLst>
   <p:sldSz cx="9144000" cy="6858000" type="screen4x3"/>
   <p:notesSz cx="6858000" cy="9144000"/>
@@ -138,6 +139,7 @@
             <p14:sldId id="301"/>
             <p14:sldId id="269"/>
             <p14:sldId id="302"/>
+            <p14:sldId id="307"/>
             <p14:sldId id="303"/>
             <p14:sldId id="304"/>
             <p14:sldId id="293"/>
@@ -233,7 +235,7 @@
           <a:p>
             <a:fld id="{2D3CB711-9C12-4B13-9C7A-61DE322E86FC}" type="datetimeFigureOut">
               <a:rPr lang="sv-SE" smtClean="0"/>
-              <a:t>2013-05-20</a:t>
+              <a:t>2013-05-21</a:t>
             </a:fld>
             <a:endParaRPr lang="sv-SE"/>
           </a:p>
@@ -560,7 +562,7 @@
             <a:fld id="{8C5ACF3F-8D59-47DC-851F-E1BB6DFB0347}" type="datetimeFigureOut">
               <a:rPr lang="en-US" smtClean="0"/>
               <a:pPr/>
-              <a:t>5/20/2013</a:t>
+              <a:t>5/21/2013</a:t>
             </a:fld>
             <a:endParaRPr lang="en-US"/>
           </a:p>
@@ -785,7 +787,7 @@
             <a:fld id="{8C5ACF3F-8D59-47DC-851F-E1BB6DFB0347}" type="datetimeFigureOut">
               <a:rPr lang="en-US" smtClean="0"/>
               <a:pPr/>
-              <a:t>5/20/2013</a:t>
+              <a:t>5/21/2013</a:t>
             </a:fld>
             <a:endParaRPr lang="en-US"/>
           </a:p>
@@ -1067,7 +1069,7 @@
             <a:fld id="{8C5ACF3F-8D59-47DC-851F-E1BB6DFB0347}" type="datetimeFigureOut">
               <a:rPr lang="en-US" smtClean="0"/>
               <a:pPr/>
-              <a:t>5/20/2013</a:t>
+              <a:t>5/21/2013</a:t>
             </a:fld>
             <a:endParaRPr lang="en-US"/>
           </a:p>
@@ -1248,7 +1250,7 @@
             <a:fld id="{8C5ACF3F-8D59-47DC-851F-E1BB6DFB0347}" type="datetimeFigureOut">
               <a:rPr lang="en-US" smtClean="0"/>
               <a:pPr/>
-              <a:t>5/20/2013</a:t>
+              <a:t>5/21/2013</a:t>
             </a:fld>
             <a:endParaRPr lang="en-US"/>
           </a:p>
@@ -1603,7 +1605,7 @@
             <a:fld id="{8C5ACF3F-8D59-47DC-851F-E1BB6DFB0347}" type="datetimeFigureOut">
               <a:rPr lang="en-US" smtClean="0"/>
               <a:pPr/>
-              <a:t>5/20/2013</a:t>
+              <a:t>5/21/2013</a:t>
             </a:fld>
             <a:endParaRPr lang="en-US"/>
           </a:p>
@@ -1892,7 +1894,7 @@
             <a:fld id="{8C5ACF3F-8D59-47DC-851F-E1BB6DFB0347}" type="datetimeFigureOut">
               <a:rPr lang="en-US" smtClean="0"/>
               <a:pPr/>
-              <a:t>5/20/2013</a:t>
+              <a:t>5/21/2013</a:t>
             </a:fld>
             <a:endParaRPr lang="en-US"/>
           </a:p>
@@ -2316,7 +2318,7 @@
             <a:fld id="{8C5ACF3F-8D59-47DC-851F-E1BB6DFB0347}" type="datetimeFigureOut">
               <a:rPr lang="en-US" smtClean="0"/>
               <a:pPr/>
-              <a:t>5/20/2013</a:t>
+              <a:t>5/21/2013</a:t>
             </a:fld>
             <a:endParaRPr lang="en-US"/>
           </a:p>
@@ -2433,7 +2435,7 @@
             <a:fld id="{8C5ACF3F-8D59-47DC-851F-E1BB6DFB0347}" type="datetimeFigureOut">
               <a:rPr lang="en-US" smtClean="0"/>
               <a:pPr/>
-              <a:t>5/20/2013</a:t>
+              <a:t>5/21/2013</a:t>
             </a:fld>
             <a:endParaRPr lang="en-US"/>
           </a:p>
@@ -2525,7 +2527,7 @@
             <a:fld id="{8C5ACF3F-8D59-47DC-851F-E1BB6DFB0347}" type="datetimeFigureOut">
               <a:rPr lang="en-US" smtClean="0"/>
               <a:pPr/>
-              <a:t>5/20/2013</a:t>
+              <a:t>5/21/2013</a:t>
             </a:fld>
             <a:endParaRPr lang="en-US"/>
           </a:p>
@@ -2805,7 +2807,7 @@
             <a:fld id="{8C5ACF3F-8D59-47DC-851F-E1BB6DFB0347}" type="datetimeFigureOut">
               <a:rPr lang="en-US" smtClean="0"/>
               <a:pPr/>
-              <a:t>5/20/2013</a:t>
+              <a:t>5/21/2013</a:t>
             </a:fld>
             <a:endParaRPr lang="en-US"/>
           </a:p>
@@ -3168,7 +3170,7 @@
             <a:fld id="{8C5ACF3F-8D59-47DC-851F-E1BB6DFB0347}" type="datetimeFigureOut">
               <a:rPr lang="en-US" smtClean="0"/>
               <a:pPr/>
-              <a:t>5/20/2013</a:t>
+              <a:t>5/21/2013</a:t>
             </a:fld>
             <a:endParaRPr lang="en-US"/>
           </a:p>
@@ -3624,7 +3626,7 @@
             <a:fld id="{8C5ACF3F-8D59-47DC-851F-E1BB6DFB0347}" type="datetimeFigureOut">
               <a:rPr lang="en-US" smtClean="0"/>
               <a:pPr/>
-              <a:t>5/20/2013</a:t>
+              <a:t>5/21/2013</a:t>
             </a:fld>
             <a:endParaRPr lang="en-US"/>
           </a:p>
@@ -4301,9 +4303,19 @@
               <a:t>Implemented using </a:t>
             </a:r>
             <a:r>
+              <a:rPr lang="en-US" dirty="0" smtClean="0"/>
+              <a:t>the </a:t>
+            </a:r>
+            <a:r>
               <a:rPr lang="en-US" dirty="0" err="1" smtClean="0"/>
               <a:t>levmar</a:t>
             </a:r>
+            <a:r>
+              <a:rPr lang="en-US" dirty="0" smtClean="0"/>
+              <a:t> API</a:t>
+            </a:r>
+          </a:p>
+          <a:p>
             <a:endParaRPr lang="en-US" dirty="0" smtClean="0"/>
           </a:p>
           <a:p>
@@ -4338,14 +4350,31 @@
             <a:pPr lvl="1"/>
             <a:r>
               <a:rPr lang="en-US" dirty="0" smtClean="0"/>
-              <a:t>Bundle adjustment</a:t>
-            </a:r>
+              <a:t>Bundle </a:t>
+            </a:r>
+            <a:r>
+              <a:rPr lang="en-US" dirty="0" smtClean="0"/>
+              <a:t>adjustment</a:t>
+            </a:r>
+          </a:p>
+          <a:p>
+            <a:pPr marL="457200" lvl="1" indent="0">
+              <a:buNone/>
+            </a:pPr>
             <a:endParaRPr lang="en-US" dirty="0"/>
           </a:p>
           <a:p>
             <a:r>
               <a:rPr lang="en-US" dirty="0" smtClean="0"/>
-              <a:t>Minimizes re-projection error over specified parameters.</a:t>
+              <a:t>Minimizes </a:t>
+            </a:r>
+            <a:r>
+              <a:rPr lang="en-US" dirty="0" smtClean="0"/>
+              <a:t>squared re-projection </a:t>
+            </a:r>
+            <a:r>
+              <a:rPr lang="en-US" dirty="0" smtClean="0"/>
+              <a:t>error over specified parameters.</a:t>
             </a:r>
             <a:endParaRPr lang="en-US" dirty="0"/>
           </a:p>
@@ -4393,33 +4422,6 @@
         </p:nvSpPr>
         <p:spPr/>
         <p:txBody>
-          <a:bodyPr/>
-          <a:lstStyle/>
-          <a:p>
-            <a:r>
-              <a:rPr lang="en-US" smtClean="0"/>
-              <a:t>Solving the </a:t>
-            </a:r>
-            <a:r>
-              <a:rPr lang="en-US" dirty="0" smtClean="0"/>
-              <a:t>PnP</a:t>
-            </a:r>
-            <a:endParaRPr lang="en-US" dirty="0"/>
-          </a:p>
-        </p:txBody>
-      </p:sp>
-      <p:sp>
-        <p:nvSpPr>
-          <p:cNvPr id="3" name="Content Placeholder 2"/>
-          <p:cNvSpPr>
-            <a:spLocks noGrp="1"/>
-          </p:cNvSpPr>
-          <p:nvPr>
-            <p:ph idx="1"/>
-          </p:nvPr>
-        </p:nvSpPr>
-        <p:spPr/>
-        <p:txBody>
           <a:bodyPr>
             <a:normAutofit/>
           </a:bodyPr>
@@ -4427,6 +4429,147 @@
           <a:p>
             <a:r>
               <a:rPr lang="en-US" dirty="0" smtClean="0"/>
+              <a:t>Rotation parameterization</a:t>
+            </a:r>
+            <a:endParaRPr lang="en-US" dirty="0"/>
+          </a:p>
+        </p:txBody>
+      </p:sp>
+      <p:sp>
+        <p:nvSpPr>
+          <p:cNvPr id="3" name="Content Placeholder 2"/>
+          <p:cNvSpPr>
+            <a:spLocks noGrp="1"/>
+          </p:cNvSpPr>
+          <p:nvPr>
+            <p:ph idx="1"/>
+          </p:nvPr>
+        </p:nvSpPr>
+        <p:spPr/>
+        <p:txBody>
+          <a:bodyPr>
+            <a:normAutofit/>
+          </a:bodyPr>
+          <a:lstStyle/>
+          <a:p>
+            <a:r>
+              <a:rPr lang="en-US" dirty="0" smtClean="0"/>
+              <a:t>Vector representation</a:t>
+            </a:r>
+          </a:p>
+          <a:p>
+            <a:endParaRPr lang="en-US" dirty="0"/>
+          </a:p>
+          <a:p>
+            <a:r>
+              <a:rPr lang="en-US" dirty="0" smtClean="0"/>
+              <a:t>Support exists in </a:t>
+            </a:r>
+            <a:r>
+              <a:rPr lang="en-US" dirty="0" err="1" smtClean="0"/>
+              <a:t>OpenCV</a:t>
+            </a:r>
+            <a:r>
+              <a:rPr lang="en-US" dirty="0" smtClean="0"/>
+              <a:t>: (cv::Rodrigues)</a:t>
+            </a:r>
+          </a:p>
+          <a:p>
+            <a:endParaRPr lang="en-US" dirty="0"/>
+          </a:p>
+          <a:p>
+            <a:r>
+              <a:rPr lang="en-US" dirty="0" smtClean="0"/>
+              <a:t>Allows for unconstrained optimization</a:t>
+            </a:r>
+          </a:p>
+          <a:p>
+            <a:endParaRPr lang="en-US" dirty="0"/>
+          </a:p>
+          <a:p>
+            <a:r>
+              <a:rPr lang="en-US" dirty="0" smtClean="0"/>
+              <a:t>Ambiguity in the mapping from parameter vector to matrix</a:t>
+            </a:r>
+          </a:p>
+        </p:txBody>
+      </p:sp>
+    </p:spTree>
+    <p:extLst>
+      <p:ext uri="{BB962C8B-B14F-4D97-AF65-F5344CB8AC3E}">
+        <p14:creationId xmlns:p14="http://schemas.microsoft.com/office/powerpoint/2010/main" val="3881664345"/>
+      </p:ext>
+    </p:extLst>
+  </p:cSld>
+  <p:clrMapOvr>
+    <a:masterClrMapping/>
+  </p:clrMapOvr>
+</p:sld>
+</file>
+
+<file path=ppt/slides/slide13.xml><?xml version="1.0" encoding="utf-8"?>
+<p:sld xmlns:a="http://schemas.openxmlformats.org/drawingml/2006/main" xmlns:r="http://schemas.openxmlformats.org/officeDocument/2006/relationships" xmlns:p="http://schemas.openxmlformats.org/presentationml/2006/main">
+  <p:cSld>
+    <p:spTree>
+      <p:nvGrpSpPr>
+        <p:cNvPr id="1" name=""/>
+        <p:cNvGrpSpPr/>
+        <p:nvPr/>
+      </p:nvGrpSpPr>
+      <p:grpSpPr>
+        <a:xfrm>
+          <a:off x="0" y="0"/>
+          <a:ext cx="0" cy="0"/>
+          <a:chOff x="0" y="0"/>
+          <a:chExt cx="0" cy="0"/>
+        </a:xfrm>
+      </p:grpSpPr>
+      <p:sp>
+        <p:nvSpPr>
+          <p:cNvPr id="2" name="Title 1"/>
+          <p:cNvSpPr>
+            <a:spLocks noGrp="1"/>
+          </p:cNvSpPr>
+          <p:nvPr>
+            <p:ph type="title"/>
+          </p:nvPr>
+        </p:nvSpPr>
+        <p:spPr/>
+        <p:txBody>
+          <a:bodyPr/>
+          <a:lstStyle/>
+          <a:p>
+            <a:r>
+              <a:rPr lang="en-US" smtClean="0"/>
+              <a:t>Solving the </a:t>
+            </a:r>
+            <a:r>
+              <a:rPr lang="en-US" dirty="0" smtClean="0"/>
+              <a:t>PnP</a:t>
+            </a:r>
+            <a:endParaRPr lang="en-US" dirty="0"/>
+          </a:p>
+        </p:txBody>
+      </p:sp>
+      <p:sp>
+        <p:nvSpPr>
+          <p:cNvPr id="3" name="Content Placeholder 2"/>
+          <p:cNvSpPr>
+            <a:spLocks noGrp="1"/>
+          </p:cNvSpPr>
+          <p:nvPr>
+            <p:ph idx="1"/>
+          </p:nvPr>
+        </p:nvSpPr>
+        <p:spPr/>
+        <p:txBody>
+          <a:bodyPr>
+            <a:normAutofit/>
+          </a:bodyPr>
+          <a:lstStyle/>
+          <a:p>
+            <a:r>
+              <a:rPr lang="en-US" dirty="0" smtClean="0"/>
               <a:t>Initial guess derived from F </a:t>
             </a:r>
             <a:r>
@@ -4435,7 +4578,20 @@
             </a:r>
             <a:r>
               <a:rPr lang="en-US" dirty="0" smtClean="0"/>
-              <a:t>(R &amp; t)</a:t>
+              <a:t>(R &amp; t</a:t>
+            </a:r>
+            <a:r>
+              <a:rPr lang="en-US" dirty="0" smtClean="0"/>
+              <a:t>)</a:t>
+            </a:r>
+          </a:p>
+          <a:p>
+            <a:endParaRPr lang="en-US" dirty="0" smtClean="0"/>
+          </a:p>
+          <a:p>
+            <a:r>
+              <a:rPr lang="en-US" dirty="0" smtClean="0"/>
+              <a:t>Use known correspondences from previous view</a:t>
             </a:r>
           </a:p>
           <a:p>
@@ -4444,44 +4600,7 @@
           <a:p>
             <a:r>
               <a:rPr lang="en-US" dirty="0" smtClean="0"/>
-              <a:t>Rotation parameterization</a:t>
-            </a:r>
-            <a:endParaRPr lang="en-US" dirty="0"/>
-          </a:p>
-          <a:p>
-            <a:pPr lvl="1"/>
-            <a:r>
-              <a:rPr lang="en-US" dirty="0" smtClean="0"/>
-              <a:t>Rotation vector representation</a:t>
-            </a:r>
-          </a:p>
-          <a:p>
-            <a:pPr lvl="1"/>
-            <a:r>
-              <a:rPr lang="en-US" dirty="0" smtClean="0"/>
-              <a:t>Support exists in </a:t>
-            </a:r>
-            <a:r>
-              <a:rPr lang="en-US" dirty="0" err="1" smtClean="0"/>
-              <a:t>OpenCV</a:t>
-            </a:r>
-            <a:r>
-              <a:rPr lang="en-US" dirty="0" smtClean="0"/>
-              <a:t> (cv::Rodrigues)</a:t>
-            </a:r>
-          </a:p>
-          <a:p>
-            <a:pPr lvl="1"/>
-            <a:r>
-              <a:rPr lang="en-US" dirty="0" smtClean="0"/>
-              <a:t>Allows for unconstrained optimization</a:t>
-            </a:r>
-          </a:p>
-          <a:p>
-            <a:pPr lvl="1"/>
-            <a:r>
-              <a:rPr lang="en-US" dirty="0" smtClean="0"/>
-              <a:t>Ambiguity in the mapping from parameter vector to rotation matrix</a:t>
+              <a:t>Threshold new points on re-projection error to remove outliers</a:t>
             </a:r>
             <a:endParaRPr lang="en-US" dirty="0"/>
           </a:p>
@@ -4519,7 +4638,7 @@
 </p:sld>
 </file>
 
-<file path=ppt/slides/slide13.xml><?xml version="1.0" encoding="utf-8"?>
+<file path=ppt/slides/slide14.xml><?xml version="1.0" encoding="utf-8"?>
 <p:sld xmlns:a="http://schemas.openxmlformats.org/drawingml/2006/main" xmlns:r="http://schemas.openxmlformats.org/officeDocument/2006/relationships" xmlns:p="http://schemas.openxmlformats.org/presentationml/2006/main">
   <p:cSld>
     <p:spTree>
@@ -4587,7 +4706,15 @@
           <a:p>
             <a:r>
               <a:rPr lang="en-US" dirty="0" smtClean="0"/>
-              <a:t>Computation time scales badly with the number of points</a:t>
+              <a:t>Computation time scales badly with the number </a:t>
+            </a:r>
+            <a:r>
+              <a:rPr lang="en-US" smtClean="0"/>
+              <a:t>of </a:t>
+            </a:r>
+            <a:r>
+              <a:rPr lang="en-US" smtClean="0"/>
+              <a:t>points and views</a:t>
             </a:r>
             <a:endParaRPr lang="en-US" dirty="0"/>
           </a:p>
@@ -4602,7 +4729,11 @@
             </a:br>
             <a:r>
               <a:rPr lang="en-US" dirty="0" smtClean="0"/>
-              <a:t>(50 points per view)</a:t>
+              <a:t>(30 </a:t>
+            </a:r>
+            <a:r>
+              <a:rPr lang="en-US" dirty="0" smtClean="0"/>
+              <a:t>points per view)</a:t>
             </a:r>
             <a:endParaRPr lang="en-US" dirty="0"/>
           </a:p>
@@ -4639,7 +4770,19 @@
             </a:r>
             <a:r>
               <a:rPr lang="en-US" dirty="0" smtClean="0"/>
-              <a:t> was not build using LAPACK</a:t>
+              <a:t> was not </a:t>
+            </a:r>
+            <a:r>
+              <a:rPr lang="en-US" dirty="0" smtClean="0"/>
+              <a:t>built </a:t>
+            </a:r>
+            <a:r>
+              <a:rPr lang="en-US" dirty="0" smtClean="0"/>
+              <a:t>using </a:t>
+            </a:r>
+            <a:r>
+              <a:rPr lang="en-US" dirty="0" smtClean="0"/>
+              <a:t>LAPACK</a:t>
             </a:r>
             <a:endParaRPr lang="en-US" dirty="0"/>
           </a:p>
@@ -4658,7 +4801,7 @@
 </p:sld>
 </file>
 
-<file path=ppt/slides/slide14.xml><?xml version="1.0" encoding="utf-8"?>
+<file path=ppt/slides/slide15.xml><?xml version="1.0" encoding="utf-8"?>
 <p:sld xmlns:a="http://schemas.openxmlformats.org/drawingml/2006/main" xmlns:r="http://schemas.openxmlformats.org/officeDocument/2006/relationships" xmlns:p="http://schemas.openxmlformats.org/presentationml/2006/main">
   <p:cSld>
     <p:spTree>
@@ -4827,7 +4970,7 @@
 </p:sld>
 </file>
 
-<file path=ppt/slides/slide15.xml><?xml version="1.0" encoding="utf-8"?>
+<file path=ppt/slides/slide16.xml><?xml version="1.0" encoding="utf-8"?>
 <p:sld xmlns:a="http://schemas.openxmlformats.org/drawingml/2006/main" xmlns:r="http://schemas.openxmlformats.org/officeDocument/2006/relationships" xmlns:p="http://schemas.openxmlformats.org/presentationml/2006/main">
   <p:cSld>
     <p:spTree>
@@ -5016,7 +5159,7 @@
 </p:sld>
 </file>
 
-<file path=ppt/slides/slide16.xml><?xml version="1.0" encoding="utf-8"?>
+<file path=ppt/slides/slide17.xml><?xml version="1.0" encoding="utf-8"?>
 <p:sld xmlns:a="http://schemas.openxmlformats.org/drawingml/2006/main" xmlns:r="http://schemas.openxmlformats.org/officeDocument/2006/relationships" xmlns:p="http://schemas.openxmlformats.org/presentationml/2006/main">
   <p:cSld>
     <p:spTree>

--- a/3D Reconstruction/Documentation/TSBB15prez.pptx
+++ b/3D Reconstruction/Documentation/TSBB15prez.pptx
@@ -5,7 +5,7 @@
     <p:sldMasterId id="2147483684" r:id="rId1"/>
   </p:sldMasterIdLst>
   <p:handoutMasterIdLst>
-    <p:handoutMasterId r:id="rId19"/>
+    <p:handoutMasterId r:id="rId18"/>
   </p:handoutMasterIdLst>
   <p:sldIdLst>
     <p:sldId id="256" r:id="rId2"/>
@@ -23,8 +23,7 @@
     <p:sldId id="303" r:id="rId14"/>
     <p:sldId id="304" r:id="rId15"/>
     <p:sldId id="293" r:id="rId16"/>
-    <p:sldId id="278" r:id="rId17"/>
-    <p:sldId id="279" r:id="rId18"/>
+    <p:sldId id="279" r:id="rId17"/>
   </p:sldIdLst>
   <p:sldSz cx="9144000" cy="6858000" type="screen4x3"/>
   <p:notesSz cx="6858000" cy="9144000"/>
@@ -143,7 +142,6 @@
             <p14:sldId id="303"/>
             <p14:sldId id="304"/>
             <p14:sldId id="293"/>
-            <p14:sldId id="278"/>
             <p14:sldId id="279"/>
           </p14:sldIdLst>
         </p14:section>
@@ -4219,7 +4217,15 @@
           <a:p>
             <a:r>
               <a:rPr lang="sv-SE" dirty="0" smtClean="0"/>
-              <a:t>Algorithm used as initial guess for PnP </a:t>
+              <a:t>Results</a:t>
+            </a:r>
+            <a:r>
+              <a:rPr lang="sv-SE" dirty="0" smtClean="0"/>
+              <a:t> </a:t>
+            </a:r>
+            <a:r>
+              <a:rPr lang="sv-SE" dirty="0" smtClean="0"/>
+              <a:t>used as initial guess for PnP </a:t>
             </a:r>
           </a:p>
         </p:txBody>
@@ -4300,11 +4306,7 @@
           <a:p>
             <a:r>
               <a:rPr lang="en-US" dirty="0" smtClean="0"/>
-              <a:t>Implemented using </a:t>
-            </a:r>
-            <a:r>
-              <a:rPr lang="en-US" dirty="0" smtClean="0"/>
-              <a:t>the </a:t>
+              <a:t>Implemented using the </a:t>
             </a:r>
             <a:r>
               <a:rPr lang="en-US" dirty="0" err="1" smtClean="0"/>
@@ -4350,11 +4352,7 @@
             <a:pPr lvl="1"/>
             <a:r>
               <a:rPr lang="en-US" dirty="0" smtClean="0"/>
-              <a:t>Bundle </a:t>
-            </a:r>
-            <a:r>
-              <a:rPr lang="en-US" dirty="0" smtClean="0"/>
-              <a:t>adjustment</a:t>
+              <a:t>Bundle adjustment</a:t>
             </a:r>
           </a:p>
           <a:p>
@@ -4366,15 +4364,7 @@
           <a:p>
             <a:r>
               <a:rPr lang="en-US" dirty="0" smtClean="0"/>
-              <a:t>Minimizes </a:t>
-            </a:r>
-            <a:r>
-              <a:rPr lang="en-US" dirty="0" smtClean="0"/>
-              <a:t>squared re-projection </a:t>
-            </a:r>
-            <a:r>
-              <a:rPr lang="en-US" dirty="0" smtClean="0"/>
-              <a:t>error over specified parameters.</a:t>
+              <a:t>Minimizes squared re-projection error over specified parameters.</a:t>
             </a:r>
             <a:endParaRPr lang="en-US" dirty="0"/>
           </a:p>
@@ -4390,6 +4380,13 @@
   <p:clrMapOvr>
     <a:masterClrMapping/>
   </p:clrMapOvr>
+  <p:timing>
+    <p:tnLst>
+      <p:par>
+        <p:cTn id="1" dur="indefinite" restart="never" nodeType="tmRoot"/>
+      </p:par>
+    </p:tnLst>
+  </p:timing>
 </p:sld>
 </file>
 
@@ -4489,8 +4486,17 @@
           <a:p>
             <a:r>
               <a:rPr lang="en-US" dirty="0" smtClean="0"/>
-              <a:t>Ambiguity in the mapping from parameter vector to matrix</a:t>
-            </a:r>
+              <a:t>Ambiguity in </a:t>
+            </a:r>
+            <a:r>
+              <a:rPr lang="en-US" smtClean="0"/>
+              <a:t>the </a:t>
+            </a:r>
+            <a:r>
+              <a:rPr lang="en-US" smtClean="0"/>
+              <a:t>representation</a:t>
+            </a:r>
+            <a:endParaRPr lang="en-US" dirty="0" smtClean="0"/>
           </a:p>
         </p:txBody>
       </p:sp>
@@ -4504,6 +4510,13 @@
   <p:clrMapOvr>
     <a:masterClrMapping/>
   </p:clrMapOvr>
+  <p:timing>
+    <p:tnLst>
+      <p:par>
+        <p:cTn id="1" dur="indefinite" restart="never" nodeType="tmRoot"/>
+      </p:par>
+    </p:tnLst>
+  </p:timing>
 </p:sld>
 </file>
 
@@ -4578,11 +4591,7 @@
             </a:r>
             <a:r>
               <a:rPr lang="en-US" dirty="0" smtClean="0"/>
-              <a:t>(R &amp; t</a:t>
-            </a:r>
-            <a:r>
-              <a:rPr lang="en-US" dirty="0" smtClean="0"/>
-              <a:t>)</a:t>
+              <a:t>(R &amp; t)</a:t>
             </a:r>
           </a:p>
           <a:p>
@@ -4710,11 +4719,7 @@
             </a:r>
             <a:r>
               <a:rPr lang="en-US" smtClean="0"/>
-              <a:t>of </a:t>
-            </a:r>
-            <a:r>
-              <a:rPr lang="en-US" smtClean="0"/>
-              <a:t>points and views</a:t>
+              <a:t>of points and views</a:t>
             </a:r>
             <a:endParaRPr lang="en-US" dirty="0"/>
           </a:p>
@@ -4729,11 +4734,7 @@
             </a:br>
             <a:r>
               <a:rPr lang="en-US" dirty="0" smtClean="0"/>
-              <a:t>(30 </a:t>
-            </a:r>
-            <a:r>
-              <a:rPr lang="en-US" dirty="0" smtClean="0"/>
-              <a:t>points per view)</a:t>
+              <a:t>(30 points per view)</a:t>
             </a:r>
             <a:endParaRPr lang="en-US" dirty="0"/>
           </a:p>
@@ -4770,19 +4771,7 @@
             </a:r>
             <a:r>
               <a:rPr lang="en-US" dirty="0" smtClean="0"/>
-              <a:t> was not </a:t>
-            </a:r>
-            <a:r>
-              <a:rPr lang="en-US" dirty="0" smtClean="0"/>
-              <a:t>built </a:t>
-            </a:r>
-            <a:r>
-              <a:rPr lang="en-US" dirty="0" smtClean="0"/>
-              <a:t>using </a:t>
-            </a:r>
-            <a:r>
-              <a:rPr lang="en-US" dirty="0" smtClean="0"/>
-              <a:t>LAPACK</a:t>
+              <a:t> was not built using LAPACK</a:t>
             </a:r>
             <a:endParaRPr lang="en-US" dirty="0"/>
           </a:p>
@@ -4798,6 +4787,13 @@
   <p:clrMapOvr>
     <a:masterClrMapping/>
   </p:clrMapOvr>
+  <p:timing>
+    <p:tnLst>
+      <p:par>
+        <p:cTn id="1" dur="indefinite" restart="never" nodeType="tmRoot"/>
+      </p:par>
+    </p:tnLst>
+  </p:timing>
 </p:sld>
 </file>
 
@@ -5004,7 +5000,7 @@
           <a:p>
             <a:r>
               <a:rPr lang="en-US" dirty="0" smtClean="0"/>
-              <a:t>Evaluation</a:t>
+              <a:t>Results</a:t>
             </a:r>
             <a:endParaRPr lang="en-US" dirty="0"/>
           </a:p>
@@ -5020,51 +5016,87 @@
             <p:ph idx="1"/>
           </p:nvPr>
         </p:nvSpPr>
-        <p:spPr>
-          <a:xfrm>
-            <a:off x="228600" y="1752601"/>
-            <a:ext cx="8763000" cy="1981199"/>
-          </a:xfrm>
-        </p:spPr>
-        <p:txBody>
-          <a:bodyPr>
-            <a:normAutofit/>
-          </a:bodyPr>
+        <p:spPr/>
+        <p:txBody>
+          <a:bodyPr/>
           <a:lstStyle/>
           <a:p>
-            <a:pPr lvl="1"/>
-            <a:r>
-              <a:rPr lang="en-US" dirty="0" smtClean="0"/>
-              <a:t>Slow, especially bundle adjustment step.</a:t>
-            </a:r>
-          </a:p>
-          <a:p>
-            <a:pPr lvl="1"/>
-            <a:r>
-              <a:rPr lang="en-US" dirty="0" smtClean="0"/>
-              <a:t>Very good results though.</a:t>
-            </a:r>
-          </a:p>
-          <a:p>
-            <a:pPr lvl="1"/>
-            <a:r>
-              <a:rPr lang="en-US" dirty="0" smtClean="0"/>
-              <a:t>Sensitive to outliers.</a:t>
-            </a:r>
-          </a:p>
-          <a:p>
-            <a:pPr lvl="1"/>
-            <a:endParaRPr lang="en-US" dirty="0"/>
-          </a:p>
-          <a:p>
-            <a:pPr lvl="1"/>
-            <a:endParaRPr lang="en-US" dirty="0" smtClean="0"/>
+            <a:pPr marL="118872" indent="0">
+              <a:buNone/>
+            </a:pPr>
+            <a:r>
+              <a:rPr lang="sv-SE" dirty="0" err="1" smtClean="0"/>
+              <a:t>Very</a:t>
+            </a:r>
+            <a:r>
+              <a:rPr lang="sv-SE" dirty="0" smtClean="0"/>
+              <a:t> </a:t>
+            </a:r>
+            <a:r>
+              <a:rPr lang="sv-SE" dirty="0" err="1" smtClean="0"/>
+              <a:t>slow</a:t>
+            </a:r>
+            <a:r>
+              <a:rPr lang="sv-SE" dirty="0"/>
+              <a:t> </a:t>
+            </a:r>
+            <a:r>
+              <a:rPr lang="sv-SE" dirty="0" smtClean="0"/>
+              <a:t>for </a:t>
+            </a:r>
+            <a:r>
+              <a:rPr lang="sv-SE" dirty="0" err="1" smtClean="0"/>
+              <a:t>many</a:t>
+            </a:r>
+            <a:r>
+              <a:rPr lang="sv-SE" dirty="0" smtClean="0"/>
+              <a:t> </a:t>
+            </a:r>
+            <a:r>
+              <a:rPr lang="sv-SE" dirty="0" err="1" smtClean="0"/>
+              <a:t>cameras</a:t>
+            </a:r>
+            <a:r>
+              <a:rPr lang="sv-SE" dirty="0" smtClean="0"/>
+              <a:t>.</a:t>
+            </a:r>
+          </a:p>
+          <a:p>
+            <a:pPr marL="118872" indent="0">
+              <a:buNone/>
+            </a:pPr>
+            <a:r>
+              <a:rPr lang="sv-SE" dirty="0" smtClean="0"/>
+              <a:t>Some drift for the last few cameras.</a:t>
+            </a:r>
+          </a:p>
+          <a:p>
+            <a:pPr marL="118872" indent="0">
+              <a:buNone/>
+            </a:pPr>
+            <a:r>
+              <a:rPr lang="sv-SE" dirty="0" smtClean="0"/>
+              <a:t>Good results except for the last 3 cameras.</a:t>
+            </a:r>
+            <a:endParaRPr lang="sv-SE" dirty="0" smtClean="0"/>
+          </a:p>
+          <a:p>
+            <a:pPr marL="118872" indent="0">
+              <a:buNone/>
+            </a:pPr>
+            <a:endParaRPr lang="sv-SE" dirty="0"/>
+          </a:p>
+          <a:p>
+            <a:pPr marL="118872" indent="0">
+              <a:buNone/>
+            </a:pPr>
+            <a:endParaRPr lang="sv-SE" dirty="0"/>
           </a:p>
         </p:txBody>
       </p:sp>
       <p:pic>
         <p:nvPicPr>
-          <p:cNvPr id="4098" name="Picture 2" descr="C:\Documents and Settings\gusha124\Desktop\Documentation\images\gotCams.png"/>
+          <p:cNvPr id="1026" name="Picture 2"/>
           <p:cNvPicPr>
             <a:picLocks noChangeAspect="1" noChangeArrowheads="1"/>
           </p:cNvPicPr>
@@ -5085,34 +5117,47 @@
         </p:blipFill>
         <p:spPr bwMode="auto">
           <a:xfrm>
-            <a:off x="5486400" y="3850473"/>
-            <a:ext cx="3168227" cy="2491050"/>
+            <a:off x="4496732" y="4343400"/>
+            <a:ext cx="4423707" cy="2352675"/>
           </a:xfrm>
           <a:prstGeom prst="rect">
             <a:avLst/>
           </a:prstGeom>
           <a:noFill/>
+          <a:ln>
+            <a:noFill/>
+          </a:ln>
           <a:extLst>
             <a:ext uri="{909E8E84-426E-40DD-AFC4-6F175D3DCCD1}">
               <a14:hiddenFill xmlns:a14="http://schemas.microsoft.com/office/drawing/2010/main">
                 <a:solidFill>
-                  <a:srgbClr val="FFFFFF"/>
+                  <a:schemeClr val="accent1"/>
                 </a:solidFill>
               </a14:hiddenFill>
+            </a:ext>
+            <a:ext uri="{91240B29-F687-4F45-9708-019B960494DF}">
+              <a14:hiddenLine xmlns:a14="http://schemas.microsoft.com/office/drawing/2010/main" w="9525">
+                <a:solidFill>
+                  <a:schemeClr val="tx1"/>
+                </a:solidFill>
+                <a:miter lim="800000"/>
+                <a:headEnd/>
+                <a:tailEnd/>
+              </a14:hiddenLine>
             </a:ext>
           </a:extLst>
         </p:spPr>
       </p:pic>
       <p:pic>
         <p:nvPicPr>
-          <p:cNvPr id="1026" name="Picture 2" descr="C:\Documents and Settings\gusha124\Desktop\Documentation\images\protein.png"/>
+          <p:cNvPr id="1027" name="Picture 3"/>
           <p:cNvPicPr>
             <a:picLocks noChangeAspect="1" noChangeArrowheads="1"/>
           </p:cNvPicPr>
           <p:nvPr/>
         </p:nvPicPr>
         <p:blipFill>
-          <a:blip r:embed="rId3" cstate="print">
+          <a:blip r:embed="rId3">
             <a:extLst>
               <a:ext uri="{28A0092B-C50C-407E-A947-70E740481C1C}">
                 <a14:useLocalDpi xmlns:a14="http://schemas.microsoft.com/office/drawing/2010/main" val="0"/>
@@ -5126,175 +5171,37 @@
         </p:blipFill>
         <p:spPr bwMode="auto">
           <a:xfrm>
-            <a:off x="457200" y="3850473"/>
-            <a:ext cx="4428534" cy="2491050"/>
+            <a:off x="533400" y="3658470"/>
+            <a:ext cx="3248025" cy="3037605"/>
           </a:xfrm>
           <a:prstGeom prst="rect">
             <a:avLst/>
           </a:prstGeom>
           <a:noFill/>
+          <a:ln>
+            <a:noFill/>
+          </a:ln>
           <a:extLst>
             <a:ext uri="{909E8E84-426E-40DD-AFC4-6F175D3DCCD1}">
               <a14:hiddenFill xmlns:a14="http://schemas.microsoft.com/office/drawing/2010/main">
                 <a:solidFill>
-                  <a:srgbClr val="FFFFFF"/>
+                  <a:schemeClr val="accent1"/>
                 </a:solidFill>
               </a14:hiddenFill>
+            </a:ext>
+            <a:ext uri="{91240B29-F687-4F45-9708-019B960494DF}">
+              <a14:hiddenLine xmlns:a14="http://schemas.microsoft.com/office/drawing/2010/main" w="9525">
+                <a:solidFill>
+                  <a:schemeClr val="tx1"/>
+                </a:solidFill>
+                <a:miter lim="800000"/>
+                <a:headEnd/>
+                <a:tailEnd/>
+              </a14:hiddenLine>
             </a:ext>
           </a:extLst>
         </p:spPr>
       </p:pic>
-    </p:spTree>
-  </p:cSld>
-  <p:clrMapOvr>
-    <a:masterClrMapping/>
-  </p:clrMapOvr>
-  <p:timing>
-    <p:tnLst>
-      <p:par>
-        <p:cTn id="1" dur="indefinite" restart="never" nodeType="tmRoot"/>
-      </p:par>
-    </p:tnLst>
-  </p:timing>
-</p:sld>
-</file>
-
-<file path=ppt/slides/slide17.xml><?xml version="1.0" encoding="utf-8"?>
-<p:sld xmlns:a="http://schemas.openxmlformats.org/drawingml/2006/main" xmlns:r="http://schemas.openxmlformats.org/officeDocument/2006/relationships" xmlns:p="http://schemas.openxmlformats.org/presentationml/2006/main">
-  <p:cSld>
-    <p:spTree>
-      <p:nvGrpSpPr>
-        <p:cNvPr id="1" name=""/>
-        <p:cNvGrpSpPr/>
-        <p:nvPr/>
-      </p:nvGrpSpPr>
-      <p:grpSpPr>
-        <a:xfrm>
-          <a:off x="0" y="0"/>
-          <a:ext cx="0" cy="0"/>
-          <a:chOff x="0" y="0"/>
-          <a:chExt cx="0" cy="0"/>
-        </a:xfrm>
-      </p:grpSpPr>
-      <p:sp>
-        <p:nvSpPr>
-          <p:cNvPr id="2" name="Title 1"/>
-          <p:cNvSpPr>
-            <a:spLocks noGrp="1"/>
-          </p:cNvSpPr>
-          <p:nvPr>
-            <p:ph type="title"/>
-          </p:nvPr>
-        </p:nvSpPr>
-        <p:spPr/>
-        <p:txBody>
-          <a:bodyPr/>
-          <a:lstStyle/>
-          <a:p>
-            <a:r>
-              <a:rPr lang="en-US" dirty="0" smtClean="0"/>
-              <a:t>Results</a:t>
-            </a:r>
-            <a:endParaRPr lang="en-US" dirty="0"/>
-          </a:p>
-        </p:txBody>
-      </p:sp>
-      <p:sp>
-        <p:nvSpPr>
-          <p:cNvPr id="3" name="Content Placeholder 2"/>
-          <p:cNvSpPr>
-            <a:spLocks noGrp="1"/>
-          </p:cNvSpPr>
-          <p:nvPr>
-            <p:ph idx="1"/>
-          </p:nvPr>
-        </p:nvSpPr>
-        <p:spPr/>
-        <p:txBody>
-          <a:bodyPr/>
-          <a:lstStyle/>
-          <a:p>
-            <a:pPr marL="118872" indent="0">
-              <a:buNone/>
-            </a:pPr>
-            <a:r>
-              <a:rPr lang="sv-SE" dirty="0" err="1" smtClean="0"/>
-              <a:t>Very</a:t>
-            </a:r>
-            <a:r>
-              <a:rPr lang="sv-SE" dirty="0" smtClean="0"/>
-              <a:t> </a:t>
-            </a:r>
-            <a:r>
-              <a:rPr lang="sv-SE" dirty="0" err="1" smtClean="0"/>
-              <a:t>slow</a:t>
-            </a:r>
-            <a:r>
-              <a:rPr lang="sv-SE" dirty="0"/>
-              <a:t> </a:t>
-            </a:r>
-            <a:r>
-              <a:rPr lang="sv-SE" dirty="0" smtClean="0"/>
-              <a:t>for </a:t>
-            </a:r>
-            <a:r>
-              <a:rPr lang="sv-SE" dirty="0" err="1" smtClean="0"/>
-              <a:t>many</a:t>
-            </a:r>
-            <a:r>
-              <a:rPr lang="sv-SE" dirty="0" smtClean="0"/>
-              <a:t> </a:t>
-            </a:r>
-            <a:r>
-              <a:rPr lang="sv-SE" dirty="0" err="1" smtClean="0"/>
-              <a:t>cameras</a:t>
-            </a:r>
-            <a:r>
-              <a:rPr lang="sv-SE" dirty="0" smtClean="0"/>
-              <a:t>.</a:t>
-            </a:r>
-          </a:p>
-          <a:p>
-            <a:pPr marL="118872" indent="0">
-              <a:buNone/>
-            </a:pPr>
-            <a:r>
-              <a:rPr lang="sv-SE" dirty="0" err="1" smtClean="0"/>
-              <a:t>But</a:t>
-            </a:r>
-            <a:r>
-              <a:rPr lang="sv-SE" dirty="0" smtClean="0"/>
-              <a:t> it </a:t>
-            </a:r>
-            <a:r>
-              <a:rPr lang="sv-SE" dirty="0" err="1" smtClean="0"/>
-              <a:t>works</a:t>
-            </a:r>
-            <a:r>
-              <a:rPr lang="sv-SE" dirty="0" smtClean="0"/>
-              <a:t>.</a:t>
-            </a:r>
-          </a:p>
-          <a:p>
-            <a:pPr marL="118872" indent="0">
-              <a:buNone/>
-            </a:pPr>
-            <a:r>
-              <a:rPr lang="sv-SE" dirty="0" smtClean="0"/>
-              <a:t>It is </a:t>
-            </a:r>
-            <a:r>
-              <a:rPr lang="sv-SE" dirty="0" err="1" smtClean="0"/>
-              <a:t>awsome</a:t>
-            </a:r>
-            <a:r>
-              <a:rPr lang="sv-SE" dirty="0" smtClean="0"/>
-              <a:t>.</a:t>
-            </a:r>
-            <a:endParaRPr lang="sv-SE" dirty="0"/>
-          </a:p>
-        </p:txBody>
-      </p:sp>
     </p:spTree>
   </p:cSld>
   <p:clrMapOvr>
@@ -5508,6 +5415,13 @@
   <p:clrMapOvr>
     <a:masterClrMapping/>
   </p:clrMapOvr>
+  <p:timing>
+    <p:tnLst>
+      <p:par>
+        <p:cTn id="1" dur="indefinite" restart="never" nodeType="tmRoot"/>
+      </p:par>
+    </p:tnLst>
+  </p:timing>
 </p:sld>
 </file>
 
